--- a/plots/2021_02_09/multinomial_Re_growthadv_B117_WT.pptx
+++ b/plots/2021_02_09/multinomial_Re_growthadv_B117_WT.pptx
@@ -3158,7 +3158,7 @@
           <p:spPr>
             <a:xfrm>
               <a:off x="4343400" y="1691481"/>
-              <a:ext cx="6400799" cy="3657600"/>
+              <a:ext cx="6400800" cy="3657600"/>
             </a:xfrm>
             <a:prstGeom prst="rect">
               <a:avLst/>
@@ -3183,21 +3183,21 @@
           </p:nvSpPr>
           <p:spPr>
             <a:xfrm>
-              <a:off x="4890324" y="4426423"/>
-              <a:ext cx="5784286" cy="0"/>
+              <a:off x="4822518" y="4426423"/>
+              <a:ext cx="5852092" cy="0"/>
             </a:xfrm>
             <a:custGeom>
               <a:avLst/>
               <a:pathLst>
-                <a:path w="5784286" h="0">
+                <a:path w="5852092" h="0">
                   <a:moveTo>
                     <a:pt x="0" y="0"/>
                   </a:moveTo>
                   <a:lnTo>
-                    <a:pt x="5784286" y="0"/>
-                  </a:lnTo>
-                  <a:lnTo>
-                    <a:pt x="5784286" y="0"/>
+                    <a:pt x="5852092" y="0"/>
+                  </a:lnTo>
+                  <a:lnTo>
+                    <a:pt x="5852092" y="0"/>
                   </a:lnTo>
                 </a:path>
               </a:pathLst>
@@ -3226,21 +3226,21 @@
           </p:nvSpPr>
           <p:spPr>
             <a:xfrm>
-              <a:off x="4890324" y="3978789"/>
-              <a:ext cx="5784286" cy="0"/>
+              <a:off x="4822518" y="3213554"/>
+              <a:ext cx="5852092" cy="0"/>
             </a:xfrm>
             <a:custGeom>
               <a:avLst/>
               <a:pathLst>
-                <a:path w="5784286" h="0">
+                <a:path w="5852092" h="0">
                   <a:moveTo>
                     <a:pt x="0" y="0"/>
                   </a:moveTo>
                   <a:lnTo>
-                    <a:pt x="5784286" y="0"/>
-                  </a:lnTo>
-                  <a:lnTo>
-                    <a:pt x="5784286" y="0"/>
+                    <a:pt x="5852092" y="0"/>
+                  </a:lnTo>
+                  <a:lnTo>
+                    <a:pt x="5852092" y="0"/>
                   </a:lnTo>
                 </a:path>
               </a:pathLst>
@@ -3269,21 +3269,21 @@
           </p:nvSpPr>
           <p:spPr>
             <a:xfrm>
-              <a:off x="4890324" y="3213554"/>
-              <a:ext cx="5784286" cy="0"/>
+              <a:off x="4822518" y="3213554"/>
+              <a:ext cx="5852092" cy="0"/>
             </a:xfrm>
             <a:custGeom>
               <a:avLst/>
               <a:pathLst>
-                <a:path w="5784286" h="0">
+                <a:path w="5852092" h="0">
                   <a:moveTo>
                     <a:pt x="0" y="0"/>
                   </a:moveTo>
                   <a:lnTo>
-                    <a:pt x="5784286" y="0"/>
-                  </a:lnTo>
-                  <a:lnTo>
-                    <a:pt x="5784286" y="0"/>
+                    <a:pt x="5852092" y="0"/>
+                  </a:lnTo>
+                  <a:lnTo>
+                    <a:pt x="5852092" y="0"/>
                   </a:lnTo>
                 </a:path>
               </a:pathLst>
@@ -3312,21 +3312,21 @@
           </p:nvSpPr>
           <p:spPr>
             <a:xfrm>
-              <a:off x="4890324" y="3213554"/>
-              <a:ext cx="5784286" cy="0"/>
+              <a:off x="4822518" y="2000684"/>
+              <a:ext cx="5852092" cy="0"/>
             </a:xfrm>
             <a:custGeom>
               <a:avLst/>
               <a:pathLst>
-                <a:path w="5784286" h="0">
+                <a:path w="5852092" h="0">
                   <a:moveTo>
                     <a:pt x="0" y="0"/>
                   </a:moveTo>
                   <a:lnTo>
-                    <a:pt x="5784286" y="0"/>
-                  </a:lnTo>
-                  <a:lnTo>
-                    <a:pt x="5784286" y="0"/>
+                    <a:pt x="5852092" y="0"/>
+                  </a:lnTo>
+                  <a:lnTo>
+                    <a:pt x="5852092" y="0"/>
                   </a:lnTo>
                 </a:path>
               </a:pathLst>
@@ -3349,350 +3349,180 @@
         </p:sp>
         <p:sp>
           <p:nvSpPr>
-            <p:cNvPr id="9" name="pl9"/>
+            <p:cNvPr id="9" name="pg9"/>
             <p:cNvSpPr/>
             <p:nvPr/>
           </p:nvSpPr>
           <p:spPr>
             <a:xfrm>
-              <a:off x="4890324" y="2448318"/>
-              <a:ext cx="5784286" cy="0"/>
+              <a:off x="4822518" y="3201000"/>
+              <a:ext cx="5852092" cy="829147"/>
             </a:xfrm>
             <a:custGeom>
               <a:avLst/>
               <a:pathLst>
-                <a:path w="5784286" h="0">
+                <a:path w="5852092" h="829147">
                   <a:moveTo>
                     <a:pt x="0" y="0"/>
                   </a:moveTo>
                   <a:lnTo>
-                    <a:pt x="5784286" y="0"/>
-                  </a:lnTo>
-                  <a:lnTo>
-                    <a:pt x="5784286" y="0"/>
-                  </a:lnTo>
-                </a:path>
-              </a:pathLst>
-            </a:custGeom>
-            <a:ln w="13550" cap="flat">
-              <a:solidFill>
-                <a:srgbClr val="D8D8D8">
-                  <a:alpha val="100000"/>
-                </a:srgbClr>
-              </a:solidFill>
-              <a:prstDash val="solid"/>
-              <a:round/>
-            </a:ln>
-          </p:spPr>
-          <p:txBody>
-            <a:bodyPr/>
-            <a:lstStyle/>
-            <a:p/>
-          </p:txBody>
-        </p:sp>
-        <p:sp>
-          <p:nvSpPr>
-            <p:cNvPr id="10" name="pl10"/>
-            <p:cNvSpPr/>
-            <p:nvPr/>
-          </p:nvSpPr>
-          <p:spPr>
-            <a:xfrm>
-              <a:off x="4890324" y="2000684"/>
-              <a:ext cx="5784286" cy="0"/>
-            </a:xfrm>
-            <a:custGeom>
-              <a:avLst/>
-              <a:pathLst>
-                <a:path w="5784286" h="0">
-                  <a:moveTo>
-                    <a:pt x="0" y="0"/>
-                  </a:moveTo>
-                  <a:lnTo>
-                    <a:pt x="5784286" y="0"/>
-                  </a:lnTo>
-                  <a:lnTo>
-                    <a:pt x="5784286" y="0"/>
-                  </a:lnTo>
-                </a:path>
-              </a:pathLst>
-            </a:custGeom>
-            <a:ln w="13550" cap="flat">
-              <a:solidFill>
-                <a:srgbClr val="D8D8D8">
-                  <a:alpha val="100000"/>
-                </a:srgbClr>
-              </a:solidFill>
-              <a:prstDash val="solid"/>
-              <a:round/>
-            </a:ln>
-          </p:spPr>
-          <p:txBody>
-            <a:bodyPr/>
-            <a:lstStyle/>
-            <a:p/>
-          </p:txBody>
-        </p:sp>
-        <p:sp>
-          <p:nvSpPr>
-            <p:cNvPr id="11" name="pg11"/>
-            <p:cNvSpPr/>
-            <p:nvPr/>
-          </p:nvSpPr>
-          <p:spPr>
-            <a:xfrm>
-              <a:off x="4890324" y="3061846"/>
-              <a:ext cx="5784286" cy="942640"/>
-            </a:xfrm>
-            <a:custGeom>
-              <a:avLst/>
-              <a:pathLst>
-                <a:path w="5784286" h="942640">
-                  <a:moveTo>
-                    <a:pt x="0" y="885960"/>
-                  </a:moveTo>
-                  <a:lnTo>
-                    <a:pt x="144607" y="874115"/>
-                  </a:lnTo>
-                  <a:lnTo>
-                    <a:pt x="289214" y="839589"/>
-                  </a:lnTo>
-                  <a:lnTo>
-                    <a:pt x="433821" y="782721"/>
-                  </a:lnTo>
-                  <a:lnTo>
-                    <a:pt x="578428" y="703860"/>
-                  </a:lnTo>
-                  <a:lnTo>
-                    <a:pt x="723035" y="603357"/>
-                  </a:lnTo>
-                  <a:lnTo>
-                    <a:pt x="867643" y="482289"/>
-                  </a:lnTo>
-                  <a:lnTo>
-                    <a:pt x="1012250" y="343142"/>
-                  </a:lnTo>
-                  <a:lnTo>
-                    <a:pt x="1156857" y="214279"/>
-                  </a:lnTo>
-                  <a:lnTo>
-                    <a:pt x="1301464" y="117922"/>
-                  </a:lnTo>
-                  <a:lnTo>
-                    <a:pt x="1446071" y="51313"/>
-                  </a:lnTo>
-                  <a:lnTo>
-                    <a:pt x="1590678" y="12446"/>
-                  </a:lnTo>
-                  <a:lnTo>
-                    <a:pt x="1735286" y="0"/>
-                  </a:lnTo>
-                  <a:lnTo>
-                    <a:pt x="1879893" y="13206"/>
-                  </a:lnTo>
-                  <a:lnTo>
-                    <a:pt x="2024500" y="51725"/>
-                  </a:lnTo>
-                  <a:lnTo>
-                    <a:pt x="2169107" y="115549"/>
-                  </a:lnTo>
-                  <a:lnTo>
-                    <a:pt x="2313714" y="184953"/>
-                  </a:lnTo>
-                  <a:lnTo>
-                    <a:pt x="2458321" y="241661"/>
-                  </a:lnTo>
-                  <a:lnTo>
-                    <a:pt x="2602929" y="285632"/>
-                  </a:lnTo>
-                  <a:lnTo>
-                    <a:pt x="2747536" y="316511"/>
-                  </a:lnTo>
-                  <a:lnTo>
-                    <a:pt x="2892143" y="333610"/>
-                  </a:lnTo>
-                  <a:lnTo>
-                    <a:pt x="3036750" y="335403"/>
-                  </a:lnTo>
-                  <a:lnTo>
-                    <a:pt x="3181357" y="317888"/>
-                  </a:lnTo>
-                  <a:lnTo>
-                    <a:pt x="3325964" y="274486"/>
-                  </a:lnTo>
-                  <a:lnTo>
-                    <a:pt x="3470572" y="223722"/>
-                  </a:lnTo>
-                  <a:lnTo>
-                    <a:pt x="3615179" y="188633"/>
-                  </a:lnTo>
-                  <a:lnTo>
-                    <a:pt x="3759786" y="171179"/>
-                  </a:lnTo>
-                  <a:lnTo>
-                    <a:pt x="3904393" y="171743"/>
-                  </a:lnTo>
-                  <a:lnTo>
-                    <a:pt x="4049000" y="190553"/>
-                  </a:lnTo>
-                  <a:lnTo>
-                    <a:pt x="4193607" y="227993"/>
-                  </a:lnTo>
-                  <a:lnTo>
-                    <a:pt x="4338215" y="284652"/>
-                  </a:lnTo>
-                  <a:lnTo>
-                    <a:pt x="4482822" y="361158"/>
-                  </a:lnTo>
-                  <a:lnTo>
-                    <a:pt x="4627429" y="440978"/>
-                  </a:lnTo>
-                  <a:lnTo>
-                    <a:pt x="4772036" y="507490"/>
-                  </a:lnTo>
-                  <a:lnTo>
-                    <a:pt x="4916643" y="559831"/>
-                  </a:lnTo>
-                  <a:lnTo>
-                    <a:pt x="5061250" y="598593"/>
-                  </a:lnTo>
-                  <a:lnTo>
-                    <a:pt x="5205858" y="625160"/>
-                  </a:lnTo>
-                  <a:lnTo>
-                    <a:pt x="5350465" y="640644"/>
-                  </a:lnTo>
-                  <a:lnTo>
-                    <a:pt x="5495072" y="645622"/>
-                  </a:lnTo>
-                  <a:lnTo>
-                    <a:pt x="5639679" y="645622"/>
-                  </a:lnTo>
-                  <a:lnTo>
-                    <a:pt x="5784286" y="645622"/>
-                  </a:lnTo>
-                  <a:lnTo>
-                    <a:pt x="5784286" y="725666"/>
-                  </a:lnTo>
-                  <a:lnTo>
-                    <a:pt x="5639679" y="725666"/>
-                  </a:lnTo>
-                  <a:lnTo>
-                    <a:pt x="5495072" y="725666"/>
-                  </a:lnTo>
-                  <a:lnTo>
-                    <a:pt x="5350465" y="719429"/>
-                  </a:lnTo>
-                  <a:lnTo>
-                    <a:pt x="5205858" y="700543"/>
-                  </a:lnTo>
-                  <a:lnTo>
-                    <a:pt x="5061250" y="670007"/>
-                  </a:lnTo>
-                  <a:lnTo>
-                    <a:pt x="4916643" y="629636"/>
-                  </a:lnTo>
-                  <a:lnTo>
-                    <a:pt x="4772036" y="581756"/>
-                  </a:lnTo>
-                  <a:lnTo>
-                    <a:pt x="4627429" y="528104"/>
-                  </a:lnTo>
-                  <a:lnTo>
-                    <a:pt x="4482822" y="469124"/>
-                  </a:lnTo>
-                  <a:lnTo>
-                    <a:pt x="4338215" y="413787"/>
-                  </a:lnTo>
-                  <a:lnTo>
-                    <a:pt x="4193607" y="370712"/>
-                  </a:lnTo>
-                  <a:lnTo>
-                    <a:pt x="4049000" y="338874"/>
-                  </a:lnTo>
-                  <a:lnTo>
-                    <a:pt x="3904393" y="317766"/>
-                  </a:lnTo>
-                  <a:lnTo>
-                    <a:pt x="3759786" y="307184"/>
-                  </a:lnTo>
-                  <a:lnTo>
-                    <a:pt x="3615179" y="307241"/>
-                  </a:lnTo>
-                  <a:lnTo>
-                    <a:pt x="3470572" y="318669"/>
-                  </a:lnTo>
-                  <a:lnTo>
-                    <a:pt x="3325964" y="344277"/>
-                  </a:lnTo>
-                  <a:lnTo>
-                    <a:pt x="3181357" y="378214"/>
-                  </a:lnTo>
-                  <a:lnTo>
-                    <a:pt x="3036750" y="406135"/>
-                  </a:lnTo>
-                  <a:lnTo>
-                    <a:pt x="2892143" y="420560"/>
-                  </a:lnTo>
-                  <a:lnTo>
-                    <a:pt x="2747536" y="417175"/>
-                  </a:lnTo>
-                  <a:lnTo>
-                    <a:pt x="2602929" y="394736"/>
-                  </a:lnTo>
-                  <a:lnTo>
-                    <a:pt x="2458321" y="353417"/>
-                  </a:lnTo>
-                  <a:lnTo>
-                    <a:pt x="2313714" y="294259"/>
-                  </a:lnTo>
-                  <a:lnTo>
-                    <a:pt x="2169107" y="219070"/>
-                  </a:lnTo>
-                  <a:lnTo>
-                    <a:pt x="2024500" y="150857"/>
-                  </a:lnTo>
-                  <a:lnTo>
-                    <a:pt x="1879893" y="110643"/>
-                  </a:lnTo>
-                  <a:lnTo>
-                    <a:pt x="1735286" y="96282"/>
-                  </a:lnTo>
-                  <a:lnTo>
-                    <a:pt x="1590678" y="106684"/>
-                  </a:lnTo>
-                  <a:lnTo>
-                    <a:pt x="1446071" y="141671"/>
-                  </a:lnTo>
-                  <a:lnTo>
-                    <a:pt x="1301464" y="201901"/>
-                  </a:lnTo>
-                  <a:lnTo>
-                    <a:pt x="1156857" y="288922"/>
-                  </a:lnTo>
-                  <a:lnTo>
-                    <a:pt x="1012250" y="405457"/>
-                  </a:lnTo>
-                  <a:lnTo>
-                    <a:pt x="867643" y="533020"/>
-                  </a:lnTo>
-                  <a:lnTo>
-                    <a:pt x="723035" y="647826"/>
-                  </a:lnTo>
-                  <a:lnTo>
-                    <a:pt x="578428" y="747908"/>
-                  </a:lnTo>
-                  <a:lnTo>
-                    <a:pt x="433821" y="830226"/>
-                  </a:lnTo>
-                  <a:lnTo>
-                    <a:pt x="289214" y="891567"/>
-                  </a:lnTo>
-                  <a:lnTo>
-                    <a:pt x="144607" y="929513"/>
-                  </a:lnTo>
-                  <a:lnTo>
-                    <a:pt x="0" y="942640"/>
+                    <a:pt x="225080" y="2572"/>
+                  </a:lnTo>
+                  <a:lnTo>
+                    <a:pt x="450160" y="10143"/>
+                  </a:lnTo>
+                  <a:lnTo>
+                    <a:pt x="675241" y="22612"/>
+                  </a:lnTo>
+                  <a:lnTo>
+                    <a:pt x="900321" y="39727"/>
+                  </a:lnTo>
+                  <a:lnTo>
+                    <a:pt x="1125402" y="60846"/>
+                  </a:lnTo>
+                  <a:lnTo>
+                    <a:pt x="1350482" y="84162"/>
+                  </a:lnTo>
+                  <a:lnTo>
+                    <a:pt x="1575563" y="104305"/>
+                  </a:lnTo>
+                  <a:lnTo>
+                    <a:pt x="1800643" y="110500"/>
+                  </a:lnTo>
+                  <a:lnTo>
+                    <a:pt x="2025724" y="106777"/>
+                  </a:lnTo>
+                  <a:lnTo>
+                    <a:pt x="2250804" y="109102"/>
+                  </a:lnTo>
+                  <a:lnTo>
+                    <a:pt x="2475885" y="121762"/>
+                  </a:lnTo>
+                  <a:lnTo>
+                    <a:pt x="2700965" y="145869"/>
+                  </a:lnTo>
+                  <a:lnTo>
+                    <a:pt x="2926046" y="181523"/>
+                  </a:lnTo>
+                  <a:lnTo>
+                    <a:pt x="3151126" y="228023"/>
+                  </a:lnTo>
+                  <a:lnTo>
+                    <a:pt x="3376207" y="283130"/>
+                  </a:lnTo>
+                  <a:lnTo>
+                    <a:pt x="3601287" y="341207"/>
+                  </a:lnTo>
+                  <a:lnTo>
+                    <a:pt x="3826368" y="387184"/>
+                  </a:lnTo>
+                  <a:lnTo>
+                    <a:pt x="4051448" y="417688"/>
+                  </a:lnTo>
+                  <a:lnTo>
+                    <a:pt x="4276529" y="439003"/>
+                  </a:lnTo>
+                  <a:lnTo>
+                    <a:pt x="4501609" y="454488"/>
+                  </a:lnTo>
+                  <a:lnTo>
+                    <a:pt x="4726690" y="465696"/>
+                  </a:lnTo>
+                  <a:lnTo>
+                    <a:pt x="4951770" y="473360"/>
+                  </a:lnTo>
+                  <a:lnTo>
+                    <a:pt x="5176851" y="477835"/>
+                  </a:lnTo>
+                  <a:lnTo>
+                    <a:pt x="5401931" y="479288"/>
+                  </a:lnTo>
+                  <a:lnTo>
+                    <a:pt x="5627012" y="479288"/>
+                  </a:lnTo>
+                  <a:lnTo>
+                    <a:pt x="5852092" y="479288"/>
+                  </a:lnTo>
+                  <a:lnTo>
+                    <a:pt x="5852092" y="829147"/>
+                  </a:lnTo>
+                  <a:lnTo>
+                    <a:pt x="5627012" y="829147"/>
+                  </a:lnTo>
+                  <a:lnTo>
+                    <a:pt x="5401931" y="829147"/>
+                  </a:lnTo>
+                  <a:lnTo>
+                    <a:pt x="5176851" y="823298"/>
+                  </a:lnTo>
+                  <a:lnTo>
+                    <a:pt x="4951770" y="805567"/>
+                  </a:lnTo>
+                  <a:lnTo>
+                    <a:pt x="4726690" y="776276"/>
+                  </a:lnTo>
+                  <a:lnTo>
+                    <a:pt x="4501609" y="736039"/>
+                  </a:lnTo>
+                  <a:lnTo>
+                    <a:pt x="4276529" y="685944"/>
+                  </a:lnTo>
+                  <a:lnTo>
+                    <a:pt x="4051448" y="627983"/>
+                  </a:lnTo>
+                  <a:lnTo>
+                    <a:pt x="3826368" y="566031"/>
+                  </a:lnTo>
+                  <a:lnTo>
+                    <a:pt x="3601287" y="506953"/>
+                  </a:lnTo>
+                  <a:lnTo>
+                    <a:pt x="3376207" y="459941"/>
+                  </a:lnTo>
+                  <a:lnTo>
+                    <a:pt x="3151126" y="422197"/>
+                  </a:lnTo>
+                  <a:lnTo>
+                    <a:pt x="2926046" y="387493"/>
+                  </a:lnTo>
+                  <a:lnTo>
+                    <a:pt x="2700965" y="353154"/>
+                  </a:lnTo>
+                  <a:lnTo>
+                    <a:pt x="2475885" y="318185"/>
+                  </a:lnTo>
+                  <a:lnTo>
+                    <a:pt x="2250804" y="282518"/>
+                  </a:lnTo>
+                  <a:lnTo>
+                    <a:pt x="2025724" y="247222"/>
+                  </a:lnTo>
+                  <a:lnTo>
+                    <a:pt x="1800643" y="216657"/>
+                  </a:lnTo>
+                  <a:lnTo>
+                    <a:pt x="1575563" y="203117"/>
+                  </a:lnTo>
+                  <a:lnTo>
+                    <a:pt x="1350482" y="206541"/>
+                  </a:lnTo>
+                  <a:lnTo>
+                    <a:pt x="1125402" y="215984"/>
+                  </a:lnTo>
+                  <a:lnTo>
+                    <a:pt x="900321" y="225936"/>
+                  </a:lnTo>
+                  <a:lnTo>
+                    <a:pt x="675241" y="234476"/>
+                  </a:lnTo>
+                  <a:lnTo>
+                    <a:pt x="450160" y="240874"/>
+                  </a:lnTo>
+                  <a:lnTo>
+                    <a:pt x="225080" y="244815"/>
+                  </a:lnTo>
+                  <a:lnTo>
+                    <a:pt x="0" y="246163"/>
                   </a:lnTo>
                   <a:close/>
                 </a:path>
@@ -3712,144 +3542,102 @@
         </p:sp>
         <p:sp>
           <p:nvSpPr>
-            <p:cNvPr id="12" name="pl12"/>
+            <p:cNvPr id="10" name="pl10"/>
             <p:cNvSpPr/>
             <p:nvPr/>
           </p:nvSpPr>
           <p:spPr>
             <a:xfrm>
-              <a:off x="4890324" y="3061846"/>
-              <a:ext cx="5784286" cy="885960"/>
+              <a:off x="4822518" y="3201000"/>
+              <a:ext cx="5852092" cy="479288"/>
             </a:xfrm>
             <a:custGeom>
               <a:avLst/>
               <a:pathLst>
-                <a:path w="5784286" h="885960">
+                <a:path w="5852092" h="479288">
                   <a:moveTo>
-                    <a:pt x="0" y="885960"/>
+                    <a:pt x="0" y="0"/>
                   </a:moveTo>
                   <a:lnTo>
-                    <a:pt x="144607" y="874115"/>
-                  </a:lnTo>
-                  <a:lnTo>
-                    <a:pt x="289214" y="839589"/>
-                  </a:lnTo>
-                  <a:lnTo>
-                    <a:pt x="433821" y="782721"/>
-                  </a:lnTo>
-                  <a:lnTo>
-                    <a:pt x="578428" y="703860"/>
-                  </a:lnTo>
-                  <a:lnTo>
-                    <a:pt x="723035" y="603357"/>
-                  </a:lnTo>
-                  <a:lnTo>
-                    <a:pt x="867643" y="482289"/>
-                  </a:lnTo>
-                  <a:lnTo>
-                    <a:pt x="1012250" y="343142"/>
-                  </a:lnTo>
-                  <a:lnTo>
-                    <a:pt x="1156857" y="214279"/>
-                  </a:lnTo>
-                  <a:lnTo>
-                    <a:pt x="1301464" y="117922"/>
-                  </a:lnTo>
-                  <a:lnTo>
-                    <a:pt x="1446071" y="51313"/>
-                  </a:lnTo>
-                  <a:lnTo>
-                    <a:pt x="1590678" y="12446"/>
-                  </a:lnTo>
-                  <a:lnTo>
-                    <a:pt x="1735286" y="0"/>
-                  </a:lnTo>
-                  <a:lnTo>
-                    <a:pt x="1879893" y="13206"/>
-                  </a:lnTo>
-                  <a:lnTo>
-                    <a:pt x="2024500" y="51725"/>
-                  </a:lnTo>
-                  <a:lnTo>
-                    <a:pt x="2169107" y="115549"/>
-                  </a:lnTo>
-                  <a:lnTo>
-                    <a:pt x="2313714" y="184953"/>
-                  </a:lnTo>
-                  <a:lnTo>
-                    <a:pt x="2458321" y="241661"/>
-                  </a:lnTo>
-                  <a:lnTo>
-                    <a:pt x="2602929" y="285632"/>
-                  </a:lnTo>
-                  <a:lnTo>
-                    <a:pt x="2747536" y="316511"/>
-                  </a:lnTo>
-                  <a:lnTo>
-                    <a:pt x="2892143" y="333610"/>
-                  </a:lnTo>
-                  <a:lnTo>
-                    <a:pt x="3036750" y="335403"/>
-                  </a:lnTo>
-                  <a:lnTo>
-                    <a:pt x="3181357" y="317888"/>
-                  </a:lnTo>
-                  <a:lnTo>
-                    <a:pt x="3325964" y="274486"/>
-                  </a:lnTo>
-                  <a:lnTo>
-                    <a:pt x="3470572" y="223722"/>
-                  </a:lnTo>
-                  <a:lnTo>
-                    <a:pt x="3615179" y="188633"/>
-                  </a:lnTo>
-                  <a:lnTo>
-                    <a:pt x="3759786" y="171179"/>
-                  </a:lnTo>
-                  <a:lnTo>
-                    <a:pt x="3904393" y="171743"/>
-                  </a:lnTo>
-                  <a:lnTo>
-                    <a:pt x="4049000" y="190553"/>
-                  </a:lnTo>
-                  <a:lnTo>
-                    <a:pt x="4193607" y="227993"/>
-                  </a:lnTo>
-                  <a:lnTo>
-                    <a:pt x="4338215" y="284652"/>
-                  </a:lnTo>
-                  <a:lnTo>
-                    <a:pt x="4482822" y="361158"/>
-                  </a:lnTo>
-                  <a:lnTo>
-                    <a:pt x="4627429" y="440978"/>
-                  </a:lnTo>
-                  <a:lnTo>
-                    <a:pt x="4772036" y="507490"/>
-                  </a:lnTo>
-                  <a:lnTo>
-                    <a:pt x="4916643" y="559831"/>
-                  </a:lnTo>
-                  <a:lnTo>
-                    <a:pt x="5061250" y="598593"/>
-                  </a:lnTo>
-                  <a:lnTo>
-                    <a:pt x="5205858" y="625160"/>
-                  </a:lnTo>
-                  <a:lnTo>
-                    <a:pt x="5350465" y="640644"/>
-                  </a:lnTo>
-                  <a:lnTo>
-                    <a:pt x="5495072" y="645622"/>
-                  </a:lnTo>
-                  <a:lnTo>
-                    <a:pt x="5639679" y="645622"/>
-                  </a:lnTo>
-                  <a:lnTo>
-                    <a:pt x="5784286" y="645622"/>
-                  </a:lnTo>
-                  <a:lnTo>
-                    <a:pt x="5784286" y="645622"/>
+                    <a:pt x="225080" y="2572"/>
+                  </a:lnTo>
+                  <a:lnTo>
+                    <a:pt x="450160" y="10143"/>
+                  </a:lnTo>
+                  <a:lnTo>
+                    <a:pt x="675241" y="22612"/>
+                  </a:lnTo>
+                  <a:lnTo>
+                    <a:pt x="900321" y="39727"/>
+                  </a:lnTo>
+                  <a:lnTo>
+                    <a:pt x="1125402" y="60846"/>
+                  </a:lnTo>
+                  <a:lnTo>
+                    <a:pt x="1350482" y="84162"/>
+                  </a:lnTo>
+                  <a:lnTo>
+                    <a:pt x="1575563" y="104305"/>
+                  </a:lnTo>
+                  <a:lnTo>
+                    <a:pt x="1800643" y="110500"/>
+                  </a:lnTo>
+                  <a:lnTo>
+                    <a:pt x="2025724" y="106777"/>
+                  </a:lnTo>
+                  <a:lnTo>
+                    <a:pt x="2250804" y="109102"/>
+                  </a:lnTo>
+                  <a:lnTo>
+                    <a:pt x="2475885" y="121762"/>
+                  </a:lnTo>
+                  <a:lnTo>
+                    <a:pt x="2700965" y="145869"/>
+                  </a:lnTo>
+                  <a:lnTo>
+                    <a:pt x="2926046" y="181523"/>
+                  </a:lnTo>
+                  <a:lnTo>
+                    <a:pt x="3151126" y="228023"/>
+                  </a:lnTo>
+                  <a:lnTo>
+                    <a:pt x="3376207" y="283130"/>
+                  </a:lnTo>
+                  <a:lnTo>
+                    <a:pt x="3601287" y="341207"/>
+                  </a:lnTo>
+                  <a:lnTo>
+                    <a:pt x="3826368" y="387184"/>
+                  </a:lnTo>
+                  <a:lnTo>
+                    <a:pt x="4051448" y="417688"/>
+                  </a:lnTo>
+                  <a:lnTo>
+                    <a:pt x="4276529" y="439003"/>
+                  </a:lnTo>
+                  <a:lnTo>
+                    <a:pt x="4501609" y="454488"/>
+                  </a:lnTo>
+                  <a:lnTo>
+                    <a:pt x="4726690" y="465696"/>
+                  </a:lnTo>
+                  <a:lnTo>
+                    <a:pt x="4951770" y="473360"/>
+                  </a:lnTo>
+                  <a:lnTo>
+                    <a:pt x="5176851" y="477835"/>
+                  </a:lnTo>
+                  <a:lnTo>
+                    <a:pt x="5401931" y="479288"/>
+                  </a:lnTo>
+                  <a:lnTo>
+                    <a:pt x="5627012" y="479288"/>
+                  </a:lnTo>
+                  <a:lnTo>
+                    <a:pt x="5852092" y="479288"/>
+                  </a:lnTo>
+                  <a:lnTo>
+                    <a:pt x="5852092" y="479288"/>
                   </a:lnTo>
                 </a:path>
               </a:pathLst>
@@ -3863,144 +3651,102 @@
         </p:sp>
         <p:sp>
           <p:nvSpPr>
-            <p:cNvPr id="13" name="pl13"/>
+            <p:cNvPr id="11" name="pl11"/>
             <p:cNvSpPr/>
             <p:nvPr/>
           </p:nvSpPr>
           <p:spPr>
             <a:xfrm>
-              <a:off x="4890324" y="3158129"/>
-              <a:ext cx="5784286" cy="846358"/>
+              <a:off x="4822518" y="3404118"/>
+              <a:ext cx="5852092" cy="626029"/>
             </a:xfrm>
             <a:custGeom>
               <a:avLst/>
               <a:pathLst>
-                <a:path w="5784286" h="846358">
+                <a:path w="5852092" h="626029">
                   <a:moveTo>
-                    <a:pt x="5784286" y="629383"/>
+                    <a:pt x="5852092" y="626029"/>
                   </a:moveTo>
                   <a:lnTo>
-                    <a:pt x="5639679" y="629383"/>
-                  </a:lnTo>
-                  <a:lnTo>
-                    <a:pt x="5495072" y="629383"/>
-                  </a:lnTo>
-                  <a:lnTo>
-                    <a:pt x="5350465" y="623147"/>
-                  </a:lnTo>
-                  <a:lnTo>
-                    <a:pt x="5205858" y="604260"/>
-                  </a:lnTo>
-                  <a:lnTo>
-                    <a:pt x="5061250" y="573724"/>
-                  </a:lnTo>
-                  <a:lnTo>
-                    <a:pt x="4916643" y="533353"/>
-                  </a:lnTo>
-                  <a:lnTo>
-                    <a:pt x="4772036" y="485473"/>
-                  </a:lnTo>
-                  <a:lnTo>
-                    <a:pt x="4627429" y="431821"/>
-                  </a:lnTo>
-                  <a:lnTo>
-                    <a:pt x="4482822" y="372841"/>
-                  </a:lnTo>
-                  <a:lnTo>
-                    <a:pt x="4338215" y="317504"/>
-                  </a:lnTo>
-                  <a:lnTo>
-                    <a:pt x="4193607" y="274429"/>
-                  </a:lnTo>
-                  <a:lnTo>
-                    <a:pt x="4049000" y="242591"/>
-                  </a:lnTo>
-                  <a:lnTo>
-                    <a:pt x="3904393" y="221483"/>
-                  </a:lnTo>
-                  <a:lnTo>
-                    <a:pt x="3759786" y="210901"/>
-                  </a:lnTo>
-                  <a:lnTo>
-                    <a:pt x="3615179" y="210958"/>
-                  </a:lnTo>
-                  <a:lnTo>
-                    <a:pt x="3470572" y="222386"/>
-                  </a:lnTo>
-                  <a:lnTo>
-                    <a:pt x="3325964" y="247994"/>
-                  </a:lnTo>
-                  <a:lnTo>
-                    <a:pt x="3181357" y="281932"/>
-                  </a:lnTo>
-                  <a:lnTo>
-                    <a:pt x="3036750" y="309852"/>
-                  </a:lnTo>
-                  <a:lnTo>
-                    <a:pt x="2892143" y="324277"/>
-                  </a:lnTo>
-                  <a:lnTo>
-                    <a:pt x="2747536" y="320893"/>
-                  </a:lnTo>
-                  <a:lnTo>
-                    <a:pt x="2602929" y="298454"/>
-                  </a:lnTo>
-                  <a:lnTo>
-                    <a:pt x="2458321" y="257134"/>
-                  </a:lnTo>
-                  <a:lnTo>
-                    <a:pt x="2313714" y="197976"/>
-                  </a:lnTo>
-                  <a:lnTo>
-                    <a:pt x="2169107" y="122788"/>
-                  </a:lnTo>
-                  <a:lnTo>
-                    <a:pt x="2024500" y="54574"/>
-                  </a:lnTo>
-                  <a:lnTo>
-                    <a:pt x="1879893" y="14360"/>
-                  </a:lnTo>
-                  <a:lnTo>
-                    <a:pt x="1735286" y="0"/>
-                  </a:lnTo>
-                  <a:lnTo>
-                    <a:pt x="1590678" y="10402"/>
-                  </a:lnTo>
-                  <a:lnTo>
-                    <a:pt x="1446071" y="45388"/>
-                  </a:lnTo>
-                  <a:lnTo>
-                    <a:pt x="1301464" y="105618"/>
-                  </a:lnTo>
-                  <a:lnTo>
-                    <a:pt x="1156857" y="192639"/>
-                  </a:lnTo>
-                  <a:lnTo>
-                    <a:pt x="1012250" y="309174"/>
-                  </a:lnTo>
-                  <a:lnTo>
-                    <a:pt x="867643" y="436738"/>
-                  </a:lnTo>
-                  <a:lnTo>
-                    <a:pt x="723035" y="551543"/>
-                  </a:lnTo>
-                  <a:lnTo>
-                    <a:pt x="578428" y="651625"/>
-                  </a:lnTo>
-                  <a:lnTo>
-                    <a:pt x="433821" y="733943"/>
-                  </a:lnTo>
-                  <a:lnTo>
-                    <a:pt x="289214" y="795284"/>
-                  </a:lnTo>
-                  <a:lnTo>
-                    <a:pt x="144607" y="833230"/>
-                  </a:lnTo>
-                  <a:lnTo>
-                    <a:pt x="0" y="846358"/>
-                  </a:lnTo>
-                  <a:lnTo>
-                    <a:pt x="0" y="846358"/>
+                    <a:pt x="5627012" y="626029"/>
+                  </a:lnTo>
+                  <a:lnTo>
+                    <a:pt x="5401931" y="626029"/>
+                  </a:lnTo>
+                  <a:lnTo>
+                    <a:pt x="5176851" y="620180"/>
+                  </a:lnTo>
+                  <a:lnTo>
+                    <a:pt x="4951770" y="602449"/>
+                  </a:lnTo>
+                  <a:lnTo>
+                    <a:pt x="4726690" y="573158"/>
+                  </a:lnTo>
+                  <a:lnTo>
+                    <a:pt x="4501609" y="532921"/>
+                  </a:lnTo>
+                  <a:lnTo>
+                    <a:pt x="4276529" y="482826"/>
+                  </a:lnTo>
+                  <a:lnTo>
+                    <a:pt x="4051448" y="424865"/>
+                  </a:lnTo>
+                  <a:lnTo>
+                    <a:pt x="3826368" y="362914"/>
+                  </a:lnTo>
+                  <a:lnTo>
+                    <a:pt x="3601287" y="303835"/>
+                  </a:lnTo>
+                  <a:lnTo>
+                    <a:pt x="3376207" y="256824"/>
+                  </a:lnTo>
+                  <a:lnTo>
+                    <a:pt x="3151126" y="219080"/>
+                  </a:lnTo>
+                  <a:lnTo>
+                    <a:pt x="2926046" y="184375"/>
+                  </a:lnTo>
+                  <a:lnTo>
+                    <a:pt x="2700965" y="150037"/>
+                  </a:lnTo>
+                  <a:lnTo>
+                    <a:pt x="2475885" y="115067"/>
+                  </a:lnTo>
+                  <a:lnTo>
+                    <a:pt x="2250804" y="79401"/>
+                  </a:lnTo>
+                  <a:lnTo>
+                    <a:pt x="2025724" y="44105"/>
+                  </a:lnTo>
+                  <a:lnTo>
+                    <a:pt x="1800643" y="13539"/>
+                  </a:lnTo>
+                  <a:lnTo>
+                    <a:pt x="1575563" y="0"/>
+                  </a:lnTo>
+                  <a:lnTo>
+                    <a:pt x="1350482" y="3423"/>
+                  </a:lnTo>
+                  <a:lnTo>
+                    <a:pt x="1125402" y="12866"/>
+                  </a:lnTo>
+                  <a:lnTo>
+                    <a:pt x="900321" y="22818"/>
+                  </a:lnTo>
+                  <a:lnTo>
+                    <a:pt x="675241" y="31359"/>
+                  </a:lnTo>
+                  <a:lnTo>
+                    <a:pt x="450160" y="37756"/>
+                  </a:lnTo>
+                  <a:lnTo>
+                    <a:pt x="225080" y="41697"/>
+                  </a:lnTo>
+                  <a:lnTo>
+                    <a:pt x="0" y="43045"/>
+                  </a:lnTo>
+                  <a:lnTo>
+                    <a:pt x="0" y="43045"/>
                   </a:lnTo>
                 </a:path>
               </a:pathLst>
@@ -4014,264 +3760,180 @@
         </p:sp>
         <p:sp>
           <p:nvSpPr>
-            <p:cNvPr id="14" name="pg14"/>
+            <p:cNvPr id="12" name="pg12"/>
             <p:cNvSpPr/>
             <p:nvPr/>
           </p:nvSpPr>
           <p:spPr>
             <a:xfrm>
-              <a:off x="4890324" y="2507620"/>
-              <a:ext cx="5784286" cy="985206"/>
+              <a:off x="4822518" y="2417475"/>
+              <a:ext cx="5852092" cy="1187743"/>
             </a:xfrm>
             <a:custGeom>
               <a:avLst/>
               <a:pathLst>
-                <a:path w="5784286" h="985206">
+                <a:path w="5852092" h="1187743">
                   <a:moveTo>
-                    <a:pt x="0" y="939710"/>
+                    <a:pt x="0" y="0"/>
                   </a:moveTo>
                   <a:lnTo>
-                    <a:pt x="144607" y="927928"/>
-                  </a:lnTo>
-                  <a:lnTo>
-                    <a:pt x="289214" y="893638"/>
-                  </a:lnTo>
-                  <a:lnTo>
-                    <a:pt x="433821" y="837351"/>
-                  </a:lnTo>
-                  <a:lnTo>
-                    <a:pt x="578428" y="759728"/>
-                  </a:lnTo>
-                  <a:lnTo>
-                    <a:pt x="723035" y="661422"/>
-                  </a:lnTo>
-                  <a:lnTo>
-                    <a:pt x="867643" y="543421"/>
-                  </a:lnTo>
-                  <a:lnTo>
-                    <a:pt x="1012250" y="407823"/>
-                  </a:lnTo>
-                  <a:lnTo>
-                    <a:pt x="1156857" y="279504"/>
-                  </a:lnTo>
-                  <a:lnTo>
-                    <a:pt x="1301464" y="178069"/>
-                  </a:lnTo>
-                  <a:lnTo>
-                    <a:pt x="1446071" y="101159"/>
-                  </a:lnTo>
-                  <a:lnTo>
-                    <a:pt x="1590678" y="46867"/>
-                  </a:lnTo>
-                  <a:lnTo>
-                    <a:pt x="1735286" y="13644"/>
-                  </a:lnTo>
-                  <a:lnTo>
-                    <a:pt x="1879893" y="0"/>
-                  </a:lnTo>
-                  <a:lnTo>
-                    <a:pt x="2024500" y="4026"/>
-                  </a:lnTo>
-                  <a:lnTo>
-                    <a:pt x="2169107" y="23441"/>
-                  </a:lnTo>
-                  <a:lnTo>
-                    <a:pt x="2313714" y="51425"/>
-                  </a:lnTo>
-                  <a:lnTo>
-                    <a:pt x="2458321" y="84499"/>
-                  </a:lnTo>
-                  <a:lnTo>
-                    <a:pt x="2602929" y="124094"/>
-                  </a:lnTo>
-                  <a:lnTo>
-                    <a:pt x="2747536" y="170895"/>
-                  </a:lnTo>
-                  <a:lnTo>
-                    <a:pt x="2892143" y="225329"/>
-                  </a:lnTo>
-                  <a:lnTo>
-                    <a:pt x="3036750" y="287633"/>
-                  </a:lnTo>
-                  <a:lnTo>
-                    <a:pt x="3181357" y="357564"/>
-                  </a:lnTo>
-                  <a:lnTo>
-                    <a:pt x="3325964" y="433098"/>
-                  </a:lnTo>
-                  <a:lnTo>
-                    <a:pt x="3470572" y="501866"/>
-                  </a:lnTo>
-                  <a:lnTo>
-                    <a:pt x="3615179" y="558509"/>
-                  </a:lnTo>
-                  <a:lnTo>
-                    <a:pt x="3759786" y="606780"/>
-                  </a:lnTo>
-                  <a:lnTo>
-                    <a:pt x="3904393" y="648141"/>
-                  </a:lnTo>
-                  <a:lnTo>
-                    <a:pt x="4049000" y="682939"/>
-                  </a:lnTo>
-                  <a:lnTo>
-                    <a:pt x="4193607" y="711105"/>
-                  </a:lnTo>
-                  <a:lnTo>
-                    <a:pt x="4338215" y="732320"/>
-                  </a:lnTo>
-                  <a:lnTo>
-                    <a:pt x="4482822" y="745843"/>
-                  </a:lnTo>
-                  <a:lnTo>
-                    <a:pt x="4627429" y="753346"/>
-                  </a:lnTo>
-                  <a:lnTo>
-                    <a:pt x="4772036" y="757337"/>
-                  </a:lnTo>
-                  <a:lnTo>
-                    <a:pt x="4916643" y="758651"/>
-                  </a:lnTo>
-                  <a:lnTo>
-                    <a:pt x="5061250" y="758523"/>
-                  </a:lnTo>
-                  <a:lnTo>
-                    <a:pt x="5205858" y="757914"/>
-                  </a:lnTo>
-                  <a:lnTo>
-                    <a:pt x="5350465" y="757378"/>
-                  </a:lnTo>
-                  <a:lnTo>
-                    <a:pt x="5495072" y="757180"/>
-                  </a:lnTo>
-                  <a:lnTo>
-                    <a:pt x="5639679" y="757180"/>
-                  </a:lnTo>
-                  <a:lnTo>
-                    <a:pt x="5784286" y="757180"/>
-                  </a:lnTo>
-                  <a:lnTo>
-                    <a:pt x="5784286" y="819011"/>
-                  </a:lnTo>
-                  <a:lnTo>
-                    <a:pt x="5639679" y="819011"/>
-                  </a:lnTo>
-                  <a:lnTo>
-                    <a:pt x="5495072" y="819011"/>
-                  </a:lnTo>
-                  <a:lnTo>
-                    <a:pt x="5350465" y="818375"/>
-                  </a:lnTo>
-                  <a:lnTo>
-                    <a:pt x="5205858" y="816495"/>
-                  </a:lnTo>
-                  <a:lnTo>
-                    <a:pt x="5061250" y="813644"/>
-                  </a:lnTo>
-                  <a:lnTo>
-                    <a:pt x="4916643" y="810387"/>
-                  </a:lnTo>
-                  <a:lnTo>
-                    <a:pt x="4772036" y="807704"/>
-                  </a:lnTo>
-                  <a:lnTo>
-                    <a:pt x="4627429" y="806851"/>
-                  </a:lnTo>
-                  <a:lnTo>
-                    <a:pt x="4482822" y="808694"/>
-                  </a:lnTo>
-                  <a:lnTo>
-                    <a:pt x="4338215" y="806687"/>
-                  </a:lnTo>
-                  <a:lnTo>
-                    <a:pt x="4193607" y="792826"/>
-                  </a:lnTo>
-                  <a:lnTo>
-                    <a:pt x="4049000" y="766689"/>
-                  </a:lnTo>
-                  <a:lnTo>
-                    <a:pt x="3904393" y="728482"/>
-                  </a:lnTo>
-                  <a:lnTo>
-                    <a:pt x="3759786" y="678854"/>
-                  </a:lnTo>
-                  <a:lnTo>
-                    <a:pt x="3615179" y="619032"/>
-                  </a:lnTo>
-                  <a:lnTo>
-                    <a:pt x="3470572" y="551494"/>
-                  </a:lnTo>
-                  <a:lnTo>
-                    <a:pt x="3325964" y="481108"/>
-                  </a:lnTo>
-                  <a:lnTo>
-                    <a:pt x="3181357" y="416287"/>
-                  </a:lnTo>
-                  <a:lnTo>
-                    <a:pt x="3036750" y="358060"/>
-                  </a:lnTo>
-                  <a:lnTo>
-                    <a:pt x="2892143" y="303629"/>
-                  </a:lnTo>
-                  <a:lnTo>
-                    <a:pt x="2747536" y="252090"/>
-                  </a:lnTo>
-                  <a:lnTo>
-                    <a:pt x="2602929" y="203129"/>
-                  </a:lnTo>
-                  <a:lnTo>
-                    <a:pt x="2458321" y="156712"/>
-                  </a:lnTo>
-                  <a:lnTo>
-                    <a:pt x="2313714" y="113143"/>
-                  </a:lnTo>
-                  <a:lnTo>
-                    <a:pt x="2169107" y="73542"/>
-                  </a:lnTo>
-                  <a:lnTo>
-                    <a:pt x="2024500" y="48568"/>
-                  </a:lnTo>
-                  <a:lnTo>
-                    <a:pt x="1879893" y="46345"/>
-                  </a:lnTo>
-                  <a:lnTo>
-                    <a:pt x="1735286" y="64441"/>
-                  </a:lnTo>
-                  <a:lnTo>
-                    <a:pt x="1590678" y="101552"/>
-                  </a:lnTo>
-                  <a:lnTo>
-                    <a:pt x="1446071" y="157593"/>
-                  </a:lnTo>
-                  <a:lnTo>
-                    <a:pt x="1301464" y="233323"/>
-                  </a:lnTo>
-                  <a:lnTo>
-                    <a:pt x="1156857" y="330215"/>
-                  </a:lnTo>
-                  <a:lnTo>
-                    <a:pt x="1012250" y="450632"/>
-                  </a:lnTo>
-                  <a:lnTo>
-                    <a:pt x="867643" y="578674"/>
-                  </a:lnTo>
-                  <a:lnTo>
-                    <a:pt x="723035" y="693685"/>
-                  </a:lnTo>
-                  <a:lnTo>
-                    <a:pt x="578428" y="793423"/>
-                  </a:lnTo>
-                  <a:lnTo>
-                    <a:pt x="433821" y="874860"/>
-                  </a:lnTo>
-                  <a:lnTo>
-                    <a:pt x="289214" y="935183"/>
-                  </a:lnTo>
-                  <a:lnTo>
-                    <a:pt x="144607" y="972364"/>
-                  </a:lnTo>
-                  <a:lnTo>
-                    <a:pt x="0" y="985206"/>
+                    <a:pt x="225080" y="5252"/>
+                  </a:lnTo>
+                  <a:lnTo>
+                    <a:pt x="450160" y="20786"/>
+                  </a:lnTo>
+                  <a:lnTo>
+                    <a:pt x="675241" y="46667"/>
+                  </a:lnTo>
+                  <a:lnTo>
+                    <a:pt x="900321" y="82982"/>
+                  </a:lnTo>
+                  <a:lnTo>
+                    <a:pt x="1125402" y="129770"/>
+                  </a:lnTo>
+                  <a:lnTo>
+                    <a:pt x="1350482" y="186790"/>
+                  </a:lnTo>
+                  <a:lnTo>
+                    <a:pt x="1575563" y="252559"/>
+                  </a:lnTo>
+                  <a:lnTo>
+                    <a:pt x="1800643" y="320600"/>
+                  </a:lnTo>
+                  <a:lnTo>
+                    <a:pt x="2025724" y="378681"/>
+                  </a:lnTo>
+                  <a:lnTo>
+                    <a:pt x="2250804" y="431306"/>
+                  </a:lnTo>
+                  <a:lnTo>
+                    <a:pt x="2475885" y="483989"/>
+                  </a:lnTo>
+                  <a:lnTo>
+                    <a:pt x="2700965" y="538013"/>
+                  </a:lnTo>
+                  <a:lnTo>
+                    <a:pt x="2926046" y="593399"/>
+                  </a:lnTo>
+                  <a:lnTo>
+                    <a:pt x="3151126" y="649467"/>
+                  </a:lnTo>
+                  <a:lnTo>
+                    <a:pt x="3376207" y="704725"/>
+                  </a:lnTo>
+                  <a:lnTo>
+                    <a:pt x="3601287" y="756630"/>
+                  </a:lnTo>
+                  <a:lnTo>
+                    <a:pt x="3826368" y="800165"/>
+                  </a:lnTo>
+                  <a:lnTo>
+                    <a:pt x="4051448" y="834513"/>
+                  </a:lnTo>
+                  <a:lnTo>
+                    <a:pt x="4276529" y="861777"/>
+                  </a:lnTo>
+                  <a:lnTo>
+                    <a:pt x="4501609" y="883186"/>
+                  </a:lnTo>
+                  <a:lnTo>
+                    <a:pt x="4726690" y="899408"/>
+                  </a:lnTo>
+                  <a:lnTo>
+                    <a:pt x="4951770" y="910801"/>
+                  </a:lnTo>
+                  <a:lnTo>
+                    <a:pt x="5176851" y="917554"/>
+                  </a:lnTo>
+                  <a:lnTo>
+                    <a:pt x="5401931" y="919760"/>
+                  </a:lnTo>
+                  <a:lnTo>
+                    <a:pt x="5627012" y="919760"/>
+                  </a:lnTo>
+                  <a:lnTo>
+                    <a:pt x="5852092" y="919760"/>
+                  </a:lnTo>
+                  <a:lnTo>
+                    <a:pt x="5852092" y="1187743"/>
+                  </a:lnTo>
+                  <a:lnTo>
+                    <a:pt x="5627012" y="1187743"/>
+                  </a:lnTo>
+                  <a:lnTo>
+                    <a:pt x="5401931" y="1187743"/>
+                  </a:lnTo>
+                  <a:lnTo>
+                    <a:pt x="5176851" y="1182987"/>
+                  </a:lnTo>
+                  <a:lnTo>
+                    <a:pt x="4951770" y="1168557"/>
+                  </a:lnTo>
+                  <a:lnTo>
+                    <a:pt x="4726690" y="1144659"/>
+                  </a:lnTo>
+                  <a:lnTo>
+                    <a:pt x="4501609" y="1111677"/>
+                  </a:lnTo>
+                  <a:lnTo>
+                    <a:pt x="4276529" y="1070233"/>
+                  </a:lnTo>
+                  <a:lnTo>
+                    <a:pt x="4051448" y="1021326"/>
+                  </a:lnTo>
+                  <a:lnTo>
+                    <a:pt x="3826368" y="966579"/>
+                  </a:lnTo>
+                  <a:lnTo>
+                    <a:pt x="3601287" y="908542"/>
+                  </a:lnTo>
+                  <a:lnTo>
+                    <a:pt x="3376207" y="850916"/>
+                  </a:lnTo>
+                  <a:lnTo>
+                    <a:pt x="3151126" y="793109"/>
+                  </a:lnTo>
+                  <a:lnTo>
+                    <a:pt x="2926046" y="732643"/>
+                  </a:lnTo>
+                  <a:lnTo>
+                    <a:pt x="2700965" y="668136"/>
+                  </a:lnTo>
+                  <a:lnTo>
+                    <a:pt x="2475885" y="599052"/>
+                  </a:lnTo>
+                  <a:lnTo>
+                    <a:pt x="2250804" y="525587"/>
+                  </a:lnTo>
+                  <a:lnTo>
+                    <a:pt x="2025724" y="449230"/>
+                  </a:lnTo>
+                  <a:lnTo>
+                    <a:pt x="1800643" y="375721"/>
+                  </a:lnTo>
+                  <a:lnTo>
+                    <a:pt x="1575563" y="319937"/>
+                  </a:lnTo>
+                  <a:lnTo>
+                    <a:pt x="1350482" y="279853"/>
+                  </a:lnTo>
+                  <a:lnTo>
+                    <a:pt x="1125402" y="248325"/>
+                  </a:lnTo>
+                  <a:lnTo>
+                    <a:pt x="900321" y="223329"/>
+                  </a:lnTo>
+                  <a:lnTo>
+                    <a:pt x="675241" y="204199"/>
+                  </a:lnTo>
+                  <a:lnTo>
+                    <a:pt x="450160" y="190649"/>
+                  </a:lnTo>
+                  <a:lnTo>
+                    <a:pt x="225080" y="182540"/>
+                  </a:lnTo>
+                  <a:lnTo>
+                    <a:pt x="0" y="179801"/>
                   </a:lnTo>
                   <a:close/>
                 </a:path>
@@ -4291,144 +3953,102 @@
         </p:sp>
         <p:sp>
           <p:nvSpPr>
-            <p:cNvPr id="15" name="pl15"/>
+            <p:cNvPr id="13" name="pl13"/>
             <p:cNvSpPr/>
             <p:nvPr/>
           </p:nvSpPr>
           <p:spPr>
             <a:xfrm>
-              <a:off x="4890324" y="2507620"/>
-              <a:ext cx="5784286" cy="939710"/>
+              <a:off x="4822518" y="2417475"/>
+              <a:ext cx="5852092" cy="919760"/>
             </a:xfrm>
             <a:custGeom>
               <a:avLst/>
               <a:pathLst>
-                <a:path w="5784286" h="939710">
+                <a:path w="5852092" h="919760">
                   <a:moveTo>
-                    <a:pt x="0" y="939710"/>
+                    <a:pt x="0" y="0"/>
                   </a:moveTo>
                   <a:lnTo>
-                    <a:pt x="144607" y="927928"/>
-                  </a:lnTo>
-                  <a:lnTo>
-                    <a:pt x="289214" y="893638"/>
-                  </a:lnTo>
-                  <a:lnTo>
-                    <a:pt x="433821" y="837351"/>
-                  </a:lnTo>
-                  <a:lnTo>
-                    <a:pt x="578428" y="759728"/>
-                  </a:lnTo>
-                  <a:lnTo>
-                    <a:pt x="723035" y="661422"/>
-                  </a:lnTo>
-                  <a:lnTo>
-                    <a:pt x="867643" y="543421"/>
-                  </a:lnTo>
-                  <a:lnTo>
-                    <a:pt x="1012250" y="407823"/>
-                  </a:lnTo>
-                  <a:lnTo>
-                    <a:pt x="1156857" y="279504"/>
-                  </a:lnTo>
-                  <a:lnTo>
-                    <a:pt x="1301464" y="178069"/>
-                  </a:lnTo>
-                  <a:lnTo>
-                    <a:pt x="1446071" y="101159"/>
-                  </a:lnTo>
-                  <a:lnTo>
-                    <a:pt x="1590678" y="46867"/>
-                  </a:lnTo>
-                  <a:lnTo>
-                    <a:pt x="1735286" y="13644"/>
-                  </a:lnTo>
-                  <a:lnTo>
-                    <a:pt x="1879893" y="0"/>
-                  </a:lnTo>
-                  <a:lnTo>
-                    <a:pt x="2024500" y="4026"/>
-                  </a:lnTo>
-                  <a:lnTo>
-                    <a:pt x="2169107" y="23441"/>
-                  </a:lnTo>
-                  <a:lnTo>
-                    <a:pt x="2313714" y="51425"/>
-                  </a:lnTo>
-                  <a:lnTo>
-                    <a:pt x="2458321" y="84499"/>
-                  </a:lnTo>
-                  <a:lnTo>
-                    <a:pt x="2602929" y="124094"/>
-                  </a:lnTo>
-                  <a:lnTo>
-                    <a:pt x="2747536" y="170895"/>
-                  </a:lnTo>
-                  <a:lnTo>
-                    <a:pt x="2892143" y="225329"/>
-                  </a:lnTo>
-                  <a:lnTo>
-                    <a:pt x="3036750" y="287633"/>
-                  </a:lnTo>
-                  <a:lnTo>
-                    <a:pt x="3181357" y="357564"/>
-                  </a:lnTo>
-                  <a:lnTo>
-                    <a:pt x="3325964" y="433098"/>
-                  </a:lnTo>
-                  <a:lnTo>
-                    <a:pt x="3470572" y="501866"/>
-                  </a:lnTo>
-                  <a:lnTo>
-                    <a:pt x="3615179" y="558509"/>
-                  </a:lnTo>
-                  <a:lnTo>
-                    <a:pt x="3759786" y="606780"/>
-                  </a:lnTo>
-                  <a:lnTo>
-                    <a:pt x="3904393" y="648141"/>
-                  </a:lnTo>
-                  <a:lnTo>
-                    <a:pt x="4049000" y="682939"/>
-                  </a:lnTo>
-                  <a:lnTo>
-                    <a:pt x="4193607" y="711105"/>
-                  </a:lnTo>
-                  <a:lnTo>
-                    <a:pt x="4338215" y="732320"/>
-                  </a:lnTo>
-                  <a:lnTo>
-                    <a:pt x="4482822" y="745843"/>
-                  </a:lnTo>
-                  <a:lnTo>
-                    <a:pt x="4627429" y="753346"/>
-                  </a:lnTo>
-                  <a:lnTo>
-                    <a:pt x="4772036" y="757337"/>
-                  </a:lnTo>
-                  <a:lnTo>
-                    <a:pt x="4916643" y="758651"/>
-                  </a:lnTo>
-                  <a:lnTo>
-                    <a:pt x="5061250" y="758523"/>
-                  </a:lnTo>
-                  <a:lnTo>
-                    <a:pt x="5205858" y="757914"/>
-                  </a:lnTo>
-                  <a:lnTo>
-                    <a:pt x="5350465" y="757378"/>
-                  </a:lnTo>
-                  <a:lnTo>
-                    <a:pt x="5495072" y="757180"/>
-                  </a:lnTo>
-                  <a:lnTo>
-                    <a:pt x="5639679" y="757180"/>
-                  </a:lnTo>
-                  <a:lnTo>
-                    <a:pt x="5784286" y="757180"/>
-                  </a:lnTo>
-                  <a:lnTo>
-                    <a:pt x="5784286" y="757180"/>
+                    <a:pt x="225080" y="5252"/>
+                  </a:lnTo>
+                  <a:lnTo>
+                    <a:pt x="450160" y="20786"/>
+                  </a:lnTo>
+                  <a:lnTo>
+                    <a:pt x="675241" y="46667"/>
+                  </a:lnTo>
+                  <a:lnTo>
+                    <a:pt x="900321" y="82982"/>
+                  </a:lnTo>
+                  <a:lnTo>
+                    <a:pt x="1125402" y="129770"/>
+                  </a:lnTo>
+                  <a:lnTo>
+                    <a:pt x="1350482" y="186790"/>
+                  </a:lnTo>
+                  <a:lnTo>
+                    <a:pt x="1575563" y="252559"/>
+                  </a:lnTo>
+                  <a:lnTo>
+                    <a:pt x="1800643" y="320600"/>
+                  </a:lnTo>
+                  <a:lnTo>
+                    <a:pt x="2025724" y="378681"/>
+                  </a:lnTo>
+                  <a:lnTo>
+                    <a:pt x="2250804" y="431306"/>
+                  </a:lnTo>
+                  <a:lnTo>
+                    <a:pt x="2475885" y="483989"/>
+                  </a:lnTo>
+                  <a:lnTo>
+                    <a:pt x="2700965" y="538013"/>
+                  </a:lnTo>
+                  <a:lnTo>
+                    <a:pt x="2926046" y="593399"/>
+                  </a:lnTo>
+                  <a:lnTo>
+                    <a:pt x="3151126" y="649467"/>
+                  </a:lnTo>
+                  <a:lnTo>
+                    <a:pt x="3376207" y="704725"/>
+                  </a:lnTo>
+                  <a:lnTo>
+                    <a:pt x="3601287" y="756630"/>
+                  </a:lnTo>
+                  <a:lnTo>
+                    <a:pt x="3826368" y="800165"/>
+                  </a:lnTo>
+                  <a:lnTo>
+                    <a:pt x="4051448" y="834513"/>
+                  </a:lnTo>
+                  <a:lnTo>
+                    <a:pt x="4276529" y="861777"/>
+                  </a:lnTo>
+                  <a:lnTo>
+                    <a:pt x="4501609" y="883186"/>
+                  </a:lnTo>
+                  <a:lnTo>
+                    <a:pt x="4726690" y="899408"/>
+                  </a:lnTo>
+                  <a:lnTo>
+                    <a:pt x="4951770" y="910801"/>
+                  </a:lnTo>
+                  <a:lnTo>
+                    <a:pt x="5176851" y="917554"/>
+                  </a:lnTo>
+                  <a:lnTo>
+                    <a:pt x="5401931" y="919760"/>
+                  </a:lnTo>
+                  <a:lnTo>
+                    <a:pt x="5627012" y="919760"/>
+                  </a:lnTo>
+                  <a:lnTo>
+                    <a:pt x="5852092" y="919760"/>
+                  </a:lnTo>
+                  <a:lnTo>
+                    <a:pt x="5852092" y="919760"/>
                   </a:lnTo>
                 </a:path>
               </a:pathLst>
@@ -4442,144 +4062,102 @@
         </p:sp>
         <p:sp>
           <p:nvSpPr>
-            <p:cNvPr id="16" name="pl16"/>
+            <p:cNvPr id="14" name="pl14"/>
             <p:cNvSpPr/>
             <p:nvPr/>
           </p:nvSpPr>
           <p:spPr>
             <a:xfrm>
-              <a:off x="4890324" y="2553965"/>
-              <a:ext cx="5784286" cy="938860"/>
+              <a:off x="4822518" y="2597276"/>
+              <a:ext cx="5852092" cy="1007942"/>
             </a:xfrm>
             <a:custGeom>
               <a:avLst/>
               <a:pathLst>
-                <a:path w="5784286" h="938860">
+                <a:path w="5852092" h="1007942">
                   <a:moveTo>
-                    <a:pt x="5784286" y="772665"/>
+                    <a:pt x="5852092" y="1007942"/>
                   </a:moveTo>
                   <a:lnTo>
-                    <a:pt x="5639679" y="772665"/>
-                  </a:lnTo>
-                  <a:lnTo>
-                    <a:pt x="5495072" y="772665"/>
-                  </a:lnTo>
-                  <a:lnTo>
-                    <a:pt x="5350465" y="772029"/>
-                  </a:lnTo>
-                  <a:lnTo>
-                    <a:pt x="5205858" y="770150"/>
-                  </a:lnTo>
-                  <a:lnTo>
-                    <a:pt x="5061250" y="767298"/>
-                  </a:lnTo>
-                  <a:lnTo>
-                    <a:pt x="4916643" y="764041"/>
-                  </a:lnTo>
-                  <a:lnTo>
-                    <a:pt x="4772036" y="761358"/>
-                  </a:lnTo>
-                  <a:lnTo>
-                    <a:pt x="4627429" y="760506"/>
-                  </a:lnTo>
-                  <a:lnTo>
-                    <a:pt x="4482822" y="762348"/>
-                  </a:lnTo>
-                  <a:lnTo>
-                    <a:pt x="4338215" y="760341"/>
-                  </a:lnTo>
-                  <a:lnTo>
-                    <a:pt x="4193607" y="746480"/>
-                  </a:lnTo>
-                  <a:lnTo>
-                    <a:pt x="4049000" y="720343"/>
-                  </a:lnTo>
-                  <a:lnTo>
-                    <a:pt x="3904393" y="682136"/>
-                  </a:lnTo>
-                  <a:lnTo>
-                    <a:pt x="3759786" y="632508"/>
-                  </a:lnTo>
-                  <a:lnTo>
-                    <a:pt x="3615179" y="572686"/>
-                  </a:lnTo>
-                  <a:lnTo>
-                    <a:pt x="3470572" y="505148"/>
-                  </a:lnTo>
-                  <a:lnTo>
-                    <a:pt x="3325964" y="434762"/>
-                  </a:lnTo>
-                  <a:lnTo>
-                    <a:pt x="3181357" y="369941"/>
-                  </a:lnTo>
-                  <a:lnTo>
-                    <a:pt x="3036750" y="311715"/>
-                  </a:lnTo>
-                  <a:lnTo>
-                    <a:pt x="2892143" y="257283"/>
-                  </a:lnTo>
-                  <a:lnTo>
-                    <a:pt x="2747536" y="205744"/>
-                  </a:lnTo>
-                  <a:lnTo>
-                    <a:pt x="2602929" y="156783"/>
-                  </a:lnTo>
-                  <a:lnTo>
-                    <a:pt x="2458321" y="110366"/>
-                  </a:lnTo>
-                  <a:lnTo>
-                    <a:pt x="2313714" y="66797"/>
-                  </a:lnTo>
-                  <a:lnTo>
-                    <a:pt x="2169107" y="27197"/>
-                  </a:lnTo>
-                  <a:lnTo>
-                    <a:pt x="2024500" y="2222"/>
-                  </a:lnTo>
-                  <a:lnTo>
-                    <a:pt x="1879893" y="0"/>
-                  </a:lnTo>
-                  <a:lnTo>
-                    <a:pt x="1735286" y="18096"/>
-                  </a:lnTo>
-                  <a:lnTo>
-                    <a:pt x="1590678" y="55206"/>
-                  </a:lnTo>
-                  <a:lnTo>
-                    <a:pt x="1446071" y="111247"/>
-                  </a:lnTo>
-                  <a:lnTo>
-                    <a:pt x="1301464" y="186977"/>
-                  </a:lnTo>
-                  <a:lnTo>
-                    <a:pt x="1156857" y="283869"/>
-                  </a:lnTo>
-                  <a:lnTo>
-                    <a:pt x="1012250" y="404287"/>
-                  </a:lnTo>
-                  <a:lnTo>
-                    <a:pt x="867643" y="532328"/>
-                  </a:lnTo>
-                  <a:lnTo>
-                    <a:pt x="723035" y="647340"/>
-                  </a:lnTo>
-                  <a:lnTo>
-                    <a:pt x="578428" y="747077"/>
-                  </a:lnTo>
-                  <a:lnTo>
-                    <a:pt x="433821" y="828514"/>
-                  </a:lnTo>
-                  <a:lnTo>
-                    <a:pt x="289214" y="888837"/>
-                  </a:lnTo>
-                  <a:lnTo>
-                    <a:pt x="144607" y="926018"/>
-                  </a:lnTo>
-                  <a:lnTo>
-                    <a:pt x="0" y="938860"/>
-                  </a:lnTo>
-                  <a:lnTo>
-                    <a:pt x="0" y="938860"/>
+                    <a:pt x="5627012" y="1007942"/>
+                  </a:lnTo>
+                  <a:lnTo>
+                    <a:pt x="5401931" y="1007942"/>
+                  </a:lnTo>
+                  <a:lnTo>
+                    <a:pt x="5176851" y="1003186"/>
+                  </a:lnTo>
+                  <a:lnTo>
+                    <a:pt x="4951770" y="988756"/>
+                  </a:lnTo>
+                  <a:lnTo>
+                    <a:pt x="4726690" y="964858"/>
+                  </a:lnTo>
+                  <a:lnTo>
+                    <a:pt x="4501609" y="931876"/>
+                  </a:lnTo>
+                  <a:lnTo>
+                    <a:pt x="4276529" y="890432"/>
+                  </a:lnTo>
+                  <a:lnTo>
+                    <a:pt x="4051448" y="841525"/>
+                  </a:lnTo>
+                  <a:lnTo>
+                    <a:pt x="3826368" y="786778"/>
+                  </a:lnTo>
+                  <a:lnTo>
+                    <a:pt x="3601287" y="728741"/>
+                  </a:lnTo>
+                  <a:lnTo>
+                    <a:pt x="3376207" y="671115"/>
+                  </a:lnTo>
+                  <a:lnTo>
+                    <a:pt x="3151126" y="613308"/>
+                  </a:lnTo>
+                  <a:lnTo>
+                    <a:pt x="2926046" y="552842"/>
+                  </a:lnTo>
+                  <a:lnTo>
+                    <a:pt x="2700965" y="488335"/>
+                  </a:lnTo>
+                  <a:lnTo>
+                    <a:pt x="2475885" y="419250"/>
+                  </a:lnTo>
+                  <a:lnTo>
+                    <a:pt x="2250804" y="345786"/>
+                  </a:lnTo>
+                  <a:lnTo>
+                    <a:pt x="2025724" y="269429"/>
+                  </a:lnTo>
+                  <a:lnTo>
+                    <a:pt x="1800643" y="195920"/>
+                  </a:lnTo>
+                  <a:lnTo>
+                    <a:pt x="1575563" y="140136"/>
+                  </a:lnTo>
+                  <a:lnTo>
+                    <a:pt x="1350482" y="100052"/>
+                  </a:lnTo>
+                  <a:lnTo>
+                    <a:pt x="1125402" y="68524"/>
+                  </a:lnTo>
+                  <a:lnTo>
+                    <a:pt x="900321" y="43528"/>
+                  </a:lnTo>
+                  <a:lnTo>
+                    <a:pt x="675241" y="24398"/>
+                  </a:lnTo>
+                  <a:lnTo>
+                    <a:pt x="450160" y="10848"/>
+                  </a:lnTo>
+                  <a:lnTo>
+                    <a:pt x="225080" y="2739"/>
+                  </a:lnTo>
+                  <a:lnTo>
+                    <a:pt x="0" y="0"/>
+                  </a:lnTo>
+                  <a:lnTo>
+                    <a:pt x="0" y="0"/>
                   </a:lnTo>
                 </a:path>
               </a:pathLst>
@@ -4593,144 +4171,102 @@
         </p:sp>
         <p:sp>
           <p:nvSpPr>
-            <p:cNvPr id="17" name="pl17"/>
+            <p:cNvPr id="15" name="pl15"/>
             <p:cNvSpPr/>
             <p:nvPr/>
           </p:nvSpPr>
           <p:spPr>
             <a:xfrm>
-              <a:off x="4890324" y="3109588"/>
-              <a:ext cx="5784286" cy="866420"/>
+              <a:off x="4822518" y="3322434"/>
+              <a:ext cx="5852092" cy="529455"/>
             </a:xfrm>
             <a:custGeom>
               <a:avLst/>
               <a:pathLst>
-                <a:path w="5784286" h="866420">
+                <a:path w="5852092" h="529455">
                   <a:moveTo>
-                    <a:pt x="0" y="866420"/>
+                    <a:pt x="0" y="0"/>
                   </a:moveTo>
                   <a:lnTo>
-                    <a:pt x="144607" y="853940"/>
-                  </a:lnTo>
-                  <a:lnTo>
-                    <a:pt x="289214" y="817720"/>
-                  </a:lnTo>
-                  <a:lnTo>
-                    <a:pt x="433821" y="758635"/>
-                  </a:lnTo>
-                  <a:lnTo>
-                    <a:pt x="578428" y="678059"/>
-                  </a:lnTo>
-                  <a:lnTo>
-                    <a:pt x="723035" y="577764"/>
-                  </a:lnTo>
-                  <a:lnTo>
-                    <a:pt x="867643" y="459802"/>
-                  </a:lnTo>
-                  <a:lnTo>
-                    <a:pt x="1012250" y="326391"/>
-                  </a:lnTo>
-                  <a:lnTo>
-                    <a:pt x="1156857" y="203618"/>
-                  </a:lnTo>
-                  <a:lnTo>
-                    <a:pt x="1301464" y="111866"/>
-                  </a:lnTo>
-                  <a:lnTo>
-                    <a:pt x="1446071" y="48398"/>
-                  </a:lnTo>
-                  <a:lnTo>
-                    <a:pt x="1590678" y="11441"/>
-                  </a:lnTo>
-                  <a:lnTo>
-                    <a:pt x="1735286" y="0"/>
-                  </a:lnTo>
-                  <a:lnTo>
-                    <a:pt x="1879893" y="13773"/>
-                  </a:lnTo>
-                  <a:lnTo>
-                    <a:pt x="2024500" y="53125"/>
-                  </a:lnTo>
-                  <a:lnTo>
-                    <a:pt x="2169107" y="119106"/>
-                  </a:lnTo>
-                  <a:lnTo>
-                    <a:pt x="2313714" y="191349"/>
-                  </a:lnTo>
-                  <a:lnTo>
-                    <a:pt x="2458321" y="249259"/>
-                  </a:lnTo>
-                  <a:lnTo>
-                    <a:pt x="2602929" y="291929"/>
-                  </a:lnTo>
-                  <a:lnTo>
-                    <a:pt x="2747536" y="318665"/>
-                  </a:lnTo>
-                  <a:lnTo>
-                    <a:pt x="2892143" y="329017"/>
-                  </a:lnTo>
-                  <a:lnTo>
-                    <a:pt x="3036750" y="322812"/>
-                  </a:lnTo>
-                  <a:lnTo>
-                    <a:pt x="3181357" y="300153"/>
-                  </a:lnTo>
-                  <a:lnTo>
-                    <a:pt x="3325964" y="261430"/>
-                  </a:lnTo>
-                  <a:lnTo>
-                    <a:pt x="3470572" y="223065"/>
-                  </a:lnTo>
-                  <a:lnTo>
-                    <a:pt x="3615179" y="199588"/>
-                  </a:lnTo>
-                  <a:lnTo>
-                    <a:pt x="3759786" y="190643"/>
-                  </a:lnTo>
-                  <a:lnTo>
-                    <a:pt x="3904393" y="196094"/>
-                  </a:lnTo>
-                  <a:lnTo>
-                    <a:pt x="4049000" y="216023"/>
-                  </a:lnTo>
-                  <a:lnTo>
-                    <a:pt x="4193607" y="250733"/>
-                  </a:lnTo>
-                  <a:lnTo>
-                    <a:pt x="4338215" y="300759"/>
-                  </a:lnTo>
-                  <a:lnTo>
-                    <a:pt x="4482822" y="366896"/>
-                  </a:lnTo>
-                  <a:lnTo>
-                    <a:pt x="4627429" y="436472"/>
-                  </a:lnTo>
-                  <a:lnTo>
-                    <a:pt x="4772036" y="496644"/>
-                  </a:lnTo>
-                  <a:lnTo>
-                    <a:pt x="4916643" y="546782"/>
-                  </a:lnTo>
-                  <a:lnTo>
-                    <a:pt x="5061250" y="586338"/>
-                  </a:lnTo>
-                  <a:lnTo>
-                    <a:pt x="5205858" y="614864"/>
-                  </a:lnTo>
-                  <a:lnTo>
-                    <a:pt x="5350465" y="632027"/>
-                  </a:lnTo>
-                  <a:lnTo>
-                    <a:pt x="5495072" y="637626"/>
-                  </a:lnTo>
-                  <a:lnTo>
-                    <a:pt x="5639679" y="637626"/>
-                  </a:lnTo>
-                  <a:lnTo>
-                    <a:pt x="5784286" y="637626"/>
-                  </a:lnTo>
-                  <a:lnTo>
-                    <a:pt x="5784286" y="637626"/>
+                    <a:pt x="225080" y="664"/>
+                  </a:lnTo>
+                  <a:lnTo>
+                    <a:pt x="450160" y="2627"/>
+                  </a:lnTo>
+                  <a:lnTo>
+                    <a:pt x="675241" y="5889"/>
+                  </a:lnTo>
+                  <a:lnTo>
+                    <a:pt x="900321" y="10455"/>
+                  </a:lnTo>
+                  <a:lnTo>
+                    <a:pt x="1125402" y="16327"/>
+                  </a:lnTo>
+                  <a:lnTo>
+                    <a:pt x="1350482" y="23510"/>
+                  </a:lnTo>
+                  <a:lnTo>
+                    <a:pt x="1575563" y="32011"/>
+                  </a:lnTo>
+                  <a:lnTo>
+                    <a:pt x="1800643" y="41838"/>
+                  </a:lnTo>
+                  <a:lnTo>
+                    <a:pt x="2025724" y="55029"/>
+                  </a:lnTo>
+                  <a:lnTo>
+                    <a:pt x="2250804" y="73559"/>
+                  </a:lnTo>
+                  <a:lnTo>
+                    <a:pt x="2475885" y="97490"/>
+                  </a:lnTo>
+                  <a:lnTo>
+                    <a:pt x="2700965" y="126909"/>
+                  </a:lnTo>
+                  <a:lnTo>
+                    <a:pt x="2926046" y="161920"/>
+                  </a:lnTo>
+                  <a:lnTo>
+                    <a:pt x="3151126" y="202651"/>
+                  </a:lnTo>
+                  <a:lnTo>
+                    <a:pt x="3376207" y="249252"/>
+                  </a:lnTo>
+                  <a:lnTo>
+                    <a:pt x="3601287" y="301899"/>
+                  </a:lnTo>
+                  <a:lnTo>
+                    <a:pt x="3826368" y="354304"/>
+                  </a:lnTo>
+                  <a:lnTo>
+                    <a:pt x="4051448" y="400199"/>
+                  </a:lnTo>
+                  <a:lnTo>
+                    <a:pt x="4276529" y="439381"/>
+                  </a:lnTo>
+                  <a:lnTo>
+                    <a:pt x="4501609" y="471674"/>
+                  </a:lnTo>
+                  <a:lnTo>
+                    <a:pt x="4726690" y="496929"/>
+                  </a:lnTo>
+                  <a:lnTo>
+                    <a:pt x="4951770" y="515028"/>
+                  </a:lnTo>
+                  <a:lnTo>
+                    <a:pt x="5176851" y="525888"/>
+                  </a:lnTo>
+                  <a:lnTo>
+                    <a:pt x="5401931" y="529455"/>
+                  </a:lnTo>
+                  <a:lnTo>
+                    <a:pt x="5627012" y="529455"/>
+                  </a:lnTo>
+                  <a:lnTo>
+                    <a:pt x="5852092" y="529455"/>
+                  </a:lnTo>
+                  <a:lnTo>
+                    <a:pt x="5852092" y="529455"/>
                   </a:lnTo>
                 </a:path>
               </a:pathLst>
@@ -4753,144 +4289,102 @@
         </p:sp>
         <p:sp>
           <p:nvSpPr>
-            <p:cNvPr id="18" name="pl18"/>
+            <p:cNvPr id="16" name="pl16"/>
             <p:cNvSpPr/>
             <p:nvPr/>
           </p:nvSpPr>
           <p:spPr>
             <a:xfrm>
-              <a:off x="4890324" y="2530700"/>
-              <a:ext cx="5784286" cy="939289"/>
+              <a:off x="4822518" y="2506497"/>
+              <a:ext cx="5852092" cy="962777"/>
             </a:xfrm>
             <a:custGeom>
               <a:avLst/>
               <a:pathLst>
-                <a:path w="5784286" h="939289">
+                <a:path w="5852092" h="962777">
                   <a:moveTo>
-                    <a:pt x="0" y="939289"/>
+                    <a:pt x="0" y="0"/>
                   </a:moveTo>
                   <a:lnTo>
-                    <a:pt x="144607" y="926981"/>
-                  </a:lnTo>
-                  <a:lnTo>
-                    <a:pt x="289214" y="891255"/>
-                  </a:lnTo>
-                  <a:lnTo>
-                    <a:pt x="433821" y="832964"/>
-                  </a:lnTo>
-                  <a:lnTo>
-                    <a:pt x="578428" y="753446"/>
-                  </a:lnTo>
-                  <a:lnTo>
-                    <a:pt x="723035" y="654429"/>
-                  </a:lnTo>
-                  <a:lnTo>
-                    <a:pt x="867643" y="537914"/>
-                  </a:lnTo>
-                  <a:lnTo>
-                    <a:pt x="1012250" y="406069"/>
-                  </a:lnTo>
-                  <a:lnTo>
-                    <a:pt x="1156857" y="281668"/>
-                  </a:lnTo>
-                  <a:lnTo>
-                    <a:pt x="1301464" y="182484"/>
-                  </a:lnTo>
-                  <a:lnTo>
-                    <a:pt x="1446071" y="106158"/>
-                  </a:lnTo>
-                  <a:lnTo>
-                    <a:pt x="1590678" y="51000"/>
-                  </a:lnTo>
-                  <a:lnTo>
-                    <a:pt x="1735286" y="15851"/>
-                  </a:lnTo>
-                  <a:lnTo>
-                    <a:pt x="1879893" y="0"/>
-                  </a:lnTo>
-                  <a:lnTo>
-                    <a:pt x="2024500" y="3131"/>
-                  </a:lnTo>
-                  <a:lnTo>
-                    <a:pt x="2169107" y="25303"/>
-                  </a:lnTo>
-                  <a:lnTo>
-                    <a:pt x="2313714" y="59040"/>
-                  </a:lnTo>
-                  <a:lnTo>
-                    <a:pt x="2458321" y="97300"/>
-                  </a:lnTo>
-                  <a:lnTo>
-                    <a:pt x="2602929" y="140262"/>
-                  </a:lnTo>
-                  <a:lnTo>
-                    <a:pt x="2747536" y="188128"/>
-                  </a:lnTo>
-                  <a:lnTo>
-                    <a:pt x="2892143" y="241134"/>
-                  </a:lnTo>
-                  <a:lnTo>
-                    <a:pt x="3036750" y="299553"/>
-                  </a:lnTo>
-                  <a:lnTo>
-                    <a:pt x="3181357" y="363697"/>
-                  </a:lnTo>
-                  <a:lnTo>
-                    <a:pt x="3325964" y="433923"/>
-                  </a:lnTo>
-                  <a:lnTo>
-                    <a:pt x="3470572" y="503493"/>
-                  </a:lnTo>
-                  <a:lnTo>
-                    <a:pt x="3615179" y="565533"/>
-                  </a:lnTo>
-                  <a:lnTo>
-                    <a:pt x="3759786" y="619513"/>
-                  </a:lnTo>
-                  <a:lnTo>
-                    <a:pt x="3904393" y="664953"/>
-                  </a:lnTo>
-                  <a:lnTo>
-                    <a:pt x="4049000" y="701431"/>
-                  </a:lnTo>
-                  <a:lnTo>
-                    <a:pt x="4193607" y="728598"/>
-                  </a:lnTo>
-                  <a:lnTo>
-                    <a:pt x="4338215" y="746185"/>
-                  </a:lnTo>
-                  <a:lnTo>
-                    <a:pt x="4482822" y="754018"/>
-                  </a:lnTo>
-                  <a:lnTo>
-                    <a:pt x="4627429" y="756895"/>
-                  </a:lnTo>
-                  <a:lnTo>
-                    <a:pt x="4772036" y="759331"/>
-                  </a:lnTo>
-                  <a:lnTo>
-                    <a:pt x="4916643" y="761323"/>
-                  </a:lnTo>
-                  <a:lnTo>
-                    <a:pt x="5061250" y="762872"/>
-                  </a:lnTo>
-                  <a:lnTo>
-                    <a:pt x="5205858" y="763977"/>
-                  </a:lnTo>
-                  <a:lnTo>
-                    <a:pt x="5350465" y="764636"/>
-                  </a:lnTo>
-                  <a:lnTo>
-                    <a:pt x="5495072" y="764850"/>
-                  </a:lnTo>
-                  <a:lnTo>
-                    <a:pt x="5639679" y="764850"/>
-                  </a:lnTo>
-                  <a:lnTo>
-                    <a:pt x="5784286" y="764850"/>
-                  </a:lnTo>
-                  <a:lnTo>
-                    <a:pt x="5784286" y="764850"/>
+                    <a:pt x="225080" y="4019"/>
+                  </a:lnTo>
+                  <a:lnTo>
+                    <a:pt x="450160" y="15912"/>
+                  </a:lnTo>
+                  <a:lnTo>
+                    <a:pt x="675241" y="35737"/>
+                  </a:lnTo>
+                  <a:lnTo>
+                    <a:pt x="900321" y="63599"/>
+                  </a:lnTo>
+                  <a:lnTo>
+                    <a:pt x="1125402" y="99644"/>
+                  </a:lnTo>
+                  <a:lnTo>
+                    <a:pt x="1350482" y="144065"/>
+                  </a:lnTo>
+                  <a:lnTo>
+                    <a:pt x="1575563" y="197104"/>
+                  </a:lnTo>
+                  <a:lnTo>
+                    <a:pt x="1800643" y="259056"/>
+                  </a:lnTo>
+                  <a:lnTo>
+                    <a:pt x="2025724" y="324799"/>
+                  </a:lnTo>
+                  <a:lnTo>
+                    <a:pt x="2250804" y="389184"/>
+                  </a:lnTo>
+                  <a:lnTo>
+                    <a:pt x="2475885" y="452139"/>
+                  </a:lnTo>
+                  <a:lnTo>
+                    <a:pt x="2700965" y="513593"/>
+                  </a:lnTo>
+                  <a:lnTo>
+                    <a:pt x="2926046" y="573473"/>
+                  </a:lnTo>
+                  <a:lnTo>
+                    <a:pt x="3151126" y="631706"/>
+                  </a:lnTo>
+                  <a:lnTo>
+                    <a:pt x="3376207" y="688218"/>
+                  </a:lnTo>
+                  <a:lnTo>
+                    <a:pt x="3601287" y="742937"/>
+                  </a:lnTo>
+                  <a:lnTo>
+                    <a:pt x="3826368" y="793598"/>
+                  </a:lnTo>
+                  <a:lnTo>
+                    <a:pt x="4051448" y="837949"/>
+                  </a:lnTo>
+                  <a:lnTo>
+                    <a:pt x="4276529" y="875802"/>
+                  </a:lnTo>
+                  <a:lnTo>
+                    <a:pt x="4501609" y="906990"/>
+                  </a:lnTo>
+                  <a:lnTo>
+                    <a:pt x="4726690" y="931376"/>
+                  </a:lnTo>
+                  <a:lnTo>
+                    <a:pt x="4951770" y="948851"/>
+                  </a:lnTo>
+                  <a:lnTo>
+                    <a:pt x="5176851" y="959333"/>
+                  </a:lnTo>
+                  <a:lnTo>
+                    <a:pt x="5401931" y="962777"/>
+                  </a:lnTo>
+                  <a:lnTo>
+                    <a:pt x="5627012" y="962777"/>
+                  </a:lnTo>
+                  <a:lnTo>
+                    <a:pt x="5852092" y="962777"/>
+                  </a:lnTo>
+                  <a:lnTo>
+                    <a:pt x="5852092" y="962777"/>
                   </a:lnTo>
                 </a:path>
               </a:pathLst>
@@ -4913,27 +4407,27 @@
         </p:sp>
         <p:sp>
           <p:nvSpPr>
-            <p:cNvPr id="19" name="pl19"/>
+            <p:cNvPr id="17" name="pl17"/>
             <p:cNvSpPr/>
             <p:nvPr/>
           </p:nvSpPr>
           <p:spPr>
             <a:xfrm>
-              <a:off x="4890324" y="3213554"/>
-              <a:ext cx="5784286" cy="0"/>
+              <a:off x="4822518" y="3213554"/>
+              <a:ext cx="5852092" cy="0"/>
             </a:xfrm>
             <a:custGeom>
               <a:avLst/>
               <a:pathLst>
-                <a:path w="5784286" h="0">
+                <a:path w="5852092" h="0">
                   <a:moveTo>
                     <a:pt x="0" y="0"/>
                   </a:moveTo>
                   <a:lnTo>
-                    <a:pt x="5784286" y="0"/>
-                  </a:lnTo>
-                  <a:lnTo>
-                    <a:pt x="5784286" y="0"/>
+                    <a:pt x="5852092" y="0"/>
+                  </a:lnTo>
+                  <a:lnTo>
+                    <a:pt x="5852092" y="0"/>
                   </a:lnTo>
                 </a:path>
               </a:pathLst>
@@ -4956,59 +4450,13 @@
         </p:sp>
         <p:sp>
           <p:nvSpPr>
-            <p:cNvPr id="20" name="tx20"/>
+            <p:cNvPr id="18" name="tx18"/>
             <p:cNvSpPr/>
             <p:nvPr/>
           </p:nvSpPr>
           <p:spPr>
             <a:xfrm>
-              <a:off x="4590402" y="4380882"/>
-              <a:ext cx="237291" cy="89177"/>
-            </a:xfrm>
-            <a:prstGeom prst="rect">
-              <a:avLst/>
-            </a:prstGeom>
-            <a:noFill/>
-          </p:spPr>
-          <p:txBody>
-            <a:bodyPr lIns="0" rIns="0" tIns="0" bIns="0" anchorCtr="1" anchor="ctr" wrap="none"/>
-            <a:lstStyle/>
-            <a:p>
-              <a:pPr algn="l" marL="0" marR="0" indent="0">
-                <a:lnSpc>
-                  <a:spcPts val="960"/>
-                </a:lnSpc>
-                <a:spcBef>
-                  <a:spcPts val="0"/>
-                </a:spcBef>
-                <a:spcAft>
-                  <a:spcPts val="0"/>
-                </a:spcAft>
-              </a:pPr>
-              <a:r>
-                <a:rPr sz="960">
-                  <a:solidFill>
-                    <a:srgbClr val="4D4D4D">
-                      <a:alpha val="100000"/>
-                    </a:srgbClr>
-                  </a:solidFill>
-                  <a:latin typeface="Arial"/>
-                  <a:cs typeface="Arial"/>
-                </a:rPr>
-                <a:t>0.33</a:t>
-              </a:r>
-            </a:p>
-          </p:txBody>
-        </p:sp>
-        <p:sp>
-          <p:nvSpPr>
-            <p:cNvPr id="21" name="tx21"/>
-            <p:cNvSpPr/>
-            <p:nvPr/>
-          </p:nvSpPr>
-          <p:spPr>
-            <a:xfrm>
-              <a:off x="4658208" y="3933307"/>
+              <a:off x="4590402" y="4380941"/>
               <a:ext cx="169485" cy="89118"/>
             </a:xfrm>
             <a:prstGeom prst="rect">
@@ -5048,13 +4496,13 @@
         </p:sp>
         <p:sp>
           <p:nvSpPr>
-            <p:cNvPr id="22" name="tx22"/>
+            <p:cNvPr id="19" name="tx19"/>
             <p:cNvSpPr/>
             <p:nvPr/>
           </p:nvSpPr>
           <p:spPr>
             <a:xfrm>
-              <a:off x="4759888" y="3169560"/>
+              <a:off x="4692081" y="3169560"/>
               <a:ext cx="67806" cy="87630"/>
             </a:xfrm>
             <a:prstGeom prst="rect">
@@ -5094,13 +4542,13 @@
         </p:sp>
         <p:sp>
           <p:nvSpPr>
-            <p:cNvPr id="23" name="tx23"/>
+            <p:cNvPr id="20" name="tx20"/>
             <p:cNvSpPr/>
             <p:nvPr/>
           </p:nvSpPr>
           <p:spPr>
             <a:xfrm>
-              <a:off x="4759888" y="3169560"/>
+              <a:off x="4692081" y="3169560"/>
               <a:ext cx="67806" cy="87630"/>
             </a:xfrm>
             <a:prstGeom prst="rect">
@@ -5140,13 +4588,13 @@
         </p:sp>
         <p:sp>
           <p:nvSpPr>
-            <p:cNvPr id="24" name="tx24"/>
+            <p:cNvPr id="21" name="tx21"/>
             <p:cNvSpPr/>
             <p:nvPr/>
           </p:nvSpPr>
           <p:spPr>
             <a:xfrm>
-              <a:off x="4759888" y="2404325"/>
+              <a:off x="4692081" y="1956691"/>
               <a:ext cx="67806" cy="87630"/>
             </a:xfrm>
             <a:prstGeom prst="rect">
@@ -5186,48 +4634,162 @@
         </p:sp>
         <p:sp>
           <p:nvSpPr>
-            <p:cNvPr id="25" name="tx25"/>
+            <p:cNvPr id="22" name="pl22"/>
             <p:cNvSpPr/>
             <p:nvPr/>
           </p:nvSpPr>
           <p:spPr>
             <a:xfrm>
-              <a:off x="4759888" y="1955143"/>
-              <a:ext cx="67806" cy="89177"/>
+              <a:off x="4787723" y="4426423"/>
+              <a:ext cx="34794" cy="0"/>
             </a:xfrm>
-            <a:prstGeom prst="rect">
+            <a:custGeom>
               <a:avLst/>
-            </a:prstGeom>
-            <a:noFill/>
+              <a:pathLst>
+                <a:path w="34794" h="0">
+                  <a:moveTo>
+                    <a:pt x="0" y="0"/>
+                  </a:moveTo>
+                  <a:lnTo>
+                    <a:pt x="34794" y="0"/>
+                  </a:lnTo>
+                </a:path>
+              </a:pathLst>
+            </a:custGeom>
+            <a:ln w="13550" cap="flat">
+              <a:solidFill>
+                <a:srgbClr val="333333">
+                  <a:alpha val="100000"/>
+                </a:srgbClr>
+              </a:solidFill>
+              <a:prstDash val="solid"/>
+              <a:round/>
+            </a:ln>
           </p:spPr>
           <p:txBody>
-            <a:bodyPr lIns="0" rIns="0" tIns="0" bIns="0" anchorCtr="1" anchor="ctr" wrap="none"/>
+            <a:bodyPr/>
             <a:lstStyle/>
-            <a:p>
-              <a:pPr algn="l" marL="0" marR="0" indent="0">
-                <a:lnSpc>
-                  <a:spcPts val="960"/>
-                </a:lnSpc>
-                <a:spcBef>
-                  <a:spcPts val="0"/>
-                </a:spcBef>
-                <a:spcAft>
-                  <a:spcPts val="0"/>
-                </a:spcAft>
-              </a:pPr>
-              <a:r>
-                <a:rPr sz="960">
-                  <a:solidFill>
-                    <a:srgbClr val="4D4D4D">
-                      <a:alpha val="100000"/>
-                    </a:srgbClr>
-                  </a:solidFill>
-                  <a:latin typeface="Arial"/>
-                  <a:cs typeface="Arial"/>
-                </a:rPr>
-                <a:t>3</a:t>
-              </a:r>
-            </a:p>
+            <a:p/>
+          </p:txBody>
+        </p:sp>
+        <p:sp>
+          <p:nvSpPr>
+            <p:cNvPr id="23" name="pl23"/>
+            <p:cNvSpPr/>
+            <p:nvPr/>
+          </p:nvSpPr>
+          <p:spPr>
+            <a:xfrm>
+              <a:off x="4787723" y="3213554"/>
+              <a:ext cx="34794" cy="0"/>
+            </a:xfrm>
+            <a:custGeom>
+              <a:avLst/>
+              <a:pathLst>
+                <a:path w="34794" h="0">
+                  <a:moveTo>
+                    <a:pt x="0" y="0"/>
+                  </a:moveTo>
+                  <a:lnTo>
+                    <a:pt x="34794" y="0"/>
+                  </a:lnTo>
+                </a:path>
+              </a:pathLst>
+            </a:custGeom>
+            <a:ln w="13550" cap="flat">
+              <a:solidFill>
+                <a:srgbClr val="333333">
+                  <a:alpha val="100000"/>
+                </a:srgbClr>
+              </a:solidFill>
+              <a:prstDash val="solid"/>
+              <a:round/>
+            </a:ln>
+          </p:spPr>
+          <p:txBody>
+            <a:bodyPr/>
+            <a:lstStyle/>
+            <a:p/>
+          </p:txBody>
+        </p:sp>
+        <p:sp>
+          <p:nvSpPr>
+            <p:cNvPr id="24" name="pl24"/>
+            <p:cNvSpPr/>
+            <p:nvPr/>
+          </p:nvSpPr>
+          <p:spPr>
+            <a:xfrm>
+              <a:off x="4787723" y="3213554"/>
+              <a:ext cx="34794" cy="0"/>
+            </a:xfrm>
+            <a:custGeom>
+              <a:avLst/>
+              <a:pathLst>
+                <a:path w="34794" h="0">
+                  <a:moveTo>
+                    <a:pt x="0" y="0"/>
+                  </a:moveTo>
+                  <a:lnTo>
+                    <a:pt x="34794" y="0"/>
+                  </a:lnTo>
+                </a:path>
+              </a:pathLst>
+            </a:custGeom>
+            <a:ln w="13550" cap="flat">
+              <a:solidFill>
+                <a:srgbClr val="333333">
+                  <a:alpha val="100000"/>
+                </a:srgbClr>
+              </a:solidFill>
+              <a:prstDash val="solid"/>
+              <a:round/>
+            </a:ln>
+          </p:spPr>
+          <p:txBody>
+            <a:bodyPr/>
+            <a:lstStyle/>
+            <a:p/>
+          </p:txBody>
+        </p:sp>
+        <p:sp>
+          <p:nvSpPr>
+            <p:cNvPr id="25" name="pl25"/>
+            <p:cNvSpPr/>
+            <p:nvPr/>
+          </p:nvSpPr>
+          <p:spPr>
+            <a:xfrm>
+              <a:off x="4787723" y="2000684"/>
+              <a:ext cx="34794" cy="0"/>
+            </a:xfrm>
+            <a:custGeom>
+              <a:avLst/>
+              <a:pathLst>
+                <a:path w="34794" h="0">
+                  <a:moveTo>
+                    <a:pt x="0" y="0"/>
+                  </a:moveTo>
+                  <a:lnTo>
+                    <a:pt x="34794" y="0"/>
+                  </a:lnTo>
+                </a:path>
+              </a:pathLst>
+            </a:custGeom>
+            <a:ln w="13550" cap="flat">
+              <a:solidFill>
+                <a:srgbClr val="333333">
+                  <a:alpha val="100000"/>
+                </a:srgbClr>
+              </a:solidFill>
+              <a:prstDash val="solid"/>
+              <a:round/>
+            </a:ln>
+          </p:spPr>
+          <p:txBody>
+            <a:bodyPr/>
+            <a:lstStyle/>
+            <a:p/>
           </p:txBody>
         </p:sp>
         <p:sp>
@@ -5238,18 +4800,18 @@
           </p:nvSpPr>
           <p:spPr>
             <a:xfrm>
-              <a:off x="4855529" y="4426423"/>
-              <a:ext cx="34794" cy="0"/>
+              <a:off x="5722840" y="4426423"/>
+              <a:ext cx="0" cy="34794"/>
             </a:xfrm>
             <a:custGeom>
               <a:avLst/>
               <a:pathLst>
-                <a:path w="34794" h="0">
+                <a:path w="0" h="34794">
                   <a:moveTo>
+                    <a:pt x="0" y="34794"/>
+                  </a:moveTo>
+                  <a:lnTo>
                     <a:pt x="0" y="0"/>
-                  </a:moveTo>
-                  <a:lnTo>
-                    <a:pt x="34794" y="0"/>
                   </a:lnTo>
                 </a:path>
               </a:pathLst>
@@ -5278,18 +4840,18 @@
           </p:nvSpPr>
           <p:spPr>
             <a:xfrm>
-              <a:off x="4855529" y="3978789"/>
-              <a:ext cx="34794" cy="0"/>
+              <a:off x="7298403" y="4426423"/>
+              <a:ext cx="0" cy="34794"/>
             </a:xfrm>
             <a:custGeom>
               <a:avLst/>
               <a:pathLst>
-                <a:path w="34794" h="0">
+                <a:path w="0" h="34794">
                   <a:moveTo>
+                    <a:pt x="0" y="34794"/>
+                  </a:moveTo>
+                  <a:lnTo>
                     <a:pt x="0" y="0"/>
-                  </a:moveTo>
-                  <a:lnTo>
-                    <a:pt x="34794" y="0"/>
                   </a:lnTo>
                 </a:path>
               </a:pathLst>
@@ -5318,18 +4880,18 @@
           </p:nvSpPr>
           <p:spPr>
             <a:xfrm>
-              <a:off x="4855529" y="3213554"/>
-              <a:ext cx="34794" cy="0"/>
+              <a:off x="8873967" y="4426423"/>
+              <a:ext cx="0" cy="34794"/>
             </a:xfrm>
             <a:custGeom>
               <a:avLst/>
               <a:pathLst>
-                <a:path w="34794" h="0">
+                <a:path w="0" h="34794">
                   <a:moveTo>
+                    <a:pt x="0" y="34794"/>
+                  </a:moveTo>
+                  <a:lnTo>
                     <a:pt x="0" y="0"/>
-                  </a:moveTo>
-                  <a:lnTo>
-                    <a:pt x="34794" y="0"/>
                   </a:lnTo>
                 </a:path>
               </a:pathLst>
@@ -5358,18 +4920,18 @@
           </p:nvSpPr>
           <p:spPr>
             <a:xfrm>
-              <a:off x="4855529" y="3213554"/>
-              <a:ext cx="34794" cy="0"/>
+              <a:off x="10449530" y="4426423"/>
+              <a:ext cx="0" cy="34794"/>
             </a:xfrm>
             <a:custGeom>
               <a:avLst/>
               <a:pathLst>
-                <a:path w="34794" h="0">
+                <a:path w="0" h="34794">
                   <a:moveTo>
+                    <a:pt x="0" y="34794"/>
+                  </a:moveTo>
+                  <a:lnTo>
                     <a:pt x="0" y="0"/>
-                  </a:moveTo>
-                  <a:lnTo>
-                    <a:pt x="34794" y="0"/>
                   </a:lnTo>
                 </a:path>
               </a:pathLst>
@@ -5392,213 +4954,13 @@
         </p:sp>
         <p:sp>
           <p:nvSpPr>
-            <p:cNvPr id="30" name="pl30"/>
+            <p:cNvPr id="30" name="tx30"/>
             <p:cNvSpPr/>
             <p:nvPr/>
           </p:nvSpPr>
           <p:spPr>
             <a:xfrm>
-              <a:off x="4855529" y="2448318"/>
-              <a:ext cx="34794" cy="0"/>
-            </a:xfrm>
-            <a:custGeom>
-              <a:avLst/>
-              <a:pathLst>
-                <a:path w="34794" h="0">
-                  <a:moveTo>
-                    <a:pt x="0" y="0"/>
-                  </a:moveTo>
-                  <a:lnTo>
-                    <a:pt x="34794" y="0"/>
-                  </a:lnTo>
-                </a:path>
-              </a:pathLst>
-            </a:custGeom>
-            <a:ln w="13550" cap="flat">
-              <a:solidFill>
-                <a:srgbClr val="333333">
-                  <a:alpha val="100000"/>
-                </a:srgbClr>
-              </a:solidFill>
-              <a:prstDash val="solid"/>
-              <a:round/>
-            </a:ln>
-          </p:spPr>
-          <p:txBody>
-            <a:bodyPr/>
-            <a:lstStyle/>
-            <a:p/>
-          </p:txBody>
-        </p:sp>
-        <p:sp>
-          <p:nvSpPr>
-            <p:cNvPr id="31" name="pl31"/>
-            <p:cNvSpPr/>
-            <p:nvPr/>
-          </p:nvSpPr>
-          <p:spPr>
-            <a:xfrm>
-              <a:off x="4855529" y="2000684"/>
-              <a:ext cx="34794" cy="0"/>
-            </a:xfrm>
-            <a:custGeom>
-              <a:avLst/>
-              <a:pathLst>
-                <a:path w="34794" h="0">
-                  <a:moveTo>
-                    <a:pt x="0" y="0"/>
-                  </a:moveTo>
-                  <a:lnTo>
-                    <a:pt x="34794" y="0"/>
-                  </a:lnTo>
-                </a:path>
-              </a:pathLst>
-            </a:custGeom>
-            <a:ln w="13550" cap="flat">
-              <a:solidFill>
-                <a:srgbClr val="333333">
-                  <a:alpha val="100000"/>
-                </a:srgbClr>
-              </a:solidFill>
-              <a:prstDash val="solid"/>
-              <a:round/>
-            </a:ln>
-          </p:spPr>
-          <p:txBody>
-            <a:bodyPr/>
-            <a:lstStyle/>
-            <a:p/>
-          </p:txBody>
-        </p:sp>
-        <p:sp>
-          <p:nvSpPr>
-            <p:cNvPr id="32" name="pl32"/>
-            <p:cNvSpPr/>
-            <p:nvPr/>
-          </p:nvSpPr>
-          <p:spPr>
-            <a:xfrm>
-              <a:off x="5034931" y="4426423"/>
-              <a:ext cx="0" cy="34794"/>
-            </a:xfrm>
-            <a:custGeom>
-              <a:avLst/>
-              <a:pathLst>
-                <a:path w="0" h="34794">
-                  <a:moveTo>
-                    <a:pt x="0" y="34794"/>
-                  </a:moveTo>
-                  <a:lnTo>
-                    <a:pt x="0" y="0"/>
-                  </a:lnTo>
-                </a:path>
-              </a:pathLst>
-            </a:custGeom>
-            <a:ln w="13550" cap="flat">
-              <a:solidFill>
-                <a:srgbClr val="333333">
-                  <a:alpha val="100000"/>
-                </a:srgbClr>
-              </a:solidFill>
-              <a:prstDash val="solid"/>
-              <a:round/>
-            </a:ln>
-          </p:spPr>
-          <p:txBody>
-            <a:bodyPr/>
-            <a:lstStyle/>
-            <a:p/>
-          </p:txBody>
-        </p:sp>
-        <p:sp>
-          <p:nvSpPr>
-            <p:cNvPr id="33" name="pl33"/>
-            <p:cNvSpPr/>
-            <p:nvPr/>
-          </p:nvSpPr>
-          <p:spPr>
-            <a:xfrm>
-              <a:off x="7059431" y="4426423"/>
-              <a:ext cx="0" cy="34794"/>
-            </a:xfrm>
-            <a:custGeom>
-              <a:avLst/>
-              <a:pathLst>
-                <a:path w="0" h="34794">
-                  <a:moveTo>
-                    <a:pt x="0" y="34794"/>
-                  </a:moveTo>
-                  <a:lnTo>
-                    <a:pt x="0" y="0"/>
-                  </a:lnTo>
-                </a:path>
-              </a:pathLst>
-            </a:custGeom>
-            <a:ln w="13550" cap="flat">
-              <a:solidFill>
-                <a:srgbClr val="333333">
-                  <a:alpha val="100000"/>
-                </a:srgbClr>
-              </a:solidFill>
-              <a:prstDash val="solid"/>
-              <a:round/>
-            </a:ln>
-          </p:spPr>
-          <p:txBody>
-            <a:bodyPr/>
-            <a:lstStyle/>
-            <a:p/>
-          </p:txBody>
-        </p:sp>
-        <p:sp>
-          <p:nvSpPr>
-            <p:cNvPr id="34" name="pl34"/>
-            <p:cNvSpPr/>
-            <p:nvPr/>
-          </p:nvSpPr>
-          <p:spPr>
-            <a:xfrm>
-              <a:off x="9517753" y="4426423"/>
-              <a:ext cx="0" cy="34794"/>
-            </a:xfrm>
-            <a:custGeom>
-              <a:avLst/>
-              <a:pathLst>
-                <a:path w="0" h="34794">
-                  <a:moveTo>
-                    <a:pt x="0" y="34794"/>
-                  </a:moveTo>
-                  <a:lnTo>
-                    <a:pt x="0" y="0"/>
-                  </a:lnTo>
-                </a:path>
-              </a:pathLst>
-            </a:custGeom>
-            <a:ln w="13550" cap="flat">
-              <a:solidFill>
-                <a:srgbClr val="333333">
-                  <a:alpha val="100000"/>
-                </a:srgbClr>
-              </a:solidFill>
-              <a:prstDash val="solid"/>
-              <a:round/>
-            </a:ln>
-          </p:spPr>
-          <p:txBody>
-            <a:bodyPr/>
-            <a:lstStyle/>
-            <a:p/>
-          </p:txBody>
-        </p:sp>
-        <p:sp>
-          <p:nvSpPr>
-            <p:cNvPr id="35" name="tx35"/>
-            <p:cNvSpPr/>
-            <p:nvPr/>
-          </p:nvSpPr>
-          <p:spPr>
-            <a:xfrm>
-              <a:off x="4851902" y="4487208"/>
+              <a:off x="5539811" y="4487208"/>
               <a:ext cx="366057" cy="89118"/>
             </a:xfrm>
             <a:prstGeom prst="rect">
@@ -5631,20 +4993,20 @@
                   <a:latin typeface="Arial"/>
                   <a:cs typeface="Arial"/>
                 </a:rPr>
-                <a:t>Jan 01</a:t>
+                <a:t>Jan 18</a:t>
               </a:r>
             </a:p>
           </p:txBody>
         </p:sp>
         <p:sp>
           <p:nvSpPr>
-            <p:cNvPr id="36" name="tx36"/>
+            <p:cNvPr id="31" name="tx31"/>
             <p:cNvSpPr/>
             <p:nvPr/>
           </p:nvSpPr>
           <p:spPr>
             <a:xfrm>
-              <a:off x="6876402" y="4487208"/>
+              <a:off x="7115374" y="4487208"/>
               <a:ext cx="366057" cy="89118"/>
             </a:xfrm>
             <a:prstGeom prst="rect">
@@ -5677,20 +5039,20 @@
                   <a:latin typeface="Arial"/>
                   <a:cs typeface="Arial"/>
                 </a:rPr>
-                <a:t>Jan 15</a:t>
+                <a:t>Jan 25</a:t>
               </a:r>
             </a:p>
           </p:txBody>
         </p:sp>
         <p:sp>
           <p:nvSpPr>
-            <p:cNvPr id="37" name="tx37"/>
+            <p:cNvPr id="32" name="tx32"/>
             <p:cNvSpPr/>
             <p:nvPr/>
           </p:nvSpPr>
           <p:spPr>
             <a:xfrm>
-              <a:off x="9327967" y="4487208"/>
+              <a:off x="8684181" y="4487208"/>
               <a:ext cx="379571" cy="89118"/>
             </a:xfrm>
             <a:prstGeom prst="rect">
@@ -5730,7 +5092,53 @@
         </p:sp>
         <p:sp>
           <p:nvSpPr>
-            <p:cNvPr id="38" name="tx38"/>
+            <p:cNvPr id="33" name="tx33"/>
+            <p:cNvSpPr/>
+            <p:nvPr/>
+          </p:nvSpPr>
+          <p:spPr>
+            <a:xfrm>
+              <a:off x="10259744" y="4487208"/>
+              <a:ext cx="379571" cy="89118"/>
+            </a:xfrm>
+            <a:prstGeom prst="rect">
+              <a:avLst/>
+            </a:prstGeom>
+            <a:noFill/>
+          </p:spPr>
+          <p:txBody>
+            <a:bodyPr lIns="0" rIns="0" tIns="0" bIns="0" anchorCtr="1" anchor="ctr" wrap="none"/>
+            <a:lstStyle/>
+            <a:p>
+              <a:pPr algn="l" marL="0" marR="0" indent="0">
+                <a:lnSpc>
+                  <a:spcPts val="960"/>
+                </a:lnSpc>
+                <a:spcBef>
+                  <a:spcPts val="0"/>
+                </a:spcBef>
+                <a:spcAft>
+                  <a:spcPts val="0"/>
+                </a:spcAft>
+              </a:pPr>
+              <a:r>
+                <a:rPr sz="960">
+                  <a:solidFill>
+                    <a:srgbClr val="4D4D4D">
+                      <a:alpha val="100000"/>
+                    </a:srgbClr>
+                  </a:solidFill>
+                  <a:latin typeface="Arial"/>
+                  <a:cs typeface="Arial"/>
+                </a:rPr>
+                <a:t>Feb 08</a:t>
+              </a:r>
+            </a:p>
+          </p:txBody>
+        </p:sp>
+        <p:sp>
+          <p:nvSpPr>
+            <p:cNvPr id="34" name="tx34"/>
             <p:cNvSpPr/>
             <p:nvPr/>
           </p:nvSpPr>
@@ -5776,13 +5184,13 @@
         </p:sp>
         <p:sp>
           <p:nvSpPr>
-            <p:cNvPr id="39" name="rc39"/>
+            <p:cNvPr id="35" name="rc35"/>
             <p:cNvSpPr/>
             <p:nvPr/>
           </p:nvSpPr>
           <p:spPr>
             <a:xfrm>
-              <a:off x="6224436" y="4920858"/>
+              <a:off x="6190533" y="4920858"/>
               <a:ext cx="3116062" cy="358634"/>
             </a:xfrm>
             <a:prstGeom prst="rect">
@@ -5802,14 +5210,14 @@
         </p:sp>
         <p:sp>
           <p:nvSpPr>
-            <p:cNvPr id="40" name="rc40"/>
+            <p:cNvPr id="36" name="rc36"/>
             <p:cNvSpPr/>
             <p:nvPr/>
           </p:nvSpPr>
           <p:spPr>
             <a:xfrm>
-              <a:off x="6369940" y="4990447"/>
-              <a:ext cx="219456" cy="219455"/>
+              <a:off x="6336037" y="4990447"/>
+              <a:ext cx="219455" cy="219455"/>
             </a:xfrm>
             <a:prstGeom prst="rect">
               <a:avLst/>
@@ -5823,14 +5231,14 @@
         </p:sp>
         <p:sp>
           <p:nvSpPr>
-            <p:cNvPr id="41" name="rc41"/>
+            <p:cNvPr id="37" name="rc37"/>
             <p:cNvSpPr/>
             <p:nvPr/>
           </p:nvSpPr>
           <p:spPr>
             <a:xfrm>
-              <a:off x="6378940" y="4999447"/>
-              <a:ext cx="201455" cy="201455"/>
+              <a:off x="6345037" y="4999447"/>
+              <a:ext cx="201456" cy="201455"/>
             </a:xfrm>
             <a:prstGeom prst="rect">
               <a:avLst/>
@@ -5849,13 +5257,13 @@
         </p:sp>
         <p:sp>
           <p:nvSpPr>
-            <p:cNvPr id="42" name="rc42"/>
+            <p:cNvPr id="38" name="rc38"/>
             <p:cNvSpPr/>
             <p:nvPr/>
           </p:nvSpPr>
           <p:spPr>
             <a:xfrm>
-              <a:off x="7902515" y="4990447"/>
+              <a:off x="7868612" y="4990447"/>
               <a:ext cx="219455" cy="219455"/>
             </a:xfrm>
             <a:prstGeom prst="rect">
@@ -5870,14 +5278,14 @@
         </p:sp>
         <p:sp>
           <p:nvSpPr>
-            <p:cNvPr id="43" name="rc43"/>
+            <p:cNvPr id="39" name="rc39"/>
             <p:cNvSpPr/>
             <p:nvPr/>
           </p:nvSpPr>
           <p:spPr>
             <a:xfrm>
-              <a:off x="7911515" y="4999447"/>
-              <a:ext cx="201456" cy="201455"/>
+              <a:off x="7877612" y="4999447"/>
+              <a:ext cx="201455" cy="201455"/>
             </a:xfrm>
             <a:prstGeom prst="rect">
               <a:avLst/>
@@ -5896,13 +5304,13 @@
         </p:sp>
         <p:sp>
           <p:nvSpPr>
-            <p:cNvPr id="44" name="tx44"/>
+            <p:cNvPr id="40" name="tx40"/>
             <p:cNvSpPr/>
             <p:nvPr/>
           </p:nvSpPr>
           <p:spPr>
             <a:xfrm>
-              <a:off x="6665312" y="5029392"/>
+              <a:off x="6631409" y="5029392"/>
               <a:ext cx="1117996" cy="114419"/>
             </a:xfrm>
             <a:prstGeom prst="rect">
@@ -5942,13 +5350,13 @@
         </p:sp>
         <p:sp>
           <p:nvSpPr>
-            <p:cNvPr id="45" name="tx45"/>
+            <p:cNvPr id="41" name="tx41"/>
             <p:cNvSpPr/>
             <p:nvPr/>
           </p:nvSpPr>
           <p:spPr>
             <a:xfrm>
-              <a:off x="8197886" y="5029392"/>
+              <a:off x="8163983" y="5029392"/>
               <a:ext cx="1030128" cy="114419"/>
             </a:xfrm>
             <a:prstGeom prst="rect">
@@ -5988,14 +5396,14 @@
         </p:sp>
         <p:sp>
           <p:nvSpPr>
-            <p:cNvPr id="46" name="tx46"/>
+            <p:cNvPr id="42" name="tx42"/>
             <p:cNvSpPr/>
             <p:nvPr/>
           </p:nvSpPr>
           <p:spPr>
             <a:xfrm>
-              <a:off x="4890324" y="1756694"/>
-              <a:ext cx="1758523" cy="135284"/>
+              <a:off x="4822518" y="1720351"/>
+              <a:ext cx="4269551" cy="171628"/>
             </a:xfrm>
             <a:prstGeom prst="rect">
               <a:avLst/>
@@ -6027,14 +5435,14 @@
                   <a:latin typeface="Arial"/>
                   <a:cs typeface="Arial"/>
                 </a:rPr>
-                <a:t>Re of B.1.1.7 and WT</a:t>
+                <a:t>Effective reproduction nr. Re of B.1.1.7 and wild type</a:t>
               </a:r>
             </a:p>
           </p:txBody>
         </p:sp>
         <p:sp>
           <p:nvSpPr>
-            <p:cNvPr id="47" name="rc47"/>
+            <p:cNvPr id="43" name="rc43"/>
             <p:cNvSpPr/>
             <p:nvPr/>
           </p:nvSpPr>
@@ -6060,27 +5468,27 @@
         </p:sp>
         <p:sp>
           <p:nvSpPr>
-            <p:cNvPr id="48" name="pl48"/>
+            <p:cNvPr id="44" name="pl44"/>
             <p:cNvSpPr/>
             <p:nvPr/>
           </p:nvSpPr>
           <p:spPr>
             <a:xfrm>
-              <a:off x="4856450" y="8416238"/>
-              <a:ext cx="5818159" cy="0"/>
+              <a:off x="4788644" y="8581835"/>
+              <a:ext cx="5885966" cy="0"/>
             </a:xfrm>
             <a:custGeom>
               <a:avLst/>
               <a:pathLst>
-                <a:path w="5818159" h="0">
+                <a:path w="5885966" h="0">
                   <a:moveTo>
                     <a:pt x="0" y="0"/>
                   </a:moveTo>
                   <a:lnTo>
-                    <a:pt x="5818159" y="0"/>
-                  </a:lnTo>
-                  <a:lnTo>
-                    <a:pt x="5818159" y="0"/>
+                    <a:pt x="5885966" y="0"/>
+                  </a:lnTo>
+                  <a:lnTo>
+                    <a:pt x="5885966" y="0"/>
                   </a:lnTo>
                 </a:path>
               </a:pathLst>
@@ -6103,27 +5511,27 @@
         </p:sp>
         <p:sp>
           <p:nvSpPr>
-            <p:cNvPr id="49" name="pl49"/>
+            <p:cNvPr id="45" name="pl45"/>
             <p:cNvSpPr/>
             <p:nvPr/>
           </p:nvSpPr>
           <p:spPr>
             <a:xfrm>
-              <a:off x="4856450" y="7559436"/>
-              <a:ext cx="5818159" cy="0"/>
+              <a:off x="4788644" y="7902299"/>
+              <a:ext cx="5885966" cy="0"/>
             </a:xfrm>
             <a:custGeom>
               <a:avLst/>
               <a:pathLst>
-                <a:path w="5818159" h="0">
+                <a:path w="5885966" h="0">
                   <a:moveTo>
                     <a:pt x="0" y="0"/>
                   </a:moveTo>
                   <a:lnTo>
-                    <a:pt x="5818159" y="0"/>
-                  </a:lnTo>
-                  <a:lnTo>
-                    <a:pt x="5818159" y="0"/>
+                    <a:pt x="5885966" y="0"/>
+                  </a:lnTo>
+                  <a:lnTo>
+                    <a:pt x="5885966" y="0"/>
                   </a:lnTo>
                 </a:path>
               </a:pathLst>
@@ -6146,27 +5554,27 @@
         </p:sp>
         <p:sp>
           <p:nvSpPr>
-            <p:cNvPr id="50" name="pl50"/>
+            <p:cNvPr id="46" name="pl46"/>
             <p:cNvSpPr/>
             <p:nvPr/>
           </p:nvSpPr>
           <p:spPr>
             <a:xfrm>
-              <a:off x="4856450" y="6702635"/>
-              <a:ext cx="5818159" cy="0"/>
+              <a:off x="4788644" y="7222762"/>
+              <a:ext cx="5885966" cy="0"/>
             </a:xfrm>
             <a:custGeom>
               <a:avLst/>
               <a:pathLst>
-                <a:path w="5818159" h="0">
+                <a:path w="5885966" h="0">
                   <a:moveTo>
                     <a:pt x="0" y="0"/>
                   </a:moveTo>
                   <a:lnTo>
-                    <a:pt x="5818159" y="0"/>
-                  </a:lnTo>
-                  <a:lnTo>
-                    <a:pt x="5818159" y="0"/>
+                    <a:pt x="5885966" y="0"/>
+                  </a:lnTo>
+                  <a:lnTo>
+                    <a:pt x="5885966" y="0"/>
                   </a:lnTo>
                 </a:path>
               </a:pathLst>
@@ -6189,27 +5597,27 @@
         </p:sp>
         <p:sp>
           <p:nvSpPr>
-            <p:cNvPr id="51" name="pl51"/>
+            <p:cNvPr id="47" name="pl47"/>
             <p:cNvSpPr/>
             <p:nvPr/>
           </p:nvSpPr>
           <p:spPr>
             <a:xfrm>
-              <a:off x="4856450" y="5845833"/>
-              <a:ext cx="5818159" cy="0"/>
+              <a:off x="4788644" y="6543225"/>
+              <a:ext cx="5885966" cy="0"/>
             </a:xfrm>
             <a:custGeom>
               <a:avLst/>
               <a:pathLst>
-                <a:path w="5818159" h="0">
+                <a:path w="5885966" h="0">
                   <a:moveTo>
                     <a:pt x="0" y="0"/>
                   </a:moveTo>
                   <a:lnTo>
-                    <a:pt x="5818159" y="0"/>
-                  </a:lnTo>
-                  <a:lnTo>
-                    <a:pt x="5818159" y="0"/>
+                    <a:pt x="5885966" y="0"/>
+                  </a:lnTo>
+                  <a:lnTo>
+                    <a:pt x="5885966" y="0"/>
                   </a:lnTo>
                 </a:path>
               </a:pathLst>
@@ -6232,264 +5640,223 @@
         </p:sp>
         <p:sp>
           <p:nvSpPr>
-            <p:cNvPr id="52" name="pg52"/>
+            <p:cNvPr id="48" name="pl48"/>
             <p:cNvSpPr/>
             <p:nvPr/>
           </p:nvSpPr>
           <p:spPr>
             <a:xfrm>
-              <a:off x="5120912" y="5791173"/>
-              <a:ext cx="5289236" cy="2657773"/>
+              <a:off x="4788644" y="5863688"/>
+              <a:ext cx="5885966" cy="0"/>
             </a:xfrm>
             <a:custGeom>
               <a:avLst/>
               <a:pathLst>
-                <a:path w="5289236" h="2657773">
+                <a:path w="5885966" h="0">
                   <a:moveTo>
-                    <a:pt x="0" y="1501736"/>
+                    <a:pt x="0" y="0"/>
                   </a:moveTo>
                   <a:lnTo>
-                    <a:pt x="132230" y="1499026"/>
-                  </a:lnTo>
-                  <a:lnTo>
-                    <a:pt x="264461" y="1490576"/>
-                  </a:lnTo>
-                  <a:lnTo>
-                    <a:pt x="396692" y="1474570"/>
-                  </a:lnTo>
-                  <a:lnTo>
-                    <a:pt x="528923" y="1447006"/>
-                  </a:lnTo>
-                  <a:lnTo>
-                    <a:pt x="661154" y="1400991"/>
-                  </a:lnTo>
-                  <a:lnTo>
-                    <a:pt x="793385" y="1329193"/>
-                  </a:lnTo>
-                  <a:lnTo>
-                    <a:pt x="925616" y="1228486"/>
-                  </a:lnTo>
-                  <a:lnTo>
-                    <a:pt x="1057847" y="1111958"/>
-                  </a:lnTo>
-                  <a:lnTo>
-                    <a:pt x="1190078" y="994933"/>
-                  </a:lnTo>
-                  <a:lnTo>
-                    <a:pt x="1322309" y="879159"/>
-                  </a:lnTo>
-                  <a:lnTo>
-                    <a:pt x="1454539" y="764248"/>
-                  </a:lnTo>
-                  <a:lnTo>
-                    <a:pt x="1586770" y="647879"/>
-                  </a:lnTo>
-                  <a:lnTo>
-                    <a:pt x="1719001" y="524836"/>
-                  </a:lnTo>
-                  <a:lnTo>
-                    <a:pt x="1851232" y="385333"/>
-                  </a:lnTo>
-                  <a:lnTo>
-                    <a:pt x="1983463" y="214247"/>
-                  </a:lnTo>
-                  <a:lnTo>
-                    <a:pt x="2115694" y="61308"/>
-                  </a:lnTo>
-                  <a:lnTo>
-                    <a:pt x="2247925" y="0"/>
-                  </a:lnTo>
-                  <a:lnTo>
-                    <a:pt x="2380156" y="43679"/>
-                  </a:lnTo>
-                  <a:lnTo>
-                    <a:pt x="2512387" y="193042"/>
-                  </a:lnTo>
-                  <a:lnTo>
-                    <a:pt x="2644618" y="438036"/>
-                  </a:lnTo>
-                  <a:lnTo>
-                    <a:pt x="2776849" y="758800"/>
-                  </a:lnTo>
-                  <a:lnTo>
-                    <a:pt x="2909079" y="1124428"/>
-                  </a:lnTo>
-                  <a:lnTo>
-                    <a:pt x="3041310" y="1490164"/>
-                  </a:lnTo>
-                  <a:lnTo>
-                    <a:pt x="3173541" y="1770439"/>
-                  </a:lnTo>
-                  <a:lnTo>
-                    <a:pt x="3305772" y="1957944"/>
-                  </a:lnTo>
-                  <a:lnTo>
-                    <a:pt x="3438003" y="2084797"/>
-                  </a:lnTo>
-                  <a:lnTo>
-                    <a:pt x="3570234" y="2163627"/>
-                  </a:lnTo>
-                  <a:lnTo>
-                    <a:pt x="3702465" y="2200135"/>
-                  </a:lnTo>
-                  <a:lnTo>
-                    <a:pt x="3834696" y="2196464"/>
-                  </a:lnTo>
-                  <a:lnTo>
-                    <a:pt x="3966927" y="2151883"/>
-                  </a:lnTo>
-                  <a:lnTo>
-                    <a:pt x="4099158" y="2061930"/>
-                  </a:lnTo>
-                  <a:lnTo>
-                    <a:pt x="4231389" y="1948352"/>
-                  </a:lnTo>
-                  <a:lnTo>
-                    <a:pt x="4363619" y="1836531"/>
-                  </a:lnTo>
-                  <a:lnTo>
-                    <a:pt x="4495850" y="1729291"/>
-                  </a:lnTo>
-                  <a:lnTo>
-                    <a:pt x="4628081" y="1634251"/>
-                  </a:lnTo>
-                  <a:lnTo>
-                    <a:pt x="4760312" y="1560126"/>
-                  </a:lnTo>
-                  <a:lnTo>
-                    <a:pt x="4892543" y="1513444"/>
-                  </a:lnTo>
-                  <a:lnTo>
-                    <a:pt x="5024774" y="1497897"/>
-                  </a:lnTo>
-                  <a:lnTo>
-                    <a:pt x="5157005" y="1497897"/>
-                  </a:lnTo>
-                  <a:lnTo>
-                    <a:pt x="5289236" y="1497897"/>
-                  </a:lnTo>
-                  <a:lnTo>
-                    <a:pt x="5289236" y="1835571"/>
-                  </a:lnTo>
-                  <a:lnTo>
-                    <a:pt x="5157005" y="1835571"/>
-                  </a:lnTo>
-                  <a:lnTo>
-                    <a:pt x="5024774" y="1835571"/>
-                  </a:lnTo>
-                  <a:lnTo>
-                    <a:pt x="4892543" y="1845234"/>
-                  </a:lnTo>
-                  <a:lnTo>
-                    <a:pt x="4760312" y="1875404"/>
-                  </a:lnTo>
-                  <a:lnTo>
-                    <a:pt x="4628081" y="1927592"/>
-                  </a:lnTo>
-                  <a:lnTo>
-                    <a:pt x="4495850" y="2004772"/>
-                  </a:lnTo>
-                  <a:lnTo>
-                    <a:pt x="4363619" y="2110933"/>
-                  </a:lnTo>
-                  <a:lnTo>
-                    <a:pt x="4231389" y="2248024"/>
-                  </a:lnTo>
-                  <a:lnTo>
-                    <a:pt x="4099158" y="2412530"/>
-                  </a:lnTo>
-                  <a:lnTo>
-                    <a:pt x="3966927" y="2556293"/>
-                  </a:lnTo>
-                  <a:lnTo>
-                    <a:pt x="3834696" y="2636501"/>
-                  </a:lnTo>
-                  <a:lnTo>
-                    <a:pt x="3702465" y="2657773"/>
-                  </a:lnTo>
-                  <a:lnTo>
-                    <a:pt x="3570234" y="2621397"/>
-                  </a:lnTo>
-                  <a:lnTo>
-                    <a:pt x="3438003" y="2524710"/>
-                  </a:lnTo>
-                  <a:lnTo>
-                    <a:pt x="3305772" y="2361201"/>
-                  </a:lnTo>
-                  <a:lnTo>
-                    <a:pt x="3173541" y="2122334"/>
-                  </a:lnTo>
-                  <a:lnTo>
-                    <a:pt x="3041310" y="1807273"/>
-                  </a:lnTo>
-                  <a:lnTo>
-                    <a:pt x="2909079" y="1494323"/>
-                  </a:lnTo>
-                  <a:lnTo>
-                    <a:pt x="2776849" y="1243902"/>
-                  </a:lnTo>
-                  <a:lnTo>
-                    <a:pt x="2644618" y="1043060"/>
-                  </a:lnTo>
-                  <a:lnTo>
-                    <a:pt x="2512387" y="889456"/>
-                  </a:lnTo>
-                  <a:lnTo>
-                    <a:pt x="2380156" y="785804"/>
-                  </a:lnTo>
-                  <a:lnTo>
-                    <a:pt x="2247925" y="736326"/>
-                  </a:lnTo>
-                  <a:lnTo>
-                    <a:pt x="2115694" y="746214"/>
-                  </a:lnTo>
-                  <a:lnTo>
-                    <a:pt x="1983463" y="823136"/>
-                  </a:lnTo>
-                  <a:lnTo>
-                    <a:pt x="1851232" y="944993"/>
-                  </a:lnTo>
-                  <a:lnTo>
-                    <a:pt x="1719001" y="1070968"/>
-                  </a:lnTo>
-                  <a:lnTo>
-                    <a:pt x="1586770" y="1189559"/>
-                  </a:lnTo>
-                  <a:lnTo>
-                    <a:pt x="1454539" y="1293766"/>
-                  </a:lnTo>
-                  <a:lnTo>
-                    <a:pt x="1322309" y="1380419"/>
-                  </a:lnTo>
-                  <a:lnTo>
-                    <a:pt x="1190078" y="1448594"/>
-                  </a:lnTo>
-                  <a:lnTo>
-                    <a:pt x="1057847" y="1498737"/>
-                  </a:lnTo>
-                  <a:lnTo>
-                    <a:pt x="925616" y="1532920"/>
-                  </a:lnTo>
-                  <a:lnTo>
-                    <a:pt x="793385" y="1562676"/>
-                  </a:lnTo>
-                  <a:lnTo>
-                    <a:pt x="661154" y="1598249"/>
-                  </a:lnTo>
-                  <a:lnTo>
-                    <a:pt x="528923" y="1638106"/>
-                  </a:lnTo>
-                  <a:lnTo>
-                    <a:pt x="396692" y="1676166"/>
-                  </a:lnTo>
-                  <a:lnTo>
-                    <a:pt x="264461" y="1706478"/>
-                  </a:lnTo>
-                  <a:lnTo>
-                    <a:pt x="132230" y="1725697"/>
-                  </a:lnTo>
-                  <a:lnTo>
-                    <a:pt x="0" y="1732396"/>
+                    <a:pt x="5885966" y="0"/>
+                  </a:lnTo>
+                  <a:lnTo>
+                    <a:pt x="5885966" y="0"/>
+                  </a:lnTo>
+                </a:path>
+              </a:pathLst>
+            </a:custGeom>
+            <a:ln w="13550" cap="flat">
+              <a:solidFill>
+                <a:srgbClr val="D8D8D8">
+                  <a:alpha val="100000"/>
+                </a:srgbClr>
+              </a:solidFill>
+              <a:prstDash val="solid"/>
+              <a:round/>
+            </a:ln>
+          </p:spPr>
+          <p:txBody>
+            <a:bodyPr/>
+            <a:lstStyle/>
+            <a:p/>
+          </p:txBody>
+        </p:sp>
+        <p:sp>
+          <p:nvSpPr>
+            <p:cNvPr id="49" name="pg49"/>
+            <p:cNvSpPr/>
+            <p:nvPr/>
+          </p:nvSpPr>
+          <p:spPr>
+            <a:xfrm>
+              <a:off x="4788644" y="5658289"/>
+              <a:ext cx="5885966" cy="2758497"/>
+            </a:xfrm>
+            <a:custGeom>
+              <a:avLst/>
+              <a:pathLst>
+                <a:path w="5885966" h="2758497">
+                  <a:moveTo>
+                    <a:pt x="0" y="0"/>
+                  </a:moveTo>
+                  <a:lnTo>
+                    <a:pt x="226383" y="26534"/>
+                  </a:lnTo>
+                  <a:lnTo>
+                    <a:pt x="452766" y="104095"/>
+                  </a:lnTo>
+                  <a:lnTo>
+                    <a:pt x="679149" y="230285"/>
+                  </a:lnTo>
+                  <a:lnTo>
+                    <a:pt x="905533" y="400946"/>
+                  </a:lnTo>
+                  <a:lnTo>
+                    <a:pt x="1131916" y="609571"/>
+                  </a:lnTo>
+                  <a:lnTo>
+                    <a:pt x="1358299" y="845077"/>
+                  </a:lnTo>
+                  <a:lnTo>
+                    <a:pt x="1584683" y="1083232"/>
+                  </a:lnTo>
+                  <a:lnTo>
+                    <a:pt x="1811066" y="1269269"/>
+                  </a:lnTo>
+                  <a:lnTo>
+                    <a:pt x="2037449" y="1370913"/>
+                  </a:lnTo>
+                  <a:lnTo>
+                    <a:pt x="2263833" y="1441710"/>
+                  </a:lnTo>
+                  <a:lnTo>
+                    <a:pt x="2490216" y="1508941"/>
+                  </a:lnTo>
+                  <a:lnTo>
+                    <a:pt x="2716599" y="1578481"/>
+                  </a:lnTo>
+                  <a:lnTo>
+                    <a:pt x="2942983" y="1649760"/>
+                  </a:lnTo>
+                  <a:lnTo>
+                    <a:pt x="3169366" y="1718151"/>
+                  </a:lnTo>
+                  <a:lnTo>
+                    <a:pt x="3395749" y="1773470"/>
+                  </a:lnTo>
+                  <a:lnTo>
+                    <a:pt x="3622132" y="1796572"/>
+                  </a:lnTo>
+                  <a:lnTo>
+                    <a:pt x="3848516" y="1773462"/>
+                  </a:lnTo>
+                  <a:lnTo>
+                    <a:pt x="4074899" y="1723879"/>
+                  </a:lnTo>
+                  <a:lnTo>
+                    <a:pt x="4301282" y="1666389"/>
+                  </a:lnTo>
+                  <a:lnTo>
+                    <a:pt x="4527666" y="1611644"/>
+                  </a:lnTo>
+                  <a:lnTo>
+                    <a:pt x="4754049" y="1565354"/>
+                  </a:lnTo>
+                  <a:lnTo>
+                    <a:pt x="4980432" y="1530661"/>
+                  </a:lnTo>
+                  <a:lnTo>
+                    <a:pt x="5206816" y="1509319"/>
+                  </a:lnTo>
+                  <a:lnTo>
+                    <a:pt x="5433199" y="1502228"/>
+                  </a:lnTo>
+                  <a:lnTo>
+                    <a:pt x="5659582" y="1502228"/>
+                  </a:lnTo>
+                  <a:lnTo>
+                    <a:pt x="5885966" y="1502228"/>
+                  </a:lnTo>
+                  <a:lnTo>
+                    <a:pt x="5885966" y="2758497"/>
+                  </a:lnTo>
+                  <a:lnTo>
+                    <a:pt x="5659582" y="2758497"/>
+                  </a:lnTo>
+                  <a:lnTo>
+                    <a:pt x="5433199" y="2758497"/>
+                  </a:lnTo>
+                  <a:lnTo>
+                    <a:pt x="5206816" y="2752625"/>
+                  </a:lnTo>
+                  <a:lnTo>
+                    <a:pt x="4980432" y="2734822"/>
+                  </a:lnTo>
+                  <a:lnTo>
+                    <a:pt x="4754049" y="2705451"/>
+                  </a:lnTo>
+                  <a:lnTo>
+                    <a:pt x="4527666" y="2665363"/>
+                  </a:lnTo>
+                  <a:lnTo>
+                    <a:pt x="4301282" y="2616437"/>
+                  </a:lnTo>
+                  <a:lnTo>
+                    <a:pt x="4074899" y="2562753"/>
+                  </a:lnTo>
+                  <a:lnTo>
+                    <a:pt x="3848516" y="2512966"/>
+                  </a:lnTo>
+                  <a:lnTo>
+                    <a:pt x="3622132" y="2483271"/>
+                  </a:lnTo>
+                  <a:lnTo>
+                    <a:pt x="3395749" y="2475634"/>
+                  </a:lnTo>
+                  <a:lnTo>
+                    <a:pt x="3169366" y="2461587"/>
+                  </a:lnTo>
+                  <a:lnTo>
+                    <a:pt x="2942983" y="2424181"/>
+                  </a:lnTo>
+                  <a:lnTo>
+                    <a:pt x="2716599" y="2353768"/>
+                  </a:lnTo>
+                  <a:lnTo>
+                    <a:pt x="2490216" y="2244573"/>
+                  </a:lnTo>
+                  <a:lnTo>
+                    <a:pt x="2263833" y="2093072"/>
+                  </a:lnTo>
+                  <a:lnTo>
+                    <a:pt x="2037449" y="1900160"/>
+                  </a:lnTo>
+                  <a:lnTo>
+                    <a:pt x="1811066" y="1685779"/>
+                  </a:lnTo>
+                  <a:lnTo>
+                    <a:pt x="1584683" y="1537221"/>
+                  </a:lnTo>
+                  <a:lnTo>
+                    <a:pt x="1358299" y="1468642"/>
+                  </a:lnTo>
+                  <a:lnTo>
+                    <a:pt x="1131916" y="1431738"/>
+                  </a:lnTo>
+                  <a:lnTo>
+                    <a:pt x="905533" y="1408239"/>
+                  </a:lnTo>
+                  <a:lnTo>
+                    <a:pt x="679149" y="1392311"/>
+                  </a:lnTo>
+                  <a:lnTo>
+                    <a:pt x="452766" y="1381769"/>
+                  </a:lnTo>
+                  <a:lnTo>
+                    <a:pt x="226383" y="1375689"/>
+                  </a:lnTo>
+                  <a:lnTo>
+                    <a:pt x="0" y="1373668"/>
                   </a:lnTo>
                   <a:close/>
                 </a:path>
@@ -6509,141 +5876,105 @@
         </p:sp>
         <p:sp>
           <p:nvSpPr>
-            <p:cNvPr id="53" name="pl53"/>
+            <p:cNvPr id="50" name="pl50"/>
             <p:cNvSpPr/>
             <p:nvPr/>
           </p:nvSpPr>
           <p:spPr>
             <a:xfrm>
-              <a:off x="5120912" y="5791173"/>
-              <a:ext cx="5289236" cy="2200135"/>
+              <a:off x="4788644" y="5658289"/>
+              <a:ext cx="5885966" cy="1796572"/>
             </a:xfrm>
             <a:custGeom>
               <a:avLst/>
               <a:pathLst>
-                <a:path w="5289236" h="2200135">
+                <a:path w="5885966" h="1796572">
                   <a:moveTo>
-                    <a:pt x="0" y="1501736"/>
+                    <a:pt x="0" y="0"/>
                   </a:moveTo>
                   <a:lnTo>
-                    <a:pt x="132230" y="1499026"/>
-                  </a:lnTo>
-                  <a:lnTo>
-                    <a:pt x="264461" y="1490576"/>
-                  </a:lnTo>
-                  <a:lnTo>
-                    <a:pt x="396692" y="1474570"/>
-                  </a:lnTo>
-                  <a:lnTo>
-                    <a:pt x="528923" y="1447006"/>
-                  </a:lnTo>
-                  <a:lnTo>
-                    <a:pt x="661154" y="1400991"/>
-                  </a:lnTo>
-                  <a:lnTo>
-                    <a:pt x="793385" y="1329193"/>
-                  </a:lnTo>
-                  <a:lnTo>
-                    <a:pt x="925616" y="1228486"/>
-                  </a:lnTo>
-                  <a:lnTo>
-                    <a:pt x="1057847" y="1111958"/>
-                  </a:lnTo>
-                  <a:lnTo>
-                    <a:pt x="1190078" y="994933"/>
-                  </a:lnTo>
-                  <a:lnTo>
-                    <a:pt x="1322309" y="879159"/>
-                  </a:lnTo>
-                  <a:lnTo>
-                    <a:pt x="1454539" y="764248"/>
-                  </a:lnTo>
-                  <a:lnTo>
-                    <a:pt x="1586770" y="647879"/>
-                  </a:lnTo>
-                  <a:lnTo>
-                    <a:pt x="1719001" y="524836"/>
-                  </a:lnTo>
-                  <a:lnTo>
-                    <a:pt x="1851232" y="385333"/>
-                  </a:lnTo>
-                  <a:lnTo>
-                    <a:pt x="1983463" y="214247"/>
-                  </a:lnTo>
-                  <a:lnTo>
-                    <a:pt x="2115694" y="61308"/>
-                  </a:lnTo>
-                  <a:lnTo>
-                    <a:pt x="2247925" y="0"/>
-                  </a:lnTo>
-                  <a:lnTo>
-                    <a:pt x="2380156" y="43679"/>
-                  </a:lnTo>
-                  <a:lnTo>
-                    <a:pt x="2512387" y="193042"/>
-                  </a:lnTo>
-                  <a:lnTo>
-                    <a:pt x="2644618" y="438036"/>
-                  </a:lnTo>
-                  <a:lnTo>
-                    <a:pt x="2776849" y="758800"/>
-                  </a:lnTo>
-                  <a:lnTo>
-                    <a:pt x="2909079" y="1124428"/>
-                  </a:lnTo>
-                  <a:lnTo>
-                    <a:pt x="3041310" y="1490164"/>
-                  </a:lnTo>
-                  <a:lnTo>
-                    <a:pt x="3173541" y="1770439"/>
-                  </a:lnTo>
-                  <a:lnTo>
-                    <a:pt x="3305772" y="1957944"/>
-                  </a:lnTo>
-                  <a:lnTo>
-                    <a:pt x="3438003" y="2084797"/>
-                  </a:lnTo>
-                  <a:lnTo>
-                    <a:pt x="3570234" y="2163627"/>
-                  </a:lnTo>
-                  <a:lnTo>
-                    <a:pt x="3702465" y="2200135"/>
-                  </a:lnTo>
-                  <a:lnTo>
-                    <a:pt x="3834696" y="2196464"/>
-                  </a:lnTo>
-                  <a:lnTo>
-                    <a:pt x="3966927" y="2151883"/>
-                  </a:lnTo>
-                  <a:lnTo>
-                    <a:pt x="4099158" y="2061930"/>
-                  </a:lnTo>
-                  <a:lnTo>
-                    <a:pt x="4231389" y="1948352"/>
-                  </a:lnTo>
-                  <a:lnTo>
-                    <a:pt x="4363619" y="1836531"/>
-                  </a:lnTo>
-                  <a:lnTo>
-                    <a:pt x="4495850" y="1729291"/>
-                  </a:lnTo>
-                  <a:lnTo>
-                    <a:pt x="4628081" y="1634251"/>
-                  </a:lnTo>
-                  <a:lnTo>
-                    <a:pt x="4760312" y="1560126"/>
-                  </a:lnTo>
-                  <a:lnTo>
-                    <a:pt x="4892543" y="1513444"/>
-                  </a:lnTo>
-                  <a:lnTo>
-                    <a:pt x="5024774" y="1497897"/>
-                  </a:lnTo>
-                  <a:lnTo>
-                    <a:pt x="5157005" y="1497897"/>
-                  </a:lnTo>
-                  <a:lnTo>
-                    <a:pt x="5289236" y="1497897"/>
+                    <a:pt x="0" y="0"/>
+                  </a:lnTo>
+                  <a:lnTo>
+                    <a:pt x="226383" y="26534"/>
+                  </a:lnTo>
+                  <a:lnTo>
+                    <a:pt x="452766" y="104095"/>
+                  </a:lnTo>
+                  <a:lnTo>
+                    <a:pt x="679149" y="230285"/>
+                  </a:lnTo>
+                  <a:lnTo>
+                    <a:pt x="905533" y="400946"/>
+                  </a:lnTo>
+                  <a:lnTo>
+                    <a:pt x="1131916" y="609571"/>
+                  </a:lnTo>
+                  <a:lnTo>
+                    <a:pt x="1358299" y="845077"/>
+                  </a:lnTo>
+                  <a:lnTo>
+                    <a:pt x="1584683" y="1083232"/>
+                  </a:lnTo>
+                  <a:lnTo>
+                    <a:pt x="1811066" y="1269269"/>
+                  </a:lnTo>
+                  <a:lnTo>
+                    <a:pt x="2037449" y="1370913"/>
+                  </a:lnTo>
+                  <a:lnTo>
+                    <a:pt x="2263833" y="1441710"/>
+                  </a:lnTo>
+                  <a:lnTo>
+                    <a:pt x="2490216" y="1508941"/>
+                  </a:lnTo>
+                  <a:lnTo>
+                    <a:pt x="2716599" y="1578481"/>
+                  </a:lnTo>
+                  <a:lnTo>
+                    <a:pt x="2942983" y="1649760"/>
+                  </a:lnTo>
+                  <a:lnTo>
+                    <a:pt x="3169366" y="1718151"/>
+                  </a:lnTo>
+                  <a:lnTo>
+                    <a:pt x="3395749" y="1773470"/>
+                  </a:lnTo>
+                  <a:lnTo>
+                    <a:pt x="3622132" y="1796572"/>
+                  </a:lnTo>
+                  <a:lnTo>
+                    <a:pt x="3848516" y="1773462"/>
+                  </a:lnTo>
+                  <a:lnTo>
+                    <a:pt x="4074899" y="1723879"/>
+                  </a:lnTo>
+                  <a:lnTo>
+                    <a:pt x="4301282" y="1666389"/>
+                  </a:lnTo>
+                  <a:lnTo>
+                    <a:pt x="4527666" y="1611644"/>
+                  </a:lnTo>
+                  <a:lnTo>
+                    <a:pt x="4754049" y="1565354"/>
+                  </a:lnTo>
+                  <a:lnTo>
+                    <a:pt x="4980432" y="1530661"/>
+                  </a:lnTo>
+                  <a:lnTo>
+                    <a:pt x="5206816" y="1509319"/>
+                  </a:lnTo>
+                  <a:lnTo>
+                    <a:pt x="5433199" y="1502228"/>
+                  </a:lnTo>
+                  <a:lnTo>
+                    <a:pt x="5659582" y="1502228"/>
+                  </a:lnTo>
+                  <a:lnTo>
+                    <a:pt x="5885966" y="1502228"/>
+                  </a:lnTo>
+                  <a:lnTo>
+                    <a:pt x="5885966" y="1502228"/>
                   </a:lnTo>
                 </a:path>
               </a:pathLst>
@@ -6657,141 +5988,102 @@
         </p:sp>
         <p:sp>
           <p:nvSpPr>
-            <p:cNvPr id="54" name="pl54"/>
+            <p:cNvPr id="51" name="pl51"/>
             <p:cNvSpPr/>
             <p:nvPr/>
           </p:nvSpPr>
           <p:spPr>
             <a:xfrm>
-              <a:off x="5120912" y="6527500"/>
-              <a:ext cx="5289236" cy="1921446"/>
+              <a:off x="4788644" y="7031958"/>
+              <a:ext cx="5885966" cy="1384828"/>
             </a:xfrm>
             <a:custGeom>
               <a:avLst/>
               <a:pathLst>
-                <a:path w="5289236" h="1921446">
+                <a:path w="5885966" h="1384828">
                   <a:moveTo>
-                    <a:pt x="5289236" y="1099244"/>
+                    <a:pt x="5885966" y="1384828"/>
                   </a:moveTo>
                   <a:lnTo>
-                    <a:pt x="5157005" y="1099244"/>
-                  </a:lnTo>
-                  <a:lnTo>
-                    <a:pt x="5024774" y="1099244"/>
-                  </a:lnTo>
-                  <a:lnTo>
-                    <a:pt x="4892543" y="1108907"/>
-                  </a:lnTo>
-                  <a:lnTo>
-                    <a:pt x="4760312" y="1139077"/>
-                  </a:lnTo>
-                  <a:lnTo>
-                    <a:pt x="4628081" y="1191265"/>
-                  </a:lnTo>
-                  <a:lnTo>
-                    <a:pt x="4495850" y="1268445"/>
-                  </a:lnTo>
-                  <a:lnTo>
-                    <a:pt x="4363619" y="1374606"/>
-                  </a:lnTo>
-                  <a:lnTo>
-                    <a:pt x="4231389" y="1511697"/>
-                  </a:lnTo>
-                  <a:lnTo>
-                    <a:pt x="4099158" y="1676203"/>
-                  </a:lnTo>
-                  <a:lnTo>
-                    <a:pt x="3966927" y="1819966"/>
-                  </a:lnTo>
-                  <a:lnTo>
-                    <a:pt x="3834696" y="1900174"/>
-                  </a:lnTo>
-                  <a:lnTo>
-                    <a:pt x="3702465" y="1921446"/>
-                  </a:lnTo>
-                  <a:lnTo>
-                    <a:pt x="3570234" y="1885070"/>
-                  </a:lnTo>
-                  <a:lnTo>
-                    <a:pt x="3438003" y="1788383"/>
-                  </a:lnTo>
-                  <a:lnTo>
-                    <a:pt x="3305772" y="1624874"/>
-                  </a:lnTo>
-                  <a:lnTo>
-                    <a:pt x="3173541" y="1386007"/>
-                  </a:lnTo>
-                  <a:lnTo>
-                    <a:pt x="3041310" y="1070946"/>
-                  </a:lnTo>
-                  <a:lnTo>
-                    <a:pt x="2909079" y="757996"/>
-                  </a:lnTo>
-                  <a:lnTo>
-                    <a:pt x="2776849" y="507575"/>
-                  </a:lnTo>
-                  <a:lnTo>
-                    <a:pt x="2644618" y="306733"/>
-                  </a:lnTo>
-                  <a:lnTo>
-                    <a:pt x="2512387" y="153129"/>
-                  </a:lnTo>
-                  <a:lnTo>
-                    <a:pt x="2380156" y="49477"/>
-                  </a:lnTo>
-                  <a:lnTo>
-                    <a:pt x="2247925" y="0"/>
-                  </a:lnTo>
-                  <a:lnTo>
-                    <a:pt x="2115694" y="9887"/>
-                  </a:lnTo>
-                  <a:lnTo>
-                    <a:pt x="1983463" y="86809"/>
-                  </a:lnTo>
-                  <a:lnTo>
-                    <a:pt x="1851232" y="208666"/>
-                  </a:lnTo>
-                  <a:lnTo>
-                    <a:pt x="1719001" y="334641"/>
-                  </a:lnTo>
-                  <a:lnTo>
-                    <a:pt x="1586770" y="453232"/>
-                  </a:lnTo>
-                  <a:lnTo>
-                    <a:pt x="1454539" y="557439"/>
-                  </a:lnTo>
-                  <a:lnTo>
-                    <a:pt x="1322309" y="644092"/>
-                  </a:lnTo>
-                  <a:lnTo>
-                    <a:pt x="1190078" y="712267"/>
-                  </a:lnTo>
-                  <a:lnTo>
-                    <a:pt x="1057847" y="762410"/>
-                  </a:lnTo>
-                  <a:lnTo>
-                    <a:pt x="925616" y="796593"/>
-                  </a:lnTo>
-                  <a:lnTo>
-                    <a:pt x="793385" y="826349"/>
-                  </a:lnTo>
-                  <a:lnTo>
-                    <a:pt x="661154" y="861922"/>
-                  </a:lnTo>
-                  <a:lnTo>
-                    <a:pt x="528923" y="901779"/>
-                  </a:lnTo>
-                  <a:lnTo>
-                    <a:pt x="396692" y="939839"/>
-                  </a:lnTo>
-                  <a:lnTo>
-                    <a:pt x="264461" y="970151"/>
-                  </a:lnTo>
-                  <a:lnTo>
-                    <a:pt x="132230" y="989371"/>
-                  </a:lnTo>
-                  <a:lnTo>
-                    <a:pt x="0" y="996069"/>
+                    <a:pt x="5659582" y="1384828"/>
+                  </a:lnTo>
+                  <a:lnTo>
+                    <a:pt x="5433199" y="1384828"/>
+                  </a:lnTo>
+                  <a:lnTo>
+                    <a:pt x="5206816" y="1378956"/>
+                  </a:lnTo>
+                  <a:lnTo>
+                    <a:pt x="4980432" y="1361154"/>
+                  </a:lnTo>
+                  <a:lnTo>
+                    <a:pt x="4754049" y="1331782"/>
+                  </a:lnTo>
+                  <a:lnTo>
+                    <a:pt x="4527666" y="1291694"/>
+                  </a:lnTo>
+                  <a:lnTo>
+                    <a:pt x="4301282" y="1242768"/>
+                  </a:lnTo>
+                  <a:lnTo>
+                    <a:pt x="4074899" y="1189084"/>
+                  </a:lnTo>
+                  <a:lnTo>
+                    <a:pt x="3848516" y="1139298"/>
+                  </a:lnTo>
+                  <a:lnTo>
+                    <a:pt x="3622132" y="1109603"/>
+                  </a:lnTo>
+                  <a:lnTo>
+                    <a:pt x="3395749" y="1101965"/>
+                  </a:lnTo>
+                  <a:lnTo>
+                    <a:pt x="3169366" y="1087919"/>
+                  </a:lnTo>
+                  <a:lnTo>
+                    <a:pt x="2942983" y="1050512"/>
+                  </a:lnTo>
+                  <a:lnTo>
+                    <a:pt x="2716599" y="980100"/>
+                  </a:lnTo>
+                  <a:lnTo>
+                    <a:pt x="2490216" y="870905"/>
+                  </a:lnTo>
+                  <a:lnTo>
+                    <a:pt x="2263833" y="719404"/>
+                  </a:lnTo>
+                  <a:lnTo>
+                    <a:pt x="2037449" y="526492"/>
+                  </a:lnTo>
+                  <a:lnTo>
+                    <a:pt x="1811066" y="312111"/>
+                  </a:lnTo>
+                  <a:lnTo>
+                    <a:pt x="1584683" y="163552"/>
+                  </a:lnTo>
+                  <a:lnTo>
+                    <a:pt x="1358299" y="94974"/>
+                  </a:lnTo>
+                  <a:lnTo>
+                    <a:pt x="1131916" y="58069"/>
+                  </a:lnTo>
+                  <a:lnTo>
+                    <a:pt x="905533" y="34571"/>
+                  </a:lnTo>
+                  <a:lnTo>
+                    <a:pt x="679149" y="18642"/>
+                  </a:lnTo>
+                  <a:lnTo>
+                    <a:pt x="452766" y="8101"/>
+                  </a:lnTo>
+                  <a:lnTo>
+                    <a:pt x="226383" y="2020"/>
+                  </a:lnTo>
+                  <a:lnTo>
+                    <a:pt x="0" y="0"/>
+                  </a:lnTo>
+                  <a:lnTo>
+                    <a:pt x="0" y="0"/>
                   </a:lnTo>
                 </a:path>
               </a:pathLst>
@@ -6805,141 +6097,105 @@
         </p:sp>
         <p:sp>
           <p:nvSpPr>
-            <p:cNvPr id="55" name="pl55"/>
+            <p:cNvPr id="52" name="pl52"/>
             <p:cNvSpPr/>
             <p:nvPr/>
           </p:nvSpPr>
           <p:spPr>
             <a:xfrm>
-              <a:off x="5120912" y="6174770"/>
-              <a:ext cx="5289236" cy="2056581"/>
+              <a:off x="4788644" y="6387143"/>
+              <a:ext cx="5885966" cy="1448849"/>
             </a:xfrm>
             <a:custGeom>
               <a:avLst/>
               <a:pathLst>
-                <a:path w="5289236" h="2056581">
+                <a:path w="5885966" h="1448849">
                   <a:moveTo>
-                    <a:pt x="0" y="1235581"/>
+                    <a:pt x="0" y="0"/>
                   </a:moveTo>
                   <a:lnTo>
-                    <a:pt x="132230" y="1230801"/>
-                  </a:lnTo>
-                  <a:lnTo>
-                    <a:pt x="264461" y="1216770"/>
-                  </a:lnTo>
-                  <a:lnTo>
-                    <a:pt x="396692" y="1193363"/>
-                  </a:lnTo>
-                  <a:lnTo>
-                    <a:pt x="528923" y="1160375"/>
-                  </a:lnTo>
-                  <a:lnTo>
-                    <a:pt x="661154" y="1117512"/>
-                  </a:lnTo>
-                  <a:lnTo>
-                    <a:pt x="793385" y="1064390"/>
-                  </a:lnTo>
-                  <a:lnTo>
-                    <a:pt x="925616" y="1000529"/>
-                  </a:lnTo>
-                  <a:lnTo>
-                    <a:pt x="1057847" y="927156"/>
-                  </a:lnTo>
-                  <a:lnTo>
-                    <a:pt x="1190078" y="845430"/>
-                  </a:lnTo>
-                  <a:lnTo>
-                    <a:pt x="1322309" y="754837"/>
-                  </a:lnTo>
-                  <a:lnTo>
-                    <a:pt x="1454539" y="654798"/>
-                  </a:lnTo>
-                  <a:lnTo>
-                    <a:pt x="1586770" y="544664"/>
-                  </a:lnTo>
-                  <a:lnTo>
-                    <a:pt x="1719001" y="423709"/>
-                  </a:lnTo>
-                  <a:lnTo>
-                    <a:pt x="1851232" y="291122"/>
-                  </a:lnTo>
-                  <a:lnTo>
-                    <a:pt x="1983463" y="146017"/>
-                  </a:lnTo>
-                  <a:lnTo>
-                    <a:pt x="2115694" y="33623"/>
-                  </a:lnTo>
-                  <a:lnTo>
-                    <a:pt x="2247925" y="0"/>
-                  </a:lnTo>
-                  <a:lnTo>
-                    <a:pt x="2380156" y="46991"/>
-                  </a:lnTo>
-                  <a:lnTo>
-                    <a:pt x="2512387" y="172022"/>
-                  </a:lnTo>
-                  <a:lnTo>
-                    <a:pt x="2644618" y="368331"/>
-                  </a:lnTo>
-                  <a:lnTo>
-                    <a:pt x="2776849" y="625573"/>
-                  </a:lnTo>
-                  <a:lnTo>
-                    <a:pt x="2909079" y="930728"/>
-                  </a:lnTo>
-                  <a:lnTo>
-                    <a:pt x="3041310" y="1269155"/>
-                  </a:lnTo>
-                  <a:lnTo>
-                    <a:pt x="3173541" y="1568282"/>
-                  </a:lnTo>
-                  <a:lnTo>
-                    <a:pt x="3305772" y="1783783"/>
-                  </a:lnTo>
-                  <a:lnTo>
-                    <a:pt x="3438003" y="1931000"/>
-                  </a:lnTo>
-                  <a:lnTo>
-                    <a:pt x="3570234" y="2019972"/>
-                  </a:lnTo>
-                  <a:lnTo>
-                    <a:pt x="3702465" y="2056581"/>
-                  </a:lnTo>
-                  <a:lnTo>
-                    <a:pt x="3834696" y="2043205"/>
-                  </a:lnTo>
-                  <a:lnTo>
-                    <a:pt x="3966927" y="1978978"/>
-                  </a:lnTo>
-                  <a:lnTo>
-                    <a:pt x="4099158" y="1859714"/>
-                  </a:lnTo>
-                  <a:lnTo>
-                    <a:pt x="4231389" y="1718800"/>
-                  </a:lnTo>
-                  <a:lnTo>
-                    <a:pt x="4363619" y="1593506"/>
-                  </a:lnTo>
-                  <a:lnTo>
-                    <a:pt x="4495850" y="1486707"/>
-                  </a:lnTo>
-                  <a:lnTo>
-                    <a:pt x="4628081" y="1400928"/>
-                  </a:lnTo>
-                  <a:lnTo>
-                    <a:pt x="4760312" y="1338246"/>
-                  </a:lnTo>
-                  <a:lnTo>
-                    <a:pt x="4892543" y="1300202"/>
-                  </a:lnTo>
-                  <a:lnTo>
-                    <a:pt x="5024774" y="1287738"/>
-                  </a:lnTo>
-                  <a:lnTo>
-                    <a:pt x="5157005" y="1287738"/>
-                  </a:lnTo>
-                  <a:lnTo>
-                    <a:pt x="5289236" y="1287738"/>
+                    <a:pt x="0" y="0"/>
+                  </a:lnTo>
+                  <a:lnTo>
+                    <a:pt x="226383" y="12889"/>
+                  </a:lnTo>
+                  <a:lnTo>
+                    <a:pt x="452766" y="50780"/>
+                  </a:lnTo>
+                  <a:lnTo>
+                    <a:pt x="679149" y="113163"/>
+                  </a:lnTo>
+                  <a:lnTo>
+                    <a:pt x="905533" y="199205"/>
+                  </a:lnTo>
+                  <a:lnTo>
+                    <a:pt x="1131916" y="307766"/>
+                  </a:lnTo>
+                  <a:lnTo>
+                    <a:pt x="1358299" y="437426"/>
+                  </a:lnTo>
+                  <a:lnTo>
+                    <a:pt x="1584683" y="586517"/>
+                  </a:lnTo>
+                  <a:lnTo>
+                    <a:pt x="1811066" y="753150"/>
+                  </a:lnTo>
+                  <a:lnTo>
+                    <a:pt x="2037449" y="914161"/>
+                  </a:lnTo>
+                  <a:lnTo>
+                    <a:pt x="2263833" y="1050198"/>
+                  </a:lnTo>
+                  <a:lnTo>
+                    <a:pt x="2490216" y="1163150"/>
+                  </a:lnTo>
+                  <a:lnTo>
+                    <a:pt x="2716599" y="1254557"/>
+                  </a:lnTo>
+                  <a:lnTo>
+                    <a:pt x="2942983" y="1325651"/>
+                  </a:lnTo>
+                  <a:lnTo>
+                    <a:pt x="3169366" y="1377374"/>
+                  </a:lnTo>
+                  <a:lnTo>
+                    <a:pt x="3395749" y="1410409"/>
+                  </a:lnTo>
+                  <a:lnTo>
+                    <a:pt x="3622132" y="1425189"/>
+                  </a:lnTo>
+                  <a:lnTo>
+                    <a:pt x="3848516" y="1430754"/>
+                  </a:lnTo>
+                  <a:lnTo>
+                    <a:pt x="4074899" y="1435570"/>
+                  </a:lnTo>
+                  <a:lnTo>
+                    <a:pt x="4301282" y="1439639"/>
+                  </a:lnTo>
+                  <a:lnTo>
+                    <a:pt x="4527666" y="1442964"/>
+                  </a:lnTo>
+                  <a:lnTo>
+                    <a:pt x="4754049" y="1445546"/>
+                  </a:lnTo>
+                  <a:lnTo>
+                    <a:pt x="4980432" y="1447387"/>
+                  </a:lnTo>
+                  <a:lnTo>
+                    <a:pt x="5206816" y="1448488"/>
+                  </a:lnTo>
+                  <a:lnTo>
+                    <a:pt x="5433199" y="1448849"/>
+                  </a:lnTo>
+                  <a:lnTo>
+                    <a:pt x="5659582" y="1448849"/>
+                  </a:lnTo>
+                  <a:lnTo>
+                    <a:pt x="5885966" y="1448849"/>
+                  </a:lnTo>
+                  <a:lnTo>
+                    <a:pt x="5885966" y="1448849"/>
                   </a:lnTo>
                 </a:path>
               </a:pathLst>
@@ -6962,27 +6218,27 @@
         </p:sp>
         <p:sp>
           <p:nvSpPr>
-            <p:cNvPr id="56" name="pl56"/>
+            <p:cNvPr id="53" name="pl53"/>
             <p:cNvSpPr/>
             <p:nvPr/>
           </p:nvSpPr>
           <p:spPr>
             <a:xfrm>
-              <a:off x="4856450" y="8416238"/>
-              <a:ext cx="5818159" cy="0"/>
+              <a:off x="4788644" y="8581835"/>
+              <a:ext cx="5885966" cy="0"/>
             </a:xfrm>
             <a:custGeom>
               <a:avLst/>
               <a:pathLst>
-                <a:path w="5818159" h="0">
+                <a:path w="5885966" h="0">
                   <a:moveTo>
                     <a:pt x="0" y="0"/>
                   </a:moveTo>
                   <a:lnTo>
-                    <a:pt x="5818159" y="0"/>
-                  </a:lnTo>
-                  <a:lnTo>
-                    <a:pt x="5818159" y="0"/>
+                    <a:pt x="5885966" y="0"/>
+                  </a:lnTo>
+                  <a:lnTo>
+                    <a:pt x="5885966" y="0"/>
                   </a:lnTo>
                 </a:path>
               </a:pathLst>
@@ -7005,13 +6261,13 @@
         </p:sp>
         <p:sp>
           <p:nvSpPr>
-            <p:cNvPr id="57" name="tx57"/>
+            <p:cNvPr id="54" name="tx54"/>
             <p:cNvSpPr/>
             <p:nvPr/>
           </p:nvSpPr>
           <p:spPr>
             <a:xfrm>
-              <a:off x="4726014" y="8370756"/>
+              <a:off x="4658208" y="8536354"/>
               <a:ext cx="67806" cy="89118"/>
             </a:xfrm>
             <a:prstGeom prst="rect">
@@ -7051,13 +6307,59 @@
         </p:sp>
         <p:sp>
           <p:nvSpPr>
-            <p:cNvPr id="58" name="tx58"/>
+            <p:cNvPr id="55" name="tx55"/>
             <p:cNvSpPr/>
             <p:nvPr/>
           </p:nvSpPr>
           <p:spPr>
             <a:xfrm>
-              <a:off x="4658208" y="7513955"/>
+              <a:off x="4590402" y="7856817"/>
+              <a:ext cx="135612" cy="89118"/>
+            </a:xfrm>
+            <a:prstGeom prst="rect">
+              <a:avLst/>
+            </a:prstGeom>
+            <a:noFill/>
+          </p:spPr>
+          <p:txBody>
+            <a:bodyPr lIns="0" rIns="0" tIns="0" bIns="0" anchorCtr="1" anchor="ctr" wrap="none"/>
+            <a:lstStyle/>
+            <a:p>
+              <a:pPr algn="l" marL="0" marR="0" indent="0">
+                <a:lnSpc>
+                  <a:spcPts val="960"/>
+                </a:lnSpc>
+                <a:spcBef>
+                  <a:spcPts val="0"/>
+                </a:spcBef>
+                <a:spcAft>
+                  <a:spcPts val="0"/>
+                </a:spcAft>
+              </a:pPr>
+              <a:r>
+                <a:rPr sz="960">
+                  <a:solidFill>
+                    <a:srgbClr val="4D4D4D">
+                      <a:alpha val="100000"/>
+                    </a:srgbClr>
+                  </a:solidFill>
+                  <a:latin typeface="Arial"/>
+                  <a:cs typeface="Arial"/>
+                </a:rPr>
+                <a:t>20</a:t>
+              </a:r>
+            </a:p>
+          </p:txBody>
+        </p:sp>
+        <p:sp>
+          <p:nvSpPr>
+            <p:cNvPr id="56" name="tx56"/>
+            <p:cNvSpPr/>
+            <p:nvPr/>
+          </p:nvSpPr>
+          <p:spPr>
+            <a:xfrm>
+              <a:off x="4590402" y="7177280"/>
               <a:ext cx="135612" cy="89118"/>
             </a:xfrm>
             <a:prstGeom prst="rect">
@@ -7097,13 +6399,59 @@
         </p:sp>
         <p:sp>
           <p:nvSpPr>
-            <p:cNvPr id="59" name="tx59"/>
+            <p:cNvPr id="57" name="tx57"/>
             <p:cNvSpPr/>
             <p:nvPr/>
           </p:nvSpPr>
           <p:spPr>
             <a:xfrm>
-              <a:off x="4658208" y="6657153"/>
+              <a:off x="4590402" y="6497743"/>
+              <a:ext cx="135612" cy="89118"/>
+            </a:xfrm>
+            <a:prstGeom prst="rect">
+              <a:avLst/>
+            </a:prstGeom>
+            <a:noFill/>
+          </p:spPr>
+          <p:txBody>
+            <a:bodyPr lIns="0" rIns="0" tIns="0" bIns="0" anchorCtr="1" anchor="ctr" wrap="none"/>
+            <a:lstStyle/>
+            <a:p>
+              <a:pPr algn="l" marL="0" marR="0" indent="0">
+                <a:lnSpc>
+                  <a:spcPts val="960"/>
+                </a:lnSpc>
+                <a:spcBef>
+                  <a:spcPts val="0"/>
+                </a:spcBef>
+                <a:spcAft>
+                  <a:spcPts val="0"/>
+                </a:spcAft>
+              </a:pPr>
+              <a:r>
+                <a:rPr sz="960">
+                  <a:solidFill>
+                    <a:srgbClr val="4D4D4D">
+                      <a:alpha val="100000"/>
+                    </a:srgbClr>
+                  </a:solidFill>
+                  <a:latin typeface="Arial"/>
+                  <a:cs typeface="Arial"/>
+                </a:rPr>
+                <a:t>60</a:t>
+              </a:r>
+            </a:p>
+          </p:txBody>
+        </p:sp>
+        <p:sp>
+          <p:nvSpPr>
+            <p:cNvPr id="58" name="tx58"/>
+            <p:cNvSpPr/>
+            <p:nvPr/>
+          </p:nvSpPr>
+          <p:spPr>
+            <a:xfrm>
+              <a:off x="4590402" y="5818206"/>
               <a:ext cx="135612" cy="89118"/>
             </a:xfrm>
             <a:prstGeom prst="rect">
@@ -7143,48 +6491,82 @@
         </p:sp>
         <p:sp>
           <p:nvSpPr>
-            <p:cNvPr id="60" name="tx60"/>
+            <p:cNvPr id="59" name="pl59"/>
             <p:cNvSpPr/>
             <p:nvPr/>
           </p:nvSpPr>
           <p:spPr>
             <a:xfrm>
-              <a:off x="4590402" y="5800351"/>
-              <a:ext cx="203418" cy="89118"/>
+              <a:off x="4753850" y="8581835"/>
+              <a:ext cx="34794" cy="0"/>
             </a:xfrm>
-            <a:prstGeom prst="rect">
+            <a:custGeom>
               <a:avLst/>
-            </a:prstGeom>
-            <a:noFill/>
+              <a:pathLst>
+                <a:path w="34794" h="0">
+                  <a:moveTo>
+                    <a:pt x="0" y="0"/>
+                  </a:moveTo>
+                  <a:lnTo>
+                    <a:pt x="34794" y="0"/>
+                  </a:lnTo>
+                </a:path>
+              </a:pathLst>
+            </a:custGeom>
+            <a:ln w="13550" cap="flat">
+              <a:solidFill>
+                <a:srgbClr val="333333">
+                  <a:alpha val="100000"/>
+                </a:srgbClr>
+              </a:solidFill>
+              <a:prstDash val="solid"/>
+              <a:round/>
+            </a:ln>
           </p:spPr>
           <p:txBody>
-            <a:bodyPr lIns="0" rIns="0" tIns="0" bIns="0" anchorCtr="1" anchor="ctr" wrap="none"/>
+            <a:bodyPr/>
             <a:lstStyle/>
-            <a:p>
-              <a:pPr algn="l" marL="0" marR="0" indent="0">
-                <a:lnSpc>
-                  <a:spcPts val="960"/>
-                </a:lnSpc>
-                <a:spcBef>
-                  <a:spcPts val="0"/>
-                </a:spcBef>
-                <a:spcAft>
-                  <a:spcPts val="0"/>
-                </a:spcAft>
-              </a:pPr>
-              <a:r>
-                <a:rPr sz="960">
-                  <a:solidFill>
-                    <a:srgbClr val="4D4D4D">
-                      <a:alpha val="100000"/>
-                    </a:srgbClr>
-                  </a:solidFill>
-                  <a:latin typeface="Arial"/>
-                  <a:cs typeface="Arial"/>
-                </a:rPr>
-                <a:t>120</a:t>
-              </a:r>
-            </a:p>
+            <a:p/>
+          </p:txBody>
+        </p:sp>
+        <p:sp>
+          <p:nvSpPr>
+            <p:cNvPr id="60" name="pl60"/>
+            <p:cNvSpPr/>
+            <p:nvPr/>
+          </p:nvSpPr>
+          <p:spPr>
+            <a:xfrm>
+              <a:off x="4753850" y="7902299"/>
+              <a:ext cx="34794" cy="0"/>
+            </a:xfrm>
+            <a:custGeom>
+              <a:avLst/>
+              <a:pathLst>
+                <a:path w="34794" h="0">
+                  <a:moveTo>
+                    <a:pt x="0" y="0"/>
+                  </a:moveTo>
+                  <a:lnTo>
+                    <a:pt x="34794" y="0"/>
+                  </a:lnTo>
+                </a:path>
+              </a:pathLst>
+            </a:custGeom>
+            <a:ln w="13550" cap="flat">
+              <a:solidFill>
+                <a:srgbClr val="333333">
+                  <a:alpha val="100000"/>
+                </a:srgbClr>
+              </a:solidFill>
+              <a:prstDash val="solid"/>
+              <a:round/>
+            </a:ln>
+          </p:spPr>
+          <p:txBody>
+            <a:bodyPr/>
+            <a:lstStyle/>
+            <a:p/>
           </p:txBody>
         </p:sp>
         <p:sp>
@@ -7195,7 +6577,7 @@
           </p:nvSpPr>
           <p:spPr>
             <a:xfrm>
-              <a:off x="4821656" y="8416238"/>
+              <a:off x="4753850" y="7222762"/>
               <a:ext cx="34794" cy="0"/>
             </a:xfrm>
             <a:custGeom>
@@ -7235,7 +6617,7 @@
           </p:nvSpPr>
           <p:spPr>
             <a:xfrm>
-              <a:off x="4821656" y="7559436"/>
+              <a:off x="4753850" y="6543225"/>
               <a:ext cx="34794" cy="0"/>
             </a:xfrm>
             <a:custGeom>
@@ -7275,7 +6657,7 @@
           </p:nvSpPr>
           <p:spPr>
             <a:xfrm>
-              <a:off x="4821656" y="6702635"/>
+              <a:off x="4753850" y="5863688"/>
               <a:ext cx="34794" cy="0"/>
             </a:xfrm>
             <a:custGeom>
@@ -7315,18 +6697,18 @@
           </p:nvSpPr>
           <p:spPr>
             <a:xfrm>
-              <a:off x="4821656" y="5845833"/>
-              <a:ext cx="34794" cy="0"/>
+              <a:off x="5694178" y="8581835"/>
+              <a:ext cx="0" cy="34794"/>
             </a:xfrm>
             <a:custGeom>
               <a:avLst/>
               <a:pathLst>
-                <a:path w="34794" h="0">
+                <a:path w="0" h="34794">
                   <a:moveTo>
+                    <a:pt x="0" y="34794"/>
+                  </a:moveTo>
+                  <a:lnTo>
                     <a:pt x="0" y="0"/>
-                  </a:moveTo>
-                  <a:lnTo>
-                    <a:pt x="34794" y="0"/>
                   </a:lnTo>
                 </a:path>
               </a:pathLst>
@@ -7355,7 +6737,7 @@
           </p:nvSpPr>
           <p:spPr>
             <a:xfrm>
-              <a:off x="5253143" y="8581835"/>
+              <a:off x="7278861" y="8581835"/>
               <a:ext cx="0" cy="34794"/>
             </a:xfrm>
             <a:custGeom>
@@ -7395,7 +6777,7 @@
           </p:nvSpPr>
           <p:spPr>
             <a:xfrm>
-              <a:off x="7104376" y="8581835"/>
+              <a:off x="8863544" y="8581835"/>
               <a:ext cx="0" cy="34794"/>
             </a:xfrm>
             <a:custGeom>
@@ -7435,7 +6817,7 @@
           </p:nvSpPr>
           <p:spPr>
             <a:xfrm>
-              <a:off x="9352301" y="8581835"/>
+              <a:off x="10448227" y="8581835"/>
               <a:ext cx="0" cy="34794"/>
             </a:xfrm>
             <a:custGeom>
@@ -7475,7 +6857,7 @@
           </p:nvSpPr>
           <p:spPr>
             <a:xfrm>
-              <a:off x="5070114" y="8642620"/>
+              <a:off x="5511149" y="8642620"/>
               <a:ext cx="366057" cy="89118"/>
             </a:xfrm>
             <a:prstGeom prst="rect">
@@ -7508,7 +6890,7 @@
                   <a:latin typeface="Arial"/>
                   <a:cs typeface="Arial"/>
                 </a:rPr>
-                <a:t>Jan 01</a:t>
+                <a:t>Jan 18</a:t>
               </a:r>
             </a:p>
           </p:txBody>
@@ -7521,7 +6903,7 @@
           </p:nvSpPr>
           <p:spPr>
             <a:xfrm>
-              <a:off x="6921347" y="8642620"/>
+              <a:off x="7095832" y="8642620"/>
               <a:ext cx="366057" cy="89118"/>
             </a:xfrm>
             <a:prstGeom prst="rect">
@@ -7554,7 +6936,7 @@
                   <a:latin typeface="Arial"/>
                   <a:cs typeface="Arial"/>
                 </a:rPr>
-                <a:t>Jan 15</a:t>
+                <a:t>Jan 25</a:t>
               </a:r>
             </a:p>
           </p:txBody>
@@ -7567,7 +6949,7 @@
           </p:nvSpPr>
           <p:spPr>
             <a:xfrm>
-              <a:off x="9162516" y="8642620"/>
+              <a:off x="8673758" y="8642620"/>
               <a:ext cx="379571" cy="89118"/>
             </a:xfrm>
             <a:prstGeom prst="rect">
@@ -7612,9 +6994,55 @@
             <p:nvPr/>
           </p:nvSpPr>
           <p:spPr>
+            <a:xfrm>
+              <a:off x="10258442" y="8642620"/>
+              <a:ext cx="379571" cy="89118"/>
+            </a:xfrm>
+            <a:prstGeom prst="rect">
+              <a:avLst/>
+            </a:prstGeom>
+            <a:noFill/>
+          </p:spPr>
+          <p:txBody>
+            <a:bodyPr lIns="0" rIns="0" tIns="0" bIns="0" anchorCtr="1" anchor="ctr" wrap="none"/>
+            <a:lstStyle/>
+            <a:p>
+              <a:pPr algn="l" marL="0" marR="0" indent="0">
+                <a:lnSpc>
+                  <a:spcPts val="960"/>
+                </a:lnSpc>
+                <a:spcBef>
+                  <a:spcPts val="0"/>
+                </a:spcBef>
+                <a:spcAft>
+                  <a:spcPts val="0"/>
+                </a:spcAft>
+              </a:pPr>
+              <a:r>
+                <a:rPr sz="960">
+                  <a:solidFill>
+                    <a:srgbClr val="4D4D4D">
+                      <a:alpha val="100000"/>
+                    </a:srgbClr>
+                  </a:solidFill>
+                  <a:latin typeface="Arial"/>
+                  <a:cs typeface="Arial"/>
+                </a:rPr>
+                <a:t>Feb 08</a:t>
+              </a:r>
+            </a:p>
+          </p:txBody>
+        </p:sp>
+        <p:sp>
+          <p:nvSpPr>
+            <p:cNvPr id="72" name="tx72"/>
+            <p:cNvSpPr/>
+            <p:nvPr/>
+          </p:nvSpPr>
+          <p:spPr>
             <a:xfrm rot="-5400000">
-              <a:off x="3133364" y="7048548"/>
-              <a:ext cx="2634406" cy="143023"/>
+              <a:off x="3480729" y="7048548"/>
+              <a:ext cx="1939676" cy="143023"/>
             </a:xfrm>
             <a:prstGeom prst="rect">
               <a:avLst/>
@@ -7646,21 +7074,21 @@
                   <a:latin typeface="Arial"/>
                   <a:cs typeface="Arial"/>
                 </a:rPr>
-                <a:t>Transmission advantage of B.1.1.7 (%)</a:t>
+                <a:t>Transmission advantage (%)</a:t>
               </a:r>
             </a:p>
           </p:txBody>
         </p:sp>
         <p:sp>
           <p:nvSpPr>
-            <p:cNvPr id="72" name="tx72"/>
+            <p:cNvPr id="73" name="tx73"/>
             <p:cNvSpPr/>
             <p:nvPr/>
           </p:nvSpPr>
           <p:spPr>
             <a:xfrm>
-              <a:off x="4856450" y="5377951"/>
-              <a:ext cx="3567767" cy="171628"/>
+              <a:off x="4788644" y="5377951"/>
+              <a:ext cx="3994963" cy="171628"/>
             </a:xfrm>
             <a:prstGeom prst="rect">
               <a:avLst/>
@@ -7692,7 +7120,7 @@
                   <a:latin typeface="Arial"/>
                   <a:cs typeface="Arial"/>
                 </a:rPr>
-                <a:t>Transmission advantage of B.1.1.7 over WT</a:t>
+                <a:t>Transmission advantage of B.1.1.7 over wild type</a:t>
               </a:r>
             </a:p>
           </p:txBody>

--- a/plots/2021_02_09/multinomial_Re_growthadv_B117_WT.pptx
+++ b/plots/2021_02_09/multinomial_Re_growthadv_B117_WT.pptx
@@ -3355,174 +3355,174 @@
           </p:nvSpPr>
           <p:spPr>
             <a:xfrm>
-              <a:off x="4822518" y="3201000"/>
-              <a:ext cx="5852092" cy="829147"/>
+              <a:off x="4822518" y="3197785"/>
+              <a:ext cx="5852092" cy="796538"/>
             </a:xfrm>
             <a:custGeom>
               <a:avLst/>
               <a:pathLst>
-                <a:path w="5852092" h="829147">
+                <a:path w="5852092" h="796538">
                   <a:moveTo>
                     <a:pt x="0" y="0"/>
                   </a:moveTo>
                   <a:lnTo>
-                    <a:pt x="225080" y="2572"/>
-                  </a:lnTo>
-                  <a:lnTo>
-                    <a:pt x="450160" y="10143"/>
-                  </a:lnTo>
-                  <a:lnTo>
-                    <a:pt x="675241" y="22612"/>
-                  </a:lnTo>
-                  <a:lnTo>
-                    <a:pt x="900321" y="39727"/>
-                  </a:lnTo>
-                  <a:lnTo>
-                    <a:pt x="1125402" y="60846"/>
-                  </a:lnTo>
-                  <a:lnTo>
-                    <a:pt x="1350482" y="84162"/>
-                  </a:lnTo>
-                  <a:lnTo>
-                    <a:pt x="1575563" y="104305"/>
-                  </a:lnTo>
-                  <a:lnTo>
-                    <a:pt x="1800643" y="110500"/>
-                  </a:lnTo>
-                  <a:lnTo>
-                    <a:pt x="2025724" y="106777"/>
-                  </a:lnTo>
-                  <a:lnTo>
-                    <a:pt x="2250804" y="109102"/>
-                  </a:lnTo>
-                  <a:lnTo>
-                    <a:pt x="2475885" y="121762"/>
-                  </a:lnTo>
-                  <a:lnTo>
-                    <a:pt x="2700965" y="145869"/>
-                  </a:lnTo>
-                  <a:lnTo>
-                    <a:pt x="2926046" y="181523"/>
-                  </a:lnTo>
-                  <a:lnTo>
-                    <a:pt x="3151126" y="228023"/>
-                  </a:lnTo>
-                  <a:lnTo>
-                    <a:pt x="3376207" y="283130"/>
-                  </a:lnTo>
-                  <a:lnTo>
-                    <a:pt x="3601287" y="341207"/>
-                  </a:lnTo>
-                  <a:lnTo>
-                    <a:pt x="3826368" y="387184"/>
-                  </a:lnTo>
-                  <a:lnTo>
-                    <a:pt x="4051448" y="417688"/>
-                  </a:lnTo>
-                  <a:lnTo>
-                    <a:pt x="4276529" y="439003"/>
-                  </a:lnTo>
-                  <a:lnTo>
-                    <a:pt x="4501609" y="454488"/>
-                  </a:lnTo>
-                  <a:lnTo>
-                    <a:pt x="4726690" y="465696"/>
-                  </a:lnTo>
-                  <a:lnTo>
-                    <a:pt x="4951770" y="473360"/>
-                  </a:lnTo>
-                  <a:lnTo>
-                    <a:pt x="5176851" y="477835"/>
-                  </a:lnTo>
-                  <a:lnTo>
-                    <a:pt x="5401931" y="479288"/>
-                  </a:lnTo>
-                  <a:lnTo>
-                    <a:pt x="5627012" y="479288"/>
-                  </a:lnTo>
-                  <a:lnTo>
-                    <a:pt x="5852092" y="479288"/>
-                  </a:lnTo>
-                  <a:lnTo>
-                    <a:pt x="5852092" y="829147"/>
-                  </a:lnTo>
-                  <a:lnTo>
-                    <a:pt x="5627012" y="829147"/>
-                  </a:lnTo>
-                  <a:lnTo>
-                    <a:pt x="5401931" y="829147"/>
-                  </a:lnTo>
-                  <a:lnTo>
-                    <a:pt x="5176851" y="823298"/>
-                  </a:lnTo>
-                  <a:lnTo>
-                    <a:pt x="4951770" y="805567"/>
-                  </a:lnTo>
-                  <a:lnTo>
-                    <a:pt x="4726690" y="776276"/>
-                  </a:lnTo>
-                  <a:lnTo>
-                    <a:pt x="4501609" y="736039"/>
-                  </a:lnTo>
-                  <a:lnTo>
-                    <a:pt x="4276529" y="685944"/>
-                  </a:lnTo>
-                  <a:lnTo>
-                    <a:pt x="4051448" y="627983"/>
-                  </a:lnTo>
-                  <a:lnTo>
-                    <a:pt x="3826368" y="566031"/>
-                  </a:lnTo>
-                  <a:lnTo>
-                    <a:pt x="3601287" y="506953"/>
-                  </a:lnTo>
-                  <a:lnTo>
-                    <a:pt x="3376207" y="459941"/>
-                  </a:lnTo>
-                  <a:lnTo>
-                    <a:pt x="3151126" y="422197"/>
-                  </a:lnTo>
-                  <a:lnTo>
-                    <a:pt x="2926046" y="387493"/>
-                  </a:lnTo>
-                  <a:lnTo>
-                    <a:pt x="2700965" y="353154"/>
-                  </a:lnTo>
-                  <a:lnTo>
-                    <a:pt x="2475885" y="318185"/>
-                  </a:lnTo>
-                  <a:lnTo>
-                    <a:pt x="2250804" y="282518"/>
-                  </a:lnTo>
-                  <a:lnTo>
-                    <a:pt x="2025724" y="247222"/>
-                  </a:lnTo>
-                  <a:lnTo>
-                    <a:pt x="1800643" y="216657"/>
-                  </a:lnTo>
-                  <a:lnTo>
-                    <a:pt x="1575563" y="203117"/>
-                  </a:lnTo>
-                  <a:lnTo>
-                    <a:pt x="1350482" y="206541"/>
-                  </a:lnTo>
-                  <a:lnTo>
-                    <a:pt x="1125402" y="215984"/>
-                  </a:lnTo>
-                  <a:lnTo>
-                    <a:pt x="900321" y="225936"/>
-                  </a:lnTo>
-                  <a:lnTo>
-                    <a:pt x="675241" y="234476"/>
-                  </a:lnTo>
-                  <a:lnTo>
-                    <a:pt x="450160" y="240874"/>
-                  </a:lnTo>
-                  <a:lnTo>
-                    <a:pt x="225080" y="244815"/>
-                  </a:lnTo>
-                  <a:lnTo>
-                    <a:pt x="0" y="246163"/>
+                    <a:pt x="225080" y="2368"/>
+                  </a:lnTo>
+                  <a:lnTo>
+                    <a:pt x="450160" y="9352"/>
+                  </a:lnTo>
+                  <a:lnTo>
+                    <a:pt x="675241" y="20914"/>
+                  </a:lnTo>
+                  <a:lnTo>
+                    <a:pt x="900321" y="36956"/>
+                  </a:lnTo>
+                  <a:lnTo>
+                    <a:pt x="1125402" y="57231"/>
+                  </a:lnTo>
+                  <a:lnTo>
+                    <a:pt x="1350482" y="81058"/>
+                  </a:lnTo>
+                  <a:lnTo>
+                    <a:pt x="1575563" y="106305"/>
+                  </a:lnTo>
+                  <a:lnTo>
+                    <a:pt x="1800643" y="125936"/>
+                  </a:lnTo>
+                  <a:lnTo>
+                    <a:pt x="2025724" y="133654"/>
+                  </a:lnTo>
+                  <a:lnTo>
+                    <a:pt x="2250804" y="141483"/>
+                  </a:lnTo>
+                  <a:lnTo>
+                    <a:pt x="2475885" y="157225"/>
+                  </a:lnTo>
+                  <a:lnTo>
+                    <a:pt x="2700965" y="183310"/>
+                  </a:lnTo>
+                  <a:lnTo>
+                    <a:pt x="2926046" y="220412"/>
+                  </a:lnTo>
+                  <a:lnTo>
+                    <a:pt x="3151126" y="268262"/>
+                  </a:lnTo>
+                  <a:lnTo>
+                    <a:pt x="3376207" y="324753"/>
+                  </a:lnTo>
+                  <a:lnTo>
+                    <a:pt x="3601287" y="382258"/>
+                  </a:lnTo>
+                  <a:lnTo>
+                    <a:pt x="3826368" y="424065"/>
+                  </a:lnTo>
+                  <a:lnTo>
+                    <a:pt x="4051448" y="451805"/>
+                  </a:lnTo>
+                  <a:lnTo>
+                    <a:pt x="4276529" y="472541"/>
+                  </a:lnTo>
+                  <a:lnTo>
+                    <a:pt x="4501609" y="488578"/>
+                  </a:lnTo>
+                  <a:lnTo>
+                    <a:pt x="4726690" y="500706"/>
+                  </a:lnTo>
+                  <a:lnTo>
+                    <a:pt x="4951770" y="509233"/>
+                  </a:lnTo>
+                  <a:lnTo>
+                    <a:pt x="5176851" y="514295"/>
+                  </a:lnTo>
+                  <a:lnTo>
+                    <a:pt x="5401931" y="515950"/>
+                  </a:lnTo>
+                  <a:lnTo>
+                    <a:pt x="5627012" y="515950"/>
+                  </a:lnTo>
+                  <a:lnTo>
+                    <a:pt x="5852092" y="515950"/>
+                  </a:lnTo>
+                  <a:lnTo>
+                    <a:pt x="5852092" y="796538"/>
+                  </a:lnTo>
+                  <a:lnTo>
+                    <a:pt x="5627012" y="796538"/>
+                  </a:lnTo>
+                  <a:lnTo>
+                    <a:pt x="5401931" y="796538"/>
+                  </a:lnTo>
+                  <a:lnTo>
+                    <a:pt x="5176851" y="790939"/>
+                  </a:lnTo>
+                  <a:lnTo>
+                    <a:pt x="4951770" y="773931"/>
+                  </a:lnTo>
+                  <a:lnTo>
+                    <a:pt x="4726690" y="745714"/>
+                  </a:lnTo>
+                  <a:lnTo>
+                    <a:pt x="4501609" y="706653"/>
+                  </a:lnTo>
+                  <a:lnTo>
+                    <a:pt x="4276529" y="657377"/>
+                  </a:lnTo>
+                  <a:lnTo>
+                    <a:pt x="4051448" y="599070"/>
+                  </a:lnTo>
+                  <a:lnTo>
+                    <a:pt x="3826368" y="534504"/>
+                  </a:lnTo>
+                  <a:lnTo>
+                    <a:pt x="3601287" y="471268"/>
+                  </a:lnTo>
+                  <a:lnTo>
+                    <a:pt x="3376207" y="423579"/>
+                  </a:lnTo>
+                  <a:lnTo>
+                    <a:pt x="3151126" y="387105"/>
+                  </a:lnTo>
+                  <a:lnTo>
+                    <a:pt x="2926046" y="353691"/>
+                  </a:lnTo>
+                  <a:lnTo>
+                    <a:pt x="2700965" y="320834"/>
+                  </a:lnTo>
+                  <a:lnTo>
+                    <a:pt x="2475885" y="287983"/>
+                  </a:lnTo>
+                  <a:lnTo>
+                    <a:pt x="2250804" y="255639"/>
+                  </a:lnTo>
+                  <a:lnTo>
+                    <a:pt x="2025724" y="226168"/>
+                  </a:lnTo>
+                  <a:lnTo>
+                    <a:pt x="1800643" y="207398"/>
+                  </a:lnTo>
+                  <a:lnTo>
+                    <a:pt x="1575563" y="207573"/>
+                  </a:lnTo>
+                  <a:lnTo>
+                    <a:pt x="1350482" y="216253"/>
+                  </a:lnTo>
+                  <a:lnTo>
+                    <a:pt x="1125402" y="226273"/>
+                  </a:lnTo>
+                  <a:lnTo>
+                    <a:pt x="900321" y="235391"/>
+                  </a:lnTo>
+                  <a:lnTo>
+                    <a:pt x="675241" y="242840"/>
+                  </a:lnTo>
+                  <a:lnTo>
+                    <a:pt x="450160" y="248304"/>
+                  </a:lnTo>
+                  <a:lnTo>
+                    <a:pt x="225080" y="251636"/>
+                  </a:lnTo>
+                  <a:lnTo>
+                    <a:pt x="0" y="252771"/>
                   </a:lnTo>
                   <a:close/>
                 </a:path>
@@ -3548,96 +3548,96 @@
           </p:nvSpPr>
           <p:spPr>
             <a:xfrm>
-              <a:off x="4822518" y="3201000"/>
-              <a:ext cx="5852092" cy="479288"/>
+              <a:off x="4822518" y="3197785"/>
+              <a:ext cx="5852092" cy="515950"/>
             </a:xfrm>
             <a:custGeom>
               <a:avLst/>
               <a:pathLst>
-                <a:path w="5852092" h="479288">
+                <a:path w="5852092" h="515950">
                   <a:moveTo>
                     <a:pt x="0" y="0"/>
                   </a:moveTo>
                   <a:lnTo>
-                    <a:pt x="225080" y="2572"/>
-                  </a:lnTo>
-                  <a:lnTo>
-                    <a:pt x="450160" y="10143"/>
-                  </a:lnTo>
-                  <a:lnTo>
-                    <a:pt x="675241" y="22612"/>
-                  </a:lnTo>
-                  <a:lnTo>
-                    <a:pt x="900321" y="39727"/>
-                  </a:lnTo>
-                  <a:lnTo>
-                    <a:pt x="1125402" y="60846"/>
-                  </a:lnTo>
-                  <a:lnTo>
-                    <a:pt x="1350482" y="84162"/>
-                  </a:lnTo>
-                  <a:lnTo>
-                    <a:pt x="1575563" y="104305"/>
-                  </a:lnTo>
-                  <a:lnTo>
-                    <a:pt x="1800643" y="110500"/>
-                  </a:lnTo>
-                  <a:lnTo>
-                    <a:pt x="2025724" y="106777"/>
-                  </a:lnTo>
-                  <a:lnTo>
-                    <a:pt x="2250804" y="109102"/>
-                  </a:lnTo>
-                  <a:lnTo>
-                    <a:pt x="2475885" y="121762"/>
-                  </a:lnTo>
-                  <a:lnTo>
-                    <a:pt x="2700965" y="145869"/>
-                  </a:lnTo>
-                  <a:lnTo>
-                    <a:pt x="2926046" y="181523"/>
-                  </a:lnTo>
-                  <a:lnTo>
-                    <a:pt x="3151126" y="228023"/>
-                  </a:lnTo>
-                  <a:lnTo>
-                    <a:pt x="3376207" y="283130"/>
-                  </a:lnTo>
-                  <a:lnTo>
-                    <a:pt x="3601287" y="341207"/>
-                  </a:lnTo>
-                  <a:lnTo>
-                    <a:pt x="3826368" y="387184"/>
-                  </a:lnTo>
-                  <a:lnTo>
-                    <a:pt x="4051448" y="417688"/>
-                  </a:lnTo>
-                  <a:lnTo>
-                    <a:pt x="4276529" y="439003"/>
-                  </a:lnTo>
-                  <a:lnTo>
-                    <a:pt x="4501609" y="454488"/>
-                  </a:lnTo>
-                  <a:lnTo>
-                    <a:pt x="4726690" y="465696"/>
-                  </a:lnTo>
-                  <a:lnTo>
-                    <a:pt x="4951770" y="473360"/>
-                  </a:lnTo>
-                  <a:lnTo>
-                    <a:pt x="5176851" y="477835"/>
-                  </a:lnTo>
-                  <a:lnTo>
-                    <a:pt x="5401931" y="479288"/>
-                  </a:lnTo>
-                  <a:lnTo>
-                    <a:pt x="5627012" y="479288"/>
-                  </a:lnTo>
-                  <a:lnTo>
-                    <a:pt x="5852092" y="479288"/>
-                  </a:lnTo>
-                  <a:lnTo>
-                    <a:pt x="5852092" y="479288"/>
+                    <a:pt x="225080" y="2368"/>
+                  </a:lnTo>
+                  <a:lnTo>
+                    <a:pt x="450160" y="9352"/>
+                  </a:lnTo>
+                  <a:lnTo>
+                    <a:pt x="675241" y="20914"/>
+                  </a:lnTo>
+                  <a:lnTo>
+                    <a:pt x="900321" y="36956"/>
+                  </a:lnTo>
+                  <a:lnTo>
+                    <a:pt x="1125402" y="57231"/>
+                  </a:lnTo>
+                  <a:lnTo>
+                    <a:pt x="1350482" y="81058"/>
+                  </a:lnTo>
+                  <a:lnTo>
+                    <a:pt x="1575563" y="106305"/>
+                  </a:lnTo>
+                  <a:lnTo>
+                    <a:pt x="1800643" y="125936"/>
+                  </a:lnTo>
+                  <a:lnTo>
+                    <a:pt x="2025724" y="133654"/>
+                  </a:lnTo>
+                  <a:lnTo>
+                    <a:pt x="2250804" y="141483"/>
+                  </a:lnTo>
+                  <a:lnTo>
+                    <a:pt x="2475885" y="157225"/>
+                  </a:lnTo>
+                  <a:lnTo>
+                    <a:pt x="2700965" y="183310"/>
+                  </a:lnTo>
+                  <a:lnTo>
+                    <a:pt x="2926046" y="220412"/>
+                  </a:lnTo>
+                  <a:lnTo>
+                    <a:pt x="3151126" y="268262"/>
+                  </a:lnTo>
+                  <a:lnTo>
+                    <a:pt x="3376207" y="324753"/>
+                  </a:lnTo>
+                  <a:lnTo>
+                    <a:pt x="3601287" y="382258"/>
+                  </a:lnTo>
+                  <a:lnTo>
+                    <a:pt x="3826368" y="424065"/>
+                  </a:lnTo>
+                  <a:lnTo>
+                    <a:pt x="4051448" y="451805"/>
+                  </a:lnTo>
+                  <a:lnTo>
+                    <a:pt x="4276529" y="472541"/>
+                  </a:lnTo>
+                  <a:lnTo>
+                    <a:pt x="4501609" y="488578"/>
+                  </a:lnTo>
+                  <a:lnTo>
+                    <a:pt x="4726690" y="500706"/>
+                  </a:lnTo>
+                  <a:lnTo>
+                    <a:pt x="4951770" y="509233"/>
+                  </a:lnTo>
+                  <a:lnTo>
+                    <a:pt x="5176851" y="514295"/>
+                  </a:lnTo>
+                  <a:lnTo>
+                    <a:pt x="5401931" y="515950"/>
+                  </a:lnTo>
+                  <a:lnTo>
+                    <a:pt x="5627012" y="515950"/>
+                  </a:lnTo>
+                  <a:lnTo>
+                    <a:pt x="5852092" y="515950"/>
+                  </a:lnTo>
+                  <a:lnTo>
+                    <a:pt x="5852092" y="515950"/>
                   </a:lnTo>
                 </a:path>
               </a:pathLst>
@@ -3657,96 +3657,96 @@
           </p:nvSpPr>
           <p:spPr>
             <a:xfrm>
-              <a:off x="4822518" y="3404118"/>
-              <a:ext cx="5852092" cy="626029"/>
+              <a:off x="4822518" y="3405184"/>
+              <a:ext cx="5852092" cy="589140"/>
             </a:xfrm>
             <a:custGeom>
               <a:avLst/>
               <a:pathLst>
-                <a:path w="5852092" h="626029">
+                <a:path w="5852092" h="589140">
                   <a:moveTo>
-                    <a:pt x="5852092" y="626029"/>
+                    <a:pt x="5852092" y="589140"/>
                   </a:moveTo>
                   <a:lnTo>
-                    <a:pt x="5627012" y="626029"/>
-                  </a:lnTo>
-                  <a:lnTo>
-                    <a:pt x="5401931" y="626029"/>
-                  </a:lnTo>
-                  <a:lnTo>
-                    <a:pt x="5176851" y="620180"/>
-                  </a:lnTo>
-                  <a:lnTo>
-                    <a:pt x="4951770" y="602449"/>
-                  </a:lnTo>
-                  <a:lnTo>
-                    <a:pt x="4726690" y="573158"/>
-                  </a:lnTo>
-                  <a:lnTo>
-                    <a:pt x="4501609" y="532921"/>
-                  </a:lnTo>
-                  <a:lnTo>
-                    <a:pt x="4276529" y="482826"/>
-                  </a:lnTo>
-                  <a:lnTo>
-                    <a:pt x="4051448" y="424865"/>
-                  </a:lnTo>
-                  <a:lnTo>
-                    <a:pt x="3826368" y="362914"/>
-                  </a:lnTo>
-                  <a:lnTo>
-                    <a:pt x="3601287" y="303835"/>
-                  </a:lnTo>
-                  <a:lnTo>
-                    <a:pt x="3376207" y="256824"/>
-                  </a:lnTo>
-                  <a:lnTo>
-                    <a:pt x="3151126" y="219080"/>
-                  </a:lnTo>
-                  <a:lnTo>
-                    <a:pt x="2926046" y="184375"/>
-                  </a:lnTo>
-                  <a:lnTo>
-                    <a:pt x="2700965" y="150037"/>
-                  </a:lnTo>
-                  <a:lnTo>
-                    <a:pt x="2475885" y="115067"/>
-                  </a:lnTo>
-                  <a:lnTo>
-                    <a:pt x="2250804" y="79401"/>
-                  </a:lnTo>
-                  <a:lnTo>
-                    <a:pt x="2025724" y="44105"/>
-                  </a:lnTo>
-                  <a:lnTo>
-                    <a:pt x="1800643" y="13539"/>
-                  </a:lnTo>
-                  <a:lnTo>
-                    <a:pt x="1575563" y="0"/>
-                  </a:lnTo>
-                  <a:lnTo>
-                    <a:pt x="1350482" y="3423"/>
-                  </a:lnTo>
-                  <a:lnTo>
-                    <a:pt x="1125402" y="12866"/>
-                  </a:lnTo>
-                  <a:lnTo>
-                    <a:pt x="900321" y="22818"/>
-                  </a:lnTo>
-                  <a:lnTo>
-                    <a:pt x="675241" y="31359"/>
-                  </a:lnTo>
-                  <a:lnTo>
-                    <a:pt x="450160" y="37756"/>
-                  </a:lnTo>
-                  <a:lnTo>
-                    <a:pt x="225080" y="41697"/>
-                  </a:lnTo>
-                  <a:lnTo>
-                    <a:pt x="0" y="43045"/>
-                  </a:lnTo>
-                  <a:lnTo>
-                    <a:pt x="0" y="43045"/>
+                    <a:pt x="5627012" y="589140"/>
+                  </a:lnTo>
+                  <a:lnTo>
+                    <a:pt x="5401931" y="589140"/>
+                  </a:lnTo>
+                  <a:lnTo>
+                    <a:pt x="5176851" y="583540"/>
+                  </a:lnTo>
+                  <a:lnTo>
+                    <a:pt x="4951770" y="566533"/>
+                  </a:lnTo>
+                  <a:lnTo>
+                    <a:pt x="4726690" y="538315"/>
+                  </a:lnTo>
+                  <a:lnTo>
+                    <a:pt x="4501609" y="499254"/>
+                  </a:lnTo>
+                  <a:lnTo>
+                    <a:pt x="4276529" y="449978"/>
+                  </a:lnTo>
+                  <a:lnTo>
+                    <a:pt x="4051448" y="391671"/>
+                  </a:lnTo>
+                  <a:lnTo>
+                    <a:pt x="3826368" y="327105"/>
+                  </a:lnTo>
+                  <a:lnTo>
+                    <a:pt x="3601287" y="263869"/>
+                  </a:lnTo>
+                  <a:lnTo>
+                    <a:pt x="3376207" y="216180"/>
+                  </a:lnTo>
+                  <a:lnTo>
+                    <a:pt x="3151126" y="179706"/>
+                  </a:lnTo>
+                  <a:lnTo>
+                    <a:pt x="2926046" y="146292"/>
+                  </a:lnTo>
+                  <a:lnTo>
+                    <a:pt x="2700965" y="113436"/>
+                  </a:lnTo>
+                  <a:lnTo>
+                    <a:pt x="2475885" y="80584"/>
+                  </a:lnTo>
+                  <a:lnTo>
+                    <a:pt x="2250804" y="48241"/>
+                  </a:lnTo>
+                  <a:lnTo>
+                    <a:pt x="2025724" y="18769"/>
+                  </a:lnTo>
+                  <a:lnTo>
+                    <a:pt x="1800643" y="0"/>
+                  </a:lnTo>
+                  <a:lnTo>
+                    <a:pt x="1575563" y="174"/>
+                  </a:lnTo>
+                  <a:lnTo>
+                    <a:pt x="1350482" y="8854"/>
+                  </a:lnTo>
+                  <a:lnTo>
+                    <a:pt x="1125402" y="18874"/>
+                  </a:lnTo>
+                  <a:lnTo>
+                    <a:pt x="900321" y="27993"/>
+                  </a:lnTo>
+                  <a:lnTo>
+                    <a:pt x="675241" y="35442"/>
+                  </a:lnTo>
+                  <a:lnTo>
+                    <a:pt x="450160" y="40905"/>
+                  </a:lnTo>
+                  <a:lnTo>
+                    <a:pt x="225080" y="44238"/>
+                  </a:lnTo>
+                  <a:lnTo>
+                    <a:pt x="0" y="45373"/>
+                  </a:lnTo>
+                  <a:lnTo>
+                    <a:pt x="0" y="45373"/>
                   </a:lnTo>
                 </a:path>
               </a:pathLst>
@@ -3766,174 +3766,174 @@
           </p:nvSpPr>
           <p:spPr>
             <a:xfrm>
-              <a:off x="4822518" y="2417475"/>
-              <a:ext cx="5852092" cy="1187743"/>
+              <a:off x="4822518" y="2344232"/>
+              <a:ext cx="5852092" cy="1299398"/>
             </a:xfrm>
             <a:custGeom>
               <a:avLst/>
               <a:pathLst>
-                <a:path w="5852092" h="1187743">
+                <a:path w="5852092" h="1299398">
                   <a:moveTo>
                     <a:pt x="0" y="0"/>
                   </a:moveTo>
                   <a:lnTo>
-                    <a:pt x="225080" y="5252"/>
-                  </a:lnTo>
-                  <a:lnTo>
-                    <a:pt x="450160" y="20786"/>
-                  </a:lnTo>
-                  <a:lnTo>
-                    <a:pt x="675241" y="46667"/>
-                  </a:lnTo>
-                  <a:lnTo>
-                    <a:pt x="900321" y="82982"/>
-                  </a:lnTo>
-                  <a:lnTo>
-                    <a:pt x="1125402" y="129770"/>
-                  </a:lnTo>
-                  <a:lnTo>
-                    <a:pt x="1350482" y="186790"/>
-                  </a:lnTo>
-                  <a:lnTo>
-                    <a:pt x="1575563" y="252559"/>
-                  </a:lnTo>
-                  <a:lnTo>
-                    <a:pt x="1800643" y="320600"/>
-                  </a:lnTo>
-                  <a:lnTo>
-                    <a:pt x="2025724" y="378681"/>
-                  </a:lnTo>
-                  <a:lnTo>
-                    <a:pt x="2250804" y="431306"/>
-                  </a:lnTo>
-                  <a:lnTo>
-                    <a:pt x="2475885" y="483989"/>
-                  </a:lnTo>
-                  <a:lnTo>
-                    <a:pt x="2700965" y="538013"/>
-                  </a:lnTo>
-                  <a:lnTo>
-                    <a:pt x="2926046" y="593399"/>
-                  </a:lnTo>
-                  <a:lnTo>
-                    <a:pt x="3151126" y="649467"/>
-                  </a:lnTo>
-                  <a:lnTo>
-                    <a:pt x="3376207" y="704725"/>
-                  </a:lnTo>
-                  <a:lnTo>
-                    <a:pt x="3601287" y="756630"/>
-                  </a:lnTo>
-                  <a:lnTo>
-                    <a:pt x="3826368" y="800165"/>
-                  </a:lnTo>
-                  <a:lnTo>
-                    <a:pt x="4051448" y="834513"/>
-                  </a:lnTo>
-                  <a:lnTo>
-                    <a:pt x="4276529" y="861777"/>
-                  </a:lnTo>
-                  <a:lnTo>
-                    <a:pt x="4501609" y="883186"/>
-                  </a:lnTo>
-                  <a:lnTo>
-                    <a:pt x="4726690" y="899408"/>
-                  </a:lnTo>
-                  <a:lnTo>
-                    <a:pt x="4951770" y="910801"/>
-                  </a:lnTo>
-                  <a:lnTo>
-                    <a:pt x="5176851" y="917554"/>
-                  </a:lnTo>
-                  <a:lnTo>
-                    <a:pt x="5401931" y="919760"/>
-                  </a:lnTo>
-                  <a:lnTo>
-                    <a:pt x="5627012" y="919760"/>
-                  </a:lnTo>
-                  <a:lnTo>
-                    <a:pt x="5852092" y="919760"/>
-                  </a:lnTo>
-                  <a:lnTo>
-                    <a:pt x="5852092" y="1187743"/>
-                  </a:lnTo>
-                  <a:lnTo>
-                    <a:pt x="5627012" y="1187743"/>
-                  </a:lnTo>
-                  <a:lnTo>
-                    <a:pt x="5401931" y="1187743"/>
-                  </a:lnTo>
-                  <a:lnTo>
-                    <a:pt x="5176851" y="1182987"/>
-                  </a:lnTo>
-                  <a:lnTo>
-                    <a:pt x="4951770" y="1168557"/>
-                  </a:lnTo>
-                  <a:lnTo>
-                    <a:pt x="4726690" y="1144659"/>
-                  </a:lnTo>
-                  <a:lnTo>
-                    <a:pt x="4501609" y="1111677"/>
-                  </a:lnTo>
-                  <a:lnTo>
-                    <a:pt x="4276529" y="1070233"/>
-                  </a:lnTo>
-                  <a:lnTo>
-                    <a:pt x="4051448" y="1021326"/>
-                  </a:lnTo>
-                  <a:lnTo>
-                    <a:pt x="3826368" y="966579"/>
-                  </a:lnTo>
-                  <a:lnTo>
-                    <a:pt x="3601287" y="908542"/>
-                  </a:lnTo>
-                  <a:lnTo>
-                    <a:pt x="3376207" y="850916"/>
-                  </a:lnTo>
-                  <a:lnTo>
-                    <a:pt x="3151126" y="793109"/>
-                  </a:lnTo>
-                  <a:lnTo>
-                    <a:pt x="2926046" y="732643"/>
-                  </a:lnTo>
-                  <a:lnTo>
-                    <a:pt x="2700965" y="668136"/>
-                  </a:lnTo>
-                  <a:lnTo>
-                    <a:pt x="2475885" y="599052"/>
-                  </a:lnTo>
-                  <a:lnTo>
-                    <a:pt x="2250804" y="525587"/>
-                  </a:lnTo>
-                  <a:lnTo>
-                    <a:pt x="2025724" y="449230"/>
-                  </a:lnTo>
-                  <a:lnTo>
-                    <a:pt x="1800643" y="375721"/>
-                  </a:lnTo>
-                  <a:lnTo>
-                    <a:pt x="1575563" y="319937"/>
-                  </a:lnTo>
-                  <a:lnTo>
-                    <a:pt x="1350482" y="279853"/>
-                  </a:lnTo>
-                  <a:lnTo>
-                    <a:pt x="1125402" y="248325"/>
-                  </a:lnTo>
-                  <a:lnTo>
-                    <a:pt x="900321" y="223329"/>
-                  </a:lnTo>
-                  <a:lnTo>
-                    <a:pt x="675241" y="204199"/>
-                  </a:lnTo>
-                  <a:lnTo>
-                    <a:pt x="450160" y="190649"/>
-                  </a:lnTo>
-                  <a:lnTo>
-                    <a:pt x="225080" y="182540"/>
-                  </a:lnTo>
-                  <a:lnTo>
-                    <a:pt x="0" y="179801"/>
+                    <a:pt x="225080" y="6045"/>
+                  </a:lnTo>
+                  <a:lnTo>
+                    <a:pt x="450160" y="23924"/>
+                  </a:lnTo>
+                  <a:lnTo>
+                    <a:pt x="675241" y="53707"/>
+                  </a:lnTo>
+                  <a:lnTo>
+                    <a:pt x="900321" y="95478"/>
+                  </a:lnTo>
+                  <a:lnTo>
+                    <a:pt x="1125402" y="149229"/>
+                  </a:lnTo>
+                  <a:lnTo>
+                    <a:pt x="1350482" y="214558"/>
+                  </a:lnTo>
+                  <a:lnTo>
+                    <a:pt x="1575563" y="289536"/>
+                  </a:lnTo>
+                  <a:lnTo>
+                    <a:pt x="1800643" y="366554"/>
+                  </a:lnTo>
+                  <a:lnTo>
+                    <a:pt x="2025724" y="427854"/>
+                  </a:lnTo>
+                  <a:lnTo>
+                    <a:pt x="2250804" y="478483"/>
+                  </a:lnTo>
+                  <a:lnTo>
+                    <a:pt x="2475885" y="529675"/>
+                  </a:lnTo>
+                  <a:lnTo>
+                    <a:pt x="2700965" y="585368"/>
+                  </a:lnTo>
+                  <a:lnTo>
+                    <a:pt x="2926046" y="646760"/>
+                  </a:lnTo>
+                  <a:lnTo>
+                    <a:pt x="3151126" y="713749"/>
+                  </a:lnTo>
+                  <a:lnTo>
+                    <a:pt x="3376207" y="784203"/>
+                  </a:lnTo>
+                  <a:lnTo>
+                    <a:pt x="3601287" y="849500"/>
+                  </a:lnTo>
+                  <a:lnTo>
+                    <a:pt x="3826368" y="891039"/>
+                  </a:lnTo>
+                  <a:lnTo>
+                    <a:pt x="4051448" y="913918"/>
+                  </a:lnTo>
+                  <a:lnTo>
+                    <a:pt x="4276529" y="928880"/>
+                  </a:lnTo>
+                  <a:lnTo>
+                    <a:pt x="4501609" y="939649"/>
+                  </a:lnTo>
+                  <a:lnTo>
+                    <a:pt x="4726690" y="947481"/>
+                  </a:lnTo>
+                  <a:lnTo>
+                    <a:pt x="4951770" y="952870"/>
+                  </a:lnTo>
+                  <a:lnTo>
+                    <a:pt x="5176851" y="956031"/>
+                  </a:lnTo>
+                  <a:lnTo>
+                    <a:pt x="5401931" y="957059"/>
+                  </a:lnTo>
+                  <a:lnTo>
+                    <a:pt x="5627012" y="957059"/>
+                  </a:lnTo>
+                  <a:lnTo>
+                    <a:pt x="5852092" y="957059"/>
+                  </a:lnTo>
+                  <a:lnTo>
+                    <a:pt x="5852092" y="1299398"/>
+                  </a:lnTo>
+                  <a:lnTo>
+                    <a:pt x="5627012" y="1299398"/>
+                  </a:lnTo>
+                  <a:lnTo>
+                    <a:pt x="5401931" y="1299398"/>
+                  </a:lnTo>
+                  <a:lnTo>
+                    <a:pt x="5176851" y="1293354"/>
+                  </a:lnTo>
+                  <a:lnTo>
+                    <a:pt x="4951770" y="1275005"/>
+                  </a:lnTo>
+                  <a:lnTo>
+                    <a:pt x="4726690" y="1244603"/>
+                  </a:lnTo>
+                  <a:lnTo>
+                    <a:pt x="4501609" y="1202622"/>
+                  </a:lnTo>
+                  <a:lnTo>
+                    <a:pt x="4276529" y="1149911"/>
+                  </a:lnTo>
+                  <a:lnTo>
+                    <a:pt x="4051448" y="1088161"/>
+                  </a:lnTo>
+                  <a:lnTo>
+                    <a:pt x="3826368" y="1021614"/>
+                  </a:lnTo>
+                  <a:lnTo>
+                    <a:pt x="3601287" y="961586"/>
+                  </a:lnTo>
+                  <a:lnTo>
+                    <a:pt x="3376207" y="917733"/>
+                  </a:lnTo>
+                  <a:lnTo>
+                    <a:pt x="3151126" y="875618"/>
+                  </a:lnTo>
+                  <a:lnTo>
+                    <a:pt x="2926046" y="826472"/>
+                  </a:lnTo>
+                  <a:lnTo>
+                    <a:pt x="2700965" y="768165"/>
+                  </a:lnTo>
+                  <a:lnTo>
+                    <a:pt x="2475885" y="700724"/>
+                  </a:lnTo>
+                  <a:lnTo>
+                    <a:pt x="2250804" y="625591"/>
+                  </a:lnTo>
+                  <a:lnTo>
+                    <a:pt x="2025724" y="547046"/>
+                  </a:lnTo>
+                  <a:lnTo>
+                    <a:pt x="1800643" y="476749"/>
+                  </a:lnTo>
+                  <a:lnTo>
+                    <a:pt x="1575563" y="430278"/>
+                  </a:lnTo>
+                  <a:lnTo>
+                    <a:pt x="1350482" y="399971"/>
+                  </a:lnTo>
+                  <a:lnTo>
+                    <a:pt x="1125402" y="377420"/>
+                  </a:lnTo>
+                  <a:lnTo>
+                    <a:pt x="900321" y="360057"/>
+                  </a:lnTo>
+                  <a:lnTo>
+                    <a:pt x="675241" y="346974"/>
+                  </a:lnTo>
+                  <a:lnTo>
+                    <a:pt x="450160" y="337787"/>
+                  </a:lnTo>
+                  <a:lnTo>
+                    <a:pt x="225080" y="332313"/>
+                  </a:lnTo>
+                  <a:lnTo>
+                    <a:pt x="0" y="330468"/>
                   </a:lnTo>
                   <a:close/>
                 </a:path>
@@ -3959,96 +3959,96 @@
           </p:nvSpPr>
           <p:spPr>
             <a:xfrm>
-              <a:off x="4822518" y="2417475"/>
-              <a:ext cx="5852092" cy="919760"/>
+              <a:off x="4822518" y="2344232"/>
+              <a:ext cx="5852092" cy="957059"/>
             </a:xfrm>
             <a:custGeom>
               <a:avLst/>
               <a:pathLst>
-                <a:path w="5852092" h="919760">
+                <a:path w="5852092" h="957059">
                   <a:moveTo>
                     <a:pt x="0" y="0"/>
                   </a:moveTo>
                   <a:lnTo>
-                    <a:pt x="225080" y="5252"/>
-                  </a:lnTo>
-                  <a:lnTo>
-                    <a:pt x="450160" y="20786"/>
-                  </a:lnTo>
-                  <a:lnTo>
-                    <a:pt x="675241" y="46667"/>
-                  </a:lnTo>
-                  <a:lnTo>
-                    <a:pt x="900321" y="82982"/>
-                  </a:lnTo>
-                  <a:lnTo>
-                    <a:pt x="1125402" y="129770"/>
-                  </a:lnTo>
-                  <a:lnTo>
-                    <a:pt x="1350482" y="186790"/>
-                  </a:lnTo>
-                  <a:lnTo>
-                    <a:pt x="1575563" y="252559"/>
-                  </a:lnTo>
-                  <a:lnTo>
-                    <a:pt x="1800643" y="320600"/>
-                  </a:lnTo>
-                  <a:lnTo>
-                    <a:pt x="2025724" y="378681"/>
-                  </a:lnTo>
-                  <a:lnTo>
-                    <a:pt x="2250804" y="431306"/>
-                  </a:lnTo>
-                  <a:lnTo>
-                    <a:pt x="2475885" y="483989"/>
-                  </a:lnTo>
-                  <a:lnTo>
-                    <a:pt x="2700965" y="538013"/>
-                  </a:lnTo>
-                  <a:lnTo>
-                    <a:pt x="2926046" y="593399"/>
-                  </a:lnTo>
-                  <a:lnTo>
-                    <a:pt x="3151126" y="649467"/>
-                  </a:lnTo>
-                  <a:lnTo>
-                    <a:pt x="3376207" y="704725"/>
-                  </a:lnTo>
-                  <a:lnTo>
-                    <a:pt x="3601287" y="756630"/>
-                  </a:lnTo>
-                  <a:lnTo>
-                    <a:pt x="3826368" y="800165"/>
-                  </a:lnTo>
-                  <a:lnTo>
-                    <a:pt x="4051448" y="834513"/>
-                  </a:lnTo>
-                  <a:lnTo>
-                    <a:pt x="4276529" y="861777"/>
-                  </a:lnTo>
-                  <a:lnTo>
-                    <a:pt x="4501609" y="883186"/>
-                  </a:lnTo>
-                  <a:lnTo>
-                    <a:pt x="4726690" y="899408"/>
-                  </a:lnTo>
-                  <a:lnTo>
-                    <a:pt x="4951770" y="910801"/>
-                  </a:lnTo>
-                  <a:lnTo>
-                    <a:pt x="5176851" y="917554"/>
-                  </a:lnTo>
-                  <a:lnTo>
-                    <a:pt x="5401931" y="919760"/>
-                  </a:lnTo>
-                  <a:lnTo>
-                    <a:pt x="5627012" y="919760"/>
-                  </a:lnTo>
-                  <a:lnTo>
-                    <a:pt x="5852092" y="919760"/>
-                  </a:lnTo>
-                  <a:lnTo>
-                    <a:pt x="5852092" y="919760"/>
+                    <a:pt x="225080" y="6045"/>
+                  </a:lnTo>
+                  <a:lnTo>
+                    <a:pt x="450160" y="23924"/>
+                  </a:lnTo>
+                  <a:lnTo>
+                    <a:pt x="675241" y="53707"/>
+                  </a:lnTo>
+                  <a:lnTo>
+                    <a:pt x="900321" y="95478"/>
+                  </a:lnTo>
+                  <a:lnTo>
+                    <a:pt x="1125402" y="149229"/>
+                  </a:lnTo>
+                  <a:lnTo>
+                    <a:pt x="1350482" y="214558"/>
+                  </a:lnTo>
+                  <a:lnTo>
+                    <a:pt x="1575563" y="289536"/>
+                  </a:lnTo>
+                  <a:lnTo>
+                    <a:pt x="1800643" y="366554"/>
+                  </a:lnTo>
+                  <a:lnTo>
+                    <a:pt x="2025724" y="427854"/>
+                  </a:lnTo>
+                  <a:lnTo>
+                    <a:pt x="2250804" y="478483"/>
+                  </a:lnTo>
+                  <a:lnTo>
+                    <a:pt x="2475885" y="529675"/>
+                  </a:lnTo>
+                  <a:lnTo>
+                    <a:pt x="2700965" y="585368"/>
+                  </a:lnTo>
+                  <a:lnTo>
+                    <a:pt x="2926046" y="646760"/>
+                  </a:lnTo>
+                  <a:lnTo>
+                    <a:pt x="3151126" y="713749"/>
+                  </a:lnTo>
+                  <a:lnTo>
+                    <a:pt x="3376207" y="784203"/>
+                  </a:lnTo>
+                  <a:lnTo>
+                    <a:pt x="3601287" y="849500"/>
+                  </a:lnTo>
+                  <a:lnTo>
+                    <a:pt x="3826368" y="891039"/>
+                  </a:lnTo>
+                  <a:lnTo>
+                    <a:pt x="4051448" y="913918"/>
+                  </a:lnTo>
+                  <a:lnTo>
+                    <a:pt x="4276529" y="928880"/>
+                  </a:lnTo>
+                  <a:lnTo>
+                    <a:pt x="4501609" y="939649"/>
+                  </a:lnTo>
+                  <a:lnTo>
+                    <a:pt x="4726690" y="947481"/>
+                  </a:lnTo>
+                  <a:lnTo>
+                    <a:pt x="4951770" y="952870"/>
+                  </a:lnTo>
+                  <a:lnTo>
+                    <a:pt x="5176851" y="956031"/>
+                  </a:lnTo>
+                  <a:lnTo>
+                    <a:pt x="5401931" y="957059"/>
+                  </a:lnTo>
+                  <a:lnTo>
+                    <a:pt x="5627012" y="957059"/>
+                  </a:lnTo>
+                  <a:lnTo>
+                    <a:pt x="5852092" y="957059"/>
+                  </a:lnTo>
+                  <a:lnTo>
+                    <a:pt x="5852092" y="957059"/>
                   </a:lnTo>
                 </a:path>
               </a:pathLst>
@@ -4068,90 +4068,90 @@
           </p:nvSpPr>
           <p:spPr>
             <a:xfrm>
-              <a:off x="4822518" y="2597276"/>
-              <a:ext cx="5852092" cy="1007942"/>
+              <a:off x="4822518" y="2674701"/>
+              <a:ext cx="5852092" cy="968929"/>
             </a:xfrm>
             <a:custGeom>
               <a:avLst/>
               <a:pathLst>
-                <a:path w="5852092" h="1007942">
+                <a:path w="5852092" h="968929">
                   <a:moveTo>
-                    <a:pt x="5852092" y="1007942"/>
+                    <a:pt x="5852092" y="968929"/>
                   </a:moveTo>
                   <a:lnTo>
-                    <a:pt x="5627012" y="1007942"/>
-                  </a:lnTo>
-                  <a:lnTo>
-                    <a:pt x="5401931" y="1007942"/>
-                  </a:lnTo>
-                  <a:lnTo>
-                    <a:pt x="5176851" y="1003186"/>
-                  </a:lnTo>
-                  <a:lnTo>
-                    <a:pt x="4951770" y="988756"/>
-                  </a:lnTo>
-                  <a:lnTo>
-                    <a:pt x="4726690" y="964858"/>
-                  </a:lnTo>
-                  <a:lnTo>
-                    <a:pt x="4501609" y="931876"/>
-                  </a:lnTo>
-                  <a:lnTo>
-                    <a:pt x="4276529" y="890432"/>
-                  </a:lnTo>
-                  <a:lnTo>
-                    <a:pt x="4051448" y="841525"/>
-                  </a:lnTo>
-                  <a:lnTo>
-                    <a:pt x="3826368" y="786778"/>
-                  </a:lnTo>
-                  <a:lnTo>
-                    <a:pt x="3601287" y="728741"/>
-                  </a:lnTo>
-                  <a:lnTo>
-                    <a:pt x="3376207" y="671115"/>
-                  </a:lnTo>
-                  <a:lnTo>
-                    <a:pt x="3151126" y="613308"/>
-                  </a:lnTo>
-                  <a:lnTo>
-                    <a:pt x="2926046" y="552842"/>
-                  </a:lnTo>
-                  <a:lnTo>
-                    <a:pt x="2700965" y="488335"/>
-                  </a:lnTo>
-                  <a:lnTo>
-                    <a:pt x="2475885" y="419250"/>
-                  </a:lnTo>
-                  <a:lnTo>
-                    <a:pt x="2250804" y="345786"/>
-                  </a:lnTo>
-                  <a:lnTo>
-                    <a:pt x="2025724" y="269429"/>
-                  </a:lnTo>
-                  <a:lnTo>
-                    <a:pt x="1800643" y="195920"/>
-                  </a:lnTo>
-                  <a:lnTo>
-                    <a:pt x="1575563" y="140136"/>
-                  </a:lnTo>
-                  <a:lnTo>
-                    <a:pt x="1350482" y="100052"/>
-                  </a:lnTo>
-                  <a:lnTo>
-                    <a:pt x="1125402" y="68524"/>
-                  </a:lnTo>
-                  <a:lnTo>
-                    <a:pt x="900321" y="43528"/>
-                  </a:lnTo>
-                  <a:lnTo>
-                    <a:pt x="675241" y="24398"/>
-                  </a:lnTo>
-                  <a:lnTo>
-                    <a:pt x="450160" y="10848"/>
-                  </a:lnTo>
-                  <a:lnTo>
-                    <a:pt x="225080" y="2739"/>
+                    <a:pt x="5627012" y="968929"/>
+                  </a:lnTo>
+                  <a:lnTo>
+                    <a:pt x="5401931" y="968929"/>
+                  </a:lnTo>
+                  <a:lnTo>
+                    <a:pt x="5176851" y="962885"/>
+                  </a:lnTo>
+                  <a:lnTo>
+                    <a:pt x="4951770" y="944536"/>
+                  </a:lnTo>
+                  <a:lnTo>
+                    <a:pt x="4726690" y="914134"/>
+                  </a:lnTo>
+                  <a:lnTo>
+                    <a:pt x="4501609" y="872154"/>
+                  </a:lnTo>
+                  <a:lnTo>
+                    <a:pt x="4276529" y="819442"/>
+                  </a:lnTo>
+                  <a:lnTo>
+                    <a:pt x="4051448" y="757692"/>
+                  </a:lnTo>
+                  <a:lnTo>
+                    <a:pt x="3826368" y="691145"/>
+                  </a:lnTo>
+                  <a:lnTo>
+                    <a:pt x="3601287" y="631118"/>
+                  </a:lnTo>
+                  <a:lnTo>
+                    <a:pt x="3376207" y="587264"/>
+                  </a:lnTo>
+                  <a:lnTo>
+                    <a:pt x="3151126" y="545149"/>
+                  </a:lnTo>
+                  <a:lnTo>
+                    <a:pt x="2926046" y="496003"/>
+                  </a:lnTo>
+                  <a:lnTo>
+                    <a:pt x="2700965" y="437696"/>
+                  </a:lnTo>
+                  <a:lnTo>
+                    <a:pt x="2475885" y="370255"/>
+                  </a:lnTo>
+                  <a:lnTo>
+                    <a:pt x="2250804" y="295122"/>
+                  </a:lnTo>
+                  <a:lnTo>
+                    <a:pt x="2025724" y="216577"/>
+                  </a:lnTo>
+                  <a:lnTo>
+                    <a:pt x="1800643" y="146280"/>
+                  </a:lnTo>
+                  <a:lnTo>
+                    <a:pt x="1575563" y="99809"/>
+                  </a:lnTo>
+                  <a:lnTo>
+                    <a:pt x="1350482" y="69502"/>
+                  </a:lnTo>
+                  <a:lnTo>
+                    <a:pt x="1125402" y="46951"/>
+                  </a:lnTo>
+                  <a:lnTo>
+                    <a:pt x="900321" y="29588"/>
+                  </a:lnTo>
+                  <a:lnTo>
+                    <a:pt x="675241" y="16505"/>
+                  </a:lnTo>
+                  <a:lnTo>
+                    <a:pt x="450160" y="7318"/>
+                  </a:lnTo>
+                  <a:lnTo>
+                    <a:pt x="225080" y="1844"/>
                   </a:lnTo>
                   <a:lnTo>
                     <a:pt x="0" y="0"/>
@@ -5517,7 +5517,7 @@
           </p:nvSpPr>
           <p:spPr>
             <a:xfrm>
-              <a:off x="4788644" y="7902299"/>
+              <a:off x="4788644" y="7821054"/>
               <a:ext cx="5885966" cy="0"/>
             </a:xfrm>
             <a:custGeom>
@@ -5560,7 +5560,7 @@
           </p:nvSpPr>
           <p:spPr>
             <a:xfrm>
-              <a:off x="4788644" y="7222762"/>
+              <a:off x="4788644" y="7060272"/>
               <a:ext cx="5885966" cy="0"/>
             </a:xfrm>
             <a:custGeom>
@@ -5603,7 +5603,7 @@
           </p:nvSpPr>
           <p:spPr>
             <a:xfrm>
-              <a:off x="4788644" y="6543225"/>
+              <a:off x="4788644" y="6299490"/>
               <a:ext cx="5885966" cy="0"/>
             </a:xfrm>
             <a:custGeom>
@@ -5640,223 +5640,180 @@
         </p:sp>
         <p:sp>
           <p:nvSpPr>
-            <p:cNvPr id="48" name="pl48"/>
+            <p:cNvPr id="48" name="pg48"/>
             <p:cNvSpPr/>
             <p:nvPr/>
           </p:nvSpPr>
           <p:spPr>
             <a:xfrm>
-              <a:off x="4788644" y="5863688"/>
-              <a:ext cx="5885966" cy="0"/>
+              <a:off x="4788644" y="5658290"/>
+              <a:ext cx="5885966" cy="2788503"/>
             </a:xfrm>
             <a:custGeom>
               <a:avLst/>
               <a:pathLst>
-                <a:path w="5885966" h="0">
+                <a:path w="5885966" h="2788503">
                   <a:moveTo>
                     <a:pt x="0" y="0"/>
                   </a:moveTo>
                   <a:lnTo>
-                    <a:pt x="5885966" y="0"/>
-                  </a:lnTo>
-                  <a:lnTo>
-                    <a:pt x="5885966" y="0"/>
-                  </a:lnTo>
-                </a:path>
-              </a:pathLst>
-            </a:custGeom>
-            <a:ln w="13550" cap="flat">
-              <a:solidFill>
-                <a:srgbClr val="D8D8D8">
-                  <a:alpha val="100000"/>
-                </a:srgbClr>
-              </a:solidFill>
-              <a:prstDash val="solid"/>
-              <a:round/>
-            </a:ln>
-          </p:spPr>
-          <p:txBody>
-            <a:bodyPr/>
-            <a:lstStyle/>
-            <a:p/>
-          </p:txBody>
-        </p:sp>
-        <p:sp>
-          <p:nvSpPr>
-            <p:cNvPr id="49" name="pg49"/>
-            <p:cNvSpPr/>
-            <p:nvPr/>
-          </p:nvSpPr>
-          <p:spPr>
-            <a:xfrm>
-              <a:off x="4788644" y="5658289"/>
-              <a:ext cx="5885966" cy="2758497"/>
-            </a:xfrm>
-            <a:custGeom>
-              <a:avLst/>
-              <a:pathLst>
-                <a:path w="5885966" h="2758497">
-                  <a:moveTo>
-                    <a:pt x="0" y="0"/>
-                  </a:moveTo>
-                  <a:lnTo>
-                    <a:pt x="226383" y="26534"/>
-                  </a:lnTo>
-                  <a:lnTo>
-                    <a:pt x="452766" y="104095"/>
-                  </a:lnTo>
-                  <a:lnTo>
-                    <a:pt x="679149" y="230285"/>
-                  </a:lnTo>
-                  <a:lnTo>
-                    <a:pt x="905533" y="400946"/>
-                  </a:lnTo>
-                  <a:lnTo>
-                    <a:pt x="1131916" y="609571"/>
-                  </a:lnTo>
-                  <a:lnTo>
-                    <a:pt x="1358299" y="845077"/>
-                  </a:lnTo>
-                  <a:lnTo>
-                    <a:pt x="1584683" y="1083232"/>
-                  </a:lnTo>
-                  <a:lnTo>
-                    <a:pt x="1811066" y="1269269"/>
-                  </a:lnTo>
-                  <a:lnTo>
-                    <a:pt x="2037449" y="1370913"/>
-                  </a:lnTo>
-                  <a:lnTo>
-                    <a:pt x="2263833" y="1441710"/>
-                  </a:lnTo>
-                  <a:lnTo>
-                    <a:pt x="2490216" y="1508941"/>
-                  </a:lnTo>
-                  <a:lnTo>
-                    <a:pt x="2716599" y="1578481"/>
-                  </a:lnTo>
-                  <a:lnTo>
-                    <a:pt x="2942983" y="1649760"/>
-                  </a:lnTo>
-                  <a:lnTo>
-                    <a:pt x="3169366" y="1718151"/>
-                  </a:lnTo>
-                  <a:lnTo>
-                    <a:pt x="3395749" y="1773470"/>
-                  </a:lnTo>
-                  <a:lnTo>
-                    <a:pt x="3622132" y="1796572"/>
-                  </a:lnTo>
-                  <a:lnTo>
-                    <a:pt x="3848516" y="1773462"/>
-                  </a:lnTo>
-                  <a:lnTo>
-                    <a:pt x="4074899" y="1723879"/>
-                  </a:lnTo>
-                  <a:lnTo>
-                    <a:pt x="4301282" y="1666389"/>
-                  </a:lnTo>
-                  <a:lnTo>
-                    <a:pt x="4527666" y="1611644"/>
-                  </a:lnTo>
-                  <a:lnTo>
-                    <a:pt x="4754049" y="1565354"/>
-                  </a:lnTo>
-                  <a:lnTo>
-                    <a:pt x="4980432" y="1530661"/>
-                  </a:lnTo>
-                  <a:lnTo>
-                    <a:pt x="5206816" y="1509319"/>
-                  </a:lnTo>
-                  <a:lnTo>
-                    <a:pt x="5433199" y="1502228"/>
-                  </a:lnTo>
-                  <a:lnTo>
-                    <a:pt x="5659582" y="1502228"/>
-                  </a:lnTo>
-                  <a:lnTo>
-                    <a:pt x="5885966" y="1502228"/>
-                  </a:lnTo>
-                  <a:lnTo>
-                    <a:pt x="5885966" y="2758497"/>
-                  </a:lnTo>
-                  <a:lnTo>
-                    <a:pt x="5659582" y="2758497"/>
-                  </a:lnTo>
-                  <a:lnTo>
-                    <a:pt x="5433199" y="2758497"/>
-                  </a:lnTo>
-                  <a:lnTo>
-                    <a:pt x="5206816" y="2752625"/>
-                  </a:lnTo>
-                  <a:lnTo>
-                    <a:pt x="4980432" y="2734822"/>
-                  </a:lnTo>
-                  <a:lnTo>
-                    <a:pt x="4754049" y="2705451"/>
-                  </a:lnTo>
-                  <a:lnTo>
-                    <a:pt x="4527666" y="2665363"/>
-                  </a:lnTo>
-                  <a:lnTo>
-                    <a:pt x="4301282" y="2616437"/>
-                  </a:lnTo>
-                  <a:lnTo>
-                    <a:pt x="4074899" y="2562753"/>
-                  </a:lnTo>
-                  <a:lnTo>
-                    <a:pt x="3848516" y="2512966"/>
-                  </a:lnTo>
-                  <a:lnTo>
-                    <a:pt x="3622132" y="2483271"/>
-                  </a:lnTo>
-                  <a:lnTo>
-                    <a:pt x="3395749" y="2475634"/>
-                  </a:lnTo>
-                  <a:lnTo>
-                    <a:pt x="3169366" y="2461587"/>
-                  </a:lnTo>
-                  <a:lnTo>
-                    <a:pt x="2942983" y="2424181"/>
-                  </a:lnTo>
-                  <a:lnTo>
-                    <a:pt x="2716599" y="2353768"/>
-                  </a:lnTo>
-                  <a:lnTo>
-                    <a:pt x="2490216" y="2244573"/>
-                  </a:lnTo>
-                  <a:lnTo>
-                    <a:pt x="2263833" y="2093072"/>
-                  </a:lnTo>
-                  <a:lnTo>
-                    <a:pt x="2037449" y="1900160"/>
-                  </a:lnTo>
-                  <a:lnTo>
-                    <a:pt x="1811066" y="1685779"/>
-                  </a:lnTo>
-                  <a:lnTo>
-                    <a:pt x="1584683" y="1537221"/>
-                  </a:lnTo>
-                  <a:lnTo>
-                    <a:pt x="1358299" y="1468642"/>
-                  </a:lnTo>
-                  <a:lnTo>
-                    <a:pt x="1131916" y="1431738"/>
-                  </a:lnTo>
-                  <a:lnTo>
-                    <a:pt x="905533" y="1408239"/>
-                  </a:lnTo>
-                  <a:lnTo>
-                    <a:pt x="679149" y="1392311"/>
-                  </a:lnTo>
-                  <a:lnTo>
-                    <a:pt x="452766" y="1381769"/>
-                  </a:lnTo>
-                  <a:lnTo>
-                    <a:pt x="226383" y="1375689"/>
-                  </a:lnTo>
-                  <a:lnTo>
-                    <a:pt x="0" y="1373668"/>
+                    <a:pt x="226383" y="27991"/>
+                  </a:lnTo>
+                  <a:lnTo>
+                    <a:pt x="452766" y="109759"/>
+                  </a:lnTo>
+                  <a:lnTo>
+                    <a:pt x="679149" y="242645"/>
+                  </a:lnTo>
+                  <a:lnTo>
+                    <a:pt x="905533" y="422173"/>
+                  </a:lnTo>
+                  <a:lnTo>
+                    <a:pt x="1131916" y="641760"/>
+                  </a:lnTo>
+                  <a:lnTo>
+                    <a:pt x="1358299" y="891539"/>
+                  </a:lnTo>
+                  <a:lnTo>
+                    <a:pt x="1584683" y="1153669"/>
+                  </a:lnTo>
+                  <a:lnTo>
+                    <a:pt x="1811066" y="1385629"/>
+                  </a:lnTo>
+                  <a:lnTo>
+                    <a:pt x="2037449" y="1516954"/>
+                  </a:lnTo>
+                  <a:lnTo>
+                    <a:pt x="2263833" y="1588619"/>
+                  </a:lnTo>
+                  <a:lnTo>
+                    <a:pt x="2490216" y="1651971"/>
+                  </a:lnTo>
+                  <a:lnTo>
+                    <a:pt x="2716599" y="1722713"/>
+                  </a:lnTo>
+                  <a:lnTo>
+                    <a:pt x="2942983" y="1804176"/>
+                  </a:lnTo>
+                  <a:lnTo>
+                    <a:pt x="3169366" y="1893937"/>
+                  </a:lnTo>
+                  <a:lnTo>
+                    <a:pt x="3395749" y="1981419"/>
+                  </a:lnTo>
+                  <a:lnTo>
+                    <a:pt x="3622132" y="2032399"/>
+                  </a:lnTo>
+                  <a:lnTo>
+                    <a:pt x="3848516" y="2000422"/>
+                  </a:lnTo>
+                  <a:lnTo>
+                    <a:pt x="4074899" y="1925206"/>
+                  </a:lnTo>
+                  <a:lnTo>
+                    <a:pt x="4301282" y="1844498"/>
+                  </a:lnTo>
+                  <a:lnTo>
+                    <a:pt x="4527666" y="1771793"/>
+                  </a:lnTo>
+                  <a:lnTo>
+                    <a:pt x="4754049" y="1712322"/>
+                  </a:lnTo>
+                  <a:lnTo>
+                    <a:pt x="4980432" y="1668600"/>
+                  </a:lnTo>
+                  <a:lnTo>
+                    <a:pt x="5206816" y="1641987"/>
+                  </a:lnTo>
+                  <a:lnTo>
+                    <a:pt x="5433199" y="1633186"/>
+                  </a:lnTo>
+                  <a:lnTo>
+                    <a:pt x="5659582" y="1633186"/>
+                  </a:lnTo>
+                  <a:lnTo>
+                    <a:pt x="5885966" y="1633186"/>
+                  </a:lnTo>
+                  <a:lnTo>
+                    <a:pt x="5885966" y="2788503"/>
+                  </a:lnTo>
+                  <a:lnTo>
+                    <a:pt x="5659582" y="2788503"/>
+                  </a:lnTo>
+                  <a:lnTo>
+                    <a:pt x="5433199" y="2788503"/>
+                  </a:lnTo>
+                  <a:lnTo>
+                    <a:pt x="5206816" y="2781480"/>
+                  </a:lnTo>
+                  <a:lnTo>
+                    <a:pt x="4980432" y="2760055"/>
+                  </a:lnTo>
+                  <a:lnTo>
+                    <a:pt x="4754049" y="2724222"/>
+                  </a:lnTo>
+                  <a:lnTo>
+                    <a:pt x="4527666" y="2674157"/>
+                  </a:lnTo>
+                  <a:lnTo>
+                    <a:pt x="4301282" y="2610713"/>
+                  </a:lnTo>
+                  <a:lnTo>
+                    <a:pt x="4074899" y="2536983"/>
+                  </a:lnTo>
+                  <a:lnTo>
+                    <a:pt x="3848516" y="2463840"/>
+                  </a:lnTo>
+                  <a:lnTo>
+                    <a:pt x="3622132" y="2425919"/>
+                  </a:lnTo>
+                  <a:lnTo>
+                    <a:pt x="3395749" y="2446374"/>
+                  </a:lnTo>
+                  <a:lnTo>
+                    <a:pt x="3169366" y="2467353"/>
+                  </a:lnTo>
+                  <a:lnTo>
+                    <a:pt x="2942983" y="2458268"/>
+                  </a:lnTo>
+                  <a:lnTo>
+                    <a:pt x="2716599" y="2409984"/>
+                  </a:lnTo>
+                  <a:lnTo>
+                    <a:pt x="2490216" y="2319308"/>
+                  </a:lnTo>
+                  <a:lnTo>
+                    <a:pt x="2263833" y="2186415"/>
+                  </a:lnTo>
+                  <a:lnTo>
+                    <a:pt x="2037449" y="2021173"/>
+                  </a:lnTo>
+                  <a:lnTo>
+                    <a:pt x="1811066" y="1865938"/>
+                  </a:lnTo>
+                  <a:lnTo>
+                    <a:pt x="1584683" y="1790145"/>
+                  </a:lnTo>
+                  <a:lnTo>
+                    <a:pt x="1358299" y="1766417"/>
+                  </a:lnTo>
+                  <a:lnTo>
+                    <a:pt x="1131916" y="1759525"/>
+                  </a:lnTo>
+                  <a:lnTo>
+                    <a:pt x="905533" y="1758435"/>
+                  </a:lnTo>
+                  <a:lnTo>
+                    <a:pt x="679149" y="1759320"/>
+                  </a:lnTo>
+                  <a:lnTo>
+                    <a:pt x="452766" y="1760616"/>
+                  </a:lnTo>
+                  <a:lnTo>
+                    <a:pt x="226383" y="1761607"/>
+                  </a:lnTo>
+                  <a:lnTo>
+                    <a:pt x="0" y="1761975"/>
                   </a:lnTo>
                   <a:close/>
                 </a:path>
@@ -5876,105 +5833,214 @@
         </p:sp>
         <p:sp>
           <p:nvSpPr>
+            <p:cNvPr id="49" name="pl49"/>
+            <p:cNvSpPr/>
+            <p:nvPr/>
+          </p:nvSpPr>
+          <p:spPr>
+            <a:xfrm>
+              <a:off x="4788644" y="5658290"/>
+              <a:ext cx="5885966" cy="2032399"/>
+            </a:xfrm>
+            <a:custGeom>
+              <a:avLst/>
+              <a:pathLst>
+                <a:path w="5885966" h="2032399">
+                  <a:moveTo>
+                    <a:pt x="0" y="0"/>
+                  </a:moveTo>
+                  <a:lnTo>
+                    <a:pt x="0" y="0"/>
+                  </a:lnTo>
+                  <a:lnTo>
+                    <a:pt x="226383" y="27991"/>
+                  </a:lnTo>
+                  <a:lnTo>
+                    <a:pt x="452766" y="109759"/>
+                  </a:lnTo>
+                  <a:lnTo>
+                    <a:pt x="679149" y="242645"/>
+                  </a:lnTo>
+                  <a:lnTo>
+                    <a:pt x="905533" y="422173"/>
+                  </a:lnTo>
+                  <a:lnTo>
+                    <a:pt x="1131916" y="641760"/>
+                  </a:lnTo>
+                  <a:lnTo>
+                    <a:pt x="1358299" y="891539"/>
+                  </a:lnTo>
+                  <a:lnTo>
+                    <a:pt x="1584683" y="1153669"/>
+                  </a:lnTo>
+                  <a:lnTo>
+                    <a:pt x="1811066" y="1385629"/>
+                  </a:lnTo>
+                  <a:lnTo>
+                    <a:pt x="2037449" y="1516954"/>
+                  </a:lnTo>
+                  <a:lnTo>
+                    <a:pt x="2263833" y="1588619"/>
+                  </a:lnTo>
+                  <a:lnTo>
+                    <a:pt x="2490216" y="1651971"/>
+                  </a:lnTo>
+                  <a:lnTo>
+                    <a:pt x="2716599" y="1722713"/>
+                  </a:lnTo>
+                  <a:lnTo>
+                    <a:pt x="2942983" y="1804176"/>
+                  </a:lnTo>
+                  <a:lnTo>
+                    <a:pt x="3169366" y="1893937"/>
+                  </a:lnTo>
+                  <a:lnTo>
+                    <a:pt x="3395749" y="1981419"/>
+                  </a:lnTo>
+                  <a:lnTo>
+                    <a:pt x="3622132" y="2032399"/>
+                  </a:lnTo>
+                  <a:lnTo>
+                    <a:pt x="3848516" y="2000422"/>
+                  </a:lnTo>
+                  <a:lnTo>
+                    <a:pt x="4074899" y="1925206"/>
+                  </a:lnTo>
+                  <a:lnTo>
+                    <a:pt x="4301282" y="1844498"/>
+                  </a:lnTo>
+                  <a:lnTo>
+                    <a:pt x="4527666" y="1771793"/>
+                  </a:lnTo>
+                  <a:lnTo>
+                    <a:pt x="4754049" y="1712322"/>
+                  </a:lnTo>
+                  <a:lnTo>
+                    <a:pt x="4980432" y="1668600"/>
+                  </a:lnTo>
+                  <a:lnTo>
+                    <a:pt x="5206816" y="1641987"/>
+                  </a:lnTo>
+                  <a:lnTo>
+                    <a:pt x="5433199" y="1633186"/>
+                  </a:lnTo>
+                  <a:lnTo>
+                    <a:pt x="5659582" y="1633186"/>
+                  </a:lnTo>
+                  <a:lnTo>
+                    <a:pt x="5885966" y="1633186"/>
+                  </a:lnTo>
+                  <a:lnTo>
+                    <a:pt x="5885966" y="1633186"/>
+                  </a:lnTo>
+                </a:path>
+              </a:pathLst>
+            </a:custGeom>
+          </p:spPr>
+          <p:txBody>
+            <a:bodyPr/>
+            <a:lstStyle/>
+            <a:p/>
+          </p:txBody>
+        </p:sp>
+        <p:sp>
+          <p:nvSpPr>
             <p:cNvPr id="50" name="pl50"/>
             <p:cNvSpPr/>
             <p:nvPr/>
           </p:nvSpPr>
           <p:spPr>
             <a:xfrm>
-              <a:off x="4788644" y="5658289"/>
-              <a:ext cx="5885966" cy="1796572"/>
+              <a:off x="4788644" y="7416725"/>
+              <a:ext cx="5885966" cy="1030068"/>
             </a:xfrm>
             <a:custGeom>
               <a:avLst/>
               <a:pathLst>
-                <a:path w="5885966" h="1796572">
+                <a:path w="5885966" h="1030068">
                   <a:moveTo>
-                    <a:pt x="0" y="0"/>
+                    <a:pt x="5885966" y="1030068"/>
                   </a:moveTo>
                   <a:lnTo>
-                    <a:pt x="0" y="0"/>
-                  </a:lnTo>
-                  <a:lnTo>
-                    <a:pt x="226383" y="26534"/>
-                  </a:lnTo>
-                  <a:lnTo>
-                    <a:pt x="452766" y="104095"/>
-                  </a:lnTo>
-                  <a:lnTo>
-                    <a:pt x="679149" y="230285"/>
-                  </a:lnTo>
-                  <a:lnTo>
-                    <a:pt x="905533" y="400946"/>
-                  </a:lnTo>
-                  <a:lnTo>
-                    <a:pt x="1131916" y="609571"/>
-                  </a:lnTo>
-                  <a:lnTo>
-                    <a:pt x="1358299" y="845077"/>
-                  </a:lnTo>
-                  <a:lnTo>
-                    <a:pt x="1584683" y="1083232"/>
-                  </a:lnTo>
-                  <a:lnTo>
-                    <a:pt x="1811066" y="1269269"/>
-                  </a:lnTo>
-                  <a:lnTo>
-                    <a:pt x="2037449" y="1370913"/>
-                  </a:lnTo>
-                  <a:lnTo>
-                    <a:pt x="2263833" y="1441710"/>
-                  </a:lnTo>
-                  <a:lnTo>
-                    <a:pt x="2490216" y="1508941"/>
-                  </a:lnTo>
-                  <a:lnTo>
-                    <a:pt x="2716599" y="1578481"/>
-                  </a:lnTo>
-                  <a:lnTo>
-                    <a:pt x="2942983" y="1649760"/>
-                  </a:lnTo>
-                  <a:lnTo>
-                    <a:pt x="3169366" y="1718151"/>
-                  </a:lnTo>
-                  <a:lnTo>
-                    <a:pt x="3395749" y="1773470"/>
-                  </a:lnTo>
-                  <a:lnTo>
-                    <a:pt x="3622132" y="1796572"/>
-                  </a:lnTo>
-                  <a:lnTo>
-                    <a:pt x="3848516" y="1773462"/>
-                  </a:lnTo>
-                  <a:lnTo>
-                    <a:pt x="4074899" y="1723879"/>
-                  </a:lnTo>
-                  <a:lnTo>
-                    <a:pt x="4301282" y="1666389"/>
-                  </a:lnTo>
-                  <a:lnTo>
-                    <a:pt x="4527666" y="1611644"/>
-                  </a:lnTo>
-                  <a:lnTo>
-                    <a:pt x="4754049" y="1565354"/>
-                  </a:lnTo>
-                  <a:lnTo>
-                    <a:pt x="4980432" y="1530661"/>
-                  </a:lnTo>
-                  <a:lnTo>
-                    <a:pt x="5206816" y="1509319"/>
-                  </a:lnTo>
-                  <a:lnTo>
-                    <a:pt x="5433199" y="1502228"/>
-                  </a:lnTo>
-                  <a:lnTo>
-                    <a:pt x="5659582" y="1502228"/>
-                  </a:lnTo>
-                  <a:lnTo>
-                    <a:pt x="5885966" y="1502228"/>
-                  </a:lnTo>
-                  <a:lnTo>
-                    <a:pt x="5885966" y="1502228"/>
+                    <a:pt x="5659582" y="1030068"/>
+                  </a:lnTo>
+                  <a:lnTo>
+                    <a:pt x="5433199" y="1030068"/>
+                  </a:lnTo>
+                  <a:lnTo>
+                    <a:pt x="5206816" y="1023045"/>
+                  </a:lnTo>
+                  <a:lnTo>
+                    <a:pt x="4980432" y="1001620"/>
+                  </a:lnTo>
+                  <a:lnTo>
+                    <a:pt x="4754049" y="965787"/>
+                  </a:lnTo>
+                  <a:lnTo>
+                    <a:pt x="4527666" y="915722"/>
+                  </a:lnTo>
+                  <a:lnTo>
+                    <a:pt x="4301282" y="852278"/>
+                  </a:lnTo>
+                  <a:lnTo>
+                    <a:pt x="4074899" y="778548"/>
+                  </a:lnTo>
+                  <a:lnTo>
+                    <a:pt x="3848516" y="705405"/>
+                  </a:lnTo>
+                  <a:lnTo>
+                    <a:pt x="3622132" y="667484"/>
+                  </a:lnTo>
+                  <a:lnTo>
+                    <a:pt x="3395749" y="687939"/>
+                  </a:lnTo>
+                  <a:lnTo>
+                    <a:pt x="3169366" y="708918"/>
+                  </a:lnTo>
+                  <a:lnTo>
+                    <a:pt x="2942983" y="699833"/>
+                  </a:lnTo>
+                  <a:lnTo>
+                    <a:pt x="2716599" y="651549"/>
+                  </a:lnTo>
+                  <a:lnTo>
+                    <a:pt x="2490216" y="560873"/>
+                  </a:lnTo>
+                  <a:lnTo>
+                    <a:pt x="2263833" y="427980"/>
+                  </a:lnTo>
+                  <a:lnTo>
+                    <a:pt x="2037449" y="262738"/>
+                  </a:lnTo>
+                  <a:lnTo>
+                    <a:pt x="1811066" y="107503"/>
+                  </a:lnTo>
+                  <a:lnTo>
+                    <a:pt x="1584683" y="31710"/>
+                  </a:lnTo>
+                  <a:lnTo>
+                    <a:pt x="1358299" y="7982"/>
+                  </a:lnTo>
+                  <a:lnTo>
+                    <a:pt x="1131916" y="1090"/>
+                  </a:lnTo>
+                  <a:lnTo>
+                    <a:pt x="905533" y="0"/>
+                  </a:lnTo>
+                  <a:lnTo>
+                    <a:pt x="679149" y="885"/>
+                  </a:lnTo>
+                  <a:lnTo>
+                    <a:pt x="452766" y="2180"/>
+                  </a:lnTo>
+                  <a:lnTo>
+                    <a:pt x="226383" y="3172"/>
+                  </a:lnTo>
+                  <a:lnTo>
+                    <a:pt x="0" y="3539"/>
+                  </a:lnTo>
+                  <a:lnTo>
+                    <a:pt x="0" y="3539"/>
                   </a:lnTo>
                 </a:path>
               </a:pathLst>
@@ -5994,122 +6060,13 @@
           </p:nvSpPr>
           <p:spPr>
             <a:xfrm>
-              <a:off x="4788644" y="7031958"/>
-              <a:ext cx="5885966" cy="1384828"/>
+              <a:off x="4788644" y="6616165"/>
+              <a:ext cx="5885966" cy="1297658"/>
             </a:xfrm>
             <a:custGeom>
               <a:avLst/>
               <a:pathLst>
-                <a:path w="5885966" h="1384828">
-                  <a:moveTo>
-                    <a:pt x="5885966" y="1384828"/>
-                  </a:moveTo>
-                  <a:lnTo>
-                    <a:pt x="5659582" y="1384828"/>
-                  </a:lnTo>
-                  <a:lnTo>
-                    <a:pt x="5433199" y="1384828"/>
-                  </a:lnTo>
-                  <a:lnTo>
-                    <a:pt x="5206816" y="1378956"/>
-                  </a:lnTo>
-                  <a:lnTo>
-                    <a:pt x="4980432" y="1361154"/>
-                  </a:lnTo>
-                  <a:lnTo>
-                    <a:pt x="4754049" y="1331782"/>
-                  </a:lnTo>
-                  <a:lnTo>
-                    <a:pt x="4527666" y="1291694"/>
-                  </a:lnTo>
-                  <a:lnTo>
-                    <a:pt x="4301282" y="1242768"/>
-                  </a:lnTo>
-                  <a:lnTo>
-                    <a:pt x="4074899" y="1189084"/>
-                  </a:lnTo>
-                  <a:lnTo>
-                    <a:pt x="3848516" y="1139298"/>
-                  </a:lnTo>
-                  <a:lnTo>
-                    <a:pt x="3622132" y="1109603"/>
-                  </a:lnTo>
-                  <a:lnTo>
-                    <a:pt x="3395749" y="1101965"/>
-                  </a:lnTo>
-                  <a:lnTo>
-                    <a:pt x="3169366" y="1087919"/>
-                  </a:lnTo>
-                  <a:lnTo>
-                    <a:pt x="2942983" y="1050512"/>
-                  </a:lnTo>
-                  <a:lnTo>
-                    <a:pt x="2716599" y="980100"/>
-                  </a:lnTo>
-                  <a:lnTo>
-                    <a:pt x="2490216" y="870905"/>
-                  </a:lnTo>
-                  <a:lnTo>
-                    <a:pt x="2263833" y="719404"/>
-                  </a:lnTo>
-                  <a:lnTo>
-                    <a:pt x="2037449" y="526492"/>
-                  </a:lnTo>
-                  <a:lnTo>
-                    <a:pt x="1811066" y="312111"/>
-                  </a:lnTo>
-                  <a:lnTo>
-                    <a:pt x="1584683" y="163552"/>
-                  </a:lnTo>
-                  <a:lnTo>
-                    <a:pt x="1358299" y="94974"/>
-                  </a:lnTo>
-                  <a:lnTo>
-                    <a:pt x="1131916" y="58069"/>
-                  </a:lnTo>
-                  <a:lnTo>
-                    <a:pt x="905533" y="34571"/>
-                  </a:lnTo>
-                  <a:lnTo>
-                    <a:pt x="679149" y="18642"/>
-                  </a:lnTo>
-                  <a:lnTo>
-                    <a:pt x="452766" y="8101"/>
-                  </a:lnTo>
-                  <a:lnTo>
-                    <a:pt x="226383" y="2020"/>
-                  </a:lnTo>
-                  <a:lnTo>
-                    <a:pt x="0" y="0"/>
-                  </a:lnTo>
-                  <a:lnTo>
-                    <a:pt x="0" y="0"/>
-                  </a:lnTo>
-                </a:path>
-              </a:pathLst>
-            </a:custGeom>
-          </p:spPr>
-          <p:txBody>
-            <a:bodyPr/>
-            <a:lstStyle/>
-            <a:p/>
-          </p:txBody>
-        </p:sp>
-        <p:sp>
-          <p:nvSpPr>
-            <p:cNvPr id="52" name="pl52"/>
-            <p:cNvSpPr/>
-            <p:nvPr/>
-          </p:nvSpPr>
-          <p:spPr>
-            <a:xfrm>
-              <a:off x="4788644" y="6387143"/>
-              <a:ext cx="5885966" cy="1448849"/>
-            </a:xfrm>
-            <a:custGeom>
-              <a:avLst/>
-              <a:pathLst>
-                <a:path w="5885966" h="1448849">
+                <a:path w="5885966" h="1297658">
                   <a:moveTo>
                     <a:pt x="0" y="0"/>
                   </a:moveTo>
@@ -6117,85 +6074,85 @@
                     <a:pt x="0" y="0"/>
                   </a:lnTo>
                   <a:lnTo>
-                    <a:pt x="226383" y="12889"/>
-                  </a:lnTo>
-                  <a:lnTo>
-                    <a:pt x="452766" y="50780"/>
-                  </a:lnTo>
-                  <a:lnTo>
-                    <a:pt x="679149" y="113163"/>
-                  </a:lnTo>
-                  <a:lnTo>
-                    <a:pt x="905533" y="199205"/>
-                  </a:lnTo>
-                  <a:lnTo>
-                    <a:pt x="1131916" y="307766"/>
-                  </a:lnTo>
-                  <a:lnTo>
-                    <a:pt x="1358299" y="437426"/>
-                  </a:lnTo>
-                  <a:lnTo>
-                    <a:pt x="1584683" y="586517"/>
-                  </a:lnTo>
-                  <a:lnTo>
-                    <a:pt x="1811066" y="753150"/>
-                  </a:lnTo>
-                  <a:lnTo>
-                    <a:pt x="2037449" y="914161"/>
-                  </a:lnTo>
-                  <a:lnTo>
-                    <a:pt x="2263833" y="1050198"/>
-                  </a:lnTo>
-                  <a:lnTo>
-                    <a:pt x="2490216" y="1163150"/>
-                  </a:lnTo>
-                  <a:lnTo>
-                    <a:pt x="2716599" y="1254557"/>
-                  </a:lnTo>
-                  <a:lnTo>
-                    <a:pt x="2942983" y="1325651"/>
-                  </a:lnTo>
-                  <a:lnTo>
-                    <a:pt x="3169366" y="1377374"/>
-                  </a:lnTo>
-                  <a:lnTo>
-                    <a:pt x="3395749" y="1410409"/>
-                  </a:lnTo>
-                  <a:lnTo>
-                    <a:pt x="3622132" y="1425189"/>
-                  </a:lnTo>
-                  <a:lnTo>
-                    <a:pt x="3848516" y="1430754"/>
-                  </a:lnTo>
-                  <a:lnTo>
-                    <a:pt x="4074899" y="1435570"/>
-                  </a:lnTo>
-                  <a:lnTo>
-                    <a:pt x="4301282" y="1439639"/>
-                  </a:lnTo>
-                  <a:lnTo>
-                    <a:pt x="4527666" y="1442964"/>
-                  </a:lnTo>
-                  <a:lnTo>
-                    <a:pt x="4754049" y="1445546"/>
-                  </a:lnTo>
-                  <a:lnTo>
-                    <a:pt x="4980432" y="1447387"/>
-                  </a:lnTo>
-                  <a:lnTo>
-                    <a:pt x="5206816" y="1448488"/>
-                  </a:lnTo>
-                  <a:lnTo>
-                    <a:pt x="5433199" y="1448849"/>
-                  </a:lnTo>
-                  <a:lnTo>
-                    <a:pt x="5659582" y="1448849"/>
-                  </a:lnTo>
-                  <a:lnTo>
-                    <a:pt x="5885966" y="1448849"/>
-                  </a:lnTo>
-                  <a:lnTo>
-                    <a:pt x="5885966" y="1448849"/>
+                    <a:pt x="226383" y="11544"/>
+                  </a:lnTo>
+                  <a:lnTo>
+                    <a:pt x="452766" y="45481"/>
+                  </a:lnTo>
+                  <a:lnTo>
+                    <a:pt x="679149" y="101354"/>
+                  </a:lnTo>
+                  <a:lnTo>
+                    <a:pt x="905533" y="178417"/>
+                  </a:lnTo>
+                  <a:lnTo>
+                    <a:pt x="1131916" y="275649"/>
+                  </a:lnTo>
+                  <a:lnTo>
+                    <a:pt x="1358299" y="391780"/>
+                  </a:lnTo>
+                  <a:lnTo>
+                    <a:pt x="1584683" y="525312"/>
+                  </a:lnTo>
+                  <a:lnTo>
+                    <a:pt x="1811066" y="674557"/>
+                  </a:lnTo>
+                  <a:lnTo>
+                    <a:pt x="2037449" y="818766"/>
+                  </a:lnTo>
+                  <a:lnTo>
+                    <a:pt x="2263833" y="940607"/>
+                  </a:lnTo>
+                  <a:lnTo>
+                    <a:pt x="2490216" y="1041772"/>
+                  </a:lnTo>
+                  <a:lnTo>
+                    <a:pt x="2716599" y="1123641"/>
+                  </a:lnTo>
+                  <a:lnTo>
+                    <a:pt x="2942983" y="1187316"/>
+                  </a:lnTo>
+                  <a:lnTo>
+                    <a:pt x="3169366" y="1233642"/>
+                  </a:lnTo>
+                  <a:lnTo>
+                    <a:pt x="3395749" y="1263229"/>
+                  </a:lnTo>
+                  <a:lnTo>
+                    <a:pt x="3622132" y="1276467"/>
+                  </a:lnTo>
+                  <a:lnTo>
+                    <a:pt x="3848516" y="1281451"/>
+                  </a:lnTo>
+                  <a:lnTo>
+                    <a:pt x="4074899" y="1285765"/>
+                  </a:lnTo>
+                  <a:lnTo>
+                    <a:pt x="4301282" y="1289409"/>
+                  </a:lnTo>
+                  <a:lnTo>
+                    <a:pt x="4527666" y="1292387"/>
+                  </a:lnTo>
+                  <a:lnTo>
+                    <a:pt x="4754049" y="1294700"/>
+                  </a:lnTo>
+                  <a:lnTo>
+                    <a:pt x="4980432" y="1296349"/>
+                  </a:lnTo>
+                  <a:lnTo>
+                    <a:pt x="5206816" y="1297335"/>
+                  </a:lnTo>
+                  <a:lnTo>
+                    <a:pt x="5433199" y="1297658"/>
+                  </a:lnTo>
+                  <a:lnTo>
+                    <a:pt x="5659582" y="1297658"/>
+                  </a:lnTo>
+                  <a:lnTo>
+                    <a:pt x="5885966" y="1297658"/>
+                  </a:lnTo>
+                  <a:lnTo>
+                    <a:pt x="5885966" y="1297658"/>
                   </a:lnTo>
                 </a:path>
               </a:pathLst>
@@ -6218,7 +6175,7 @@
         </p:sp>
         <p:sp>
           <p:nvSpPr>
-            <p:cNvPr id="53" name="pl53"/>
+            <p:cNvPr id="52" name="pl52"/>
             <p:cNvSpPr/>
             <p:nvPr/>
           </p:nvSpPr>
@@ -6261,7 +6218,7 @@
         </p:sp>
         <p:sp>
           <p:nvSpPr>
-            <p:cNvPr id="54" name="tx54"/>
+            <p:cNvPr id="53" name="tx53"/>
             <p:cNvSpPr/>
             <p:nvPr/>
           </p:nvSpPr>
@@ -6307,13 +6264,13 @@
         </p:sp>
         <p:sp>
           <p:nvSpPr>
-            <p:cNvPr id="55" name="tx55"/>
+            <p:cNvPr id="54" name="tx54"/>
             <p:cNvSpPr/>
             <p:nvPr/>
           </p:nvSpPr>
           <p:spPr>
             <a:xfrm>
-              <a:off x="4590402" y="7856817"/>
+              <a:off x="4590402" y="7775572"/>
               <a:ext cx="135612" cy="89118"/>
             </a:xfrm>
             <a:prstGeom prst="rect">
@@ -6346,20 +6303,20 @@
                   <a:latin typeface="Arial"/>
                   <a:cs typeface="Arial"/>
                 </a:rPr>
-                <a:t>20</a:t>
+                <a:t>25</a:t>
               </a:r>
             </a:p>
           </p:txBody>
         </p:sp>
         <p:sp>
           <p:nvSpPr>
-            <p:cNvPr id="56" name="tx56"/>
+            <p:cNvPr id="55" name="tx55"/>
             <p:cNvSpPr/>
             <p:nvPr/>
           </p:nvSpPr>
           <p:spPr>
             <a:xfrm>
-              <a:off x="4590402" y="7177280"/>
+              <a:off x="4590402" y="7014790"/>
               <a:ext cx="135612" cy="89118"/>
             </a:xfrm>
             <a:prstGeom prst="rect">
@@ -6392,21 +6349,21 @@
                   <a:latin typeface="Arial"/>
                   <a:cs typeface="Arial"/>
                 </a:rPr>
-                <a:t>40</a:t>
+                <a:t>50</a:t>
               </a:r>
             </a:p>
           </p:txBody>
         </p:sp>
         <p:sp>
           <p:nvSpPr>
-            <p:cNvPr id="57" name="tx57"/>
+            <p:cNvPr id="56" name="tx56"/>
             <p:cNvSpPr/>
             <p:nvPr/>
           </p:nvSpPr>
           <p:spPr>
             <a:xfrm>
-              <a:off x="4590402" y="6497743"/>
-              <a:ext cx="135612" cy="89118"/>
+              <a:off x="4590402" y="6255496"/>
+              <a:ext cx="135612" cy="87630"/>
             </a:xfrm>
             <a:prstGeom prst="rect">
               <a:avLst/>
@@ -6438,55 +6395,89 @@
                   <a:latin typeface="Arial"/>
                   <a:cs typeface="Arial"/>
                 </a:rPr>
-                <a:t>60</a:t>
+                <a:t>75</a:t>
               </a:r>
             </a:p>
           </p:txBody>
         </p:sp>
         <p:sp>
           <p:nvSpPr>
-            <p:cNvPr id="58" name="tx58"/>
+            <p:cNvPr id="57" name="pl57"/>
             <p:cNvSpPr/>
             <p:nvPr/>
           </p:nvSpPr>
           <p:spPr>
             <a:xfrm>
-              <a:off x="4590402" y="5818206"/>
-              <a:ext cx="135612" cy="89118"/>
+              <a:off x="4753850" y="8581835"/>
+              <a:ext cx="34794" cy="0"/>
             </a:xfrm>
-            <a:prstGeom prst="rect">
+            <a:custGeom>
               <a:avLst/>
-            </a:prstGeom>
-            <a:noFill/>
+              <a:pathLst>
+                <a:path w="34794" h="0">
+                  <a:moveTo>
+                    <a:pt x="0" y="0"/>
+                  </a:moveTo>
+                  <a:lnTo>
+                    <a:pt x="34794" y="0"/>
+                  </a:lnTo>
+                </a:path>
+              </a:pathLst>
+            </a:custGeom>
+            <a:ln w="13550" cap="flat">
+              <a:solidFill>
+                <a:srgbClr val="333333">
+                  <a:alpha val="100000"/>
+                </a:srgbClr>
+              </a:solidFill>
+              <a:prstDash val="solid"/>
+              <a:round/>
+            </a:ln>
           </p:spPr>
           <p:txBody>
-            <a:bodyPr lIns="0" rIns="0" tIns="0" bIns="0" anchorCtr="1" anchor="ctr" wrap="none"/>
+            <a:bodyPr/>
             <a:lstStyle/>
-            <a:p>
-              <a:pPr algn="l" marL="0" marR="0" indent="0">
-                <a:lnSpc>
-                  <a:spcPts val="960"/>
-                </a:lnSpc>
-                <a:spcBef>
-                  <a:spcPts val="0"/>
-                </a:spcBef>
-                <a:spcAft>
-                  <a:spcPts val="0"/>
-                </a:spcAft>
-              </a:pPr>
-              <a:r>
-                <a:rPr sz="960">
-                  <a:solidFill>
-                    <a:srgbClr val="4D4D4D">
-                      <a:alpha val="100000"/>
-                    </a:srgbClr>
-                  </a:solidFill>
-                  <a:latin typeface="Arial"/>
-                  <a:cs typeface="Arial"/>
-                </a:rPr>
-                <a:t>80</a:t>
-              </a:r>
-            </a:p>
+            <a:p/>
+          </p:txBody>
+        </p:sp>
+        <p:sp>
+          <p:nvSpPr>
+            <p:cNvPr id="58" name="pl58"/>
+            <p:cNvSpPr/>
+            <p:nvPr/>
+          </p:nvSpPr>
+          <p:spPr>
+            <a:xfrm>
+              <a:off x="4753850" y="7821054"/>
+              <a:ext cx="34794" cy="0"/>
+            </a:xfrm>
+            <a:custGeom>
+              <a:avLst/>
+              <a:pathLst>
+                <a:path w="34794" h="0">
+                  <a:moveTo>
+                    <a:pt x="0" y="0"/>
+                  </a:moveTo>
+                  <a:lnTo>
+                    <a:pt x="34794" y="0"/>
+                  </a:lnTo>
+                </a:path>
+              </a:pathLst>
+            </a:custGeom>
+            <a:ln w="13550" cap="flat">
+              <a:solidFill>
+                <a:srgbClr val="333333">
+                  <a:alpha val="100000"/>
+                </a:srgbClr>
+              </a:solidFill>
+              <a:prstDash val="solid"/>
+              <a:round/>
+            </a:ln>
+          </p:spPr>
+          <p:txBody>
+            <a:bodyPr/>
+            <a:lstStyle/>
+            <a:p/>
           </p:txBody>
         </p:sp>
         <p:sp>
@@ -6497,7 +6488,7 @@
           </p:nvSpPr>
           <p:spPr>
             <a:xfrm>
-              <a:off x="4753850" y="8581835"/>
+              <a:off x="4753850" y="7060272"/>
               <a:ext cx="34794" cy="0"/>
             </a:xfrm>
             <a:custGeom>
@@ -6537,7 +6528,7 @@
           </p:nvSpPr>
           <p:spPr>
             <a:xfrm>
-              <a:off x="4753850" y="7902299"/>
+              <a:off x="4753850" y="6299490"/>
               <a:ext cx="34794" cy="0"/>
             </a:xfrm>
             <a:custGeom>
@@ -6577,18 +6568,18 @@
           </p:nvSpPr>
           <p:spPr>
             <a:xfrm>
-              <a:off x="4753850" y="7222762"/>
-              <a:ext cx="34794" cy="0"/>
+              <a:off x="5694178" y="8581835"/>
+              <a:ext cx="0" cy="34794"/>
             </a:xfrm>
             <a:custGeom>
               <a:avLst/>
               <a:pathLst>
-                <a:path w="34794" h="0">
+                <a:path w="0" h="34794">
                   <a:moveTo>
+                    <a:pt x="0" y="34794"/>
+                  </a:moveTo>
+                  <a:lnTo>
                     <a:pt x="0" y="0"/>
-                  </a:moveTo>
-                  <a:lnTo>
-                    <a:pt x="34794" y="0"/>
                   </a:lnTo>
                 </a:path>
               </a:pathLst>
@@ -6617,18 +6608,18 @@
           </p:nvSpPr>
           <p:spPr>
             <a:xfrm>
-              <a:off x="4753850" y="6543225"/>
-              <a:ext cx="34794" cy="0"/>
+              <a:off x="7278861" y="8581835"/>
+              <a:ext cx="0" cy="34794"/>
             </a:xfrm>
             <a:custGeom>
               <a:avLst/>
               <a:pathLst>
-                <a:path w="34794" h="0">
+                <a:path w="0" h="34794">
                   <a:moveTo>
+                    <a:pt x="0" y="34794"/>
+                  </a:moveTo>
+                  <a:lnTo>
                     <a:pt x="0" y="0"/>
-                  </a:moveTo>
-                  <a:lnTo>
-                    <a:pt x="34794" y="0"/>
                   </a:lnTo>
                 </a:path>
               </a:pathLst>
@@ -6657,18 +6648,18 @@
           </p:nvSpPr>
           <p:spPr>
             <a:xfrm>
-              <a:off x="4753850" y="5863688"/>
-              <a:ext cx="34794" cy="0"/>
+              <a:off x="8863544" y="8581835"/>
+              <a:ext cx="0" cy="34794"/>
             </a:xfrm>
             <a:custGeom>
               <a:avLst/>
               <a:pathLst>
-                <a:path w="34794" h="0">
+                <a:path w="0" h="34794">
                   <a:moveTo>
+                    <a:pt x="0" y="34794"/>
+                  </a:moveTo>
+                  <a:lnTo>
                     <a:pt x="0" y="0"/>
-                  </a:moveTo>
-                  <a:lnTo>
-                    <a:pt x="34794" y="0"/>
                   </a:lnTo>
                 </a:path>
               </a:pathLst>
@@ -6697,7 +6688,7 @@
           </p:nvSpPr>
           <p:spPr>
             <a:xfrm>
-              <a:off x="5694178" y="8581835"/>
+              <a:off x="10448227" y="8581835"/>
               <a:ext cx="0" cy="34794"/>
             </a:xfrm>
             <a:custGeom>
@@ -6731,127 +6722,7 @@
         </p:sp>
         <p:sp>
           <p:nvSpPr>
-            <p:cNvPr id="65" name="pl65"/>
-            <p:cNvSpPr/>
-            <p:nvPr/>
-          </p:nvSpPr>
-          <p:spPr>
-            <a:xfrm>
-              <a:off x="7278861" y="8581835"/>
-              <a:ext cx="0" cy="34794"/>
-            </a:xfrm>
-            <a:custGeom>
-              <a:avLst/>
-              <a:pathLst>
-                <a:path w="0" h="34794">
-                  <a:moveTo>
-                    <a:pt x="0" y="34794"/>
-                  </a:moveTo>
-                  <a:lnTo>
-                    <a:pt x="0" y="0"/>
-                  </a:lnTo>
-                </a:path>
-              </a:pathLst>
-            </a:custGeom>
-            <a:ln w="13550" cap="flat">
-              <a:solidFill>
-                <a:srgbClr val="333333">
-                  <a:alpha val="100000"/>
-                </a:srgbClr>
-              </a:solidFill>
-              <a:prstDash val="solid"/>
-              <a:round/>
-            </a:ln>
-          </p:spPr>
-          <p:txBody>
-            <a:bodyPr/>
-            <a:lstStyle/>
-            <a:p/>
-          </p:txBody>
-        </p:sp>
-        <p:sp>
-          <p:nvSpPr>
-            <p:cNvPr id="66" name="pl66"/>
-            <p:cNvSpPr/>
-            <p:nvPr/>
-          </p:nvSpPr>
-          <p:spPr>
-            <a:xfrm>
-              <a:off x="8863544" y="8581835"/>
-              <a:ext cx="0" cy="34794"/>
-            </a:xfrm>
-            <a:custGeom>
-              <a:avLst/>
-              <a:pathLst>
-                <a:path w="0" h="34794">
-                  <a:moveTo>
-                    <a:pt x="0" y="34794"/>
-                  </a:moveTo>
-                  <a:lnTo>
-                    <a:pt x="0" y="0"/>
-                  </a:lnTo>
-                </a:path>
-              </a:pathLst>
-            </a:custGeom>
-            <a:ln w="13550" cap="flat">
-              <a:solidFill>
-                <a:srgbClr val="333333">
-                  <a:alpha val="100000"/>
-                </a:srgbClr>
-              </a:solidFill>
-              <a:prstDash val="solid"/>
-              <a:round/>
-            </a:ln>
-          </p:spPr>
-          <p:txBody>
-            <a:bodyPr/>
-            <a:lstStyle/>
-            <a:p/>
-          </p:txBody>
-        </p:sp>
-        <p:sp>
-          <p:nvSpPr>
-            <p:cNvPr id="67" name="pl67"/>
-            <p:cNvSpPr/>
-            <p:nvPr/>
-          </p:nvSpPr>
-          <p:spPr>
-            <a:xfrm>
-              <a:off x="10448227" y="8581835"/>
-              <a:ext cx="0" cy="34794"/>
-            </a:xfrm>
-            <a:custGeom>
-              <a:avLst/>
-              <a:pathLst>
-                <a:path w="0" h="34794">
-                  <a:moveTo>
-                    <a:pt x="0" y="34794"/>
-                  </a:moveTo>
-                  <a:lnTo>
-                    <a:pt x="0" y="0"/>
-                  </a:lnTo>
-                </a:path>
-              </a:pathLst>
-            </a:custGeom>
-            <a:ln w="13550" cap="flat">
-              <a:solidFill>
-                <a:srgbClr val="333333">
-                  <a:alpha val="100000"/>
-                </a:srgbClr>
-              </a:solidFill>
-              <a:prstDash val="solid"/>
-              <a:round/>
-            </a:ln>
-          </p:spPr>
-          <p:txBody>
-            <a:bodyPr/>
-            <a:lstStyle/>
-            <a:p/>
-          </p:txBody>
-        </p:sp>
-        <p:sp>
-          <p:nvSpPr>
-            <p:cNvPr id="68" name="tx68"/>
+            <p:cNvPr id="65" name="tx65"/>
             <p:cNvSpPr/>
             <p:nvPr/>
           </p:nvSpPr>
@@ -6897,7 +6768,7 @@
         </p:sp>
         <p:sp>
           <p:nvSpPr>
-            <p:cNvPr id="69" name="tx69"/>
+            <p:cNvPr id="66" name="tx66"/>
             <p:cNvSpPr/>
             <p:nvPr/>
           </p:nvSpPr>
@@ -6943,7 +6814,7 @@
         </p:sp>
         <p:sp>
           <p:nvSpPr>
-            <p:cNvPr id="70" name="tx70"/>
+            <p:cNvPr id="67" name="tx67"/>
             <p:cNvSpPr/>
             <p:nvPr/>
           </p:nvSpPr>
@@ -6989,7 +6860,7 @@
         </p:sp>
         <p:sp>
           <p:nvSpPr>
-            <p:cNvPr id="71" name="tx71"/>
+            <p:cNvPr id="68" name="tx68"/>
             <p:cNvSpPr/>
             <p:nvPr/>
           </p:nvSpPr>
@@ -7035,7 +6906,7 @@
         </p:sp>
         <p:sp>
           <p:nvSpPr>
-            <p:cNvPr id="72" name="tx72"/>
+            <p:cNvPr id="69" name="tx69"/>
             <p:cNvSpPr/>
             <p:nvPr/>
           </p:nvSpPr>
@@ -7081,7 +6952,7 @@
         </p:sp>
         <p:sp>
           <p:nvSpPr>
-            <p:cNvPr id="73" name="tx73"/>
+            <p:cNvPr id="70" name="tx70"/>
             <p:cNvSpPr/>
             <p:nvPr/>
           </p:nvSpPr>

--- a/plots/2021_02_09/multinomial_Re_growthadv_B117_WT.pptx
+++ b/plots/2021_02_09/multinomial_Re_growthadv_B117_WT.pptx
@@ -3366,79 +3366,106 @@
                     <a:pt x="0" y="0"/>
                   </a:moveTo>
                   <a:lnTo>
-                    <a:pt x="225080" y="2368"/>
-                  </a:lnTo>
-                  <a:lnTo>
-                    <a:pt x="450160" y="9352"/>
-                  </a:lnTo>
-                  <a:lnTo>
-                    <a:pt x="675241" y="20914"/>
-                  </a:lnTo>
-                  <a:lnTo>
-                    <a:pt x="900321" y="36956"/>
-                  </a:lnTo>
-                  <a:lnTo>
-                    <a:pt x="1125402" y="57231"/>
-                  </a:lnTo>
-                  <a:lnTo>
-                    <a:pt x="1350482" y="81058"/>
-                  </a:lnTo>
-                  <a:lnTo>
-                    <a:pt x="1575563" y="106305"/>
-                  </a:lnTo>
-                  <a:lnTo>
-                    <a:pt x="1800643" y="125936"/>
-                  </a:lnTo>
-                  <a:lnTo>
-                    <a:pt x="2025724" y="133654"/>
-                  </a:lnTo>
-                  <a:lnTo>
-                    <a:pt x="2250804" y="141483"/>
-                  </a:lnTo>
-                  <a:lnTo>
-                    <a:pt x="2475885" y="157225"/>
-                  </a:lnTo>
-                  <a:lnTo>
-                    <a:pt x="2700965" y="183310"/>
-                  </a:lnTo>
-                  <a:lnTo>
-                    <a:pt x="2926046" y="220412"/>
-                  </a:lnTo>
-                  <a:lnTo>
-                    <a:pt x="3151126" y="268262"/>
-                  </a:lnTo>
-                  <a:lnTo>
-                    <a:pt x="3376207" y="324753"/>
-                  </a:lnTo>
-                  <a:lnTo>
-                    <a:pt x="3601287" y="382258"/>
-                  </a:lnTo>
-                  <a:lnTo>
-                    <a:pt x="3826368" y="424065"/>
-                  </a:lnTo>
-                  <a:lnTo>
-                    <a:pt x="4051448" y="451805"/>
-                  </a:lnTo>
-                  <a:lnTo>
-                    <a:pt x="4276529" y="472541"/>
-                  </a:lnTo>
-                  <a:lnTo>
-                    <a:pt x="4501609" y="488578"/>
-                  </a:lnTo>
-                  <a:lnTo>
-                    <a:pt x="4726690" y="500706"/>
-                  </a:lnTo>
-                  <a:lnTo>
-                    <a:pt x="4951770" y="509233"/>
-                  </a:lnTo>
-                  <a:lnTo>
-                    <a:pt x="5176851" y="514295"/>
-                  </a:lnTo>
-                  <a:lnTo>
-                    <a:pt x="5401931" y="515950"/>
-                  </a:lnTo>
-                  <a:lnTo>
-                    <a:pt x="5627012" y="515950"/>
+                    <a:pt x="167202" y="2368"/>
+                  </a:lnTo>
+                  <a:lnTo>
+                    <a:pt x="334405" y="9352"/>
+                  </a:lnTo>
+                  <a:lnTo>
+                    <a:pt x="501607" y="20914"/>
+                  </a:lnTo>
+                  <a:lnTo>
+                    <a:pt x="668810" y="36956"/>
+                  </a:lnTo>
+                  <a:lnTo>
+                    <a:pt x="836013" y="57231"/>
+                  </a:lnTo>
+                  <a:lnTo>
+                    <a:pt x="1003215" y="81058"/>
+                  </a:lnTo>
+                  <a:lnTo>
+                    <a:pt x="1170418" y="106305"/>
+                  </a:lnTo>
+                  <a:lnTo>
+                    <a:pt x="1337621" y="125936"/>
+                  </a:lnTo>
+                  <a:lnTo>
+                    <a:pt x="1504823" y="133654"/>
+                  </a:lnTo>
+                  <a:lnTo>
+                    <a:pt x="1672026" y="141483"/>
+                  </a:lnTo>
+                  <a:lnTo>
+                    <a:pt x="1839229" y="157225"/>
+                  </a:lnTo>
+                  <a:lnTo>
+                    <a:pt x="2006431" y="183310"/>
+                  </a:lnTo>
+                  <a:lnTo>
+                    <a:pt x="2173634" y="220412"/>
+                  </a:lnTo>
+                  <a:lnTo>
+                    <a:pt x="2340837" y="268262"/>
+                  </a:lnTo>
+                  <a:lnTo>
+                    <a:pt x="2508039" y="324753"/>
+                  </a:lnTo>
+                  <a:lnTo>
+                    <a:pt x="2675242" y="382258"/>
+                  </a:lnTo>
+                  <a:lnTo>
+                    <a:pt x="2842445" y="424065"/>
+                  </a:lnTo>
+                  <a:lnTo>
+                    <a:pt x="3009647" y="451805"/>
+                  </a:lnTo>
+                  <a:lnTo>
+                    <a:pt x="3176850" y="472541"/>
+                  </a:lnTo>
+                  <a:lnTo>
+                    <a:pt x="3344053" y="488578"/>
+                  </a:lnTo>
+                  <a:lnTo>
+                    <a:pt x="3511255" y="500706"/>
+                  </a:lnTo>
+                  <a:lnTo>
+                    <a:pt x="3678458" y="509233"/>
+                  </a:lnTo>
+                  <a:lnTo>
+                    <a:pt x="3845660" y="514295"/>
+                  </a:lnTo>
+                  <a:lnTo>
+                    <a:pt x="4012863" y="515950"/>
+                  </a:lnTo>
+                  <a:lnTo>
+                    <a:pt x="4180066" y="515950"/>
+                  </a:lnTo>
+                  <a:lnTo>
+                    <a:pt x="4347268" y="515950"/>
+                  </a:lnTo>
+                  <a:lnTo>
+                    <a:pt x="4514471" y="515950"/>
+                  </a:lnTo>
+                  <a:lnTo>
+                    <a:pt x="4681674" y="515950"/>
+                  </a:lnTo>
+                  <a:lnTo>
+                    <a:pt x="4848876" y="515950"/>
+                  </a:lnTo>
+                  <a:lnTo>
+                    <a:pt x="5016079" y="515950"/>
+                  </a:lnTo>
+                  <a:lnTo>
+                    <a:pt x="5183282" y="515950"/>
+                  </a:lnTo>
+                  <a:lnTo>
+                    <a:pt x="5350484" y="515950"/>
+                  </a:lnTo>
+                  <a:lnTo>
+                    <a:pt x="5517687" y="515950"/>
+                  </a:lnTo>
+                  <a:lnTo>
+                    <a:pt x="5684890" y="515950"/>
                   </a:lnTo>
                   <a:lnTo>
                     <a:pt x="5852092" y="515950"/>
@@ -3447,79 +3474,106 @@
                     <a:pt x="5852092" y="796538"/>
                   </a:lnTo>
                   <a:lnTo>
-                    <a:pt x="5627012" y="796538"/>
-                  </a:lnTo>
-                  <a:lnTo>
-                    <a:pt x="5401931" y="796538"/>
-                  </a:lnTo>
-                  <a:lnTo>
-                    <a:pt x="5176851" y="790939"/>
-                  </a:lnTo>
-                  <a:lnTo>
-                    <a:pt x="4951770" y="773931"/>
-                  </a:lnTo>
-                  <a:lnTo>
-                    <a:pt x="4726690" y="745714"/>
-                  </a:lnTo>
-                  <a:lnTo>
-                    <a:pt x="4501609" y="706653"/>
-                  </a:lnTo>
-                  <a:lnTo>
-                    <a:pt x="4276529" y="657377"/>
-                  </a:lnTo>
-                  <a:lnTo>
-                    <a:pt x="4051448" y="599070"/>
-                  </a:lnTo>
-                  <a:lnTo>
-                    <a:pt x="3826368" y="534504"/>
-                  </a:lnTo>
-                  <a:lnTo>
-                    <a:pt x="3601287" y="471268"/>
-                  </a:lnTo>
-                  <a:lnTo>
-                    <a:pt x="3376207" y="423579"/>
-                  </a:lnTo>
-                  <a:lnTo>
-                    <a:pt x="3151126" y="387105"/>
-                  </a:lnTo>
-                  <a:lnTo>
-                    <a:pt x="2926046" y="353691"/>
-                  </a:lnTo>
-                  <a:lnTo>
-                    <a:pt x="2700965" y="320834"/>
-                  </a:lnTo>
-                  <a:lnTo>
-                    <a:pt x="2475885" y="287983"/>
-                  </a:lnTo>
-                  <a:lnTo>
-                    <a:pt x="2250804" y="255639"/>
-                  </a:lnTo>
-                  <a:lnTo>
-                    <a:pt x="2025724" y="226168"/>
-                  </a:lnTo>
-                  <a:lnTo>
-                    <a:pt x="1800643" y="207398"/>
-                  </a:lnTo>
-                  <a:lnTo>
-                    <a:pt x="1575563" y="207573"/>
-                  </a:lnTo>
-                  <a:lnTo>
-                    <a:pt x="1350482" y="216253"/>
-                  </a:lnTo>
-                  <a:lnTo>
-                    <a:pt x="1125402" y="226273"/>
-                  </a:lnTo>
-                  <a:lnTo>
-                    <a:pt x="900321" y="235391"/>
-                  </a:lnTo>
-                  <a:lnTo>
-                    <a:pt x="675241" y="242840"/>
-                  </a:lnTo>
-                  <a:lnTo>
-                    <a:pt x="450160" y="248304"/>
-                  </a:lnTo>
-                  <a:lnTo>
-                    <a:pt x="225080" y="251636"/>
+                    <a:pt x="5684890" y="796538"/>
+                  </a:lnTo>
+                  <a:lnTo>
+                    <a:pt x="5517687" y="796538"/>
+                  </a:lnTo>
+                  <a:lnTo>
+                    <a:pt x="5350484" y="796538"/>
+                  </a:lnTo>
+                  <a:lnTo>
+                    <a:pt x="5183282" y="796538"/>
+                  </a:lnTo>
+                  <a:lnTo>
+                    <a:pt x="5016079" y="796538"/>
+                  </a:lnTo>
+                  <a:lnTo>
+                    <a:pt x="4848876" y="796538"/>
+                  </a:lnTo>
+                  <a:lnTo>
+                    <a:pt x="4681674" y="796538"/>
+                  </a:lnTo>
+                  <a:lnTo>
+                    <a:pt x="4514471" y="796538"/>
+                  </a:lnTo>
+                  <a:lnTo>
+                    <a:pt x="4347268" y="796538"/>
+                  </a:lnTo>
+                  <a:lnTo>
+                    <a:pt x="4180066" y="796538"/>
+                  </a:lnTo>
+                  <a:lnTo>
+                    <a:pt x="4012863" y="796538"/>
+                  </a:lnTo>
+                  <a:lnTo>
+                    <a:pt x="3845660" y="790939"/>
+                  </a:lnTo>
+                  <a:lnTo>
+                    <a:pt x="3678458" y="773931"/>
+                  </a:lnTo>
+                  <a:lnTo>
+                    <a:pt x="3511255" y="745714"/>
+                  </a:lnTo>
+                  <a:lnTo>
+                    <a:pt x="3344053" y="706653"/>
+                  </a:lnTo>
+                  <a:lnTo>
+                    <a:pt x="3176850" y="657377"/>
+                  </a:lnTo>
+                  <a:lnTo>
+                    <a:pt x="3009647" y="599070"/>
+                  </a:lnTo>
+                  <a:lnTo>
+                    <a:pt x="2842445" y="534504"/>
+                  </a:lnTo>
+                  <a:lnTo>
+                    <a:pt x="2675242" y="471268"/>
+                  </a:lnTo>
+                  <a:lnTo>
+                    <a:pt x="2508039" y="423579"/>
+                  </a:lnTo>
+                  <a:lnTo>
+                    <a:pt x="2340837" y="387105"/>
+                  </a:lnTo>
+                  <a:lnTo>
+                    <a:pt x="2173634" y="353691"/>
+                  </a:lnTo>
+                  <a:lnTo>
+                    <a:pt x="2006431" y="320834"/>
+                  </a:lnTo>
+                  <a:lnTo>
+                    <a:pt x="1839229" y="287983"/>
+                  </a:lnTo>
+                  <a:lnTo>
+                    <a:pt x="1672026" y="255639"/>
+                  </a:lnTo>
+                  <a:lnTo>
+                    <a:pt x="1504823" y="226168"/>
+                  </a:lnTo>
+                  <a:lnTo>
+                    <a:pt x="1337621" y="207398"/>
+                  </a:lnTo>
+                  <a:lnTo>
+                    <a:pt x="1170418" y="207573"/>
+                  </a:lnTo>
+                  <a:lnTo>
+                    <a:pt x="1003215" y="216253"/>
+                  </a:lnTo>
+                  <a:lnTo>
+                    <a:pt x="836013" y="226273"/>
+                  </a:lnTo>
+                  <a:lnTo>
+                    <a:pt x="668810" y="235391"/>
+                  </a:lnTo>
+                  <a:lnTo>
+                    <a:pt x="501607" y="242840"/>
+                  </a:lnTo>
+                  <a:lnTo>
+                    <a:pt x="334405" y="248304"/>
+                  </a:lnTo>
+                  <a:lnTo>
+                    <a:pt x="167202" y="251636"/>
                   </a:lnTo>
                   <a:lnTo>
                     <a:pt x="0" y="252771"/>
@@ -3559,79 +3613,106 @@
                     <a:pt x="0" y="0"/>
                   </a:moveTo>
                   <a:lnTo>
-                    <a:pt x="225080" y="2368"/>
-                  </a:lnTo>
-                  <a:lnTo>
-                    <a:pt x="450160" y="9352"/>
-                  </a:lnTo>
-                  <a:lnTo>
-                    <a:pt x="675241" y="20914"/>
-                  </a:lnTo>
-                  <a:lnTo>
-                    <a:pt x="900321" y="36956"/>
-                  </a:lnTo>
-                  <a:lnTo>
-                    <a:pt x="1125402" y="57231"/>
-                  </a:lnTo>
-                  <a:lnTo>
-                    <a:pt x="1350482" y="81058"/>
-                  </a:lnTo>
-                  <a:lnTo>
-                    <a:pt x="1575563" y="106305"/>
-                  </a:lnTo>
-                  <a:lnTo>
-                    <a:pt x="1800643" y="125936"/>
-                  </a:lnTo>
-                  <a:lnTo>
-                    <a:pt x="2025724" y="133654"/>
-                  </a:lnTo>
-                  <a:lnTo>
-                    <a:pt x="2250804" y="141483"/>
-                  </a:lnTo>
-                  <a:lnTo>
-                    <a:pt x="2475885" y="157225"/>
-                  </a:lnTo>
-                  <a:lnTo>
-                    <a:pt x="2700965" y="183310"/>
-                  </a:lnTo>
-                  <a:lnTo>
-                    <a:pt x="2926046" y="220412"/>
-                  </a:lnTo>
-                  <a:lnTo>
-                    <a:pt x="3151126" y="268262"/>
-                  </a:lnTo>
-                  <a:lnTo>
-                    <a:pt x="3376207" y="324753"/>
-                  </a:lnTo>
-                  <a:lnTo>
-                    <a:pt x="3601287" y="382258"/>
-                  </a:lnTo>
-                  <a:lnTo>
-                    <a:pt x="3826368" y="424065"/>
-                  </a:lnTo>
-                  <a:lnTo>
-                    <a:pt x="4051448" y="451805"/>
-                  </a:lnTo>
-                  <a:lnTo>
-                    <a:pt x="4276529" y="472541"/>
-                  </a:lnTo>
-                  <a:lnTo>
-                    <a:pt x="4501609" y="488578"/>
-                  </a:lnTo>
-                  <a:lnTo>
-                    <a:pt x="4726690" y="500706"/>
-                  </a:lnTo>
-                  <a:lnTo>
-                    <a:pt x="4951770" y="509233"/>
-                  </a:lnTo>
-                  <a:lnTo>
-                    <a:pt x="5176851" y="514295"/>
-                  </a:lnTo>
-                  <a:lnTo>
-                    <a:pt x="5401931" y="515950"/>
-                  </a:lnTo>
-                  <a:lnTo>
-                    <a:pt x="5627012" y="515950"/>
+                    <a:pt x="167202" y="2368"/>
+                  </a:lnTo>
+                  <a:lnTo>
+                    <a:pt x="334405" y="9352"/>
+                  </a:lnTo>
+                  <a:lnTo>
+                    <a:pt x="501607" y="20914"/>
+                  </a:lnTo>
+                  <a:lnTo>
+                    <a:pt x="668810" y="36956"/>
+                  </a:lnTo>
+                  <a:lnTo>
+                    <a:pt x="836013" y="57231"/>
+                  </a:lnTo>
+                  <a:lnTo>
+                    <a:pt x="1003215" y="81058"/>
+                  </a:lnTo>
+                  <a:lnTo>
+                    <a:pt x="1170418" y="106305"/>
+                  </a:lnTo>
+                  <a:lnTo>
+                    <a:pt x="1337621" y="125936"/>
+                  </a:lnTo>
+                  <a:lnTo>
+                    <a:pt x="1504823" y="133654"/>
+                  </a:lnTo>
+                  <a:lnTo>
+                    <a:pt x="1672026" y="141483"/>
+                  </a:lnTo>
+                  <a:lnTo>
+                    <a:pt x="1839229" y="157225"/>
+                  </a:lnTo>
+                  <a:lnTo>
+                    <a:pt x="2006431" y="183310"/>
+                  </a:lnTo>
+                  <a:lnTo>
+                    <a:pt x="2173634" y="220412"/>
+                  </a:lnTo>
+                  <a:lnTo>
+                    <a:pt x="2340837" y="268262"/>
+                  </a:lnTo>
+                  <a:lnTo>
+                    <a:pt x="2508039" y="324753"/>
+                  </a:lnTo>
+                  <a:lnTo>
+                    <a:pt x="2675242" y="382258"/>
+                  </a:lnTo>
+                  <a:lnTo>
+                    <a:pt x="2842445" y="424065"/>
+                  </a:lnTo>
+                  <a:lnTo>
+                    <a:pt x="3009647" y="451805"/>
+                  </a:lnTo>
+                  <a:lnTo>
+                    <a:pt x="3176850" y="472541"/>
+                  </a:lnTo>
+                  <a:lnTo>
+                    <a:pt x="3344053" y="488578"/>
+                  </a:lnTo>
+                  <a:lnTo>
+                    <a:pt x="3511255" y="500706"/>
+                  </a:lnTo>
+                  <a:lnTo>
+                    <a:pt x="3678458" y="509233"/>
+                  </a:lnTo>
+                  <a:lnTo>
+                    <a:pt x="3845660" y="514295"/>
+                  </a:lnTo>
+                  <a:lnTo>
+                    <a:pt x="4012863" y="515950"/>
+                  </a:lnTo>
+                  <a:lnTo>
+                    <a:pt x="4180066" y="515950"/>
+                  </a:lnTo>
+                  <a:lnTo>
+                    <a:pt x="4347268" y="515950"/>
+                  </a:lnTo>
+                  <a:lnTo>
+                    <a:pt x="4514471" y="515950"/>
+                  </a:lnTo>
+                  <a:lnTo>
+                    <a:pt x="4681674" y="515950"/>
+                  </a:lnTo>
+                  <a:lnTo>
+                    <a:pt x="4848876" y="515950"/>
+                  </a:lnTo>
+                  <a:lnTo>
+                    <a:pt x="5016079" y="515950"/>
+                  </a:lnTo>
+                  <a:lnTo>
+                    <a:pt x="5183282" y="515950"/>
+                  </a:lnTo>
+                  <a:lnTo>
+                    <a:pt x="5350484" y="515950"/>
+                  </a:lnTo>
+                  <a:lnTo>
+                    <a:pt x="5517687" y="515950"/>
+                  </a:lnTo>
+                  <a:lnTo>
+                    <a:pt x="5684890" y="515950"/>
                   </a:lnTo>
                   <a:lnTo>
                     <a:pt x="5852092" y="515950"/>
@@ -3668,79 +3749,106 @@
                     <a:pt x="5852092" y="589140"/>
                   </a:moveTo>
                   <a:lnTo>
-                    <a:pt x="5627012" y="589140"/>
-                  </a:lnTo>
-                  <a:lnTo>
-                    <a:pt x="5401931" y="589140"/>
-                  </a:lnTo>
-                  <a:lnTo>
-                    <a:pt x="5176851" y="583540"/>
-                  </a:lnTo>
-                  <a:lnTo>
-                    <a:pt x="4951770" y="566533"/>
-                  </a:lnTo>
-                  <a:lnTo>
-                    <a:pt x="4726690" y="538315"/>
-                  </a:lnTo>
-                  <a:lnTo>
-                    <a:pt x="4501609" y="499254"/>
-                  </a:lnTo>
-                  <a:lnTo>
-                    <a:pt x="4276529" y="449978"/>
-                  </a:lnTo>
-                  <a:lnTo>
-                    <a:pt x="4051448" y="391671"/>
-                  </a:lnTo>
-                  <a:lnTo>
-                    <a:pt x="3826368" y="327105"/>
-                  </a:lnTo>
-                  <a:lnTo>
-                    <a:pt x="3601287" y="263869"/>
-                  </a:lnTo>
-                  <a:lnTo>
-                    <a:pt x="3376207" y="216180"/>
-                  </a:lnTo>
-                  <a:lnTo>
-                    <a:pt x="3151126" y="179706"/>
-                  </a:lnTo>
-                  <a:lnTo>
-                    <a:pt x="2926046" y="146292"/>
-                  </a:lnTo>
-                  <a:lnTo>
-                    <a:pt x="2700965" y="113436"/>
-                  </a:lnTo>
-                  <a:lnTo>
-                    <a:pt x="2475885" y="80584"/>
-                  </a:lnTo>
-                  <a:lnTo>
-                    <a:pt x="2250804" y="48241"/>
-                  </a:lnTo>
-                  <a:lnTo>
-                    <a:pt x="2025724" y="18769"/>
-                  </a:lnTo>
-                  <a:lnTo>
-                    <a:pt x="1800643" y="0"/>
-                  </a:lnTo>
-                  <a:lnTo>
-                    <a:pt x="1575563" y="174"/>
-                  </a:lnTo>
-                  <a:lnTo>
-                    <a:pt x="1350482" y="8854"/>
-                  </a:lnTo>
-                  <a:lnTo>
-                    <a:pt x="1125402" y="18874"/>
-                  </a:lnTo>
-                  <a:lnTo>
-                    <a:pt x="900321" y="27993"/>
-                  </a:lnTo>
-                  <a:lnTo>
-                    <a:pt x="675241" y="35442"/>
-                  </a:lnTo>
-                  <a:lnTo>
-                    <a:pt x="450160" y="40905"/>
-                  </a:lnTo>
-                  <a:lnTo>
-                    <a:pt x="225080" y="44238"/>
+                    <a:pt x="5684890" y="589140"/>
+                  </a:lnTo>
+                  <a:lnTo>
+                    <a:pt x="5517687" y="589140"/>
+                  </a:lnTo>
+                  <a:lnTo>
+                    <a:pt x="5350484" y="589140"/>
+                  </a:lnTo>
+                  <a:lnTo>
+                    <a:pt x="5183282" y="589140"/>
+                  </a:lnTo>
+                  <a:lnTo>
+                    <a:pt x="5016079" y="589140"/>
+                  </a:lnTo>
+                  <a:lnTo>
+                    <a:pt x="4848876" y="589140"/>
+                  </a:lnTo>
+                  <a:lnTo>
+                    <a:pt x="4681674" y="589140"/>
+                  </a:lnTo>
+                  <a:lnTo>
+                    <a:pt x="4514471" y="589140"/>
+                  </a:lnTo>
+                  <a:lnTo>
+                    <a:pt x="4347268" y="589140"/>
+                  </a:lnTo>
+                  <a:lnTo>
+                    <a:pt x="4180066" y="589140"/>
+                  </a:lnTo>
+                  <a:lnTo>
+                    <a:pt x="4012863" y="589140"/>
+                  </a:lnTo>
+                  <a:lnTo>
+                    <a:pt x="3845660" y="583540"/>
+                  </a:lnTo>
+                  <a:lnTo>
+                    <a:pt x="3678458" y="566533"/>
+                  </a:lnTo>
+                  <a:lnTo>
+                    <a:pt x="3511255" y="538315"/>
+                  </a:lnTo>
+                  <a:lnTo>
+                    <a:pt x="3344053" y="499254"/>
+                  </a:lnTo>
+                  <a:lnTo>
+                    <a:pt x="3176850" y="449978"/>
+                  </a:lnTo>
+                  <a:lnTo>
+                    <a:pt x="3009647" y="391671"/>
+                  </a:lnTo>
+                  <a:lnTo>
+                    <a:pt x="2842445" y="327105"/>
+                  </a:lnTo>
+                  <a:lnTo>
+                    <a:pt x="2675242" y="263869"/>
+                  </a:lnTo>
+                  <a:lnTo>
+                    <a:pt x="2508039" y="216180"/>
+                  </a:lnTo>
+                  <a:lnTo>
+                    <a:pt x="2340837" y="179706"/>
+                  </a:lnTo>
+                  <a:lnTo>
+                    <a:pt x="2173634" y="146292"/>
+                  </a:lnTo>
+                  <a:lnTo>
+                    <a:pt x="2006431" y="113436"/>
+                  </a:lnTo>
+                  <a:lnTo>
+                    <a:pt x="1839229" y="80584"/>
+                  </a:lnTo>
+                  <a:lnTo>
+                    <a:pt x="1672026" y="48241"/>
+                  </a:lnTo>
+                  <a:lnTo>
+                    <a:pt x="1504823" y="18769"/>
+                  </a:lnTo>
+                  <a:lnTo>
+                    <a:pt x="1337621" y="0"/>
+                  </a:lnTo>
+                  <a:lnTo>
+                    <a:pt x="1170418" y="174"/>
+                  </a:lnTo>
+                  <a:lnTo>
+                    <a:pt x="1003215" y="8854"/>
+                  </a:lnTo>
+                  <a:lnTo>
+                    <a:pt x="836013" y="18874"/>
+                  </a:lnTo>
+                  <a:lnTo>
+                    <a:pt x="668810" y="27993"/>
+                  </a:lnTo>
+                  <a:lnTo>
+                    <a:pt x="501607" y="35442"/>
+                  </a:lnTo>
+                  <a:lnTo>
+                    <a:pt x="334405" y="40905"/>
+                  </a:lnTo>
+                  <a:lnTo>
+                    <a:pt x="167202" y="44238"/>
                   </a:lnTo>
                   <a:lnTo>
                     <a:pt x="0" y="45373"/>
@@ -3777,79 +3885,106 @@
                     <a:pt x="0" y="0"/>
                   </a:moveTo>
                   <a:lnTo>
-                    <a:pt x="225080" y="6045"/>
-                  </a:lnTo>
-                  <a:lnTo>
-                    <a:pt x="450160" y="23924"/>
-                  </a:lnTo>
-                  <a:lnTo>
-                    <a:pt x="675241" y="53707"/>
-                  </a:lnTo>
-                  <a:lnTo>
-                    <a:pt x="900321" y="95478"/>
-                  </a:lnTo>
-                  <a:lnTo>
-                    <a:pt x="1125402" y="149229"/>
-                  </a:lnTo>
-                  <a:lnTo>
-                    <a:pt x="1350482" y="214558"/>
-                  </a:lnTo>
-                  <a:lnTo>
-                    <a:pt x="1575563" y="289536"/>
-                  </a:lnTo>
-                  <a:lnTo>
-                    <a:pt x="1800643" y="366554"/>
-                  </a:lnTo>
-                  <a:lnTo>
-                    <a:pt x="2025724" y="427854"/>
-                  </a:lnTo>
-                  <a:lnTo>
-                    <a:pt x="2250804" y="478483"/>
-                  </a:lnTo>
-                  <a:lnTo>
-                    <a:pt x="2475885" y="529675"/>
-                  </a:lnTo>
-                  <a:lnTo>
-                    <a:pt x="2700965" y="585368"/>
-                  </a:lnTo>
-                  <a:lnTo>
-                    <a:pt x="2926046" y="646760"/>
-                  </a:lnTo>
-                  <a:lnTo>
-                    <a:pt x="3151126" y="713749"/>
-                  </a:lnTo>
-                  <a:lnTo>
-                    <a:pt x="3376207" y="784203"/>
-                  </a:lnTo>
-                  <a:lnTo>
-                    <a:pt x="3601287" y="849500"/>
-                  </a:lnTo>
-                  <a:lnTo>
-                    <a:pt x="3826368" y="891039"/>
-                  </a:lnTo>
-                  <a:lnTo>
-                    <a:pt x="4051448" y="913918"/>
-                  </a:lnTo>
-                  <a:lnTo>
-                    <a:pt x="4276529" y="928880"/>
-                  </a:lnTo>
-                  <a:lnTo>
-                    <a:pt x="4501609" y="939649"/>
-                  </a:lnTo>
-                  <a:lnTo>
-                    <a:pt x="4726690" y="947481"/>
-                  </a:lnTo>
-                  <a:lnTo>
-                    <a:pt x="4951770" y="952870"/>
-                  </a:lnTo>
-                  <a:lnTo>
-                    <a:pt x="5176851" y="956031"/>
-                  </a:lnTo>
-                  <a:lnTo>
-                    <a:pt x="5401931" y="957059"/>
-                  </a:lnTo>
-                  <a:lnTo>
-                    <a:pt x="5627012" y="957059"/>
+                    <a:pt x="167202" y="6045"/>
+                  </a:lnTo>
+                  <a:lnTo>
+                    <a:pt x="334405" y="23924"/>
+                  </a:lnTo>
+                  <a:lnTo>
+                    <a:pt x="501607" y="53707"/>
+                  </a:lnTo>
+                  <a:lnTo>
+                    <a:pt x="668810" y="95478"/>
+                  </a:lnTo>
+                  <a:lnTo>
+                    <a:pt x="836013" y="149229"/>
+                  </a:lnTo>
+                  <a:lnTo>
+                    <a:pt x="1003215" y="214558"/>
+                  </a:lnTo>
+                  <a:lnTo>
+                    <a:pt x="1170418" y="289536"/>
+                  </a:lnTo>
+                  <a:lnTo>
+                    <a:pt x="1337621" y="366554"/>
+                  </a:lnTo>
+                  <a:lnTo>
+                    <a:pt x="1504823" y="427854"/>
+                  </a:lnTo>
+                  <a:lnTo>
+                    <a:pt x="1672026" y="478483"/>
+                  </a:lnTo>
+                  <a:lnTo>
+                    <a:pt x="1839229" y="529675"/>
+                  </a:lnTo>
+                  <a:lnTo>
+                    <a:pt x="2006431" y="585368"/>
+                  </a:lnTo>
+                  <a:lnTo>
+                    <a:pt x="2173634" y="646760"/>
+                  </a:lnTo>
+                  <a:lnTo>
+                    <a:pt x="2340837" y="713749"/>
+                  </a:lnTo>
+                  <a:lnTo>
+                    <a:pt x="2508039" y="784203"/>
+                  </a:lnTo>
+                  <a:lnTo>
+                    <a:pt x="2675242" y="849500"/>
+                  </a:lnTo>
+                  <a:lnTo>
+                    <a:pt x="2842445" y="891039"/>
+                  </a:lnTo>
+                  <a:lnTo>
+                    <a:pt x="3009647" y="913918"/>
+                  </a:lnTo>
+                  <a:lnTo>
+                    <a:pt x="3176850" y="928880"/>
+                  </a:lnTo>
+                  <a:lnTo>
+                    <a:pt x="3344053" y="939649"/>
+                  </a:lnTo>
+                  <a:lnTo>
+                    <a:pt x="3511255" y="947481"/>
+                  </a:lnTo>
+                  <a:lnTo>
+                    <a:pt x="3678458" y="952870"/>
+                  </a:lnTo>
+                  <a:lnTo>
+                    <a:pt x="3845660" y="956031"/>
+                  </a:lnTo>
+                  <a:lnTo>
+                    <a:pt x="4012863" y="957059"/>
+                  </a:lnTo>
+                  <a:lnTo>
+                    <a:pt x="4180066" y="957059"/>
+                  </a:lnTo>
+                  <a:lnTo>
+                    <a:pt x="4347268" y="957059"/>
+                  </a:lnTo>
+                  <a:lnTo>
+                    <a:pt x="4514471" y="957059"/>
+                  </a:lnTo>
+                  <a:lnTo>
+                    <a:pt x="4681674" y="957059"/>
+                  </a:lnTo>
+                  <a:lnTo>
+                    <a:pt x="4848876" y="957059"/>
+                  </a:lnTo>
+                  <a:lnTo>
+                    <a:pt x="5016079" y="957059"/>
+                  </a:lnTo>
+                  <a:lnTo>
+                    <a:pt x="5183282" y="957059"/>
+                  </a:lnTo>
+                  <a:lnTo>
+                    <a:pt x="5350484" y="957059"/>
+                  </a:lnTo>
+                  <a:lnTo>
+                    <a:pt x="5517687" y="957059"/>
+                  </a:lnTo>
+                  <a:lnTo>
+                    <a:pt x="5684890" y="957059"/>
                   </a:lnTo>
                   <a:lnTo>
                     <a:pt x="5852092" y="957059"/>
@@ -3858,79 +3993,106 @@
                     <a:pt x="5852092" y="1299398"/>
                   </a:lnTo>
                   <a:lnTo>
-                    <a:pt x="5627012" y="1299398"/>
-                  </a:lnTo>
-                  <a:lnTo>
-                    <a:pt x="5401931" y="1299398"/>
-                  </a:lnTo>
-                  <a:lnTo>
-                    <a:pt x="5176851" y="1293354"/>
-                  </a:lnTo>
-                  <a:lnTo>
-                    <a:pt x="4951770" y="1275005"/>
-                  </a:lnTo>
-                  <a:lnTo>
-                    <a:pt x="4726690" y="1244603"/>
-                  </a:lnTo>
-                  <a:lnTo>
-                    <a:pt x="4501609" y="1202622"/>
-                  </a:lnTo>
-                  <a:lnTo>
-                    <a:pt x="4276529" y="1149911"/>
-                  </a:lnTo>
-                  <a:lnTo>
-                    <a:pt x="4051448" y="1088161"/>
-                  </a:lnTo>
-                  <a:lnTo>
-                    <a:pt x="3826368" y="1021614"/>
-                  </a:lnTo>
-                  <a:lnTo>
-                    <a:pt x="3601287" y="961586"/>
-                  </a:lnTo>
-                  <a:lnTo>
-                    <a:pt x="3376207" y="917733"/>
-                  </a:lnTo>
-                  <a:lnTo>
-                    <a:pt x="3151126" y="875618"/>
-                  </a:lnTo>
-                  <a:lnTo>
-                    <a:pt x="2926046" y="826472"/>
-                  </a:lnTo>
-                  <a:lnTo>
-                    <a:pt x="2700965" y="768165"/>
-                  </a:lnTo>
-                  <a:lnTo>
-                    <a:pt x="2475885" y="700724"/>
-                  </a:lnTo>
-                  <a:lnTo>
-                    <a:pt x="2250804" y="625591"/>
-                  </a:lnTo>
-                  <a:lnTo>
-                    <a:pt x="2025724" y="547046"/>
-                  </a:lnTo>
-                  <a:lnTo>
-                    <a:pt x="1800643" y="476749"/>
-                  </a:lnTo>
-                  <a:lnTo>
-                    <a:pt x="1575563" y="430278"/>
-                  </a:lnTo>
-                  <a:lnTo>
-                    <a:pt x="1350482" y="399971"/>
-                  </a:lnTo>
-                  <a:lnTo>
-                    <a:pt x="1125402" y="377420"/>
-                  </a:lnTo>
-                  <a:lnTo>
-                    <a:pt x="900321" y="360057"/>
-                  </a:lnTo>
-                  <a:lnTo>
-                    <a:pt x="675241" y="346974"/>
-                  </a:lnTo>
-                  <a:lnTo>
-                    <a:pt x="450160" y="337787"/>
-                  </a:lnTo>
-                  <a:lnTo>
-                    <a:pt x="225080" y="332313"/>
+                    <a:pt x="5684890" y="1299398"/>
+                  </a:lnTo>
+                  <a:lnTo>
+                    <a:pt x="5517687" y="1299398"/>
+                  </a:lnTo>
+                  <a:lnTo>
+                    <a:pt x="5350484" y="1299398"/>
+                  </a:lnTo>
+                  <a:lnTo>
+                    <a:pt x="5183282" y="1299398"/>
+                  </a:lnTo>
+                  <a:lnTo>
+                    <a:pt x="5016079" y="1299398"/>
+                  </a:lnTo>
+                  <a:lnTo>
+                    <a:pt x="4848876" y="1299398"/>
+                  </a:lnTo>
+                  <a:lnTo>
+                    <a:pt x="4681674" y="1299398"/>
+                  </a:lnTo>
+                  <a:lnTo>
+                    <a:pt x="4514471" y="1299398"/>
+                  </a:lnTo>
+                  <a:lnTo>
+                    <a:pt x="4347268" y="1299398"/>
+                  </a:lnTo>
+                  <a:lnTo>
+                    <a:pt x="4180066" y="1299398"/>
+                  </a:lnTo>
+                  <a:lnTo>
+                    <a:pt x="4012863" y="1299398"/>
+                  </a:lnTo>
+                  <a:lnTo>
+                    <a:pt x="3845660" y="1293354"/>
+                  </a:lnTo>
+                  <a:lnTo>
+                    <a:pt x="3678458" y="1275005"/>
+                  </a:lnTo>
+                  <a:lnTo>
+                    <a:pt x="3511255" y="1244603"/>
+                  </a:lnTo>
+                  <a:lnTo>
+                    <a:pt x="3344053" y="1202622"/>
+                  </a:lnTo>
+                  <a:lnTo>
+                    <a:pt x="3176850" y="1149911"/>
+                  </a:lnTo>
+                  <a:lnTo>
+                    <a:pt x="3009647" y="1088161"/>
+                  </a:lnTo>
+                  <a:lnTo>
+                    <a:pt x="2842445" y="1021614"/>
+                  </a:lnTo>
+                  <a:lnTo>
+                    <a:pt x="2675242" y="961586"/>
+                  </a:lnTo>
+                  <a:lnTo>
+                    <a:pt x="2508039" y="917733"/>
+                  </a:lnTo>
+                  <a:lnTo>
+                    <a:pt x="2340837" y="875618"/>
+                  </a:lnTo>
+                  <a:lnTo>
+                    <a:pt x="2173634" y="826472"/>
+                  </a:lnTo>
+                  <a:lnTo>
+                    <a:pt x="2006431" y="768165"/>
+                  </a:lnTo>
+                  <a:lnTo>
+                    <a:pt x="1839229" y="700724"/>
+                  </a:lnTo>
+                  <a:lnTo>
+                    <a:pt x="1672026" y="625591"/>
+                  </a:lnTo>
+                  <a:lnTo>
+                    <a:pt x="1504823" y="547046"/>
+                  </a:lnTo>
+                  <a:lnTo>
+                    <a:pt x="1337621" y="476749"/>
+                  </a:lnTo>
+                  <a:lnTo>
+                    <a:pt x="1170418" y="430278"/>
+                  </a:lnTo>
+                  <a:lnTo>
+                    <a:pt x="1003215" y="399971"/>
+                  </a:lnTo>
+                  <a:lnTo>
+                    <a:pt x="836013" y="377420"/>
+                  </a:lnTo>
+                  <a:lnTo>
+                    <a:pt x="668810" y="360057"/>
+                  </a:lnTo>
+                  <a:lnTo>
+                    <a:pt x="501607" y="346974"/>
+                  </a:lnTo>
+                  <a:lnTo>
+                    <a:pt x="334405" y="337787"/>
+                  </a:lnTo>
+                  <a:lnTo>
+                    <a:pt x="167202" y="332313"/>
                   </a:lnTo>
                   <a:lnTo>
                     <a:pt x="0" y="330468"/>
@@ -3970,79 +4132,106 @@
                     <a:pt x="0" y="0"/>
                   </a:moveTo>
                   <a:lnTo>
-                    <a:pt x="225080" y="6045"/>
-                  </a:lnTo>
-                  <a:lnTo>
-                    <a:pt x="450160" y="23924"/>
-                  </a:lnTo>
-                  <a:lnTo>
-                    <a:pt x="675241" y="53707"/>
-                  </a:lnTo>
-                  <a:lnTo>
-                    <a:pt x="900321" y="95478"/>
-                  </a:lnTo>
-                  <a:lnTo>
-                    <a:pt x="1125402" y="149229"/>
-                  </a:lnTo>
-                  <a:lnTo>
-                    <a:pt x="1350482" y="214558"/>
-                  </a:lnTo>
-                  <a:lnTo>
-                    <a:pt x="1575563" y="289536"/>
-                  </a:lnTo>
-                  <a:lnTo>
-                    <a:pt x="1800643" y="366554"/>
-                  </a:lnTo>
-                  <a:lnTo>
-                    <a:pt x="2025724" y="427854"/>
-                  </a:lnTo>
-                  <a:lnTo>
-                    <a:pt x="2250804" y="478483"/>
-                  </a:lnTo>
-                  <a:lnTo>
-                    <a:pt x="2475885" y="529675"/>
-                  </a:lnTo>
-                  <a:lnTo>
-                    <a:pt x="2700965" y="585368"/>
-                  </a:lnTo>
-                  <a:lnTo>
-                    <a:pt x="2926046" y="646760"/>
-                  </a:lnTo>
-                  <a:lnTo>
-                    <a:pt x="3151126" y="713749"/>
-                  </a:lnTo>
-                  <a:lnTo>
-                    <a:pt x="3376207" y="784203"/>
-                  </a:lnTo>
-                  <a:lnTo>
-                    <a:pt x="3601287" y="849500"/>
-                  </a:lnTo>
-                  <a:lnTo>
-                    <a:pt x="3826368" y="891039"/>
-                  </a:lnTo>
-                  <a:lnTo>
-                    <a:pt x="4051448" y="913918"/>
-                  </a:lnTo>
-                  <a:lnTo>
-                    <a:pt x="4276529" y="928880"/>
-                  </a:lnTo>
-                  <a:lnTo>
-                    <a:pt x="4501609" y="939649"/>
-                  </a:lnTo>
-                  <a:lnTo>
-                    <a:pt x="4726690" y="947481"/>
-                  </a:lnTo>
-                  <a:lnTo>
-                    <a:pt x="4951770" y="952870"/>
-                  </a:lnTo>
-                  <a:lnTo>
-                    <a:pt x="5176851" y="956031"/>
-                  </a:lnTo>
-                  <a:lnTo>
-                    <a:pt x="5401931" y="957059"/>
-                  </a:lnTo>
-                  <a:lnTo>
-                    <a:pt x="5627012" y="957059"/>
+                    <a:pt x="167202" y="6045"/>
+                  </a:lnTo>
+                  <a:lnTo>
+                    <a:pt x="334405" y="23924"/>
+                  </a:lnTo>
+                  <a:lnTo>
+                    <a:pt x="501607" y="53707"/>
+                  </a:lnTo>
+                  <a:lnTo>
+                    <a:pt x="668810" y="95478"/>
+                  </a:lnTo>
+                  <a:lnTo>
+                    <a:pt x="836013" y="149229"/>
+                  </a:lnTo>
+                  <a:lnTo>
+                    <a:pt x="1003215" y="214558"/>
+                  </a:lnTo>
+                  <a:lnTo>
+                    <a:pt x="1170418" y="289536"/>
+                  </a:lnTo>
+                  <a:lnTo>
+                    <a:pt x="1337621" y="366554"/>
+                  </a:lnTo>
+                  <a:lnTo>
+                    <a:pt x="1504823" y="427854"/>
+                  </a:lnTo>
+                  <a:lnTo>
+                    <a:pt x="1672026" y="478483"/>
+                  </a:lnTo>
+                  <a:lnTo>
+                    <a:pt x="1839229" y="529675"/>
+                  </a:lnTo>
+                  <a:lnTo>
+                    <a:pt x="2006431" y="585368"/>
+                  </a:lnTo>
+                  <a:lnTo>
+                    <a:pt x="2173634" y="646760"/>
+                  </a:lnTo>
+                  <a:lnTo>
+                    <a:pt x="2340837" y="713749"/>
+                  </a:lnTo>
+                  <a:lnTo>
+                    <a:pt x="2508039" y="784203"/>
+                  </a:lnTo>
+                  <a:lnTo>
+                    <a:pt x="2675242" y="849500"/>
+                  </a:lnTo>
+                  <a:lnTo>
+                    <a:pt x="2842445" y="891039"/>
+                  </a:lnTo>
+                  <a:lnTo>
+                    <a:pt x="3009647" y="913918"/>
+                  </a:lnTo>
+                  <a:lnTo>
+                    <a:pt x="3176850" y="928880"/>
+                  </a:lnTo>
+                  <a:lnTo>
+                    <a:pt x="3344053" y="939649"/>
+                  </a:lnTo>
+                  <a:lnTo>
+                    <a:pt x="3511255" y="947481"/>
+                  </a:lnTo>
+                  <a:lnTo>
+                    <a:pt x="3678458" y="952870"/>
+                  </a:lnTo>
+                  <a:lnTo>
+                    <a:pt x="3845660" y="956031"/>
+                  </a:lnTo>
+                  <a:lnTo>
+                    <a:pt x="4012863" y="957059"/>
+                  </a:lnTo>
+                  <a:lnTo>
+                    <a:pt x="4180066" y="957059"/>
+                  </a:lnTo>
+                  <a:lnTo>
+                    <a:pt x="4347268" y="957059"/>
+                  </a:lnTo>
+                  <a:lnTo>
+                    <a:pt x="4514471" y="957059"/>
+                  </a:lnTo>
+                  <a:lnTo>
+                    <a:pt x="4681674" y="957059"/>
+                  </a:lnTo>
+                  <a:lnTo>
+                    <a:pt x="4848876" y="957059"/>
+                  </a:lnTo>
+                  <a:lnTo>
+                    <a:pt x="5016079" y="957059"/>
+                  </a:lnTo>
+                  <a:lnTo>
+                    <a:pt x="5183282" y="957059"/>
+                  </a:lnTo>
+                  <a:lnTo>
+                    <a:pt x="5350484" y="957059"/>
+                  </a:lnTo>
+                  <a:lnTo>
+                    <a:pt x="5517687" y="957059"/>
+                  </a:lnTo>
+                  <a:lnTo>
+                    <a:pt x="5684890" y="957059"/>
                   </a:lnTo>
                   <a:lnTo>
                     <a:pt x="5852092" y="957059"/>
@@ -4079,79 +4268,106 @@
                     <a:pt x="5852092" y="968929"/>
                   </a:moveTo>
                   <a:lnTo>
-                    <a:pt x="5627012" y="968929"/>
-                  </a:lnTo>
-                  <a:lnTo>
-                    <a:pt x="5401931" y="968929"/>
-                  </a:lnTo>
-                  <a:lnTo>
-                    <a:pt x="5176851" y="962885"/>
-                  </a:lnTo>
-                  <a:lnTo>
-                    <a:pt x="4951770" y="944536"/>
-                  </a:lnTo>
-                  <a:lnTo>
-                    <a:pt x="4726690" y="914134"/>
-                  </a:lnTo>
-                  <a:lnTo>
-                    <a:pt x="4501609" y="872154"/>
-                  </a:lnTo>
-                  <a:lnTo>
-                    <a:pt x="4276529" y="819442"/>
-                  </a:lnTo>
-                  <a:lnTo>
-                    <a:pt x="4051448" y="757692"/>
-                  </a:lnTo>
-                  <a:lnTo>
-                    <a:pt x="3826368" y="691145"/>
-                  </a:lnTo>
-                  <a:lnTo>
-                    <a:pt x="3601287" y="631118"/>
-                  </a:lnTo>
-                  <a:lnTo>
-                    <a:pt x="3376207" y="587264"/>
-                  </a:lnTo>
-                  <a:lnTo>
-                    <a:pt x="3151126" y="545149"/>
-                  </a:lnTo>
-                  <a:lnTo>
-                    <a:pt x="2926046" y="496003"/>
-                  </a:lnTo>
-                  <a:lnTo>
-                    <a:pt x="2700965" y="437696"/>
-                  </a:lnTo>
-                  <a:lnTo>
-                    <a:pt x="2475885" y="370255"/>
-                  </a:lnTo>
-                  <a:lnTo>
-                    <a:pt x="2250804" y="295122"/>
-                  </a:lnTo>
-                  <a:lnTo>
-                    <a:pt x="2025724" y="216577"/>
-                  </a:lnTo>
-                  <a:lnTo>
-                    <a:pt x="1800643" y="146280"/>
-                  </a:lnTo>
-                  <a:lnTo>
-                    <a:pt x="1575563" y="99809"/>
-                  </a:lnTo>
-                  <a:lnTo>
-                    <a:pt x="1350482" y="69502"/>
-                  </a:lnTo>
-                  <a:lnTo>
-                    <a:pt x="1125402" y="46951"/>
-                  </a:lnTo>
-                  <a:lnTo>
-                    <a:pt x="900321" y="29588"/>
-                  </a:lnTo>
-                  <a:lnTo>
-                    <a:pt x="675241" y="16505"/>
-                  </a:lnTo>
-                  <a:lnTo>
-                    <a:pt x="450160" y="7318"/>
-                  </a:lnTo>
-                  <a:lnTo>
-                    <a:pt x="225080" y="1844"/>
+                    <a:pt x="5684890" y="968929"/>
+                  </a:lnTo>
+                  <a:lnTo>
+                    <a:pt x="5517687" y="968929"/>
+                  </a:lnTo>
+                  <a:lnTo>
+                    <a:pt x="5350484" y="968929"/>
+                  </a:lnTo>
+                  <a:lnTo>
+                    <a:pt x="5183282" y="968929"/>
+                  </a:lnTo>
+                  <a:lnTo>
+                    <a:pt x="5016079" y="968929"/>
+                  </a:lnTo>
+                  <a:lnTo>
+                    <a:pt x="4848876" y="968929"/>
+                  </a:lnTo>
+                  <a:lnTo>
+                    <a:pt x="4681674" y="968929"/>
+                  </a:lnTo>
+                  <a:lnTo>
+                    <a:pt x="4514471" y="968929"/>
+                  </a:lnTo>
+                  <a:lnTo>
+                    <a:pt x="4347268" y="968929"/>
+                  </a:lnTo>
+                  <a:lnTo>
+                    <a:pt x="4180066" y="968929"/>
+                  </a:lnTo>
+                  <a:lnTo>
+                    <a:pt x="4012863" y="968929"/>
+                  </a:lnTo>
+                  <a:lnTo>
+                    <a:pt x="3845660" y="962885"/>
+                  </a:lnTo>
+                  <a:lnTo>
+                    <a:pt x="3678458" y="944536"/>
+                  </a:lnTo>
+                  <a:lnTo>
+                    <a:pt x="3511255" y="914134"/>
+                  </a:lnTo>
+                  <a:lnTo>
+                    <a:pt x="3344053" y="872154"/>
+                  </a:lnTo>
+                  <a:lnTo>
+                    <a:pt x="3176850" y="819442"/>
+                  </a:lnTo>
+                  <a:lnTo>
+                    <a:pt x="3009647" y="757692"/>
+                  </a:lnTo>
+                  <a:lnTo>
+                    <a:pt x="2842445" y="691145"/>
+                  </a:lnTo>
+                  <a:lnTo>
+                    <a:pt x="2675242" y="631118"/>
+                  </a:lnTo>
+                  <a:lnTo>
+                    <a:pt x="2508039" y="587264"/>
+                  </a:lnTo>
+                  <a:lnTo>
+                    <a:pt x="2340837" y="545149"/>
+                  </a:lnTo>
+                  <a:lnTo>
+                    <a:pt x="2173634" y="496003"/>
+                  </a:lnTo>
+                  <a:lnTo>
+                    <a:pt x="2006431" y="437696"/>
+                  </a:lnTo>
+                  <a:lnTo>
+                    <a:pt x="1839229" y="370255"/>
+                  </a:lnTo>
+                  <a:lnTo>
+                    <a:pt x="1672026" y="295122"/>
+                  </a:lnTo>
+                  <a:lnTo>
+                    <a:pt x="1504823" y="216577"/>
+                  </a:lnTo>
+                  <a:lnTo>
+                    <a:pt x="1337621" y="146280"/>
+                  </a:lnTo>
+                  <a:lnTo>
+                    <a:pt x="1170418" y="99809"/>
+                  </a:lnTo>
+                  <a:lnTo>
+                    <a:pt x="1003215" y="69502"/>
+                  </a:lnTo>
+                  <a:lnTo>
+                    <a:pt x="836013" y="46951"/>
+                  </a:lnTo>
+                  <a:lnTo>
+                    <a:pt x="668810" y="29588"/>
+                  </a:lnTo>
+                  <a:lnTo>
+                    <a:pt x="501607" y="16505"/>
+                  </a:lnTo>
+                  <a:lnTo>
+                    <a:pt x="334405" y="7318"/>
+                  </a:lnTo>
+                  <a:lnTo>
+                    <a:pt x="167202" y="1844"/>
                   </a:lnTo>
                   <a:lnTo>
                     <a:pt x="0" y="0"/>
@@ -4188,79 +4404,106 @@
                     <a:pt x="0" y="0"/>
                   </a:moveTo>
                   <a:lnTo>
-                    <a:pt x="225080" y="664"/>
-                  </a:lnTo>
-                  <a:lnTo>
-                    <a:pt x="450160" y="2627"/>
-                  </a:lnTo>
-                  <a:lnTo>
-                    <a:pt x="675241" y="5889"/>
-                  </a:lnTo>
-                  <a:lnTo>
-                    <a:pt x="900321" y="10455"/>
-                  </a:lnTo>
-                  <a:lnTo>
-                    <a:pt x="1125402" y="16327"/>
-                  </a:lnTo>
-                  <a:lnTo>
-                    <a:pt x="1350482" y="23510"/>
-                  </a:lnTo>
-                  <a:lnTo>
-                    <a:pt x="1575563" y="32011"/>
-                  </a:lnTo>
-                  <a:lnTo>
-                    <a:pt x="1800643" y="41838"/>
-                  </a:lnTo>
-                  <a:lnTo>
-                    <a:pt x="2025724" y="55029"/>
-                  </a:lnTo>
-                  <a:lnTo>
-                    <a:pt x="2250804" y="73559"/>
-                  </a:lnTo>
-                  <a:lnTo>
-                    <a:pt x="2475885" y="97490"/>
-                  </a:lnTo>
-                  <a:lnTo>
-                    <a:pt x="2700965" y="126909"/>
-                  </a:lnTo>
-                  <a:lnTo>
-                    <a:pt x="2926046" y="161920"/>
-                  </a:lnTo>
-                  <a:lnTo>
-                    <a:pt x="3151126" y="202651"/>
-                  </a:lnTo>
-                  <a:lnTo>
-                    <a:pt x="3376207" y="249252"/>
-                  </a:lnTo>
-                  <a:lnTo>
-                    <a:pt x="3601287" y="301899"/>
-                  </a:lnTo>
-                  <a:lnTo>
-                    <a:pt x="3826368" y="354304"/>
-                  </a:lnTo>
-                  <a:lnTo>
-                    <a:pt x="4051448" y="400199"/>
-                  </a:lnTo>
-                  <a:lnTo>
-                    <a:pt x="4276529" y="439381"/>
-                  </a:lnTo>
-                  <a:lnTo>
-                    <a:pt x="4501609" y="471674"/>
-                  </a:lnTo>
-                  <a:lnTo>
-                    <a:pt x="4726690" y="496929"/>
-                  </a:lnTo>
-                  <a:lnTo>
-                    <a:pt x="4951770" y="515028"/>
-                  </a:lnTo>
-                  <a:lnTo>
-                    <a:pt x="5176851" y="525888"/>
-                  </a:lnTo>
-                  <a:lnTo>
-                    <a:pt x="5401931" y="529455"/>
-                  </a:lnTo>
-                  <a:lnTo>
-                    <a:pt x="5627012" y="529455"/>
+                    <a:pt x="167202" y="664"/>
+                  </a:lnTo>
+                  <a:lnTo>
+                    <a:pt x="334405" y="2627"/>
+                  </a:lnTo>
+                  <a:lnTo>
+                    <a:pt x="501607" y="5889"/>
+                  </a:lnTo>
+                  <a:lnTo>
+                    <a:pt x="668810" y="10455"/>
+                  </a:lnTo>
+                  <a:lnTo>
+                    <a:pt x="836013" y="16327"/>
+                  </a:lnTo>
+                  <a:lnTo>
+                    <a:pt x="1003215" y="23510"/>
+                  </a:lnTo>
+                  <a:lnTo>
+                    <a:pt x="1170418" y="32011"/>
+                  </a:lnTo>
+                  <a:lnTo>
+                    <a:pt x="1337621" y="41838"/>
+                  </a:lnTo>
+                  <a:lnTo>
+                    <a:pt x="1504823" y="55029"/>
+                  </a:lnTo>
+                  <a:lnTo>
+                    <a:pt x="1672026" y="73559"/>
+                  </a:lnTo>
+                  <a:lnTo>
+                    <a:pt x="1839229" y="97490"/>
+                  </a:lnTo>
+                  <a:lnTo>
+                    <a:pt x="2006431" y="126909"/>
+                  </a:lnTo>
+                  <a:lnTo>
+                    <a:pt x="2173634" y="161920"/>
+                  </a:lnTo>
+                  <a:lnTo>
+                    <a:pt x="2340837" y="202651"/>
+                  </a:lnTo>
+                  <a:lnTo>
+                    <a:pt x="2508039" y="249252"/>
+                  </a:lnTo>
+                  <a:lnTo>
+                    <a:pt x="2675242" y="301899"/>
+                  </a:lnTo>
+                  <a:lnTo>
+                    <a:pt x="2842445" y="354304"/>
+                  </a:lnTo>
+                  <a:lnTo>
+                    <a:pt x="3009647" y="400199"/>
+                  </a:lnTo>
+                  <a:lnTo>
+                    <a:pt x="3176850" y="439381"/>
+                  </a:lnTo>
+                  <a:lnTo>
+                    <a:pt x="3344053" y="471674"/>
+                  </a:lnTo>
+                  <a:lnTo>
+                    <a:pt x="3511255" y="496929"/>
+                  </a:lnTo>
+                  <a:lnTo>
+                    <a:pt x="3678458" y="515028"/>
+                  </a:lnTo>
+                  <a:lnTo>
+                    <a:pt x="3845660" y="525888"/>
+                  </a:lnTo>
+                  <a:lnTo>
+                    <a:pt x="4012863" y="529455"/>
+                  </a:lnTo>
+                  <a:lnTo>
+                    <a:pt x="4180066" y="529455"/>
+                  </a:lnTo>
+                  <a:lnTo>
+                    <a:pt x="4347268" y="529455"/>
+                  </a:lnTo>
+                  <a:lnTo>
+                    <a:pt x="4514471" y="529455"/>
+                  </a:lnTo>
+                  <a:lnTo>
+                    <a:pt x="4681674" y="529455"/>
+                  </a:lnTo>
+                  <a:lnTo>
+                    <a:pt x="4848876" y="529455"/>
+                  </a:lnTo>
+                  <a:lnTo>
+                    <a:pt x="5016079" y="529455"/>
+                  </a:lnTo>
+                  <a:lnTo>
+                    <a:pt x="5183282" y="529455"/>
+                  </a:lnTo>
+                  <a:lnTo>
+                    <a:pt x="5350484" y="529455"/>
+                  </a:lnTo>
+                  <a:lnTo>
+                    <a:pt x="5517687" y="529455"/>
+                  </a:lnTo>
+                  <a:lnTo>
+                    <a:pt x="5684890" y="529455"/>
                   </a:lnTo>
                   <a:lnTo>
                     <a:pt x="5852092" y="529455"/>
@@ -4306,79 +4549,106 @@
                     <a:pt x="0" y="0"/>
                   </a:moveTo>
                   <a:lnTo>
-                    <a:pt x="225080" y="4019"/>
-                  </a:lnTo>
-                  <a:lnTo>
-                    <a:pt x="450160" y="15912"/>
-                  </a:lnTo>
-                  <a:lnTo>
-                    <a:pt x="675241" y="35737"/>
-                  </a:lnTo>
-                  <a:lnTo>
-                    <a:pt x="900321" y="63599"/>
-                  </a:lnTo>
-                  <a:lnTo>
-                    <a:pt x="1125402" y="99644"/>
-                  </a:lnTo>
-                  <a:lnTo>
-                    <a:pt x="1350482" y="144065"/>
-                  </a:lnTo>
-                  <a:lnTo>
-                    <a:pt x="1575563" y="197104"/>
-                  </a:lnTo>
-                  <a:lnTo>
-                    <a:pt x="1800643" y="259056"/>
-                  </a:lnTo>
-                  <a:lnTo>
-                    <a:pt x="2025724" y="324799"/>
-                  </a:lnTo>
-                  <a:lnTo>
-                    <a:pt x="2250804" y="389184"/>
-                  </a:lnTo>
-                  <a:lnTo>
-                    <a:pt x="2475885" y="452139"/>
-                  </a:lnTo>
-                  <a:lnTo>
-                    <a:pt x="2700965" y="513593"/>
-                  </a:lnTo>
-                  <a:lnTo>
-                    <a:pt x="2926046" y="573473"/>
-                  </a:lnTo>
-                  <a:lnTo>
-                    <a:pt x="3151126" y="631706"/>
-                  </a:lnTo>
-                  <a:lnTo>
-                    <a:pt x="3376207" y="688218"/>
-                  </a:lnTo>
-                  <a:lnTo>
-                    <a:pt x="3601287" y="742937"/>
-                  </a:lnTo>
-                  <a:lnTo>
-                    <a:pt x="3826368" y="793598"/>
-                  </a:lnTo>
-                  <a:lnTo>
-                    <a:pt x="4051448" y="837949"/>
-                  </a:lnTo>
-                  <a:lnTo>
-                    <a:pt x="4276529" y="875802"/>
-                  </a:lnTo>
-                  <a:lnTo>
-                    <a:pt x="4501609" y="906990"/>
-                  </a:lnTo>
-                  <a:lnTo>
-                    <a:pt x="4726690" y="931376"/>
-                  </a:lnTo>
-                  <a:lnTo>
-                    <a:pt x="4951770" y="948851"/>
-                  </a:lnTo>
-                  <a:lnTo>
-                    <a:pt x="5176851" y="959333"/>
-                  </a:lnTo>
-                  <a:lnTo>
-                    <a:pt x="5401931" y="962777"/>
-                  </a:lnTo>
-                  <a:lnTo>
-                    <a:pt x="5627012" y="962777"/>
+                    <a:pt x="167202" y="4019"/>
+                  </a:lnTo>
+                  <a:lnTo>
+                    <a:pt x="334405" y="15912"/>
+                  </a:lnTo>
+                  <a:lnTo>
+                    <a:pt x="501607" y="35737"/>
+                  </a:lnTo>
+                  <a:lnTo>
+                    <a:pt x="668810" y="63599"/>
+                  </a:lnTo>
+                  <a:lnTo>
+                    <a:pt x="836013" y="99644"/>
+                  </a:lnTo>
+                  <a:lnTo>
+                    <a:pt x="1003215" y="144065"/>
+                  </a:lnTo>
+                  <a:lnTo>
+                    <a:pt x="1170418" y="197104"/>
+                  </a:lnTo>
+                  <a:lnTo>
+                    <a:pt x="1337621" y="259056"/>
+                  </a:lnTo>
+                  <a:lnTo>
+                    <a:pt x="1504823" y="324799"/>
+                  </a:lnTo>
+                  <a:lnTo>
+                    <a:pt x="1672026" y="389184"/>
+                  </a:lnTo>
+                  <a:lnTo>
+                    <a:pt x="1839229" y="452139"/>
+                  </a:lnTo>
+                  <a:lnTo>
+                    <a:pt x="2006431" y="513593"/>
+                  </a:lnTo>
+                  <a:lnTo>
+                    <a:pt x="2173634" y="573473"/>
+                  </a:lnTo>
+                  <a:lnTo>
+                    <a:pt x="2340837" y="631706"/>
+                  </a:lnTo>
+                  <a:lnTo>
+                    <a:pt x="2508039" y="688218"/>
+                  </a:lnTo>
+                  <a:lnTo>
+                    <a:pt x="2675242" y="742937"/>
+                  </a:lnTo>
+                  <a:lnTo>
+                    <a:pt x="2842445" y="793598"/>
+                  </a:lnTo>
+                  <a:lnTo>
+                    <a:pt x="3009647" y="837949"/>
+                  </a:lnTo>
+                  <a:lnTo>
+                    <a:pt x="3176850" y="875802"/>
+                  </a:lnTo>
+                  <a:lnTo>
+                    <a:pt x="3344053" y="906990"/>
+                  </a:lnTo>
+                  <a:lnTo>
+                    <a:pt x="3511255" y="931376"/>
+                  </a:lnTo>
+                  <a:lnTo>
+                    <a:pt x="3678458" y="948851"/>
+                  </a:lnTo>
+                  <a:lnTo>
+                    <a:pt x="3845660" y="959333"/>
+                  </a:lnTo>
+                  <a:lnTo>
+                    <a:pt x="4012863" y="962777"/>
+                  </a:lnTo>
+                  <a:lnTo>
+                    <a:pt x="4180066" y="962777"/>
+                  </a:lnTo>
+                  <a:lnTo>
+                    <a:pt x="4347268" y="962777"/>
+                  </a:lnTo>
+                  <a:lnTo>
+                    <a:pt x="4514471" y="962777"/>
+                  </a:lnTo>
+                  <a:lnTo>
+                    <a:pt x="4681674" y="962777"/>
+                  </a:lnTo>
+                  <a:lnTo>
+                    <a:pt x="4848876" y="962777"/>
+                  </a:lnTo>
+                  <a:lnTo>
+                    <a:pt x="5016079" y="962777"/>
+                  </a:lnTo>
+                  <a:lnTo>
+                    <a:pt x="5183282" y="962777"/>
+                  </a:lnTo>
+                  <a:lnTo>
+                    <a:pt x="5350484" y="962777"/>
+                  </a:lnTo>
+                  <a:lnTo>
+                    <a:pt x="5517687" y="962777"/>
+                  </a:lnTo>
+                  <a:lnTo>
+                    <a:pt x="5684890" y="962777"/>
                   </a:lnTo>
                   <a:lnTo>
                     <a:pt x="5852092" y="962777"/>
@@ -4800,7 +5070,7 @@
           </p:nvSpPr>
           <p:spPr>
             <a:xfrm>
-              <a:off x="5722840" y="4426423"/>
+              <a:off x="5491328" y="4426423"/>
               <a:ext cx="0" cy="34794"/>
             </a:xfrm>
             <a:custGeom>
@@ -4840,7 +5110,7 @@
           </p:nvSpPr>
           <p:spPr>
             <a:xfrm>
-              <a:off x="7298403" y="4426423"/>
+              <a:off x="6661747" y="4426423"/>
               <a:ext cx="0" cy="34794"/>
             </a:xfrm>
             <a:custGeom>
@@ -4880,7 +5150,7 @@
           </p:nvSpPr>
           <p:spPr>
             <a:xfrm>
-              <a:off x="8873967" y="4426423"/>
+              <a:off x="7832165" y="4426423"/>
               <a:ext cx="0" cy="34794"/>
             </a:xfrm>
             <a:custGeom>
@@ -4920,7 +5190,7 @@
           </p:nvSpPr>
           <p:spPr>
             <a:xfrm>
-              <a:off x="10449530" y="4426423"/>
+              <a:off x="9002584" y="4426423"/>
               <a:ext cx="0" cy="34794"/>
             </a:xfrm>
             <a:custGeom>
@@ -4954,13 +5224,53 @@
         </p:sp>
         <p:sp>
           <p:nvSpPr>
-            <p:cNvPr id="30" name="tx30"/>
+            <p:cNvPr id="30" name="pl30"/>
             <p:cNvSpPr/>
             <p:nvPr/>
           </p:nvSpPr>
           <p:spPr>
             <a:xfrm>
-              <a:off x="5539811" y="4487208"/>
+              <a:off x="10173003" y="4426423"/>
+              <a:ext cx="0" cy="34794"/>
+            </a:xfrm>
+            <a:custGeom>
+              <a:avLst/>
+              <a:pathLst>
+                <a:path w="0" h="34794">
+                  <a:moveTo>
+                    <a:pt x="0" y="34794"/>
+                  </a:moveTo>
+                  <a:lnTo>
+                    <a:pt x="0" y="0"/>
+                  </a:lnTo>
+                </a:path>
+              </a:pathLst>
+            </a:custGeom>
+            <a:ln w="13550" cap="flat">
+              <a:solidFill>
+                <a:srgbClr val="333333">
+                  <a:alpha val="100000"/>
+                </a:srgbClr>
+              </a:solidFill>
+              <a:prstDash val="solid"/>
+              <a:round/>
+            </a:ln>
+          </p:spPr>
+          <p:txBody>
+            <a:bodyPr/>
+            <a:lstStyle/>
+            <a:p/>
+          </p:txBody>
+        </p:sp>
+        <p:sp>
+          <p:nvSpPr>
+            <p:cNvPr id="31" name="tx31"/>
+            <p:cNvSpPr/>
+            <p:nvPr/>
+          </p:nvSpPr>
+          <p:spPr>
+            <a:xfrm>
+              <a:off x="5308299" y="4487208"/>
               <a:ext cx="366057" cy="89118"/>
             </a:xfrm>
             <a:prstGeom prst="rect">
@@ -5000,13 +5310,13 @@
         </p:sp>
         <p:sp>
           <p:nvSpPr>
-            <p:cNvPr id="31" name="tx31"/>
+            <p:cNvPr id="32" name="tx32"/>
             <p:cNvSpPr/>
             <p:nvPr/>
           </p:nvSpPr>
           <p:spPr>
             <a:xfrm>
-              <a:off x="7115374" y="4487208"/>
+              <a:off x="6478718" y="4487208"/>
               <a:ext cx="366057" cy="89118"/>
             </a:xfrm>
             <a:prstGeom prst="rect">
@@ -5046,13 +5356,13 @@
         </p:sp>
         <p:sp>
           <p:nvSpPr>
-            <p:cNvPr id="32" name="tx32"/>
+            <p:cNvPr id="33" name="tx33"/>
             <p:cNvSpPr/>
             <p:nvPr/>
           </p:nvSpPr>
           <p:spPr>
             <a:xfrm>
-              <a:off x="8684181" y="4487208"/>
+              <a:off x="7642380" y="4487208"/>
               <a:ext cx="379571" cy="89118"/>
             </a:xfrm>
             <a:prstGeom prst="rect">
@@ -5092,13 +5402,13 @@
         </p:sp>
         <p:sp>
           <p:nvSpPr>
-            <p:cNvPr id="33" name="tx33"/>
+            <p:cNvPr id="34" name="tx34"/>
             <p:cNvSpPr/>
             <p:nvPr/>
           </p:nvSpPr>
           <p:spPr>
             <a:xfrm>
-              <a:off x="10259744" y="4487208"/>
+              <a:off x="8812798" y="4487208"/>
               <a:ext cx="379571" cy="89118"/>
             </a:xfrm>
             <a:prstGeom prst="rect">
@@ -5138,7 +5448,53 @@
         </p:sp>
         <p:sp>
           <p:nvSpPr>
-            <p:cNvPr id="34" name="tx34"/>
+            <p:cNvPr id="35" name="tx35"/>
+            <p:cNvSpPr/>
+            <p:nvPr/>
+          </p:nvSpPr>
+          <p:spPr>
+            <a:xfrm>
+              <a:off x="9983217" y="4487208"/>
+              <a:ext cx="379571" cy="89118"/>
+            </a:xfrm>
+            <a:prstGeom prst="rect">
+              <a:avLst/>
+            </a:prstGeom>
+            <a:noFill/>
+          </p:spPr>
+          <p:txBody>
+            <a:bodyPr lIns="0" rIns="0" tIns="0" bIns="0" anchorCtr="1" anchor="ctr" wrap="none"/>
+            <a:lstStyle/>
+            <a:p>
+              <a:pPr algn="l" marL="0" marR="0" indent="0">
+                <a:lnSpc>
+                  <a:spcPts val="960"/>
+                </a:lnSpc>
+                <a:spcBef>
+                  <a:spcPts val="0"/>
+                </a:spcBef>
+                <a:spcAft>
+                  <a:spcPts val="0"/>
+                </a:spcAft>
+              </a:pPr>
+              <a:r>
+                <a:rPr sz="960">
+                  <a:solidFill>
+                    <a:srgbClr val="4D4D4D">
+                      <a:alpha val="100000"/>
+                    </a:srgbClr>
+                  </a:solidFill>
+                  <a:latin typeface="Arial"/>
+                  <a:cs typeface="Arial"/>
+                </a:rPr>
+                <a:t>Feb 15</a:t>
+              </a:r>
+            </a:p>
+          </p:txBody>
+        </p:sp>
+        <p:sp>
+          <p:nvSpPr>
+            <p:cNvPr id="36" name="tx36"/>
             <p:cNvSpPr/>
             <p:nvPr/>
           </p:nvSpPr>
@@ -5184,7 +5540,7 @@
         </p:sp>
         <p:sp>
           <p:nvSpPr>
-            <p:cNvPr id="35" name="rc35"/>
+            <p:cNvPr id="37" name="rc37"/>
             <p:cNvSpPr/>
             <p:nvPr/>
           </p:nvSpPr>
@@ -5210,7 +5566,7 @@
         </p:sp>
         <p:sp>
           <p:nvSpPr>
-            <p:cNvPr id="36" name="rc36"/>
+            <p:cNvPr id="38" name="rc38"/>
             <p:cNvSpPr/>
             <p:nvPr/>
           </p:nvSpPr>
@@ -5231,7 +5587,7 @@
         </p:sp>
         <p:sp>
           <p:nvSpPr>
-            <p:cNvPr id="37" name="rc37"/>
+            <p:cNvPr id="39" name="rc39"/>
             <p:cNvSpPr/>
             <p:nvPr/>
           </p:nvSpPr>
@@ -5257,7 +5613,7 @@
         </p:sp>
         <p:sp>
           <p:nvSpPr>
-            <p:cNvPr id="38" name="rc38"/>
+            <p:cNvPr id="40" name="rc40"/>
             <p:cNvSpPr/>
             <p:nvPr/>
           </p:nvSpPr>
@@ -5278,7 +5634,7 @@
         </p:sp>
         <p:sp>
           <p:nvSpPr>
-            <p:cNvPr id="39" name="rc39"/>
+            <p:cNvPr id="41" name="rc41"/>
             <p:cNvSpPr/>
             <p:nvPr/>
           </p:nvSpPr>
@@ -5304,7 +5660,7 @@
         </p:sp>
         <p:sp>
           <p:nvSpPr>
-            <p:cNvPr id="40" name="tx40"/>
+            <p:cNvPr id="42" name="tx42"/>
             <p:cNvSpPr/>
             <p:nvPr/>
           </p:nvSpPr>
@@ -5350,7 +5706,7 @@
         </p:sp>
         <p:sp>
           <p:nvSpPr>
-            <p:cNvPr id="41" name="tx41"/>
+            <p:cNvPr id="43" name="tx43"/>
             <p:cNvSpPr/>
             <p:nvPr/>
           </p:nvSpPr>
@@ -5396,7 +5752,7 @@
         </p:sp>
         <p:sp>
           <p:nvSpPr>
-            <p:cNvPr id="42" name="tx42"/>
+            <p:cNvPr id="44" name="tx44"/>
             <p:cNvSpPr/>
             <p:nvPr/>
           </p:nvSpPr>
@@ -5442,7 +5798,7 @@
         </p:sp>
         <p:sp>
           <p:nvSpPr>
-            <p:cNvPr id="43" name="rc43"/>
+            <p:cNvPr id="45" name="rc45"/>
             <p:cNvSpPr/>
             <p:nvPr/>
           </p:nvSpPr>
@@ -5468,99 +5824,13 @@
         </p:sp>
         <p:sp>
           <p:nvSpPr>
-            <p:cNvPr id="44" name="pl44"/>
+            <p:cNvPr id="46" name="pl46"/>
             <p:cNvSpPr/>
             <p:nvPr/>
           </p:nvSpPr>
           <p:spPr>
             <a:xfrm>
               <a:off x="4788644" y="8581835"/>
-              <a:ext cx="5885966" cy="0"/>
-            </a:xfrm>
-            <a:custGeom>
-              <a:avLst/>
-              <a:pathLst>
-                <a:path w="5885966" h="0">
-                  <a:moveTo>
-                    <a:pt x="0" y="0"/>
-                  </a:moveTo>
-                  <a:lnTo>
-                    <a:pt x="5885966" y="0"/>
-                  </a:lnTo>
-                  <a:lnTo>
-                    <a:pt x="5885966" y="0"/>
-                  </a:lnTo>
-                </a:path>
-              </a:pathLst>
-            </a:custGeom>
-            <a:ln w="13550" cap="flat">
-              <a:solidFill>
-                <a:srgbClr val="D8D8D8">
-                  <a:alpha val="100000"/>
-                </a:srgbClr>
-              </a:solidFill>
-              <a:prstDash val="solid"/>
-              <a:round/>
-            </a:ln>
-          </p:spPr>
-          <p:txBody>
-            <a:bodyPr/>
-            <a:lstStyle/>
-            <a:p/>
-          </p:txBody>
-        </p:sp>
-        <p:sp>
-          <p:nvSpPr>
-            <p:cNvPr id="45" name="pl45"/>
-            <p:cNvSpPr/>
-            <p:nvPr/>
-          </p:nvSpPr>
-          <p:spPr>
-            <a:xfrm>
-              <a:off x="4788644" y="7821054"/>
-              <a:ext cx="5885966" cy="0"/>
-            </a:xfrm>
-            <a:custGeom>
-              <a:avLst/>
-              <a:pathLst>
-                <a:path w="5885966" h="0">
-                  <a:moveTo>
-                    <a:pt x="0" y="0"/>
-                  </a:moveTo>
-                  <a:lnTo>
-                    <a:pt x="5885966" y="0"/>
-                  </a:lnTo>
-                  <a:lnTo>
-                    <a:pt x="5885966" y="0"/>
-                  </a:lnTo>
-                </a:path>
-              </a:pathLst>
-            </a:custGeom>
-            <a:ln w="13550" cap="flat">
-              <a:solidFill>
-                <a:srgbClr val="D8D8D8">
-                  <a:alpha val="100000"/>
-                </a:srgbClr>
-              </a:solidFill>
-              <a:prstDash val="solid"/>
-              <a:round/>
-            </a:ln>
-          </p:spPr>
-          <p:txBody>
-            <a:bodyPr/>
-            <a:lstStyle/>
-            <a:p/>
-          </p:txBody>
-        </p:sp>
-        <p:sp>
-          <p:nvSpPr>
-            <p:cNvPr id="46" name="pl46"/>
-            <p:cNvSpPr/>
-            <p:nvPr/>
-          </p:nvSpPr>
-          <p:spPr>
-            <a:xfrm>
-              <a:off x="4788644" y="7060272"/>
               <a:ext cx="5885966" cy="0"/>
             </a:xfrm>
             <a:custGeom>
@@ -5603,7 +5873,7 @@
           </p:nvSpPr>
           <p:spPr>
             <a:xfrm>
-              <a:off x="4788644" y="6299490"/>
+              <a:off x="4788644" y="7821054"/>
               <a:ext cx="5885966" cy="0"/>
             </a:xfrm>
             <a:custGeom>
@@ -5640,7 +5910,93 @@
         </p:sp>
         <p:sp>
           <p:nvSpPr>
-            <p:cNvPr id="48" name="pg48"/>
+            <p:cNvPr id="48" name="pl48"/>
+            <p:cNvSpPr/>
+            <p:nvPr/>
+          </p:nvSpPr>
+          <p:spPr>
+            <a:xfrm>
+              <a:off x="4788644" y="7060272"/>
+              <a:ext cx="5885966" cy="0"/>
+            </a:xfrm>
+            <a:custGeom>
+              <a:avLst/>
+              <a:pathLst>
+                <a:path w="5885966" h="0">
+                  <a:moveTo>
+                    <a:pt x="0" y="0"/>
+                  </a:moveTo>
+                  <a:lnTo>
+                    <a:pt x="5885966" y="0"/>
+                  </a:lnTo>
+                  <a:lnTo>
+                    <a:pt x="5885966" y="0"/>
+                  </a:lnTo>
+                </a:path>
+              </a:pathLst>
+            </a:custGeom>
+            <a:ln w="13550" cap="flat">
+              <a:solidFill>
+                <a:srgbClr val="D8D8D8">
+                  <a:alpha val="100000"/>
+                </a:srgbClr>
+              </a:solidFill>
+              <a:prstDash val="solid"/>
+              <a:round/>
+            </a:ln>
+          </p:spPr>
+          <p:txBody>
+            <a:bodyPr/>
+            <a:lstStyle/>
+            <a:p/>
+          </p:txBody>
+        </p:sp>
+        <p:sp>
+          <p:nvSpPr>
+            <p:cNvPr id="49" name="pl49"/>
+            <p:cNvSpPr/>
+            <p:nvPr/>
+          </p:nvSpPr>
+          <p:spPr>
+            <a:xfrm>
+              <a:off x="4788644" y="6299490"/>
+              <a:ext cx="5885966" cy="0"/>
+            </a:xfrm>
+            <a:custGeom>
+              <a:avLst/>
+              <a:pathLst>
+                <a:path w="5885966" h="0">
+                  <a:moveTo>
+                    <a:pt x="0" y="0"/>
+                  </a:moveTo>
+                  <a:lnTo>
+                    <a:pt x="5885966" y="0"/>
+                  </a:lnTo>
+                  <a:lnTo>
+                    <a:pt x="5885966" y="0"/>
+                  </a:lnTo>
+                </a:path>
+              </a:pathLst>
+            </a:custGeom>
+            <a:ln w="13550" cap="flat">
+              <a:solidFill>
+                <a:srgbClr val="D8D8D8">
+                  <a:alpha val="100000"/>
+                </a:srgbClr>
+              </a:solidFill>
+              <a:prstDash val="solid"/>
+              <a:round/>
+            </a:ln>
+          </p:spPr>
+          <p:txBody>
+            <a:bodyPr/>
+            <a:lstStyle/>
+            <a:p/>
+          </p:txBody>
+        </p:sp>
+        <p:sp>
+          <p:nvSpPr>
+            <p:cNvPr id="50" name="pg50"/>
             <p:cNvSpPr/>
             <p:nvPr/>
           </p:nvSpPr>
@@ -5657,79 +6013,106 @@
                     <a:pt x="0" y="0"/>
                   </a:moveTo>
                   <a:lnTo>
-                    <a:pt x="226383" y="27991"/>
-                  </a:lnTo>
-                  <a:lnTo>
-                    <a:pt x="452766" y="109759"/>
-                  </a:lnTo>
-                  <a:lnTo>
-                    <a:pt x="679149" y="242645"/>
-                  </a:lnTo>
-                  <a:lnTo>
-                    <a:pt x="905533" y="422173"/>
-                  </a:lnTo>
-                  <a:lnTo>
-                    <a:pt x="1131916" y="641760"/>
-                  </a:lnTo>
-                  <a:lnTo>
-                    <a:pt x="1358299" y="891539"/>
-                  </a:lnTo>
-                  <a:lnTo>
-                    <a:pt x="1584683" y="1153669"/>
-                  </a:lnTo>
-                  <a:lnTo>
-                    <a:pt x="1811066" y="1385629"/>
-                  </a:lnTo>
-                  <a:lnTo>
-                    <a:pt x="2037449" y="1516954"/>
-                  </a:lnTo>
-                  <a:lnTo>
-                    <a:pt x="2263833" y="1588619"/>
-                  </a:lnTo>
-                  <a:lnTo>
-                    <a:pt x="2490216" y="1651971"/>
-                  </a:lnTo>
-                  <a:lnTo>
-                    <a:pt x="2716599" y="1722713"/>
-                  </a:lnTo>
-                  <a:lnTo>
-                    <a:pt x="2942983" y="1804176"/>
-                  </a:lnTo>
-                  <a:lnTo>
-                    <a:pt x="3169366" y="1893937"/>
-                  </a:lnTo>
-                  <a:lnTo>
-                    <a:pt x="3395749" y="1981419"/>
-                  </a:lnTo>
-                  <a:lnTo>
-                    <a:pt x="3622132" y="2032399"/>
-                  </a:lnTo>
-                  <a:lnTo>
-                    <a:pt x="3848516" y="2000422"/>
-                  </a:lnTo>
-                  <a:lnTo>
-                    <a:pt x="4074899" y="1925206"/>
-                  </a:lnTo>
-                  <a:lnTo>
-                    <a:pt x="4301282" y="1844498"/>
-                  </a:lnTo>
-                  <a:lnTo>
-                    <a:pt x="4527666" y="1771793"/>
-                  </a:lnTo>
-                  <a:lnTo>
-                    <a:pt x="4754049" y="1712322"/>
-                  </a:lnTo>
-                  <a:lnTo>
-                    <a:pt x="4980432" y="1668600"/>
-                  </a:lnTo>
-                  <a:lnTo>
-                    <a:pt x="5206816" y="1641987"/>
-                  </a:lnTo>
-                  <a:lnTo>
-                    <a:pt x="5433199" y="1633186"/>
-                  </a:lnTo>
-                  <a:lnTo>
-                    <a:pt x="5659582" y="1633186"/>
+                    <a:pt x="168170" y="27991"/>
+                  </a:lnTo>
+                  <a:lnTo>
+                    <a:pt x="336340" y="109759"/>
+                  </a:lnTo>
+                  <a:lnTo>
+                    <a:pt x="504511" y="242645"/>
+                  </a:lnTo>
+                  <a:lnTo>
+                    <a:pt x="672681" y="422173"/>
+                  </a:lnTo>
+                  <a:lnTo>
+                    <a:pt x="840852" y="641760"/>
+                  </a:lnTo>
+                  <a:lnTo>
+                    <a:pt x="1009022" y="891539"/>
+                  </a:lnTo>
+                  <a:lnTo>
+                    <a:pt x="1177193" y="1153669"/>
+                  </a:lnTo>
+                  <a:lnTo>
+                    <a:pt x="1345363" y="1385629"/>
+                  </a:lnTo>
+                  <a:lnTo>
+                    <a:pt x="1513534" y="1516954"/>
+                  </a:lnTo>
+                  <a:lnTo>
+                    <a:pt x="1681704" y="1588619"/>
+                  </a:lnTo>
+                  <a:lnTo>
+                    <a:pt x="1849875" y="1651971"/>
+                  </a:lnTo>
+                  <a:lnTo>
+                    <a:pt x="2018045" y="1722713"/>
+                  </a:lnTo>
+                  <a:lnTo>
+                    <a:pt x="2186215" y="1804176"/>
+                  </a:lnTo>
+                  <a:lnTo>
+                    <a:pt x="2354386" y="1893937"/>
+                  </a:lnTo>
+                  <a:lnTo>
+                    <a:pt x="2522556" y="1981419"/>
+                  </a:lnTo>
+                  <a:lnTo>
+                    <a:pt x="2690727" y="2032399"/>
+                  </a:lnTo>
+                  <a:lnTo>
+                    <a:pt x="2858897" y="2000422"/>
+                  </a:lnTo>
+                  <a:lnTo>
+                    <a:pt x="3027068" y="1925206"/>
+                  </a:lnTo>
+                  <a:lnTo>
+                    <a:pt x="3195238" y="1844498"/>
+                  </a:lnTo>
+                  <a:lnTo>
+                    <a:pt x="3363409" y="1771793"/>
+                  </a:lnTo>
+                  <a:lnTo>
+                    <a:pt x="3531579" y="1712322"/>
+                  </a:lnTo>
+                  <a:lnTo>
+                    <a:pt x="3699750" y="1668600"/>
+                  </a:lnTo>
+                  <a:lnTo>
+                    <a:pt x="3867920" y="1641987"/>
+                  </a:lnTo>
+                  <a:lnTo>
+                    <a:pt x="4036091" y="1633186"/>
+                  </a:lnTo>
+                  <a:lnTo>
+                    <a:pt x="4204261" y="1633186"/>
+                  </a:lnTo>
+                  <a:lnTo>
+                    <a:pt x="4372431" y="1633186"/>
+                  </a:lnTo>
+                  <a:lnTo>
+                    <a:pt x="4540602" y="1633186"/>
+                  </a:lnTo>
+                  <a:lnTo>
+                    <a:pt x="4708772" y="1633186"/>
+                  </a:lnTo>
+                  <a:lnTo>
+                    <a:pt x="4876943" y="1633186"/>
+                  </a:lnTo>
+                  <a:lnTo>
+                    <a:pt x="5045113" y="1633186"/>
+                  </a:lnTo>
+                  <a:lnTo>
+                    <a:pt x="5213284" y="1633186"/>
+                  </a:lnTo>
+                  <a:lnTo>
+                    <a:pt x="5381454" y="1633186"/>
+                  </a:lnTo>
+                  <a:lnTo>
+                    <a:pt x="5549625" y="1633186"/>
+                  </a:lnTo>
+                  <a:lnTo>
+                    <a:pt x="5717795" y="1633186"/>
                   </a:lnTo>
                   <a:lnTo>
                     <a:pt x="5885966" y="1633186"/>
@@ -5738,79 +6121,106 @@
                     <a:pt x="5885966" y="2788503"/>
                   </a:lnTo>
                   <a:lnTo>
-                    <a:pt x="5659582" y="2788503"/>
-                  </a:lnTo>
-                  <a:lnTo>
-                    <a:pt x="5433199" y="2788503"/>
-                  </a:lnTo>
-                  <a:lnTo>
-                    <a:pt x="5206816" y="2781480"/>
-                  </a:lnTo>
-                  <a:lnTo>
-                    <a:pt x="4980432" y="2760055"/>
-                  </a:lnTo>
-                  <a:lnTo>
-                    <a:pt x="4754049" y="2724222"/>
-                  </a:lnTo>
-                  <a:lnTo>
-                    <a:pt x="4527666" y="2674157"/>
-                  </a:lnTo>
-                  <a:lnTo>
-                    <a:pt x="4301282" y="2610713"/>
-                  </a:lnTo>
-                  <a:lnTo>
-                    <a:pt x="4074899" y="2536983"/>
-                  </a:lnTo>
-                  <a:lnTo>
-                    <a:pt x="3848516" y="2463840"/>
-                  </a:lnTo>
-                  <a:lnTo>
-                    <a:pt x="3622132" y="2425919"/>
-                  </a:lnTo>
-                  <a:lnTo>
-                    <a:pt x="3395749" y="2446374"/>
-                  </a:lnTo>
-                  <a:lnTo>
-                    <a:pt x="3169366" y="2467353"/>
-                  </a:lnTo>
-                  <a:lnTo>
-                    <a:pt x="2942983" y="2458268"/>
-                  </a:lnTo>
-                  <a:lnTo>
-                    <a:pt x="2716599" y="2409984"/>
-                  </a:lnTo>
-                  <a:lnTo>
-                    <a:pt x="2490216" y="2319308"/>
-                  </a:lnTo>
-                  <a:lnTo>
-                    <a:pt x="2263833" y="2186415"/>
-                  </a:lnTo>
-                  <a:lnTo>
-                    <a:pt x="2037449" y="2021173"/>
-                  </a:lnTo>
-                  <a:lnTo>
-                    <a:pt x="1811066" y="1865938"/>
-                  </a:lnTo>
-                  <a:lnTo>
-                    <a:pt x="1584683" y="1790145"/>
-                  </a:lnTo>
-                  <a:lnTo>
-                    <a:pt x="1358299" y="1766417"/>
-                  </a:lnTo>
-                  <a:lnTo>
-                    <a:pt x="1131916" y="1759525"/>
-                  </a:lnTo>
-                  <a:lnTo>
-                    <a:pt x="905533" y="1758435"/>
-                  </a:lnTo>
-                  <a:lnTo>
-                    <a:pt x="679149" y="1759320"/>
-                  </a:lnTo>
-                  <a:lnTo>
-                    <a:pt x="452766" y="1760616"/>
-                  </a:lnTo>
-                  <a:lnTo>
-                    <a:pt x="226383" y="1761607"/>
+                    <a:pt x="5717795" y="2788503"/>
+                  </a:lnTo>
+                  <a:lnTo>
+                    <a:pt x="5549625" y="2788503"/>
+                  </a:lnTo>
+                  <a:lnTo>
+                    <a:pt x="5381454" y="2788503"/>
+                  </a:lnTo>
+                  <a:lnTo>
+                    <a:pt x="5213284" y="2788503"/>
+                  </a:lnTo>
+                  <a:lnTo>
+                    <a:pt x="5045113" y="2788503"/>
+                  </a:lnTo>
+                  <a:lnTo>
+                    <a:pt x="4876943" y="2788503"/>
+                  </a:lnTo>
+                  <a:lnTo>
+                    <a:pt x="4708772" y="2788503"/>
+                  </a:lnTo>
+                  <a:lnTo>
+                    <a:pt x="4540602" y="2788503"/>
+                  </a:lnTo>
+                  <a:lnTo>
+                    <a:pt x="4372431" y="2788503"/>
+                  </a:lnTo>
+                  <a:lnTo>
+                    <a:pt x="4204261" y="2788503"/>
+                  </a:lnTo>
+                  <a:lnTo>
+                    <a:pt x="4036091" y="2788503"/>
+                  </a:lnTo>
+                  <a:lnTo>
+                    <a:pt x="3867920" y="2781480"/>
+                  </a:lnTo>
+                  <a:lnTo>
+                    <a:pt x="3699750" y="2760055"/>
+                  </a:lnTo>
+                  <a:lnTo>
+                    <a:pt x="3531579" y="2724222"/>
+                  </a:lnTo>
+                  <a:lnTo>
+                    <a:pt x="3363409" y="2674157"/>
+                  </a:lnTo>
+                  <a:lnTo>
+                    <a:pt x="3195238" y="2610713"/>
+                  </a:lnTo>
+                  <a:lnTo>
+                    <a:pt x="3027068" y="2536983"/>
+                  </a:lnTo>
+                  <a:lnTo>
+                    <a:pt x="2858897" y="2463840"/>
+                  </a:lnTo>
+                  <a:lnTo>
+                    <a:pt x="2690727" y="2425919"/>
+                  </a:lnTo>
+                  <a:lnTo>
+                    <a:pt x="2522556" y="2446374"/>
+                  </a:lnTo>
+                  <a:lnTo>
+                    <a:pt x="2354386" y="2467353"/>
+                  </a:lnTo>
+                  <a:lnTo>
+                    <a:pt x="2186215" y="2458268"/>
+                  </a:lnTo>
+                  <a:lnTo>
+                    <a:pt x="2018045" y="2409984"/>
+                  </a:lnTo>
+                  <a:lnTo>
+                    <a:pt x="1849875" y="2319308"/>
+                  </a:lnTo>
+                  <a:lnTo>
+                    <a:pt x="1681704" y="2186415"/>
+                  </a:lnTo>
+                  <a:lnTo>
+                    <a:pt x="1513534" y="2021173"/>
+                  </a:lnTo>
+                  <a:lnTo>
+                    <a:pt x="1345363" y="1865938"/>
+                  </a:lnTo>
+                  <a:lnTo>
+                    <a:pt x="1177193" y="1790145"/>
+                  </a:lnTo>
+                  <a:lnTo>
+                    <a:pt x="1009022" y="1766417"/>
+                  </a:lnTo>
+                  <a:lnTo>
+                    <a:pt x="840852" y="1759525"/>
+                  </a:lnTo>
+                  <a:lnTo>
+                    <a:pt x="672681" y="1758435"/>
+                  </a:lnTo>
+                  <a:lnTo>
+                    <a:pt x="504511" y="1759320"/>
+                  </a:lnTo>
+                  <a:lnTo>
+                    <a:pt x="336340" y="1760616"/>
+                  </a:lnTo>
+                  <a:lnTo>
+                    <a:pt x="168170" y="1761607"/>
                   </a:lnTo>
                   <a:lnTo>
                     <a:pt x="0" y="1761975"/>
@@ -5833,7 +6243,7 @@
         </p:sp>
         <p:sp>
           <p:nvSpPr>
-            <p:cNvPr id="49" name="pl49"/>
+            <p:cNvPr id="51" name="pl51"/>
             <p:cNvSpPr/>
             <p:nvPr/>
           </p:nvSpPr>
@@ -5853,79 +6263,106 @@
                     <a:pt x="0" y="0"/>
                   </a:lnTo>
                   <a:lnTo>
-                    <a:pt x="226383" y="27991"/>
-                  </a:lnTo>
-                  <a:lnTo>
-                    <a:pt x="452766" y="109759"/>
-                  </a:lnTo>
-                  <a:lnTo>
-                    <a:pt x="679149" y="242645"/>
-                  </a:lnTo>
-                  <a:lnTo>
-                    <a:pt x="905533" y="422173"/>
-                  </a:lnTo>
-                  <a:lnTo>
-                    <a:pt x="1131916" y="641760"/>
-                  </a:lnTo>
-                  <a:lnTo>
-                    <a:pt x="1358299" y="891539"/>
-                  </a:lnTo>
-                  <a:lnTo>
-                    <a:pt x="1584683" y="1153669"/>
-                  </a:lnTo>
-                  <a:lnTo>
-                    <a:pt x="1811066" y="1385629"/>
-                  </a:lnTo>
-                  <a:lnTo>
-                    <a:pt x="2037449" y="1516954"/>
-                  </a:lnTo>
-                  <a:lnTo>
-                    <a:pt x="2263833" y="1588619"/>
-                  </a:lnTo>
-                  <a:lnTo>
-                    <a:pt x="2490216" y="1651971"/>
-                  </a:lnTo>
-                  <a:lnTo>
-                    <a:pt x="2716599" y="1722713"/>
-                  </a:lnTo>
-                  <a:lnTo>
-                    <a:pt x="2942983" y="1804176"/>
-                  </a:lnTo>
-                  <a:lnTo>
-                    <a:pt x="3169366" y="1893937"/>
-                  </a:lnTo>
-                  <a:lnTo>
-                    <a:pt x="3395749" y="1981419"/>
-                  </a:lnTo>
-                  <a:lnTo>
-                    <a:pt x="3622132" y="2032399"/>
-                  </a:lnTo>
-                  <a:lnTo>
-                    <a:pt x="3848516" y="2000422"/>
-                  </a:lnTo>
-                  <a:lnTo>
-                    <a:pt x="4074899" y="1925206"/>
-                  </a:lnTo>
-                  <a:lnTo>
-                    <a:pt x="4301282" y="1844498"/>
-                  </a:lnTo>
-                  <a:lnTo>
-                    <a:pt x="4527666" y="1771793"/>
-                  </a:lnTo>
-                  <a:lnTo>
-                    <a:pt x="4754049" y="1712322"/>
-                  </a:lnTo>
-                  <a:lnTo>
-                    <a:pt x="4980432" y="1668600"/>
-                  </a:lnTo>
-                  <a:lnTo>
-                    <a:pt x="5206816" y="1641987"/>
-                  </a:lnTo>
-                  <a:lnTo>
-                    <a:pt x="5433199" y="1633186"/>
-                  </a:lnTo>
-                  <a:lnTo>
-                    <a:pt x="5659582" y="1633186"/>
+                    <a:pt x="168170" y="27991"/>
+                  </a:lnTo>
+                  <a:lnTo>
+                    <a:pt x="336340" y="109759"/>
+                  </a:lnTo>
+                  <a:lnTo>
+                    <a:pt x="504511" y="242645"/>
+                  </a:lnTo>
+                  <a:lnTo>
+                    <a:pt x="672681" y="422173"/>
+                  </a:lnTo>
+                  <a:lnTo>
+                    <a:pt x="840852" y="641760"/>
+                  </a:lnTo>
+                  <a:lnTo>
+                    <a:pt x="1009022" y="891539"/>
+                  </a:lnTo>
+                  <a:lnTo>
+                    <a:pt x="1177193" y="1153669"/>
+                  </a:lnTo>
+                  <a:lnTo>
+                    <a:pt x="1345363" y="1385629"/>
+                  </a:lnTo>
+                  <a:lnTo>
+                    <a:pt x="1513534" y="1516954"/>
+                  </a:lnTo>
+                  <a:lnTo>
+                    <a:pt x="1681704" y="1588619"/>
+                  </a:lnTo>
+                  <a:lnTo>
+                    <a:pt x="1849875" y="1651971"/>
+                  </a:lnTo>
+                  <a:lnTo>
+                    <a:pt x="2018045" y="1722713"/>
+                  </a:lnTo>
+                  <a:lnTo>
+                    <a:pt x="2186215" y="1804176"/>
+                  </a:lnTo>
+                  <a:lnTo>
+                    <a:pt x="2354386" y="1893937"/>
+                  </a:lnTo>
+                  <a:lnTo>
+                    <a:pt x="2522556" y="1981419"/>
+                  </a:lnTo>
+                  <a:lnTo>
+                    <a:pt x="2690727" y="2032399"/>
+                  </a:lnTo>
+                  <a:lnTo>
+                    <a:pt x="2858897" y="2000422"/>
+                  </a:lnTo>
+                  <a:lnTo>
+                    <a:pt x="3027068" y="1925206"/>
+                  </a:lnTo>
+                  <a:lnTo>
+                    <a:pt x="3195238" y="1844498"/>
+                  </a:lnTo>
+                  <a:lnTo>
+                    <a:pt x="3363409" y="1771793"/>
+                  </a:lnTo>
+                  <a:lnTo>
+                    <a:pt x="3531579" y="1712322"/>
+                  </a:lnTo>
+                  <a:lnTo>
+                    <a:pt x="3699750" y="1668600"/>
+                  </a:lnTo>
+                  <a:lnTo>
+                    <a:pt x="3867920" y="1641987"/>
+                  </a:lnTo>
+                  <a:lnTo>
+                    <a:pt x="4036091" y="1633186"/>
+                  </a:lnTo>
+                  <a:lnTo>
+                    <a:pt x="4204261" y="1633186"/>
+                  </a:lnTo>
+                  <a:lnTo>
+                    <a:pt x="4372431" y="1633186"/>
+                  </a:lnTo>
+                  <a:lnTo>
+                    <a:pt x="4540602" y="1633186"/>
+                  </a:lnTo>
+                  <a:lnTo>
+                    <a:pt x="4708772" y="1633186"/>
+                  </a:lnTo>
+                  <a:lnTo>
+                    <a:pt x="4876943" y="1633186"/>
+                  </a:lnTo>
+                  <a:lnTo>
+                    <a:pt x="5045113" y="1633186"/>
+                  </a:lnTo>
+                  <a:lnTo>
+                    <a:pt x="5213284" y="1633186"/>
+                  </a:lnTo>
+                  <a:lnTo>
+                    <a:pt x="5381454" y="1633186"/>
+                  </a:lnTo>
+                  <a:lnTo>
+                    <a:pt x="5549625" y="1633186"/>
+                  </a:lnTo>
+                  <a:lnTo>
+                    <a:pt x="5717795" y="1633186"/>
                   </a:lnTo>
                   <a:lnTo>
                     <a:pt x="5885966" y="1633186"/>
@@ -5945,7 +6382,7 @@
         </p:sp>
         <p:sp>
           <p:nvSpPr>
-            <p:cNvPr id="50" name="pl50"/>
+            <p:cNvPr id="52" name="pl52"/>
             <p:cNvSpPr/>
             <p:nvPr/>
           </p:nvSpPr>
@@ -5962,79 +6399,106 @@
                     <a:pt x="5885966" y="1030068"/>
                   </a:moveTo>
                   <a:lnTo>
-                    <a:pt x="5659582" y="1030068"/>
-                  </a:lnTo>
-                  <a:lnTo>
-                    <a:pt x="5433199" y="1030068"/>
-                  </a:lnTo>
-                  <a:lnTo>
-                    <a:pt x="5206816" y="1023045"/>
-                  </a:lnTo>
-                  <a:lnTo>
-                    <a:pt x="4980432" y="1001620"/>
-                  </a:lnTo>
-                  <a:lnTo>
-                    <a:pt x="4754049" y="965787"/>
-                  </a:lnTo>
-                  <a:lnTo>
-                    <a:pt x="4527666" y="915722"/>
-                  </a:lnTo>
-                  <a:lnTo>
-                    <a:pt x="4301282" y="852278"/>
-                  </a:lnTo>
-                  <a:lnTo>
-                    <a:pt x="4074899" y="778548"/>
-                  </a:lnTo>
-                  <a:lnTo>
-                    <a:pt x="3848516" y="705405"/>
-                  </a:lnTo>
-                  <a:lnTo>
-                    <a:pt x="3622132" y="667484"/>
-                  </a:lnTo>
-                  <a:lnTo>
-                    <a:pt x="3395749" y="687939"/>
-                  </a:lnTo>
-                  <a:lnTo>
-                    <a:pt x="3169366" y="708918"/>
-                  </a:lnTo>
-                  <a:lnTo>
-                    <a:pt x="2942983" y="699833"/>
-                  </a:lnTo>
-                  <a:lnTo>
-                    <a:pt x="2716599" y="651549"/>
-                  </a:lnTo>
-                  <a:lnTo>
-                    <a:pt x="2490216" y="560873"/>
-                  </a:lnTo>
-                  <a:lnTo>
-                    <a:pt x="2263833" y="427980"/>
-                  </a:lnTo>
-                  <a:lnTo>
-                    <a:pt x="2037449" y="262738"/>
-                  </a:lnTo>
-                  <a:lnTo>
-                    <a:pt x="1811066" y="107503"/>
-                  </a:lnTo>
-                  <a:lnTo>
-                    <a:pt x="1584683" y="31710"/>
-                  </a:lnTo>
-                  <a:lnTo>
-                    <a:pt x="1358299" y="7982"/>
-                  </a:lnTo>
-                  <a:lnTo>
-                    <a:pt x="1131916" y="1090"/>
-                  </a:lnTo>
-                  <a:lnTo>
-                    <a:pt x="905533" y="0"/>
-                  </a:lnTo>
-                  <a:lnTo>
-                    <a:pt x="679149" y="885"/>
-                  </a:lnTo>
-                  <a:lnTo>
-                    <a:pt x="452766" y="2180"/>
-                  </a:lnTo>
-                  <a:lnTo>
-                    <a:pt x="226383" y="3172"/>
+                    <a:pt x="5717795" y="1030068"/>
+                  </a:lnTo>
+                  <a:lnTo>
+                    <a:pt x="5549625" y="1030068"/>
+                  </a:lnTo>
+                  <a:lnTo>
+                    <a:pt x="5381454" y="1030068"/>
+                  </a:lnTo>
+                  <a:lnTo>
+                    <a:pt x="5213284" y="1030068"/>
+                  </a:lnTo>
+                  <a:lnTo>
+                    <a:pt x="5045113" y="1030068"/>
+                  </a:lnTo>
+                  <a:lnTo>
+                    <a:pt x="4876943" y="1030068"/>
+                  </a:lnTo>
+                  <a:lnTo>
+                    <a:pt x="4708772" y="1030068"/>
+                  </a:lnTo>
+                  <a:lnTo>
+                    <a:pt x="4540602" y="1030068"/>
+                  </a:lnTo>
+                  <a:lnTo>
+                    <a:pt x="4372431" y="1030068"/>
+                  </a:lnTo>
+                  <a:lnTo>
+                    <a:pt x="4204261" y="1030068"/>
+                  </a:lnTo>
+                  <a:lnTo>
+                    <a:pt x="4036091" y="1030068"/>
+                  </a:lnTo>
+                  <a:lnTo>
+                    <a:pt x="3867920" y="1023045"/>
+                  </a:lnTo>
+                  <a:lnTo>
+                    <a:pt x="3699750" y="1001620"/>
+                  </a:lnTo>
+                  <a:lnTo>
+                    <a:pt x="3531579" y="965787"/>
+                  </a:lnTo>
+                  <a:lnTo>
+                    <a:pt x="3363409" y="915722"/>
+                  </a:lnTo>
+                  <a:lnTo>
+                    <a:pt x="3195238" y="852278"/>
+                  </a:lnTo>
+                  <a:lnTo>
+                    <a:pt x="3027068" y="778548"/>
+                  </a:lnTo>
+                  <a:lnTo>
+                    <a:pt x="2858897" y="705405"/>
+                  </a:lnTo>
+                  <a:lnTo>
+                    <a:pt x="2690727" y="667484"/>
+                  </a:lnTo>
+                  <a:lnTo>
+                    <a:pt x="2522556" y="687939"/>
+                  </a:lnTo>
+                  <a:lnTo>
+                    <a:pt x="2354386" y="708918"/>
+                  </a:lnTo>
+                  <a:lnTo>
+                    <a:pt x="2186215" y="699833"/>
+                  </a:lnTo>
+                  <a:lnTo>
+                    <a:pt x="2018045" y="651549"/>
+                  </a:lnTo>
+                  <a:lnTo>
+                    <a:pt x="1849875" y="560873"/>
+                  </a:lnTo>
+                  <a:lnTo>
+                    <a:pt x="1681704" y="427980"/>
+                  </a:lnTo>
+                  <a:lnTo>
+                    <a:pt x="1513534" y="262738"/>
+                  </a:lnTo>
+                  <a:lnTo>
+                    <a:pt x="1345363" y="107503"/>
+                  </a:lnTo>
+                  <a:lnTo>
+                    <a:pt x="1177193" y="31710"/>
+                  </a:lnTo>
+                  <a:lnTo>
+                    <a:pt x="1009022" y="7982"/>
+                  </a:lnTo>
+                  <a:lnTo>
+                    <a:pt x="840852" y="1090"/>
+                  </a:lnTo>
+                  <a:lnTo>
+                    <a:pt x="672681" y="0"/>
+                  </a:lnTo>
+                  <a:lnTo>
+                    <a:pt x="504511" y="885"/>
+                  </a:lnTo>
+                  <a:lnTo>
+                    <a:pt x="336340" y="2180"/>
+                  </a:lnTo>
+                  <a:lnTo>
+                    <a:pt x="168170" y="3172"/>
                   </a:lnTo>
                   <a:lnTo>
                     <a:pt x="0" y="3539"/>
@@ -6054,7 +6518,7 @@
         </p:sp>
         <p:sp>
           <p:nvSpPr>
-            <p:cNvPr id="51" name="pl51"/>
+            <p:cNvPr id="53" name="pl53"/>
             <p:cNvSpPr/>
             <p:nvPr/>
           </p:nvSpPr>
@@ -6074,79 +6538,106 @@
                     <a:pt x="0" y="0"/>
                   </a:lnTo>
                   <a:lnTo>
-                    <a:pt x="226383" y="11544"/>
-                  </a:lnTo>
-                  <a:lnTo>
-                    <a:pt x="452766" y="45481"/>
-                  </a:lnTo>
-                  <a:lnTo>
-                    <a:pt x="679149" y="101354"/>
-                  </a:lnTo>
-                  <a:lnTo>
-                    <a:pt x="905533" y="178417"/>
-                  </a:lnTo>
-                  <a:lnTo>
-                    <a:pt x="1131916" y="275649"/>
-                  </a:lnTo>
-                  <a:lnTo>
-                    <a:pt x="1358299" y="391780"/>
-                  </a:lnTo>
-                  <a:lnTo>
-                    <a:pt x="1584683" y="525312"/>
-                  </a:lnTo>
-                  <a:lnTo>
-                    <a:pt x="1811066" y="674557"/>
-                  </a:lnTo>
-                  <a:lnTo>
-                    <a:pt x="2037449" y="818766"/>
-                  </a:lnTo>
-                  <a:lnTo>
-                    <a:pt x="2263833" y="940607"/>
-                  </a:lnTo>
-                  <a:lnTo>
-                    <a:pt x="2490216" y="1041772"/>
-                  </a:lnTo>
-                  <a:lnTo>
-                    <a:pt x="2716599" y="1123641"/>
-                  </a:lnTo>
-                  <a:lnTo>
-                    <a:pt x="2942983" y="1187316"/>
-                  </a:lnTo>
-                  <a:lnTo>
-                    <a:pt x="3169366" y="1233642"/>
-                  </a:lnTo>
-                  <a:lnTo>
-                    <a:pt x="3395749" y="1263229"/>
-                  </a:lnTo>
-                  <a:lnTo>
-                    <a:pt x="3622132" y="1276467"/>
-                  </a:lnTo>
-                  <a:lnTo>
-                    <a:pt x="3848516" y="1281451"/>
-                  </a:lnTo>
-                  <a:lnTo>
-                    <a:pt x="4074899" y="1285765"/>
-                  </a:lnTo>
-                  <a:lnTo>
-                    <a:pt x="4301282" y="1289409"/>
-                  </a:lnTo>
-                  <a:lnTo>
-                    <a:pt x="4527666" y="1292387"/>
-                  </a:lnTo>
-                  <a:lnTo>
-                    <a:pt x="4754049" y="1294700"/>
-                  </a:lnTo>
-                  <a:lnTo>
-                    <a:pt x="4980432" y="1296349"/>
-                  </a:lnTo>
-                  <a:lnTo>
-                    <a:pt x="5206816" y="1297335"/>
-                  </a:lnTo>
-                  <a:lnTo>
-                    <a:pt x="5433199" y="1297658"/>
-                  </a:lnTo>
-                  <a:lnTo>
-                    <a:pt x="5659582" y="1297658"/>
+                    <a:pt x="168170" y="11544"/>
+                  </a:lnTo>
+                  <a:lnTo>
+                    <a:pt x="336340" y="45481"/>
+                  </a:lnTo>
+                  <a:lnTo>
+                    <a:pt x="504511" y="101354"/>
+                  </a:lnTo>
+                  <a:lnTo>
+                    <a:pt x="672681" y="178417"/>
+                  </a:lnTo>
+                  <a:lnTo>
+                    <a:pt x="840852" y="275649"/>
+                  </a:lnTo>
+                  <a:lnTo>
+                    <a:pt x="1009022" y="391780"/>
+                  </a:lnTo>
+                  <a:lnTo>
+                    <a:pt x="1177193" y="525312"/>
+                  </a:lnTo>
+                  <a:lnTo>
+                    <a:pt x="1345363" y="674557"/>
+                  </a:lnTo>
+                  <a:lnTo>
+                    <a:pt x="1513534" y="818766"/>
+                  </a:lnTo>
+                  <a:lnTo>
+                    <a:pt x="1681704" y="940607"/>
+                  </a:lnTo>
+                  <a:lnTo>
+                    <a:pt x="1849875" y="1041772"/>
+                  </a:lnTo>
+                  <a:lnTo>
+                    <a:pt x="2018045" y="1123641"/>
+                  </a:lnTo>
+                  <a:lnTo>
+                    <a:pt x="2186215" y="1187316"/>
+                  </a:lnTo>
+                  <a:lnTo>
+                    <a:pt x="2354386" y="1233642"/>
+                  </a:lnTo>
+                  <a:lnTo>
+                    <a:pt x="2522556" y="1263229"/>
+                  </a:lnTo>
+                  <a:lnTo>
+                    <a:pt x="2690727" y="1276467"/>
+                  </a:lnTo>
+                  <a:lnTo>
+                    <a:pt x="2858897" y="1281451"/>
+                  </a:lnTo>
+                  <a:lnTo>
+                    <a:pt x="3027068" y="1285765"/>
+                  </a:lnTo>
+                  <a:lnTo>
+                    <a:pt x="3195238" y="1289409"/>
+                  </a:lnTo>
+                  <a:lnTo>
+                    <a:pt x="3363409" y="1292387"/>
+                  </a:lnTo>
+                  <a:lnTo>
+                    <a:pt x="3531579" y="1294700"/>
+                  </a:lnTo>
+                  <a:lnTo>
+                    <a:pt x="3699750" y="1296349"/>
+                  </a:lnTo>
+                  <a:lnTo>
+                    <a:pt x="3867920" y="1297335"/>
+                  </a:lnTo>
+                  <a:lnTo>
+                    <a:pt x="4036091" y="1297658"/>
+                  </a:lnTo>
+                  <a:lnTo>
+                    <a:pt x="4204261" y="1297658"/>
+                  </a:lnTo>
+                  <a:lnTo>
+                    <a:pt x="4372431" y="1297658"/>
+                  </a:lnTo>
+                  <a:lnTo>
+                    <a:pt x="4540602" y="1297658"/>
+                  </a:lnTo>
+                  <a:lnTo>
+                    <a:pt x="4708772" y="1297658"/>
+                  </a:lnTo>
+                  <a:lnTo>
+                    <a:pt x="4876943" y="1297658"/>
+                  </a:lnTo>
+                  <a:lnTo>
+                    <a:pt x="5045113" y="1297658"/>
+                  </a:lnTo>
+                  <a:lnTo>
+                    <a:pt x="5213284" y="1297658"/>
+                  </a:lnTo>
+                  <a:lnTo>
+                    <a:pt x="5381454" y="1297658"/>
+                  </a:lnTo>
+                  <a:lnTo>
+                    <a:pt x="5549625" y="1297658"/>
+                  </a:lnTo>
+                  <a:lnTo>
+                    <a:pt x="5717795" y="1297658"/>
                   </a:lnTo>
                   <a:lnTo>
                     <a:pt x="5885966" y="1297658"/>
@@ -6175,7 +6666,7 @@
         </p:sp>
         <p:sp>
           <p:nvSpPr>
-            <p:cNvPr id="52" name="pl52"/>
+            <p:cNvPr id="54" name="pl54"/>
             <p:cNvSpPr/>
             <p:nvPr/>
           </p:nvSpPr>
@@ -6218,7 +6709,7 @@
         </p:sp>
         <p:sp>
           <p:nvSpPr>
-            <p:cNvPr id="53" name="tx53"/>
+            <p:cNvPr id="55" name="tx55"/>
             <p:cNvSpPr/>
             <p:nvPr/>
           </p:nvSpPr>
@@ -6264,7 +6755,7 @@
         </p:sp>
         <p:sp>
           <p:nvSpPr>
-            <p:cNvPr id="54" name="tx54"/>
+            <p:cNvPr id="56" name="tx56"/>
             <p:cNvSpPr/>
             <p:nvPr/>
           </p:nvSpPr>
@@ -6310,7 +6801,7 @@
         </p:sp>
         <p:sp>
           <p:nvSpPr>
-            <p:cNvPr id="55" name="tx55"/>
+            <p:cNvPr id="57" name="tx57"/>
             <p:cNvSpPr/>
             <p:nvPr/>
           </p:nvSpPr>
@@ -6356,7 +6847,7 @@
         </p:sp>
         <p:sp>
           <p:nvSpPr>
-            <p:cNvPr id="56" name="tx56"/>
+            <p:cNvPr id="58" name="tx58"/>
             <p:cNvSpPr/>
             <p:nvPr/>
           </p:nvSpPr>
@@ -6402,93 +6893,13 @@
         </p:sp>
         <p:sp>
           <p:nvSpPr>
-            <p:cNvPr id="57" name="pl57"/>
+            <p:cNvPr id="59" name="pl59"/>
             <p:cNvSpPr/>
             <p:nvPr/>
           </p:nvSpPr>
           <p:spPr>
             <a:xfrm>
               <a:off x="4753850" y="8581835"/>
-              <a:ext cx="34794" cy="0"/>
-            </a:xfrm>
-            <a:custGeom>
-              <a:avLst/>
-              <a:pathLst>
-                <a:path w="34794" h="0">
-                  <a:moveTo>
-                    <a:pt x="0" y="0"/>
-                  </a:moveTo>
-                  <a:lnTo>
-                    <a:pt x="34794" y="0"/>
-                  </a:lnTo>
-                </a:path>
-              </a:pathLst>
-            </a:custGeom>
-            <a:ln w="13550" cap="flat">
-              <a:solidFill>
-                <a:srgbClr val="333333">
-                  <a:alpha val="100000"/>
-                </a:srgbClr>
-              </a:solidFill>
-              <a:prstDash val="solid"/>
-              <a:round/>
-            </a:ln>
-          </p:spPr>
-          <p:txBody>
-            <a:bodyPr/>
-            <a:lstStyle/>
-            <a:p/>
-          </p:txBody>
-        </p:sp>
-        <p:sp>
-          <p:nvSpPr>
-            <p:cNvPr id="58" name="pl58"/>
-            <p:cNvSpPr/>
-            <p:nvPr/>
-          </p:nvSpPr>
-          <p:spPr>
-            <a:xfrm>
-              <a:off x="4753850" y="7821054"/>
-              <a:ext cx="34794" cy="0"/>
-            </a:xfrm>
-            <a:custGeom>
-              <a:avLst/>
-              <a:pathLst>
-                <a:path w="34794" h="0">
-                  <a:moveTo>
-                    <a:pt x="0" y="0"/>
-                  </a:moveTo>
-                  <a:lnTo>
-                    <a:pt x="34794" y="0"/>
-                  </a:lnTo>
-                </a:path>
-              </a:pathLst>
-            </a:custGeom>
-            <a:ln w="13550" cap="flat">
-              <a:solidFill>
-                <a:srgbClr val="333333">
-                  <a:alpha val="100000"/>
-                </a:srgbClr>
-              </a:solidFill>
-              <a:prstDash val="solid"/>
-              <a:round/>
-            </a:ln>
-          </p:spPr>
-          <p:txBody>
-            <a:bodyPr/>
-            <a:lstStyle/>
-            <a:p/>
-          </p:txBody>
-        </p:sp>
-        <p:sp>
-          <p:nvSpPr>
-            <p:cNvPr id="59" name="pl59"/>
-            <p:cNvSpPr/>
-            <p:nvPr/>
-          </p:nvSpPr>
-          <p:spPr>
-            <a:xfrm>
-              <a:off x="4753850" y="7060272"/>
               <a:ext cx="34794" cy="0"/>
             </a:xfrm>
             <a:custGeom>
@@ -6528,7 +6939,7 @@
           </p:nvSpPr>
           <p:spPr>
             <a:xfrm>
-              <a:off x="4753850" y="6299490"/>
+              <a:off x="4753850" y="7821054"/>
               <a:ext cx="34794" cy="0"/>
             </a:xfrm>
             <a:custGeom>
@@ -6568,18 +6979,18 @@
           </p:nvSpPr>
           <p:spPr>
             <a:xfrm>
-              <a:off x="5694178" y="8581835"/>
-              <a:ext cx="0" cy="34794"/>
+              <a:off x="4753850" y="7060272"/>
+              <a:ext cx="34794" cy="0"/>
             </a:xfrm>
             <a:custGeom>
               <a:avLst/>
               <a:pathLst>
-                <a:path w="0" h="34794">
+                <a:path w="34794" h="0">
                   <a:moveTo>
-                    <a:pt x="0" y="34794"/>
+                    <a:pt x="0" y="0"/>
                   </a:moveTo>
                   <a:lnTo>
-                    <a:pt x="0" y="0"/>
+                    <a:pt x="34794" y="0"/>
                   </a:lnTo>
                 </a:path>
               </a:pathLst>
@@ -6608,18 +7019,18 @@
           </p:nvSpPr>
           <p:spPr>
             <a:xfrm>
-              <a:off x="7278861" y="8581835"/>
-              <a:ext cx="0" cy="34794"/>
+              <a:off x="4753850" y="6299490"/>
+              <a:ext cx="34794" cy="0"/>
             </a:xfrm>
             <a:custGeom>
               <a:avLst/>
               <a:pathLst>
-                <a:path w="0" h="34794">
+                <a:path w="34794" h="0">
                   <a:moveTo>
-                    <a:pt x="0" y="34794"/>
+                    <a:pt x="0" y="0"/>
                   </a:moveTo>
                   <a:lnTo>
-                    <a:pt x="0" y="0"/>
+                    <a:pt x="34794" y="0"/>
                   </a:lnTo>
                 </a:path>
               </a:pathLst>
@@ -6648,7 +7059,7 @@
           </p:nvSpPr>
           <p:spPr>
             <a:xfrm>
-              <a:off x="8863544" y="8581835"/>
+              <a:off x="5461326" y="8581835"/>
               <a:ext cx="0" cy="34794"/>
             </a:xfrm>
             <a:custGeom>
@@ -6688,7 +7099,7 @@
           </p:nvSpPr>
           <p:spPr>
             <a:xfrm>
-              <a:off x="10448227" y="8581835"/>
+              <a:off x="6638519" y="8581835"/>
               <a:ext cx="0" cy="34794"/>
             </a:xfrm>
             <a:custGeom>
@@ -6722,13 +7133,133 @@
         </p:sp>
         <p:sp>
           <p:nvSpPr>
-            <p:cNvPr id="65" name="tx65"/>
+            <p:cNvPr id="65" name="pl65"/>
             <p:cNvSpPr/>
             <p:nvPr/>
           </p:nvSpPr>
           <p:spPr>
             <a:xfrm>
-              <a:off x="5511149" y="8642620"/>
+              <a:off x="7815713" y="8581835"/>
+              <a:ext cx="0" cy="34794"/>
+            </a:xfrm>
+            <a:custGeom>
+              <a:avLst/>
+              <a:pathLst>
+                <a:path w="0" h="34794">
+                  <a:moveTo>
+                    <a:pt x="0" y="34794"/>
+                  </a:moveTo>
+                  <a:lnTo>
+                    <a:pt x="0" y="0"/>
+                  </a:lnTo>
+                </a:path>
+              </a:pathLst>
+            </a:custGeom>
+            <a:ln w="13550" cap="flat">
+              <a:solidFill>
+                <a:srgbClr val="333333">
+                  <a:alpha val="100000"/>
+                </a:srgbClr>
+              </a:solidFill>
+              <a:prstDash val="solid"/>
+              <a:round/>
+            </a:ln>
+          </p:spPr>
+          <p:txBody>
+            <a:bodyPr/>
+            <a:lstStyle/>
+            <a:p/>
+          </p:txBody>
+        </p:sp>
+        <p:sp>
+          <p:nvSpPr>
+            <p:cNvPr id="66" name="pl66"/>
+            <p:cNvSpPr/>
+            <p:nvPr/>
+          </p:nvSpPr>
+          <p:spPr>
+            <a:xfrm>
+              <a:off x="8992906" y="8581835"/>
+              <a:ext cx="0" cy="34794"/>
+            </a:xfrm>
+            <a:custGeom>
+              <a:avLst/>
+              <a:pathLst>
+                <a:path w="0" h="34794">
+                  <a:moveTo>
+                    <a:pt x="0" y="34794"/>
+                  </a:moveTo>
+                  <a:lnTo>
+                    <a:pt x="0" y="0"/>
+                  </a:lnTo>
+                </a:path>
+              </a:pathLst>
+            </a:custGeom>
+            <a:ln w="13550" cap="flat">
+              <a:solidFill>
+                <a:srgbClr val="333333">
+                  <a:alpha val="100000"/>
+                </a:srgbClr>
+              </a:solidFill>
+              <a:prstDash val="solid"/>
+              <a:round/>
+            </a:ln>
+          </p:spPr>
+          <p:txBody>
+            <a:bodyPr/>
+            <a:lstStyle/>
+            <a:p/>
+          </p:txBody>
+        </p:sp>
+        <p:sp>
+          <p:nvSpPr>
+            <p:cNvPr id="67" name="pl67"/>
+            <p:cNvSpPr/>
+            <p:nvPr/>
+          </p:nvSpPr>
+          <p:spPr>
+            <a:xfrm>
+              <a:off x="10170099" y="8581835"/>
+              <a:ext cx="0" cy="34794"/>
+            </a:xfrm>
+            <a:custGeom>
+              <a:avLst/>
+              <a:pathLst>
+                <a:path w="0" h="34794">
+                  <a:moveTo>
+                    <a:pt x="0" y="34794"/>
+                  </a:moveTo>
+                  <a:lnTo>
+                    <a:pt x="0" y="0"/>
+                  </a:lnTo>
+                </a:path>
+              </a:pathLst>
+            </a:custGeom>
+            <a:ln w="13550" cap="flat">
+              <a:solidFill>
+                <a:srgbClr val="333333">
+                  <a:alpha val="100000"/>
+                </a:srgbClr>
+              </a:solidFill>
+              <a:prstDash val="solid"/>
+              <a:round/>
+            </a:ln>
+          </p:spPr>
+          <p:txBody>
+            <a:bodyPr/>
+            <a:lstStyle/>
+            <a:p/>
+          </p:txBody>
+        </p:sp>
+        <p:sp>
+          <p:nvSpPr>
+            <p:cNvPr id="68" name="tx68"/>
+            <p:cNvSpPr/>
+            <p:nvPr/>
+          </p:nvSpPr>
+          <p:spPr>
+            <a:xfrm>
+              <a:off x="5278297" y="8642620"/>
               <a:ext cx="366057" cy="89118"/>
             </a:xfrm>
             <a:prstGeom prst="rect">
@@ -6768,13 +7299,13 @@
         </p:sp>
         <p:sp>
           <p:nvSpPr>
-            <p:cNvPr id="66" name="tx66"/>
+            <p:cNvPr id="69" name="tx69"/>
             <p:cNvSpPr/>
             <p:nvPr/>
           </p:nvSpPr>
           <p:spPr>
             <a:xfrm>
-              <a:off x="7095832" y="8642620"/>
+              <a:off x="6455491" y="8642620"/>
               <a:ext cx="366057" cy="89118"/>
             </a:xfrm>
             <a:prstGeom prst="rect">
@@ -6814,13 +7345,13 @@
         </p:sp>
         <p:sp>
           <p:nvSpPr>
-            <p:cNvPr id="67" name="tx67"/>
+            <p:cNvPr id="70" name="tx70"/>
             <p:cNvSpPr/>
             <p:nvPr/>
           </p:nvSpPr>
           <p:spPr>
             <a:xfrm>
-              <a:off x="8673758" y="8642620"/>
+              <a:off x="7625927" y="8642620"/>
               <a:ext cx="379571" cy="89118"/>
             </a:xfrm>
             <a:prstGeom prst="rect">
@@ -6860,13 +7391,13 @@
         </p:sp>
         <p:sp>
           <p:nvSpPr>
-            <p:cNvPr id="68" name="tx68"/>
+            <p:cNvPr id="71" name="tx71"/>
             <p:cNvSpPr/>
             <p:nvPr/>
           </p:nvSpPr>
           <p:spPr>
             <a:xfrm>
-              <a:off x="10258442" y="8642620"/>
+              <a:off x="8803120" y="8642620"/>
               <a:ext cx="379571" cy="89118"/>
             </a:xfrm>
             <a:prstGeom prst="rect">
@@ -6906,7 +7437,53 @@
         </p:sp>
         <p:sp>
           <p:nvSpPr>
-            <p:cNvPr id="69" name="tx69"/>
+            <p:cNvPr id="72" name="tx72"/>
+            <p:cNvSpPr/>
+            <p:nvPr/>
+          </p:nvSpPr>
+          <p:spPr>
+            <a:xfrm>
+              <a:off x="9980313" y="8642620"/>
+              <a:ext cx="379571" cy="89118"/>
+            </a:xfrm>
+            <a:prstGeom prst="rect">
+              <a:avLst/>
+            </a:prstGeom>
+            <a:noFill/>
+          </p:spPr>
+          <p:txBody>
+            <a:bodyPr lIns="0" rIns="0" tIns="0" bIns="0" anchorCtr="1" anchor="ctr" wrap="none"/>
+            <a:lstStyle/>
+            <a:p>
+              <a:pPr algn="l" marL="0" marR="0" indent="0">
+                <a:lnSpc>
+                  <a:spcPts val="960"/>
+                </a:lnSpc>
+                <a:spcBef>
+                  <a:spcPts val="0"/>
+                </a:spcBef>
+                <a:spcAft>
+                  <a:spcPts val="0"/>
+                </a:spcAft>
+              </a:pPr>
+              <a:r>
+                <a:rPr sz="960">
+                  <a:solidFill>
+                    <a:srgbClr val="4D4D4D">
+                      <a:alpha val="100000"/>
+                    </a:srgbClr>
+                  </a:solidFill>
+                  <a:latin typeface="Arial"/>
+                  <a:cs typeface="Arial"/>
+                </a:rPr>
+                <a:t>Feb 15</a:t>
+              </a:r>
+            </a:p>
+          </p:txBody>
+        </p:sp>
+        <p:sp>
+          <p:nvSpPr>
+            <p:cNvPr id="73" name="tx73"/>
             <p:cNvSpPr/>
             <p:nvPr/>
           </p:nvSpPr>
@@ -6952,7 +7529,7 @@
         </p:sp>
         <p:sp>
           <p:nvSpPr>
-            <p:cNvPr id="70" name="tx70"/>
+            <p:cNvPr id="74" name="tx74"/>
             <p:cNvSpPr/>
             <p:nvPr/>
           </p:nvSpPr>
